--- a/vue初探.pptx
+++ b/vue初探.pptx
@@ -5,7 +5,7 @@
     <p:sldMasterId id="2147483672" r:id="rId1"/>
   </p:sldMasterIdLst>
   <p:notesMasterIdLst>
-    <p:notesMasterId r:id="rId20"/>
+    <p:notesMasterId r:id="rId21"/>
   </p:notesMasterIdLst>
   <p:sldIdLst>
     <p:sldId id="256" r:id="rId2"/>
@@ -22,10 +22,11 @@
     <p:sldId id="271" r:id="rId13"/>
     <p:sldId id="272" r:id="rId14"/>
     <p:sldId id="269" r:id="rId15"/>
-    <p:sldId id="265" r:id="rId16"/>
-    <p:sldId id="270" r:id="rId17"/>
-    <p:sldId id="258" r:id="rId18"/>
-    <p:sldId id="259" r:id="rId19"/>
+    <p:sldId id="274" r:id="rId16"/>
+    <p:sldId id="265" r:id="rId17"/>
+    <p:sldId id="270" r:id="rId18"/>
+    <p:sldId id="258" r:id="rId19"/>
+    <p:sldId id="259" r:id="rId20"/>
   </p:sldIdLst>
   <p:sldSz cx="9144000" cy="6858000" type="screen4x3"/>
   <p:notesSz cx="6858000" cy="9144000"/>
@@ -209,7 +210,7 @@
           <a:p>
             <a:fld id="{140160B7-C42B-4AC9-86DA-E0EF3BA7FECE}" type="datetimeFigureOut">
               <a:rPr lang="zh-CN" altLang="en-US" smtClean="0"/>
-              <a:t>2019/12/14</a:t>
+              <a:t>2019/12/19</a:t>
             </a:fld>
             <a:endParaRPr lang="zh-CN" altLang="en-US"/>
           </a:p>
@@ -1067,7 +1068,7 @@
           <a:p>
             <a:fld id="{530820CF-B880-4189-942D-D702A7CBA730}" type="datetimeFigureOut">
               <a:rPr lang="zh-CN" altLang="en-US" smtClean="0"/>
-              <a:t>2019/12/14</a:t>
+              <a:t>2019/12/19</a:t>
             </a:fld>
             <a:endParaRPr lang="zh-CN" altLang="en-US"/>
           </a:p>
@@ -1279,7 +1280,7 @@
           <a:p>
             <a:fld id="{530820CF-B880-4189-942D-D702A7CBA730}" type="datetimeFigureOut">
               <a:rPr lang="zh-CN" altLang="en-US" smtClean="0"/>
-              <a:t>2019/12/14</a:t>
+              <a:t>2019/12/19</a:t>
             </a:fld>
             <a:endParaRPr lang="zh-CN" altLang="en-US"/>
           </a:p>
@@ -1466,7 +1467,7 @@
           <a:p>
             <a:fld id="{530820CF-B880-4189-942D-D702A7CBA730}" type="datetimeFigureOut">
               <a:rPr lang="zh-CN" altLang="en-US" smtClean="0"/>
-              <a:t>2019/12/14</a:t>
+              <a:t>2019/12/19</a:t>
             </a:fld>
             <a:endParaRPr lang="zh-CN" altLang="en-US"/>
           </a:p>
@@ -1563,7 +1564,7 @@
           <a:p>
             <a:fld id="{530820CF-B880-4189-942D-D702A7CBA730}" type="datetimeFigureOut">
               <a:rPr lang="zh-CN" altLang="en-US" smtClean="0"/>
-              <a:t>2019/12/14</a:t>
+              <a:t>2019/12/19</a:t>
             </a:fld>
             <a:endParaRPr lang="zh-CN" altLang="en-US"/>
           </a:p>
@@ -2159,7 +2160,7 @@
           <a:p>
             <a:fld id="{530820CF-B880-4189-942D-D702A7CBA730}" type="datetimeFigureOut">
               <a:rPr lang="zh-CN" altLang="en-US" smtClean="0"/>
-              <a:t>2019/12/14</a:t>
+              <a:t>2019/12/19</a:t>
             </a:fld>
             <a:endParaRPr lang="zh-CN" altLang="en-US"/>
           </a:p>
@@ -2256,7 +2257,7 @@
           <a:p>
             <a:fld id="{530820CF-B880-4189-942D-D702A7CBA730}" type="datetimeFigureOut">
               <a:rPr lang="zh-CN" altLang="en-US" smtClean="0"/>
-              <a:t>2019/12/14</a:t>
+              <a:t>2019/12/19</a:t>
             </a:fld>
             <a:endParaRPr lang="zh-CN" altLang="en-US"/>
           </a:p>
@@ -2861,7 +2862,7 @@
           <a:p>
             <a:fld id="{530820CF-B880-4189-942D-D702A7CBA730}" type="datetimeFigureOut">
               <a:rPr lang="zh-CN" altLang="en-US" smtClean="0"/>
-              <a:t>2019/12/14</a:t>
+              <a:t>2019/12/19</a:t>
             </a:fld>
             <a:endParaRPr lang="zh-CN" altLang="en-US"/>
           </a:p>
@@ -3004,7 +3005,7 @@
           <a:p>
             <a:fld id="{530820CF-B880-4189-942D-D702A7CBA730}" type="datetimeFigureOut">
               <a:rPr lang="zh-CN" altLang="en-US" smtClean="0"/>
-              <a:t>2019/12/14</a:t>
+              <a:t>2019/12/19</a:t>
             </a:fld>
             <a:endParaRPr lang="zh-CN" altLang="en-US"/>
           </a:p>
@@ -3101,7 +3102,7 @@
           <a:p>
             <a:fld id="{530820CF-B880-4189-942D-D702A7CBA730}" type="datetimeFigureOut">
               <a:rPr lang="zh-CN" altLang="en-US" smtClean="0"/>
-              <a:t>2019/12/14</a:t>
+              <a:t>2019/12/19</a:t>
             </a:fld>
             <a:endParaRPr lang="zh-CN" altLang="en-US"/>
           </a:p>
@@ -3385,7 +3386,7 @@
           <a:p>
             <a:fld id="{530820CF-B880-4189-942D-D702A7CBA730}" type="datetimeFigureOut">
               <a:rPr lang="zh-CN" altLang="en-US" smtClean="0"/>
-              <a:t>2019/12/14</a:t>
+              <a:t>2019/12/19</a:t>
             </a:fld>
             <a:endParaRPr lang="zh-CN" altLang="en-US"/>
           </a:p>
@@ -3907,7 +3908,7 @@
           <a:p>
             <a:fld id="{530820CF-B880-4189-942D-D702A7CBA730}" type="datetimeFigureOut">
               <a:rPr lang="zh-CN" altLang="en-US" smtClean="0"/>
-              <a:t>2019/12/14</a:t>
+              <a:t>2019/12/19</a:t>
             </a:fld>
             <a:endParaRPr lang="zh-CN" altLang="en-US"/>
           </a:p>
@@ -4427,7 +4428,7 @@
           <a:p>
             <a:fld id="{530820CF-B880-4189-942D-D702A7CBA730}" type="datetimeFigureOut">
               <a:rPr lang="zh-CN" altLang="en-US" smtClean="0"/>
-              <a:t>2019/12/14</a:t>
+              <a:t>2019/12/19</a:t>
             </a:fld>
             <a:endParaRPr lang="zh-CN" altLang="en-US"/>
           </a:p>
@@ -9117,14 +9118,7 @@
                 <a:latin typeface="楷体" pitchFamily="49" charset="-122"/>
                 <a:ea typeface="楷体" pitchFamily="49" charset="-122"/>
               </a:rPr>
-              <a:t>方式</a:t>
-            </a:r>
-            <a:r>
-              <a:rPr lang="zh-CN" altLang="en-US" sz="1200" dirty="0" smtClean="0">
-                <a:latin typeface="楷体" pitchFamily="49" charset="-122"/>
-                <a:ea typeface="楷体" pitchFamily="49" charset="-122"/>
-              </a:rPr>
-              <a:t>）</a:t>
+              <a:t>方式）</a:t>
             </a:r>
             <a:endParaRPr lang="zh-CN" altLang="en-US" sz="1200" dirty="0">
               <a:latin typeface="楷体" pitchFamily="49" charset="-122"/>
@@ -10431,10 +10425,6 @@
               </a:rPr>
               <a:t>。</a:t>
             </a:r>
-            <a:endParaRPr lang="zh-CN" altLang="en-US" sz="900" dirty="0">
-              <a:latin typeface="楷体" pitchFamily="49" charset="-122"/>
-              <a:ea typeface="楷体" pitchFamily="49" charset="-122"/>
-            </a:endParaRPr>
           </a:p>
         </p:txBody>
       </p:sp>
@@ -10912,6 +10902,1419 @@
         </p:nvSpPr>
         <p:spPr>
           <a:xfrm>
+            <a:off x="357486" y="343837"/>
+            <a:ext cx="4175956" cy="384721"/>
+          </a:xfrm>
+          <a:prstGeom prst="rect">
+            <a:avLst/>
+          </a:prstGeom>
+          <a:noFill/>
+        </p:spPr>
+        <p:txBody>
+          <a:bodyPr wrap="square" rtlCol="0">
+            <a:spAutoFit/>
+          </a:bodyPr>
+          <a:lstStyle/>
+          <a:p>
+            <a:r>
+              <a:rPr lang="zh-CN" altLang="en-US" sz="1900" dirty="0" smtClean="0">
+                <a:latin typeface="楷体" pitchFamily="49" charset="-122"/>
+                <a:ea typeface="楷体" pitchFamily="49" charset="-122"/>
+              </a:rPr>
+              <a:t>* </a:t>
+            </a:r>
+            <a:r>
+              <a:rPr lang="en-US" altLang="zh-CN" sz="1900" dirty="0" err="1" smtClean="0">
+                <a:latin typeface="楷体" pitchFamily="49" charset="-122"/>
+                <a:ea typeface="楷体" pitchFamily="49" charset="-122"/>
+              </a:rPr>
+              <a:t>Axios</a:t>
+            </a:r>
+            <a:r>
+              <a:rPr lang="zh-CN" altLang="en-US" sz="1900" dirty="0" smtClean="0">
+                <a:latin typeface="楷体" pitchFamily="49" charset="-122"/>
+                <a:ea typeface="楷体" pitchFamily="49" charset="-122"/>
+              </a:rPr>
+              <a:t>与</a:t>
+            </a:r>
+            <a:r>
+              <a:rPr lang="en-US" altLang="zh-CN" sz="1900" dirty="0" smtClean="0">
+                <a:latin typeface="楷体" pitchFamily="49" charset="-122"/>
+                <a:ea typeface="楷体" pitchFamily="49" charset="-122"/>
+              </a:rPr>
+              <a:t>CORS</a:t>
+            </a:r>
+            <a:r>
+              <a:rPr lang="zh-CN" altLang="en-US" sz="1900" dirty="0" smtClean="0">
+                <a:latin typeface="楷体" pitchFamily="49" charset="-122"/>
+                <a:ea typeface="楷体" pitchFamily="49" charset="-122"/>
+              </a:rPr>
+              <a:t>解决方案</a:t>
+            </a:r>
+            <a:endParaRPr lang="en-US" altLang="zh-CN" sz="1900" dirty="0">
+              <a:latin typeface="楷体" pitchFamily="49" charset="-122"/>
+              <a:ea typeface="楷体" pitchFamily="49" charset="-122"/>
+            </a:endParaRPr>
+          </a:p>
+        </p:txBody>
+      </p:sp>
+      <p:sp>
+        <p:nvSpPr>
+          <p:cNvPr id="5" name="TextBox 4"/>
+          <p:cNvSpPr txBox="1"/>
+          <p:nvPr/>
+        </p:nvSpPr>
+        <p:spPr>
+          <a:xfrm>
+            <a:off x="631906" y="795976"/>
+            <a:ext cx="8442504" cy="646331"/>
+          </a:xfrm>
+          <a:prstGeom prst="rect">
+            <a:avLst/>
+          </a:prstGeom>
+          <a:noFill/>
+        </p:spPr>
+        <p:txBody>
+          <a:bodyPr wrap="square" rtlCol="0">
+            <a:spAutoFit/>
+          </a:bodyPr>
+          <a:lstStyle/>
+          <a:p>
+            <a:r>
+              <a:rPr lang="en-US" altLang="zh-CN" sz="1200" dirty="0" err="1">
+                <a:latin typeface="楷体" pitchFamily="49" charset="-122"/>
+                <a:ea typeface="楷体" pitchFamily="49" charset="-122"/>
+              </a:rPr>
+              <a:t>Axios</a:t>
+            </a:r>
+            <a:r>
+              <a:rPr lang="zh-CN" altLang="en-US" sz="1200" dirty="0">
+                <a:latin typeface="楷体" pitchFamily="49" charset="-122"/>
+                <a:ea typeface="楷体" pitchFamily="49" charset="-122"/>
+              </a:rPr>
+              <a:t>：是一个基于 </a:t>
+            </a:r>
+            <a:r>
+              <a:rPr lang="en-US" altLang="zh-CN" sz="1200" dirty="0">
+                <a:latin typeface="楷体" pitchFamily="49" charset="-122"/>
+                <a:ea typeface="楷体" pitchFamily="49" charset="-122"/>
+              </a:rPr>
+              <a:t>promise </a:t>
+            </a:r>
+            <a:r>
+              <a:rPr lang="zh-CN" altLang="en-US" sz="1200" dirty="0">
+                <a:latin typeface="楷体" pitchFamily="49" charset="-122"/>
+                <a:ea typeface="楷体" pitchFamily="49" charset="-122"/>
+              </a:rPr>
+              <a:t>的 </a:t>
+            </a:r>
+            <a:r>
+              <a:rPr lang="en-US" altLang="zh-CN" sz="1200" dirty="0">
+                <a:latin typeface="楷体" pitchFamily="49" charset="-122"/>
+                <a:ea typeface="楷体" pitchFamily="49" charset="-122"/>
+              </a:rPr>
+              <a:t>HTTP </a:t>
+            </a:r>
+            <a:r>
+              <a:rPr lang="zh-CN" altLang="en-US" sz="1200" dirty="0">
+                <a:latin typeface="楷体" pitchFamily="49" charset="-122"/>
+                <a:ea typeface="楷体" pitchFamily="49" charset="-122"/>
+              </a:rPr>
+              <a:t>库，可以用在浏览器和 </a:t>
+            </a:r>
+            <a:r>
+              <a:rPr lang="en-US" altLang="zh-CN" sz="1200" dirty="0">
+                <a:latin typeface="楷体" pitchFamily="49" charset="-122"/>
+                <a:ea typeface="楷体" pitchFamily="49" charset="-122"/>
+              </a:rPr>
+              <a:t>node.js </a:t>
+            </a:r>
+            <a:r>
+              <a:rPr lang="zh-CN" altLang="en-US" sz="1200" dirty="0">
+                <a:latin typeface="楷体" pitchFamily="49" charset="-122"/>
+                <a:ea typeface="楷体" pitchFamily="49" charset="-122"/>
+              </a:rPr>
+              <a:t>中</a:t>
+            </a:r>
+            <a:r>
+              <a:rPr lang="zh-CN" altLang="en-US" sz="1200" dirty="0" smtClean="0">
+                <a:latin typeface="楷体" pitchFamily="49" charset="-122"/>
+                <a:ea typeface="楷体" pitchFamily="49" charset="-122"/>
+              </a:rPr>
+              <a:t>。</a:t>
+            </a:r>
+            <a:endParaRPr lang="en-US" altLang="zh-CN" sz="1200" dirty="0" smtClean="0">
+              <a:latin typeface="楷体" pitchFamily="49" charset="-122"/>
+              <a:ea typeface="楷体" pitchFamily="49" charset="-122"/>
+            </a:endParaRPr>
+          </a:p>
+          <a:p>
+            <a:r>
+              <a:rPr lang="zh-CN" altLang="en-US" sz="1200" dirty="0" smtClean="0">
+                <a:latin typeface="楷体" pitchFamily="49" charset="-122"/>
+                <a:ea typeface="楷体" pitchFamily="49" charset="-122"/>
+              </a:rPr>
+              <a:t>    优点：可以从</a:t>
+            </a:r>
+            <a:r>
+              <a:rPr lang="zh-CN" altLang="en-US" sz="1200" dirty="0">
+                <a:latin typeface="楷体" pitchFamily="49" charset="-122"/>
+                <a:ea typeface="楷体" pitchFamily="49" charset="-122"/>
+              </a:rPr>
+              <a:t>浏览器中创建 </a:t>
+            </a:r>
+            <a:r>
+              <a:rPr lang="en-US" altLang="zh-CN" sz="1200" dirty="0" err="1">
+                <a:latin typeface="楷体" pitchFamily="49" charset="-122"/>
+                <a:ea typeface="楷体" pitchFamily="49" charset="-122"/>
+              </a:rPr>
+              <a:t>XMLHttpRequests</a:t>
+            </a:r>
+            <a:r>
+              <a:rPr lang="zh-CN" altLang="en-US" sz="1200" dirty="0">
+                <a:latin typeface="楷体" pitchFamily="49" charset="-122"/>
+                <a:ea typeface="楷体" pitchFamily="49" charset="-122"/>
+              </a:rPr>
+              <a:t>；从</a:t>
+            </a:r>
+            <a:r>
+              <a:rPr lang="en-US" altLang="zh-CN" sz="1200" dirty="0">
+                <a:latin typeface="楷体" pitchFamily="49" charset="-122"/>
+                <a:ea typeface="楷体" pitchFamily="49" charset="-122"/>
+              </a:rPr>
+              <a:t>node.js</a:t>
+            </a:r>
+            <a:r>
+              <a:rPr lang="zh-CN" altLang="en-US" sz="1200" dirty="0">
+                <a:latin typeface="楷体" pitchFamily="49" charset="-122"/>
+                <a:ea typeface="楷体" pitchFamily="49" charset="-122"/>
+              </a:rPr>
+              <a:t>创建</a:t>
+            </a:r>
+            <a:r>
+              <a:rPr lang="en-US" altLang="zh-CN" sz="1200" dirty="0">
+                <a:latin typeface="楷体" pitchFamily="49" charset="-122"/>
+                <a:ea typeface="楷体" pitchFamily="49" charset="-122"/>
+              </a:rPr>
+              <a:t>http</a:t>
+            </a:r>
+            <a:r>
+              <a:rPr lang="zh-CN" altLang="en-US" sz="1200" dirty="0">
+                <a:latin typeface="楷体" pitchFamily="49" charset="-122"/>
+                <a:ea typeface="楷体" pitchFamily="49" charset="-122"/>
+              </a:rPr>
+              <a:t>请求；支持</a:t>
+            </a:r>
+            <a:r>
+              <a:rPr lang="en-US" altLang="zh-CN" sz="1200" dirty="0">
+                <a:latin typeface="楷体" pitchFamily="49" charset="-122"/>
+                <a:ea typeface="楷体" pitchFamily="49" charset="-122"/>
+              </a:rPr>
+              <a:t>Promise API</a:t>
+            </a:r>
+            <a:r>
+              <a:rPr lang="zh-CN" altLang="en-US" sz="1200" dirty="0">
+                <a:latin typeface="楷体" pitchFamily="49" charset="-122"/>
+                <a:ea typeface="楷体" pitchFamily="49" charset="-122"/>
+              </a:rPr>
+              <a:t>；拦截请求和响应；转换请求数据和响应数据；取消请求；自动转换</a:t>
+            </a:r>
+            <a:r>
+              <a:rPr lang="en-US" altLang="zh-CN" sz="1200" dirty="0">
+                <a:latin typeface="楷体" pitchFamily="49" charset="-122"/>
+                <a:ea typeface="楷体" pitchFamily="49" charset="-122"/>
+              </a:rPr>
+              <a:t>JSON</a:t>
+            </a:r>
+            <a:r>
+              <a:rPr lang="zh-CN" altLang="en-US" sz="1200" dirty="0" smtClean="0">
+                <a:latin typeface="楷体" pitchFamily="49" charset="-122"/>
+                <a:ea typeface="楷体" pitchFamily="49" charset="-122"/>
+              </a:rPr>
+              <a:t>数据和客户端</a:t>
+            </a:r>
+            <a:r>
+              <a:rPr lang="zh-CN" altLang="en-US" sz="1200" dirty="0">
+                <a:latin typeface="楷体" pitchFamily="49" charset="-122"/>
+                <a:ea typeface="楷体" pitchFamily="49" charset="-122"/>
+              </a:rPr>
+              <a:t>支持防御</a:t>
+            </a:r>
+            <a:r>
+              <a:rPr lang="en-US" altLang="zh-CN" sz="1200" dirty="0">
+                <a:latin typeface="楷体" pitchFamily="49" charset="-122"/>
+                <a:ea typeface="楷体" pitchFamily="49" charset="-122"/>
+              </a:rPr>
+              <a:t>XSRF</a:t>
+            </a:r>
+            <a:r>
+              <a:rPr lang="zh-CN" altLang="en-US" sz="1200" dirty="0">
+                <a:latin typeface="楷体" pitchFamily="49" charset="-122"/>
+                <a:ea typeface="楷体" pitchFamily="49" charset="-122"/>
+              </a:rPr>
+              <a:t>。</a:t>
+            </a:r>
+            <a:endParaRPr lang="zh-CN" altLang="en-US" sz="1200" dirty="0">
+              <a:latin typeface="楷体" pitchFamily="49" charset="-122"/>
+              <a:ea typeface="楷体" pitchFamily="49" charset="-122"/>
+            </a:endParaRPr>
+          </a:p>
+        </p:txBody>
+      </p:sp>
+      <p:pic>
+        <p:nvPicPr>
+          <p:cNvPr id="1026" name="Picture 2"/>
+          <p:cNvPicPr>
+            <a:picLocks noChangeAspect="1" noChangeArrowheads="1"/>
+          </p:cNvPicPr>
+          <p:nvPr/>
+        </p:nvPicPr>
+        <p:blipFill>
+          <a:blip r:embed="rId2">
+            <a:extLst>
+              <a:ext uri="{28A0092B-C50C-407E-A947-70E740481C1C}">
+                <a14:useLocalDpi xmlns:a14="http://schemas.microsoft.com/office/drawing/2010/main" val="0"/>
+              </a:ext>
+            </a:extLst>
+          </a:blip>
+          <a:srcRect/>
+          <a:stretch>
+            <a:fillRect/>
+          </a:stretch>
+        </p:blipFill>
+        <p:spPr bwMode="auto">
+          <a:xfrm>
+            <a:off x="521332" y="2932164"/>
+            <a:ext cx="2172118" cy="1368152"/>
+          </a:xfrm>
+          <a:prstGeom prst="rect">
+            <a:avLst/>
+          </a:prstGeom>
+          <a:noFill/>
+          <a:ln>
+            <a:noFill/>
+          </a:ln>
+          <a:effectLst/>
+          <a:extLst>
+            <a:ext uri="{909E8E84-426E-40DD-AFC4-6F175D3DCCD1}">
+              <a14:hiddenFill xmlns:a14="http://schemas.microsoft.com/office/drawing/2010/main">
+                <a:solidFill>
+                  <a:schemeClr val="accent1"/>
+                </a:solidFill>
+              </a14:hiddenFill>
+            </a:ext>
+            <a:ext uri="{91240B29-F687-4F45-9708-019B960494DF}">
+              <a14:hiddenLine xmlns:a14="http://schemas.microsoft.com/office/drawing/2010/main" w="9525">
+                <a:solidFill>
+                  <a:schemeClr val="tx1"/>
+                </a:solidFill>
+                <a:miter lim="800000"/>
+                <a:headEnd/>
+                <a:tailEnd/>
+              </a14:hiddenLine>
+            </a:ext>
+            <a:ext uri="{AF507438-7753-43E0-B8FC-AC1667EBCBE1}">
+              <a14:hiddenEffects xmlns:a14="http://schemas.microsoft.com/office/drawing/2010/main">
+                <a:effectLst>
+                  <a:outerShdw dist="35921" dir="2700000" algn="ctr" rotWithShape="0">
+                    <a:schemeClr val="bg2"/>
+                  </a:outerShdw>
+                </a:effectLst>
+              </a14:hiddenEffects>
+            </a:ext>
+          </a:extLst>
+        </p:spPr>
+      </p:pic>
+      <p:pic>
+        <p:nvPicPr>
+          <p:cNvPr id="1027" name="Picture 3"/>
+          <p:cNvPicPr>
+            <a:picLocks noChangeAspect="1" noChangeArrowheads="1"/>
+          </p:cNvPicPr>
+          <p:nvPr/>
+        </p:nvPicPr>
+        <p:blipFill>
+          <a:blip r:embed="rId3">
+            <a:extLst>
+              <a:ext uri="{28A0092B-C50C-407E-A947-70E740481C1C}">
+                <a14:useLocalDpi xmlns:a14="http://schemas.microsoft.com/office/drawing/2010/main" val="0"/>
+              </a:ext>
+            </a:extLst>
+          </a:blip>
+          <a:srcRect/>
+          <a:stretch>
+            <a:fillRect/>
+          </a:stretch>
+        </p:blipFill>
+        <p:spPr bwMode="auto">
+          <a:xfrm>
+            <a:off x="3129432" y="2932164"/>
+            <a:ext cx="2712894" cy="1368152"/>
+          </a:xfrm>
+          <a:prstGeom prst="rect">
+            <a:avLst/>
+          </a:prstGeom>
+          <a:noFill/>
+          <a:ln>
+            <a:noFill/>
+          </a:ln>
+          <a:effectLst/>
+          <a:extLst>
+            <a:ext uri="{909E8E84-426E-40DD-AFC4-6F175D3DCCD1}">
+              <a14:hiddenFill xmlns:a14="http://schemas.microsoft.com/office/drawing/2010/main">
+                <a:solidFill>
+                  <a:schemeClr val="accent1"/>
+                </a:solidFill>
+              </a14:hiddenFill>
+            </a:ext>
+            <a:ext uri="{91240B29-F687-4F45-9708-019B960494DF}">
+              <a14:hiddenLine xmlns:a14="http://schemas.microsoft.com/office/drawing/2010/main" w="9525">
+                <a:solidFill>
+                  <a:schemeClr val="tx1"/>
+                </a:solidFill>
+                <a:miter lim="800000"/>
+                <a:headEnd/>
+                <a:tailEnd/>
+              </a14:hiddenLine>
+            </a:ext>
+            <a:ext uri="{AF507438-7753-43E0-B8FC-AC1667EBCBE1}">
+              <a14:hiddenEffects xmlns:a14="http://schemas.microsoft.com/office/drawing/2010/main">
+                <a:effectLst>
+                  <a:outerShdw dist="35921" dir="2700000" algn="ctr" rotWithShape="0">
+                    <a:schemeClr val="bg2"/>
+                  </a:outerShdw>
+                </a:effectLst>
+              </a14:hiddenEffects>
+            </a:ext>
+          </a:extLst>
+        </p:spPr>
+      </p:pic>
+      <p:pic>
+        <p:nvPicPr>
+          <p:cNvPr id="1028" name="Picture 4"/>
+          <p:cNvPicPr>
+            <a:picLocks noChangeAspect="1" noChangeArrowheads="1"/>
+          </p:cNvPicPr>
+          <p:nvPr/>
+        </p:nvPicPr>
+        <p:blipFill>
+          <a:blip r:embed="rId4">
+            <a:extLst>
+              <a:ext uri="{28A0092B-C50C-407E-A947-70E740481C1C}">
+                <a14:useLocalDpi xmlns:a14="http://schemas.microsoft.com/office/drawing/2010/main" val="0"/>
+              </a:ext>
+            </a:extLst>
+          </a:blip>
+          <a:srcRect/>
+          <a:stretch>
+            <a:fillRect/>
+          </a:stretch>
+        </p:blipFill>
+        <p:spPr bwMode="auto">
+          <a:xfrm>
+            <a:off x="6159289" y="2932164"/>
+            <a:ext cx="2637250" cy="1368151"/>
+          </a:xfrm>
+          <a:prstGeom prst="rect">
+            <a:avLst/>
+          </a:prstGeom>
+          <a:noFill/>
+          <a:ln>
+            <a:noFill/>
+          </a:ln>
+          <a:effectLst/>
+          <a:extLst>
+            <a:ext uri="{909E8E84-426E-40DD-AFC4-6F175D3DCCD1}">
+              <a14:hiddenFill xmlns:a14="http://schemas.microsoft.com/office/drawing/2010/main">
+                <a:solidFill>
+                  <a:schemeClr val="accent1"/>
+                </a:solidFill>
+              </a14:hiddenFill>
+            </a:ext>
+            <a:ext uri="{91240B29-F687-4F45-9708-019B960494DF}">
+              <a14:hiddenLine xmlns:a14="http://schemas.microsoft.com/office/drawing/2010/main" w="9525">
+                <a:solidFill>
+                  <a:schemeClr val="tx1"/>
+                </a:solidFill>
+                <a:miter lim="800000"/>
+                <a:headEnd/>
+                <a:tailEnd/>
+              </a14:hiddenLine>
+            </a:ext>
+            <a:ext uri="{AF507438-7753-43E0-B8FC-AC1667EBCBE1}">
+              <a14:hiddenEffects xmlns:a14="http://schemas.microsoft.com/office/drawing/2010/main">
+                <a:effectLst>
+                  <a:outerShdw dist="35921" dir="2700000" algn="ctr" rotWithShape="0">
+                    <a:schemeClr val="bg2"/>
+                  </a:outerShdw>
+                </a:effectLst>
+              </a14:hiddenEffects>
+            </a:ext>
+          </a:extLst>
+        </p:spPr>
+      </p:pic>
+      <p:sp>
+        <p:nvSpPr>
+          <p:cNvPr id="6" name="TextBox 5"/>
+          <p:cNvSpPr txBox="1"/>
+          <p:nvPr/>
+        </p:nvSpPr>
+        <p:spPr>
+          <a:xfrm>
+            <a:off x="526431" y="2573496"/>
+            <a:ext cx="1296144" cy="276999"/>
+          </a:xfrm>
+          <a:prstGeom prst="rect">
+            <a:avLst/>
+          </a:prstGeom>
+          <a:noFill/>
+        </p:spPr>
+        <p:txBody>
+          <a:bodyPr wrap="square" rtlCol="0">
+            <a:spAutoFit/>
+          </a:bodyPr>
+          <a:lstStyle/>
+          <a:p>
+            <a:r>
+              <a:rPr lang="en-US" altLang="zh-CN" sz="1200" dirty="0" smtClean="0"/>
+              <a:t>Get</a:t>
+            </a:r>
+            <a:r>
+              <a:rPr lang="zh-CN" altLang="en-US" sz="1200" dirty="0" smtClean="0"/>
+              <a:t>请求：</a:t>
+            </a:r>
+            <a:endParaRPr lang="zh-CN" altLang="en-US" sz="1200" dirty="0"/>
+          </a:p>
+        </p:txBody>
+      </p:sp>
+      <p:sp>
+        <p:nvSpPr>
+          <p:cNvPr id="10" name="TextBox 9"/>
+          <p:cNvSpPr txBox="1"/>
+          <p:nvPr/>
+        </p:nvSpPr>
+        <p:spPr>
+          <a:xfrm>
+            <a:off x="3129432" y="2576338"/>
+            <a:ext cx="1296144" cy="276999"/>
+          </a:xfrm>
+          <a:prstGeom prst="rect">
+            <a:avLst/>
+          </a:prstGeom>
+          <a:noFill/>
+        </p:spPr>
+        <p:txBody>
+          <a:bodyPr wrap="square" rtlCol="0">
+            <a:spAutoFit/>
+          </a:bodyPr>
+          <a:lstStyle/>
+          <a:p>
+            <a:r>
+              <a:rPr lang="en-US" altLang="zh-CN" sz="1200" dirty="0"/>
+              <a:t>Post</a:t>
+            </a:r>
+            <a:r>
+              <a:rPr lang="zh-CN" altLang="en-US" sz="1200" dirty="0" smtClean="0"/>
+              <a:t>请求：</a:t>
+            </a:r>
+            <a:endParaRPr lang="zh-CN" altLang="en-US" sz="1200" dirty="0"/>
+          </a:p>
+        </p:txBody>
+      </p:sp>
+      <p:sp>
+        <p:nvSpPr>
+          <p:cNvPr id="11" name="TextBox 10"/>
+          <p:cNvSpPr txBox="1"/>
+          <p:nvPr/>
+        </p:nvSpPr>
+        <p:spPr>
+          <a:xfrm>
+            <a:off x="6156175" y="2583465"/>
+            <a:ext cx="1705711" cy="276999"/>
+          </a:xfrm>
+          <a:prstGeom prst="rect">
+            <a:avLst/>
+          </a:prstGeom>
+          <a:noFill/>
+        </p:spPr>
+        <p:txBody>
+          <a:bodyPr wrap="square" rtlCol="0">
+            <a:spAutoFit/>
+          </a:bodyPr>
+          <a:lstStyle/>
+          <a:p>
+            <a:r>
+              <a:rPr lang="zh-CN" altLang="en-US" sz="1200" i="1" dirty="0"/>
+              <a:t>执行多个并发</a:t>
+            </a:r>
+            <a:r>
+              <a:rPr lang="zh-CN" altLang="en-US" sz="1200" i="1" dirty="0" smtClean="0"/>
+              <a:t>请求：</a:t>
+            </a:r>
+            <a:endParaRPr lang="zh-CN" altLang="en-US" sz="1200" dirty="0"/>
+          </a:p>
+        </p:txBody>
+      </p:sp>
+      <p:pic>
+        <p:nvPicPr>
+          <p:cNvPr id="1029" name="Picture 5"/>
+          <p:cNvPicPr>
+            <a:picLocks noChangeAspect="1" noChangeArrowheads="1"/>
+          </p:cNvPicPr>
+          <p:nvPr/>
+        </p:nvPicPr>
+        <p:blipFill>
+          <a:blip r:embed="rId5">
+            <a:extLst>
+              <a:ext uri="{28A0092B-C50C-407E-A947-70E740481C1C}">
+                <a14:useLocalDpi xmlns:a14="http://schemas.microsoft.com/office/drawing/2010/main" val="0"/>
+              </a:ext>
+            </a:extLst>
+          </a:blip>
+          <a:srcRect/>
+          <a:stretch>
+            <a:fillRect/>
+          </a:stretch>
+        </p:blipFill>
+        <p:spPr bwMode="auto">
+          <a:xfrm>
+            <a:off x="525374" y="4699879"/>
+            <a:ext cx="5208117" cy="2002063"/>
+          </a:xfrm>
+          <a:prstGeom prst="rect">
+            <a:avLst/>
+          </a:prstGeom>
+          <a:noFill/>
+          <a:ln>
+            <a:noFill/>
+          </a:ln>
+          <a:effectLst/>
+          <a:extLst>
+            <a:ext uri="{909E8E84-426E-40DD-AFC4-6F175D3DCCD1}">
+              <a14:hiddenFill xmlns:a14="http://schemas.microsoft.com/office/drawing/2010/main">
+                <a:solidFill>
+                  <a:schemeClr val="accent1"/>
+                </a:solidFill>
+              </a14:hiddenFill>
+            </a:ext>
+            <a:ext uri="{91240B29-F687-4F45-9708-019B960494DF}">
+              <a14:hiddenLine xmlns:a14="http://schemas.microsoft.com/office/drawing/2010/main" w="9525">
+                <a:solidFill>
+                  <a:schemeClr val="tx1"/>
+                </a:solidFill>
+                <a:miter lim="800000"/>
+                <a:headEnd/>
+                <a:tailEnd/>
+              </a14:hiddenLine>
+            </a:ext>
+            <a:ext uri="{AF507438-7753-43E0-B8FC-AC1667EBCBE1}">
+              <a14:hiddenEffects xmlns:a14="http://schemas.microsoft.com/office/drawing/2010/main">
+                <a:effectLst>
+                  <a:outerShdw dist="35921" dir="2700000" algn="ctr" rotWithShape="0">
+                    <a:schemeClr val="bg2"/>
+                  </a:outerShdw>
+                </a:effectLst>
+              </a14:hiddenEffects>
+            </a:ext>
+          </a:extLst>
+        </p:spPr>
+      </p:pic>
+      <p:sp>
+        <p:nvSpPr>
+          <p:cNvPr id="13" name="TextBox 12"/>
+          <p:cNvSpPr txBox="1"/>
+          <p:nvPr/>
+        </p:nvSpPr>
+        <p:spPr>
+          <a:xfrm>
+            <a:off x="521332" y="4346213"/>
+            <a:ext cx="3456385" cy="276999"/>
+          </a:xfrm>
+          <a:prstGeom prst="rect">
+            <a:avLst/>
+          </a:prstGeom>
+          <a:noFill/>
+        </p:spPr>
+        <p:txBody>
+          <a:bodyPr wrap="square" rtlCol="0">
+            <a:spAutoFit/>
+          </a:bodyPr>
+          <a:lstStyle/>
+          <a:p>
+            <a:r>
+              <a:rPr lang="zh-CN" altLang="en-US" sz="1200" dirty="0" smtClean="0">
+                <a:latin typeface="楷体" pitchFamily="49" charset="-122"/>
+                <a:ea typeface="楷体" pitchFamily="49" charset="-122"/>
+              </a:rPr>
+              <a:t>* 使用</a:t>
+            </a:r>
+            <a:r>
+              <a:rPr lang="en-US" altLang="zh-CN" sz="1200" dirty="0" err="1" smtClean="0">
+                <a:latin typeface="楷体" pitchFamily="49" charset="-122"/>
+                <a:ea typeface="楷体" pitchFamily="49" charset="-122"/>
+              </a:rPr>
+              <a:t>proxyTable</a:t>
+            </a:r>
+            <a:r>
+              <a:rPr lang="zh-CN" altLang="en-US" sz="1200" dirty="0" smtClean="0">
+                <a:latin typeface="楷体" pitchFamily="49" charset="-122"/>
+                <a:ea typeface="楷体" pitchFamily="49" charset="-122"/>
+              </a:rPr>
+              <a:t>拦截配置</a:t>
+            </a:r>
+            <a:r>
+              <a:rPr lang="zh-CN" altLang="en-US" sz="1200" dirty="0" smtClean="0">
+                <a:latin typeface="楷体" pitchFamily="49" charset="-122"/>
+                <a:ea typeface="楷体" pitchFamily="49" charset="-122"/>
+              </a:rPr>
+              <a:t>解决跨域请求问题：</a:t>
+            </a:r>
+            <a:endParaRPr lang="zh-CN" altLang="en-US" sz="1200" dirty="0">
+              <a:latin typeface="楷体" pitchFamily="49" charset="-122"/>
+              <a:ea typeface="楷体" pitchFamily="49" charset="-122"/>
+            </a:endParaRPr>
+          </a:p>
+        </p:txBody>
+      </p:sp>
+      <p:sp>
+        <p:nvSpPr>
+          <p:cNvPr id="14" name="TextBox 13"/>
+          <p:cNvSpPr txBox="1"/>
+          <p:nvPr/>
+        </p:nvSpPr>
+        <p:spPr>
+          <a:xfrm>
+            <a:off x="634518" y="1442307"/>
+            <a:ext cx="8509481" cy="1015663"/>
+          </a:xfrm>
+          <a:prstGeom prst="rect">
+            <a:avLst/>
+          </a:prstGeom>
+          <a:noFill/>
+        </p:spPr>
+        <p:txBody>
+          <a:bodyPr wrap="square" rtlCol="0">
+            <a:spAutoFit/>
+          </a:bodyPr>
+          <a:lstStyle/>
+          <a:p>
+            <a:r>
+              <a:rPr lang="en-US" altLang="zh-CN" sz="1200" dirty="0" err="1" smtClean="0">
+                <a:latin typeface="楷体" pitchFamily="49" charset="-122"/>
+                <a:ea typeface="楷体" pitchFamily="49" charset="-122"/>
+              </a:rPr>
+              <a:t>Axios</a:t>
+            </a:r>
+            <a:r>
+              <a:rPr lang="zh-CN" altLang="en-US" sz="1200" dirty="0" smtClean="0">
+                <a:latin typeface="楷体" pitchFamily="49" charset="-122"/>
+                <a:ea typeface="楷体" pitchFamily="49" charset="-122"/>
+              </a:rPr>
+              <a:t>常用</a:t>
+            </a:r>
+            <a:r>
+              <a:rPr lang="en-US" altLang="zh-CN" sz="1200" dirty="0" smtClean="0">
+                <a:latin typeface="楷体" pitchFamily="49" charset="-122"/>
+                <a:ea typeface="楷体" pitchFamily="49" charset="-122"/>
+              </a:rPr>
+              <a:t>API</a:t>
+            </a:r>
+            <a:r>
+              <a:rPr lang="zh-CN" altLang="en-US" sz="1200" dirty="0">
+                <a:latin typeface="楷体" pitchFamily="49" charset="-122"/>
+                <a:ea typeface="楷体" pitchFamily="49" charset="-122"/>
+              </a:rPr>
+              <a:t>：可以通过向 </a:t>
+            </a:r>
+            <a:r>
+              <a:rPr lang="en-US" altLang="zh-CN" sz="1200" dirty="0" err="1">
+                <a:latin typeface="楷体" pitchFamily="49" charset="-122"/>
+                <a:ea typeface="楷体" pitchFamily="49" charset="-122"/>
+              </a:rPr>
+              <a:t>axios</a:t>
+            </a:r>
+            <a:r>
+              <a:rPr lang="en-US" altLang="zh-CN" sz="1200" dirty="0">
+                <a:latin typeface="楷体" pitchFamily="49" charset="-122"/>
+                <a:ea typeface="楷体" pitchFamily="49" charset="-122"/>
+              </a:rPr>
+              <a:t> </a:t>
+            </a:r>
+            <a:r>
+              <a:rPr lang="zh-CN" altLang="en-US" sz="1200" dirty="0">
+                <a:latin typeface="楷体" pitchFamily="49" charset="-122"/>
+                <a:ea typeface="楷体" pitchFamily="49" charset="-122"/>
+              </a:rPr>
+              <a:t>传递相关配置来创建</a:t>
+            </a:r>
+            <a:r>
+              <a:rPr lang="zh-CN" altLang="en-US" sz="1200" dirty="0" smtClean="0">
+                <a:latin typeface="楷体" pitchFamily="49" charset="-122"/>
+                <a:ea typeface="楷体" pitchFamily="49" charset="-122"/>
+              </a:rPr>
+              <a:t>请求。</a:t>
+            </a:r>
+            <a:r>
+              <a:rPr lang="en-US" altLang="zh-CN" sz="1200" dirty="0" err="1">
+                <a:latin typeface="楷体" pitchFamily="49" charset="-122"/>
+                <a:ea typeface="楷体" pitchFamily="49" charset="-122"/>
+              </a:rPr>
+              <a:t>e</a:t>
+            </a:r>
+            <a:r>
+              <a:rPr lang="en-US" altLang="zh-CN" sz="1200" dirty="0" err="1" smtClean="0">
+                <a:latin typeface="楷体" pitchFamily="49" charset="-122"/>
+                <a:ea typeface="楷体" pitchFamily="49" charset="-122"/>
+              </a:rPr>
+              <a:t>g:</a:t>
+            </a:r>
+            <a:r>
+              <a:rPr lang="en-US" altLang="zh-CN" sz="1200" dirty="0" err="1" smtClean="0"/>
+              <a:t>axios</a:t>
+            </a:r>
+            <a:r>
+              <a:rPr lang="en-US" altLang="zh-CN" sz="1200" dirty="0" smtClean="0"/>
+              <a:t>(</a:t>
+            </a:r>
+            <a:r>
+              <a:rPr lang="en-US" altLang="zh-CN" sz="1200" dirty="0" err="1" smtClean="0"/>
+              <a:t>config</a:t>
+            </a:r>
+            <a:r>
+              <a:rPr lang="en-US" altLang="zh-CN" sz="1200" dirty="0" smtClean="0"/>
+              <a:t>)</a:t>
+            </a:r>
+            <a:r>
+              <a:rPr lang="zh-CN" altLang="en-US" sz="1200" dirty="0">
+                <a:latin typeface="楷体" pitchFamily="49" charset="-122"/>
+                <a:ea typeface="楷体" pitchFamily="49" charset="-122"/>
+              </a:rPr>
+              <a:t>，</a:t>
+            </a:r>
+            <a:r>
+              <a:rPr lang="zh-CN" altLang="en-US" sz="1200" dirty="0" smtClean="0">
+                <a:latin typeface="楷体" pitchFamily="49" charset="-122"/>
+                <a:ea typeface="楷体" pitchFamily="49" charset="-122"/>
+              </a:rPr>
+              <a:t>创建</a:t>
+            </a:r>
+            <a:r>
+              <a:rPr lang="zh-CN" altLang="en-US" sz="1200" dirty="0">
+                <a:latin typeface="楷体" pitchFamily="49" charset="-122"/>
+                <a:ea typeface="楷体" pitchFamily="49" charset="-122"/>
+              </a:rPr>
+              <a:t>请求时可以用的配置</a:t>
+            </a:r>
+            <a:r>
+              <a:rPr lang="zh-CN" altLang="en-US" sz="1200" dirty="0" smtClean="0">
+                <a:latin typeface="楷体" pitchFamily="49" charset="-122"/>
+                <a:ea typeface="楷体" pitchFamily="49" charset="-122"/>
+              </a:rPr>
+              <a:t>选项，只有 </a:t>
+            </a:r>
+            <a:r>
+              <a:rPr lang="en-US" altLang="zh-CN" sz="1200" dirty="0" err="1">
+                <a:latin typeface="楷体" pitchFamily="49" charset="-122"/>
+                <a:ea typeface="楷体" pitchFamily="49" charset="-122"/>
+              </a:rPr>
+              <a:t>url</a:t>
+            </a:r>
+            <a:r>
+              <a:rPr lang="en-US" altLang="zh-CN" sz="1200" dirty="0">
+                <a:latin typeface="楷体" pitchFamily="49" charset="-122"/>
+                <a:ea typeface="楷体" pitchFamily="49" charset="-122"/>
+              </a:rPr>
+              <a:t> </a:t>
+            </a:r>
+            <a:r>
+              <a:rPr lang="zh-CN" altLang="en-US" sz="1200" dirty="0">
+                <a:latin typeface="楷体" pitchFamily="49" charset="-122"/>
+                <a:ea typeface="楷体" pitchFamily="49" charset="-122"/>
+              </a:rPr>
+              <a:t>是必需的。如果没有指定 </a:t>
+            </a:r>
+            <a:r>
+              <a:rPr lang="en-US" altLang="zh-CN" sz="1200" dirty="0">
+                <a:latin typeface="楷体" pitchFamily="49" charset="-122"/>
+                <a:ea typeface="楷体" pitchFamily="49" charset="-122"/>
+              </a:rPr>
+              <a:t>method</a:t>
+            </a:r>
+            <a:r>
+              <a:rPr lang="zh-CN" altLang="en-US" sz="1200" dirty="0">
+                <a:latin typeface="楷体" pitchFamily="49" charset="-122"/>
+                <a:ea typeface="楷体" pitchFamily="49" charset="-122"/>
+              </a:rPr>
+              <a:t>，请求将默认使用 </a:t>
+            </a:r>
+            <a:r>
+              <a:rPr lang="en-US" altLang="zh-CN" sz="1200" dirty="0">
+                <a:latin typeface="楷体" pitchFamily="49" charset="-122"/>
+                <a:ea typeface="楷体" pitchFamily="49" charset="-122"/>
+              </a:rPr>
+              <a:t>get </a:t>
+            </a:r>
+            <a:r>
+              <a:rPr lang="zh-CN" altLang="en-US" sz="1200" dirty="0">
+                <a:latin typeface="楷体" pitchFamily="49" charset="-122"/>
+                <a:ea typeface="楷体" pitchFamily="49" charset="-122"/>
+              </a:rPr>
+              <a:t>方法。</a:t>
+            </a:r>
+            <a:endParaRPr lang="en-US" altLang="zh-CN" sz="1200" dirty="0" smtClean="0">
+              <a:latin typeface="楷体" pitchFamily="49" charset="-122"/>
+              <a:ea typeface="楷体" pitchFamily="49" charset="-122"/>
+            </a:endParaRPr>
+          </a:p>
+          <a:p>
+            <a:r>
+              <a:rPr lang="en-US" altLang="zh-CN" sz="1200" dirty="0" smtClean="0">
+                <a:latin typeface="楷体" pitchFamily="49" charset="-122"/>
+                <a:ea typeface="楷体" pitchFamily="49" charset="-122"/>
+              </a:rPr>
+              <a:t> </a:t>
+            </a:r>
+            <a:r>
+              <a:rPr lang="en-US" altLang="zh-CN" sz="1200" dirty="0" err="1" smtClean="0">
+                <a:latin typeface="楷体" pitchFamily="49" charset="-122"/>
+                <a:ea typeface="楷体" pitchFamily="49" charset="-122"/>
+              </a:rPr>
+              <a:t>eg:axios</a:t>
+            </a:r>
+            <a:r>
+              <a:rPr lang="en-US" altLang="zh-CN" sz="1200" dirty="0" smtClean="0">
+                <a:latin typeface="楷体" pitchFamily="49" charset="-122"/>
+                <a:ea typeface="楷体" pitchFamily="49" charset="-122"/>
+              </a:rPr>
+              <a:t>({ </a:t>
+            </a:r>
+            <a:r>
+              <a:rPr lang="en-US" altLang="zh-CN" sz="1200" dirty="0" smtClean="0">
+                <a:solidFill>
+                  <a:srgbClr val="FF0000"/>
+                </a:solidFill>
+                <a:latin typeface="楷体" pitchFamily="49" charset="-122"/>
+                <a:ea typeface="楷体" pitchFamily="49" charset="-122"/>
+              </a:rPr>
+              <a:t>method</a:t>
+            </a:r>
+            <a:r>
+              <a:rPr lang="en-US" altLang="zh-CN" sz="1200" dirty="0">
+                <a:latin typeface="楷体" pitchFamily="49" charset="-122"/>
+                <a:ea typeface="楷体" pitchFamily="49" charset="-122"/>
+              </a:rPr>
+              <a:t>: 'post</a:t>
+            </a:r>
+            <a:r>
+              <a:rPr lang="en-US" altLang="zh-CN" sz="1200" dirty="0" smtClean="0">
+                <a:latin typeface="楷体" pitchFamily="49" charset="-122"/>
+                <a:ea typeface="楷体" pitchFamily="49" charset="-122"/>
+              </a:rPr>
+              <a:t>',</a:t>
+            </a:r>
+            <a:r>
+              <a:rPr lang="en-US" altLang="zh-CN" sz="1200" dirty="0" smtClean="0">
+                <a:solidFill>
+                  <a:srgbClr val="FF0000"/>
+                </a:solidFill>
+                <a:latin typeface="楷体" pitchFamily="49" charset="-122"/>
+                <a:ea typeface="楷体" pitchFamily="49" charset="-122"/>
+              </a:rPr>
+              <a:t>url</a:t>
+            </a:r>
+            <a:r>
+              <a:rPr lang="en-US" altLang="zh-CN" sz="1200" dirty="0">
+                <a:latin typeface="楷体" pitchFamily="49" charset="-122"/>
+                <a:ea typeface="楷体" pitchFamily="49" charset="-122"/>
+              </a:rPr>
+              <a:t>: '/user/12345</a:t>
+            </a:r>
+            <a:r>
+              <a:rPr lang="en-US" altLang="zh-CN" sz="1200" dirty="0" smtClean="0">
+                <a:latin typeface="楷体" pitchFamily="49" charset="-122"/>
+                <a:ea typeface="楷体" pitchFamily="49" charset="-122"/>
+              </a:rPr>
+              <a:t>',</a:t>
+            </a:r>
+            <a:r>
+              <a:rPr lang="en-US" altLang="zh-CN" sz="1200" dirty="0" smtClean="0">
+                <a:solidFill>
+                  <a:srgbClr val="FF0000"/>
+                </a:solidFill>
+                <a:latin typeface="楷体" pitchFamily="49" charset="-122"/>
+                <a:ea typeface="楷体" pitchFamily="49" charset="-122"/>
+              </a:rPr>
+              <a:t>data</a:t>
+            </a:r>
+            <a:r>
+              <a:rPr lang="en-US" altLang="zh-CN" sz="1200" dirty="0">
+                <a:latin typeface="楷体" pitchFamily="49" charset="-122"/>
+                <a:ea typeface="楷体" pitchFamily="49" charset="-122"/>
+              </a:rPr>
+              <a:t>: </a:t>
+            </a:r>
+            <a:r>
+              <a:rPr lang="en-US" altLang="zh-CN" sz="1200" dirty="0" smtClean="0">
+                <a:latin typeface="楷体" pitchFamily="49" charset="-122"/>
+                <a:ea typeface="楷体" pitchFamily="49" charset="-122"/>
+              </a:rPr>
+              <a:t>{ </a:t>
+            </a:r>
+            <a:r>
+              <a:rPr lang="en-US" altLang="zh-CN" sz="1200" dirty="0" err="1" smtClean="0">
+                <a:latin typeface="楷体" pitchFamily="49" charset="-122"/>
+                <a:ea typeface="楷体" pitchFamily="49" charset="-122"/>
+              </a:rPr>
+              <a:t>firstName</a:t>
+            </a:r>
+            <a:r>
+              <a:rPr lang="en-US" altLang="zh-CN" sz="1200" dirty="0">
+                <a:latin typeface="楷体" pitchFamily="49" charset="-122"/>
+                <a:ea typeface="楷体" pitchFamily="49" charset="-122"/>
+              </a:rPr>
+              <a:t>: 'Fred</a:t>
+            </a:r>
+            <a:r>
+              <a:rPr lang="en-US" altLang="zh-CN" sz="1200" dirty="0" smtClean="0">
+                <a:latin typeface="楷体" pitchFamily="49" charset="-122"/>
+                <a:ea typeface="楷体" pitchFamily="49" charset="-122"/>
+              </a:rPr>
+              <a:t>',</a:t>
+            </a:r>
+            <a:r>
+              <a:rPr lang="en-US" altLang="zh-CN" sz="1200" dirty="0" err="1" smtClean="0">
+                <a:latin typeface="楷体" pitchFamily="49" charset="-122"/>
+                <a:ea typeface="楷体" pitchFamily="49" charset="-122"/>
+              </a:rPr>
+              <a:t>lastName</a:t>
+            </a:r>
+            <a:r>
+              <a:rPr lang="en-US" altLang="zh-CN" sz="1200" dirty="0">
+                <a:latin typeface="楷体" pitchFamily="49" charset="-122"/>
+                <a:ea typeface="楷体" pitchFamily="49" charset="-122"/>
+              </a:rPr>
+              <a:t>: 'Flintstone</a:t>
+            </a:r>
+            <a:r>
+              <a:rPr lang="en-US" altLang="zh-CN" sz="1200" dirty="0" smtClean="0">
+                <a:latin typeface="楷体" pitchFamily="49" charset="-122"/>
+                <a:ea typeface="楷体" pitchFamily="49" charset="-122"/>
+              </a:rPr>
+              <a:t>'} });</a:t>
+            </a:r>
+            <a:endParaRPr lang="en-US" altLang="zh-CN" sz="1200" dirty="0">
+              <a:latin typeface="楷体" pitchFamily="49" charset="-122"/>
+              <a:ea typeface="楷体" pitchFamily="49" charset="-122"/>
+            </a:endParaRPr>
+          </a:p>
+          <a:p>
+            <a:r>
+              <a:rPr lang="en-US" altLang="zh-CN" sz="1200" dirty="0">
+                <a:latin typeface="楷体" pitchFamily="49" charset="-122"/>
+                <a:ea typeface="楷体" pitchFamily="49" charset="-122"/>
+              </a:rPr>
+              <a:t>  </a:t>
+            </a:r>
+            <a:r>
+              <a:rPr lang="en-US" altLang="zh-CN" sz="1200" dirty="0" smtClean="0">
+                <a:latin typeface="楷体" pitchFamily="49" charset="-122"/>
+                <a:ea typeface="楷体" pitchFamily="49" charset="-122"/>
+              </a:rPr>
+              <a:t>method</a:t>
+            </a:r>
+            <a:r>
+              <a:rPr lang="en-US" altLang="zh-CN" sz="1200" dirty="0">
+                <a:latin typeface="楷体" pitchFamily="49" charset="-122"/>
+                <a:ea typeface="楷体" pitchFamily="49" charset="-122"/>
+              </a:rPr>
+              <a:t> </a:t>
+            </a:r>
+            <a:r>
+              <a:rPr lang="zh-CN" altLang="en-US" sz="1200" dirty="0" smtClean="0">
+                <a:latin typeface="楷体" pitchFamily="49" charset="-122"/>
+                <a:ea typeface="楷体" pitchFamily="49" charset="-122"/>
+              </a:rPr>
+              <a:t>是</a:t>
+            </a:r>
+            <a:r>
+              <a:rPr lang="zh-CN" altLang="en-US" sz="1200" dirty="0">
+                <a:latin typeface="楷体" pitchFamily="49" charset="-122"/>
+                <a:ea typeface="楷体" pitchFamily="49" charset="-122"/>
+              </a:rPr>
+              <a:t>创建请求时使用的</a:t>
+            </a:r>
+            <a:r>
+              <a:rPr lang="zh-CN" altLang="en-US" sz="1200" dirty="0" smtClean="0">
+                <a:latin typeface="楷体" pitchFamily="49" charset="-122"/>
+                <a:ea typeface="楷体" pitchFamily="49" charset="-122"/>
+              </a:rPr>
+              <a:t>方法； </a:t>
+            </a:r>
+            <a:r>
+              <a:rPr lang="en-US" altLang="zh-CN" sz="1200" dirty="0" err="1" smtClean="0">
+                <a:latin typeface="楷体" pitchFamily="49" charset="-122"/>
+                <a:ea typeface="楷体" pitchFamily="49" charset="-122"/>
+              </a:rPr>
+              <a:t>url</a:t>
+            </a:r>
+            <a:r>
+              <a:rPr lang="zh-CN" altLang="en-US" sz="1200" dirty="0" smtClean="0">
+                <a:latin typeface="楷体" pitchFamily="49" charset="-122"/>
+                <a:ea typeface="楷体" pitchFamily="49" charset="-122"/>
+              </a:rPr>
+              <a:t>是</a:t>
+            </a:r>
+            <a:r>
+              <a:rPr lang="zh-CN" altLang="en-US" sz="1200" dirty="0">
+                <a:latin typeface="楷体" pitchFamily="49" charset="-122"/>
+                <a:ea typeface="楷体" pitchFamily="49" charset="-122"/>
+              </a:rPr>
+              <a:t>用于请求的服务器 </a:t>
+            </a:r>
+            <a:r>
+              <a:rPr lang="en-US" altLang="zh-CN" sz="1200" dirty="0" smtClean="0">
+                <a:latin typeface="楷体" pitchFamily="49" charset="-122"/>
+                <a:ea typeface="楷体" pitchFamily="49" charset="-122"/>
+              </a:rPr>
+              <a:t>URL</a:t>
+            </a:r>
+            <a:r>
+              <a:rPr lang="zh-CN" altLang="en-US" sz="1200" dirty="0" smtClean="0">
+                <a:latin typeface="楷体" pitchFamily="49" charset="-122"/>
+                <a:ea typeface="楷体" pitchFamily="49" charset="-122"/>
+              </a:rPr>
+              <a:t>；</a:t>
+            </a:r>
+            <a:r>
+              <a:rPr lang="en-US" altLang="zh-CN" sz="1200" dirty="0">
+                <a:latin typeface="楷体" pitchFamily="49" charset="-122"/>
+                <a:ea typeface="楷体" pitchFamily="49" charset="-122"/>
+              </a:rPr>
+              <a:t> </a:t>
+            </a:r>
+            <a:r>
+              <a:rPr lang="en-US" altLang="zh-CN" sz="1200" dirty="0" err="1">
+                <a:latin typeface="楷体" pitchFamily="49" charset="-122"/>
+                <a:ea typeface="楷体" pitchFamily="49" charset="-122"/>
+              </a:rPr>
+              <a:t>params</a:t>
+            </a:r>
+            <a:r>
+              <a:rPr lang="zh-CN" altLang="en-US" sz="1200" dirty="0">
+                <a:latin typeface="楷体" pitchFamily="49" charset="-122"/>
+                <a:ea typeface="楷体" pitchFamily="49" charset="-122"/>
+              </a:rPr>
+              <a:t>是即将与请求一起发送的 </a:t>
+            </a:r>
+            <a:r>
+              <a:rPr lang="en-US" altLang="zh-CN" sz="1200" dirty="0">
+                <a:latin typeface="楷体" pitchFamily="49" charset="-122"/>
+                <a:ea typeface="楷体" pitchFamily="49" charset="-122"/>
+              </a:rPr>
+              <a:t>URL </a:t>
+            </a:r>
+            <a:r>
+              <a:rPr lang="zh-CN" altLang="en-US" sz="1200" dirty="0">
+                <a:latin typeface="楷体" pitchFamily="49" charset="-122"/>
+                <a:ea typeface="楷体" pitchFamily="49" charset="-122"/>
+              </a:rPr>
+              <a:t>参数</a:t>
+            </a:r>
+            <a:endParaRPr lang="en-US" altLang="zh-CN" sz="1200" dirty="0" smtClean="0">
+              <a:latin typeface="楷体" pitchFamily="49" charset="-122"/>
+              <a:ea typeface="楷体" pitchFamily="49" charset="-122"/>
+            </a:endParaRPr>
+          </a:p>
+          <a:p>
+            <a:r>
+              <a:rPr lang="en-US" altLang="zh-CN" sz="1200" dirty="0">
+                <a:latin typeface="楷体" pitchFamily="49" charset="-122"/>
+                <a:ea typeface="楷体" pitchFamily="49" charset="-122"/>
+              </a:rPr>
+              <a:t> </a:t>
+            </a:r>
+            <a:r>
+              <a:rPr lang="en-US" altLang="zh-CN" sz="1200" dirty="0" smtClean="0">
+                <a:latin typeface="楷体" pitchFamily="49" charset="-122"/>
+                <a:ea typeface="楷体" pitchFamily="49" charset="-122"/>
+              </a:rPr>
+              <a:t> data</a:t>
+            </a:r>
+            <a:r>
+              <a:rPr lang="zh-CN" altLang="en-US" sz="1200" dirty="0" smtClean="0">
+                <a:latin typeface="楷体" pitchFamily="49" charset="-122"/>
+                <a:ea typeface="楷体" pitchFamily="49" charset="-122"/>
+              </a:rPr>
+              <a:t>是</a:t>
+            </a:r>
+            <a:r>
+              <a:rPr lang="zh-CN" altLang="en-US" sz="1200" dirty="0">
+                <a:latin typeface="楷体" pitchFamily="49" charset="-122"/>
+                <a:ea typeface="楷体" pitchFamily="49" charset="-122"/>
+              </a:rPr>
+              <a:t>作为请求主体被发送的数据（只</a:t>
+            </a:r>
+            <a:r>
+              <a:rPr lang="zh-CN" altLang="en-US" sz="1200" dirty="0" smtClean="0">
+                <a:latin typeface="楷体" pitchFamily="49" charset="-122"/>
+                <a:ea typeface="楷体" pitchFamily="49" charset="-122"/>
+              </a:rPr>
+              <a:t>适用于</a:t>
+            </a:r>
+            <a:r>
+              <a:rPr lang="en-US" altLang="zh-CN" sz="1200" dirty="0" smtClean="0">
+                <a:latin typeface="楷体" pitchFamily="49" charset="-122"/>
+                <a:ea typeface="楷体" pitchFamily="49" charset="-122"/>
+              </a:rPr>
+              <a:t>'PUT','POST',</a:t>
+            </a:r>
+            <a:r>
+              <a:rPr lang="zh-CN" altLang="en-US" sz="1200" dirty="0" smtClean="0">
+                <a:latin typeface="楷体" pitchFamily="49" charset="-122"/>
+                <a:ea typeface="楷体" pitchFamily="49" charset="-122"/>
+              </a:rPr>
+              <a:t>和</a:t>
+            </a:r>
+            <a:r>
+              <a:rPr lang="en-US" altLang="zh-CN" sz="1200" dirty="0" smtClean="0">
+                <a:latin typeface="楷体" pitchFamily="49" charset="-122"/>
+                <a:ea typeface="楷体" pitchFamily="49" charset="-122"/>
+              </a:rPr>
+              <a:t>'PATCH'</a:t>
+            </a:r>
+            <a:r>
+              <a:rPr lang="zh-CN" altLang="en-US" sz="1200" dirty="0">
+                <a:latin typeface="楷体" pitchFamily="49" charset="-122"/>
+                <a:ea typeface="楷体" pitchFamily="49" charset="-122"/>
+              </a:rPr>
+              <a:t>这些请求方法 </a:t>
+            </a:r>
+            <a:r>
+              <a:rPr lang="zh-CN" altLang="en-US" sz="1200" dirty="0" smtClean="0">
+                <a:latin typeface="楷体" pitchFamily="49" charset="-122"/>
+                <a:ea typeface="楷体" pitchFamily="49" charset="-122"/>
+              </a:rPr>
+              <a:t>）</a:t>
+            </a:r>
+            <a:endParaRPr lang="en-US" altLang="zh-CN" sz="1200" dirty="0" smtClean="0">
+              <a:latin typeface="楷体" pitchFamily="49" charset="-122"/>
+              <a:ea typeface="楷体" pitchFamily="49" charset="-122"/>
+            </a:endParaRPr>
+          </a:p>
+        </p:txBody>
+      </p:sp>
+      <p:pic>
+        <p:nvPicPr>
+          <p:cNvPr id="1030" name="Picture 6"/>
+          <p:cNvPicPr>
+            <a:picLocks noChangeAspect="1" noChangeArrowheads="1"/>
+          </p:cNvPicPr>
+          <p:nvPr/>
+        </p:nvPicPr>
+        <p:blipFill>
+          <a:blip r:embed="rId6">
+            <a:extLst>
+              <a:ext uri="{28A0092B-C50C-407E-A947-70E740481C1C}">
+                <a14:useLocalDpi xmlns:a14="http://schemas.microsoft.com/office/drawing/2010/main" val="0"/>
+              </a:ext>
+            </a:extLst>
+          </a:blip>
+          <a:srcRect/>
+          <a:stretch>
+            <a:fillRect/>
+          </a:stretch>
+        </p:blipFill>
+        <p:spPr bwMode="auto">
+          <a:xfrm>
+            <a:off x="6141893" y="5122299"/>
+            <a:ext cx="1972230" cy="539224"/>
+          </a:xfrm>
+          <a:prstGeom prst="rect">
+            <a:avLst/>
+          </a:prstGeom>
+          <a:noFill/>
+          <a:ln>
+            <a:noFill/>
+          </a:ln>
+          <a:effectLst/>
+          <a:extLst>
+            <a:ext uri="{909E8E84-426E-40DD-AFC4-6F175D3DCCD1}">
+              <a14:hiddenFill xmlns:a14="http://schemas.microsoft.com/office/drawing/2010/main">
+                <a:solidFill>
+                  <a:schemeClr val="accent1"/>
+                </a:solidFill>
+              </a14:hiddenFill>
+            </a:ext>
+            <a:ext uri="{91240B29-F687-4F45-9708-019B960494DF}">
+              <a14:hiddenLine xmlns:a14="http://schemas.microsoft.com/office/drawing/2010/main" w="9525">
+                <a:solidFill>
+                  <a:schemeClr val="tx1"/>
+                </a:solidFill>
+                <a:miter lim="800000"/>
+                <a:headEnd/>
+                <a:tailEnd/>
+              </a14:hiddenLine>
+            </a:ext>
+            <a:ext uri="{AF507438-7753-43E0-B8FC-AC1667EBCBE1}">
+              <a14:hiddenEffects xmlns:a14="http://schemas.microsoft.com/office/drawing/2010/main">
+                <a:effectLst>
+                  <a:outerShdw dist="35921" dir="2700000" algn="ctr" rotWithShape="0">
+                    <a:schemeClr val="bg2"/>
+                  </a:outerShdw>
+                </a:effectLst>
+              </a14:hiddenEffects>
+            </a:ext>
+          </a:extLst>
+        </p:spPr>
+      </p:pic>
+      <p:pic>
+        <p:nvPicPr>
+          <p:cNvPr id="1031" name="Picture 7"/>
+          <p:cNvPicPr>
+            <a:picLocks noChangeAspect="1" noChangeArrowheads="1"/>
+          </p:cNvPicPr>
+          <p:nvPr/>
+        </p:nvPicPr>
+        <p:blipFill>
+          <a:blip r:embed="rId7">
+            <a:extLst>
+              <a:ext uri="{28A0092B-C50C-407E-A947-70E740481C1C}">
+                <a14:useLocalDpi xmlns:a14="http://schemas.microsoft.com/office/drawing/2010/main" val="0"/>
+              </a:ext>
+            </a:extLst>
+          </a:blip>
+          <a:srcRect/>
+          <a:stretch>
+            <a:fillRect/>
+          </a:stretch>
+        </p:blipFill>
+        <p:spPr bwMode="auto">
+          <a:xfrm>
+            <a:off x="6141893" y="4699879"/>
+            <a:ext cx="1612191" cy="323878"/>
+          </a:xfrm>
+          <a:prstGeom prst="rect">
+            <a:avLst/>
+          </a:prstGeom>
+          <a:noFill/>
+          <a:ln>
+            <a:noFill/>
+          </a:ln>
+          <a:effectLst/>
+          <a:extLst>
+            <a:ext uri="{909E8E84-426E-40DD-AFC4-6F175D3DCCD1}">
+              <a14:hiddenFill xmlns:a14="http://schemas.microsoft.com/office/drawing/2010/main">
+                <a:solidFill>
+                  <a:schemeClr val="accent1"/>
+                </a:solidFill>
+              </a14:hiddenFill>
+            </a:ext>
+            <a:ext uri="{91240B29-F687-4F45-9708-019B960494DF}">
+              <a14:hiddenLine xmlns:a14="http://schemas.microsoft.com/office/drawing/2010/main" w="9525">
+                <a:solidFill>
+                  <a:schemeClr val="tx1"/>
+                </a:solidFill>
+                <a:miter lim="800000"/>
+                <a:headEnd/>
+                <a:tailEnd/>
+              </a14:hiddenLine>
+            </a:ext>
+            <a:ext uri="{AF507438-7753-43E0-B8FC-AC1667EBCBE1}">
+              <a14:hiddenEffects xmlns:a14="http://schemas.microsoft.com/office/drawing/2010/main">
+                <a:effectLst>
+                  <a:outerShdw dist="35921" dir="2700000" algn="ctr" rotWithShape="0">
+                    <a:schemeClr val="bg2"/>
+                  </a:outerShdw>
+                </a:effectLst>
+              </a14:hiddenEffects>
+            </a:ext>
+          </a:extLst>
+        </p:spPr>
+      </p:pic>
+      <p:sp>
+        <p:nvSpPr>
+          <p:cNvPr id="17" name="TextBox 16"/>
+          <p:cNvSpPr txBox="1"/>
+          <p:nvPr/>
+        </p:nvSpPr>
+        <p:spPr>
+          <a:xfrm>
+            <a:off x="6012159" y="4349039"/>
+            <a:ext cx="3456385" cy="276999"/>
+          </a:xfrm>
+          <a:prstGeom prst="rect">
+            <a:avLst/>
+          </a:prstGeom>
+          <a:noFill/>
+        </p:spPr>
+        <p:txBody>
+          <a:bodyPr wrap="square" rtlCol="0">
+            <a:spAutoFit/>
+          </a:bodyPr>
+          <a:lstStyle/>
+          <a:p>
+            <a:r>
+              <a:rPr lang="zh-CN" altLang="en-US" sz="1200" dirty="0" smtClean="0">
+                <a:latin typeface="楷体" pitchFamily="49" charset="-122"/>
+                <a:ea typeface="楷体" pitchFamily="49" charset="-122"/>
+              </a:rPr>
+              <a:t>* 通用配置</a:t>
+            </a:r>
+            <a:endParaRPr lang="zh-CN" altLang="en-US" sz="1200" dirty="0">
+              <a:latin typeface="楷体" pitchFamily="49" charset="-122"/>
+              <a:ea typeface="楷体" pitchFamily="49" charset="-122"/>
+            </a:endParaRPr>
+          </a:p>
+        </p:txBody>
+      </p:sp>
+    </p:spTree>
+    <p:extLst>
+      <p:ext uri="{BB962C8B-B14F-4D97-AF65-F5344CB8AC3E}">
+        <p14:creationId xmlns:p14="http://schemas.microsoft.com/office/powerpoint/2010/main" val="738803932"/>
+      </p:ext>
+    </p:extLst>
+  </p:cSld>
+  <p:clrMapOvr>
+    <a:masterClrMapping/>
+  </p:clrMapOvr>
+  <p:transition spd="slow">
+    <p:wipe/>
+  </p:transition>
+  <p:timing>
+    <p:tnLst>
+      <p:par>
+        <p:cTn id="1" dur="indefinite" restart="never" nodeType="tmRoot"/>
+      </p:par>
+    </p:tnLst>
+  </p:timing>
+</p:sld>
+</file>
+
+<file path=ppt/slides/slide16.xml><?xml version="1.0" encoding="utf-8"?>
+<p:sld xmlns:a="http://schemas.openxmlformats.org/drawingml/2006/main" xmlns:r="http://schemas.openxmlformats.org/officeDocument/2006/relationships" xmlns:p="http://schemas.openxmlformats.org/presentationml/2006/main">
+  <p:cSld>
+    <p:spTree>
+      <p:nvGrpSpPr>
+        <p:cNvPr id="1" name=""/>
+        <p:cNvGrpSpPr/>
+        <p:nvPr/>
+      </p:nvGrpSpPr>
+      <p:grpSpPr>
+        <a:xfrm>
+          <a:off x="0" y="0"/>
+          <a:ext cx="0" cy="0"/>
+          <a:chOff x="0" y="0"/>
+          <a:chExt cx="0" cy="0"/>
+        </a:xfrm>
+      </p:grpSpPr>
+      <p:sp>
+        <p:nvSpPr>
+          <p:cNvPr id="4" name="TextBox 3"/>
+          <p:cNvSpPr txBox="1"/>
+          <p:nvPr/>
+        </p:nvSpPr>
+        <p:spPr>
+          <a:xfrm>
             <a:off x="394428" y="195090"/>
             <a:ext cx="7488832" cy="461665"/>
           </a:xfrm>
@@ -11817,7 +13220,7 @@
 </p:sld>
 </file>
 
-<file path=ppt/slides/slide16.xml><?xml version="1.0" encoding="utf-8"?>
+<file path=ppt/slides/slide17.xml><?xml version="1.0" encoding="utf-8"?>
 <p:sld xmlns:a="http://schemas.openxmlformats.org/drawingml/2006/main" xmlns:r="http://schemas.openxmlformats.org/officeDocument/2006/relationships" xmlns:p="http://schemas.openxmlformats.org/presentationml/2006/main">
   <p:cSld>
     <p:spTree>
@@ -12384,7 +13787,7 @@
 </p:sld>
 </file>
 
-<file path=ppt/slides/slide17.xml><?xml version="1.0" encoding="utf-8"?>
+<file path=ppt/slides/slide18.xml><?xml version="1.0" encoding="utf-8"?>
 <p:sld xmlns:a="http://schemas.openxmlformats.org/drawingml/2006/main" xmlns:r="http://schemas.openxmlformats.org/officeDocument/2006/relationships" xmlns:p="http://schemas.openxmlformats.org/presentationml/2006/main">
   <p:cSld>
     <p:spTree>
@@ -12664,7 +14067,7 @@
 </p:sld>
 </file>
 
-<file path=ppt/slides/slide18.xml><?xml version="1.0" encoding="utf-8"?>
+<file path=ppt/slides/slide19.xml><?xml version="1.0" encoding="utf-8"?>
 <p:sld xmlns:a="http://schemas.openxmlformats.org/drawingml/2006/main" xmlns:r="http://schemas.openxmlformats.org/officeDocument/2006/relationships" xmlns:p="http://schemas.openxmlformats.org/presentationml/2006/main">
   <p:cSld>
     <p:spTree>

--- a/vue初探.pptx
+++ b/vue初探.pptx
@@ -5,7 +5,7 @@
     <p:sldMasterId id="2147483672" r:id="rId1"/>
   </p:sldMasterIdLst>
   <p:notesMasterIdLst>
-    <p:notesMasterId r:id="rId21"/>
+    <p:notesMasterId r:id="rId22"/>
   </p:notesMasterIdLst>
   <p:sldIdLst>
     <p:sldId id="256" r:id="rId2"/>
@@ -23,10 +23,11 @@
     <p:sldId id="272" r:id="rId14"/>
     <p:sldId id="269" r:id="rId15"/>
     <p:sldId id="274" r:id="rId16"/>
-    <p:sldId id="265" r:id="rId17"/>
-    <p:sldId id="270" r:id="rId18"/>
-    <p:sldId id="258" r:id="rId19"/>
-    <p:sldId id="259" r:id="rId20"/>
+    <p:sldId id="275" r:id="rId17"/>
+    <p:sldId id="265" r:id="rId18"/>
+    <p:sldId id="270" r:id="rId19"/>
+    <p:sldId id="258" r:id="rId20"/>
+    <p:sldId id="259" r:id="rId21"/>
   </p:sldIdLst>
   <p:sldSz cx="9144000" cy="6858000" type="screen4x3"/>
   <p:notesSz cx="6858000" cy="9144000"/>
@@ -210,7 +211,7 @@
           <a:p>
             <a:fld id="{140160B7-C42B-4AC9-86DA-E0EF3BA7FECE}" type="datetimeFigureOut">
               <a:rPr lang="zh-CN" altLang="en-US" smtClean="0"/>
-              <a:t>2019/12/19</a:t>
+              <a:t>2019/12/22</a:t>
             </a:fld>
             <a:endParaRPr lang="zh-CN" altLang="en-US"/>
           </a:p>
@@ -1068,7 +1069,7 @@
           <a:p>
             <a:fld id="{530820CF-B880-4189-942D-D702A7CBA730}" type="datetimeFigureOut">
               <a:rPr lang="zh-CN" altLang="en-US" smtClean="0"/>
-              <a:t>2019/12/19</a:t>
+              <a:t>2019/12/22</a:t>
             </a:fld>
             <a:endParaRPr lang="zh-CN" altLang="en-US"/>
           </a:p>
@@ -1280,7 +1281,7 @@
           <a:p>
             <a:fld id="{530820CF-B880-4189-942D-D702A7CBA730}" type="datetimeFigureOut">
               <a:rPr lang="zh-CN" altLang="en-US" smtClean="0"/>
-              <a:t>2019/12/19</a:t>
+              <a:t>2019/12/22</a:t>
             </a:fld>
             <a:endParaRPr lang="zh-CN" altLang="en-US"/>
           </a:p>
@@ -1467,7 +1468,7 @@
           <a:p>
             <a:fld id="{530820CF-B880-4189-942D-D702A7CBA730}" type="datetimeFigureOut">
               <a:rPr lang="zh-CN" altLang="en-US" smtClean="0"/>
-              <a:t>2019/12/19</a:t>
+              <a:t>2019/12/22</a:t>
             </a:fld>
             <a:endParaRPr lang="zh-CN" altLang="en-US"/>
           </a:p>
@@ -1564,7 +1565,7 @@
           <a:p>
             <a:fld id="{530820CF-B880-4189-942D-D702A7CBA730}" type="datetimeFigureOut">
               <a:rPr lang="zh-CN" altLang="en-US" smtClean="0"/>
-              <a:t>2019/12/19</a:t>
+              <a:t>2019/12/22</a:t>
             </a:fld>
             <a:endParaRPr lang="zh-CN" altLang="en-US"/>
           </a:p>
@@ -2160,7 +2161,7 @@
           <a:p>
             <a:fld id="{530820CF-B880-4189-942D-D702A7CBA730}" type="datetimeFigureOut">
               <a:rPr lang="zh-CN" altLang="en-US" smtClean="0"/>
-              <a:t>2019/12/19</a:t>
+              <a:t>2019/12/22</a:t>
             </a:fld>
             <a:endParaRPr lang="zh-CN" altLang="en-US"/>
           </a:p>
@@ -2257,7 +2258,7 @@
           <a:p>
             <a:fld id="{530820CF-B880-4189-942D-D702A7CBA730}" type="datetimeFigureOut">
               <a:rPr lang="zh-CN" altLang="en-US" smtClean="0"/>
-              <a:t>2019/12/19</a:t>
+              <a:t>2019/12/22</a:t>
             </a:fld>
             <a:endParaRPr lang="zh-CN" altLang="en-US"/>
           </a:p>
@@ -2862,7 +2863,7 @@
           <a:p>
             <a:fld id="{530820CF-B880-4189-942D-D702A7CBA730}" type="datetimeFigureOut">
               <a:rPr lang="zh-CN" altLang="en-US" smtClean="0"/>
-              <a:t>2019/12/19</a:t>
+              <a:t>2019/12/22</a:t>
             </a:fld>
             <a:endParaRPr lang="zh-CN" altLang="en-US"/>
           </a:p>
@@ -3005,7 +3006,7 @@
           <a:p>
             <a:fld id="{530820CF-B880-4189-942D-D702A7CBA730}" type="datetimeFigureOut">
               <a:rPr lang="zh-CN" altLang="en-US" smtClean="0"/>
-              <a:t>2019/12/19</a:t>
+              <a:t>2019/12/22</a:t>
             </a:fld>
             <a:endParaRPr lang="zh-CN" altLang="en-US"/>
           </a:p>
@@ -3102,7 +3103,7 @@
           <a:p>
             <a:fld id="{530820CF-B880-4189-942D-D702A7CBA730}" type="datetimeFigureOut">
               <a:rPr lang="zh-CN" altLang="en-US" smtClean="0"/>
-              <a:t>2019/12/19</a:t>
+              <a:t>2019/12/22</a:t>
             </a:fld>
             <a:endParaRPr lang="zh-CN" altLang="en-US"/>
           </a:p>
@@ -3386,7 +3387,7 @@
           <a:p>
             <a:fld id="{530820CF-B880-4189-942D-D702A7CBA730}" type="datetimeFigureOut">
               <a:rPr lang="zh-CN" altLang="en-US" smtClean="0"/>
-              <a:t>2019/12/19</a:t>
+              <a:t>2019/12/22</a:t>
             </a:fld>
             <a:endParaRPr lang="zh-CN" altLang="en-US"/>
           </a:p>
@@ -3908,7 +3909,7 @@
           <a:p>
             <a:fld id="{530820CF-B880-4189-942D-D702A7CBA730}" type="datetimeFigureOut">
               <a:rPr lang="zh-CN" altLang="en-US" smtClean="0"/>
-              <a:t>2019/12/19</a:t>
+              <a:t>2019/12/22</a:t>
             </a:fld>
             <a:endParaRPr lang="zh-CN" altLang="en-US"/>
           </a:p>
@@ -4428,7 +4429,7 @@
           <a:p>
             <a:fld id="{530820CF-B880-4189-942D-D702A7CBA730}" type="datetimeFigureOut">
               <a:rPr lang="zh-CN" altLang="en-US" smtClean="0"/>
-              <a:t>2019/12/19</a:t>
+              <a:t>2019/12/22</a:t>
             </a:fld>
             <a:endParaRPr lang="zh-CN" altLang="en-US"/>
           </a:p>
@@ -11154,10 +11155,6 @@
               </a:rPr>
               <a:t>。</a:t>
             </a:r>
-            <a:endParaRPr lang="zh-CN" altLang="en-US" sz="1200" dirty="0">
-              <a:latin typeface="楷体" pitchFamily="49" charset="-122"/>
-              <a:ea typeface="楷体" pitchFamily="49" charset="-122"/>
-            </a:endParaRPr>
           </a:p>
         </p:txBody>
       </p:sp>
@@ -11560,14 +11557,7 @@
                 <a:latin typeface="楷体" pitchFamily="49" charset="-122"/>
                 <a:ea typeface="楷体" pitchFamily="49" charset="-122"/>
               </a:rPr>
-              <a:t>拦截配置</a:t>
-            </a:r>
-            <a:r>
-              <a:rPr lang="zh-CN" altLang="en-US" sz="1200" dirty="0" smtClean="0">
-                <a:latin typeface="楷体" pitchFamily="49" charset="-122"/>
-                <a:ea typeface="楷体" pitchFamily="49" charset="-122"/>
-              </a:rPr>
-              <a:t>解决跨域请求问题：</a:t>
+              <a:t>拦截配置解决跨域请求问题：</a:t>
             </a:r>
             <a:endParaRPr lang="zh-CN" altLang="en-US" sz="1200" dirty="0">
               <a:latin typeface="楷体" pitchFamily="49" charset="-122"/>
@@ -12291,6 +12281,793 @@
 </file>
 
 <file path=ppt/slides/slide16.xml><?xml version="1.0" encoding="utf-8"?>
+<p:sld xmlns:a="http://schemas.openxmlformats.org/drawingml/2006/main" xmlns:r="http://schemas.openxmlformats.org/officeDocument/2006/relationships" xmlns:p="http://schemas.openxmlformats.org/presentationml/2006/main">
+  <p:cSld>
+    <p:spTree>
+      <p:nvGrpSpPr>
+        <p:cNvPr id="1" name=""/>
+        <p:cNvGrpSpPr/>
+        <p:nvPr/>
+      </p:nvGrpSpPr>
+      <p:grpSpPr>
+        <a:xfrm>
+          <a:off x="0" y="0"/>
+          <a:ext cx="0" cy="0"/>
+          <a:chOff x="0" y="0"/>
+          <a:chExt cx="0" cy="0"/>
+        </a:xfrm>
+      </p:grpSpPr>
+      <p:pic>
+        <p:nvPicPr>
+          <p:cNvPr id="1026" name="Picture 2"/>
+          <p:cNvPicPr>
+            <a:picLocks noChangeAspect="1" noChangeArrowheads="1"/>
+          </p:cNvPicPr>
+          <p:nvPr/>
+        </p:nvPicPr>
+        <p:blipFill>
+          <a:blip r:embed="rId2">
+            <a:extLst>
+              <a:ext uri="{28A0092B-C50C-407E-A947-70E740481C1C}">
+                <a14:useLocalDpi xmlns:a14="http://schemas.microsoft.com/office/drawing/2010/main" val="0"/>
+              </a:ext>
+            </a:extLst>
+          </a:blip>
+          <a:srcRect/>
+          <a:stretch>
+            <a:fillRect/>
+          </a:stretch>
+        </p:blipFill>
+        <p:spPr bwMode="auto">
+          <a:xfrm>
+            <a:off x="827584" y="4173844"/>
+            <a:ext cx="3295650" cy="1971675"/>
+          </a:xfrm>
+          <a:prstGeom prst="rect">
+            <a:avLst/>
+          </a:prstGeom>
+          <a:noFill/>
+          <a:ln>
+            <a:noFill/>
+          </a:ln>
+          <a:effectLst/>
+          <a:extLst>
+            <a:ext uri="{909E8E84-426E-40DD-AFC4-6F175D3DCCD1}">
+              <a14:hiddenFill xmlns:a14="http://schemas.microsoft.com/office/drawing/2010/main">
+                <a:solidFill>
+                  <a:schemeClr val="accent1"/>
+                </a:solidFill>
+              </a14:hiddenFill>
+            </a:ext>
+            <a:ext uri="{91240B29-F687-4F45-9708-019B960494DF}">
+              <a14:hiddenLine xmlns:a14="http://schemas.microsoft.com/office/drawing/2010/main" w="9525">
+                <a:solidFill>
+                  <a:schemeClr val="tx1"/>
+                </a:solidFill>
+                <a:miter lim="800000"/>
+                <a:headEnd/>
+                <a:tailEnd/>
+              </a14:hiddenLine>
+            </a:ext>
+            <a:ext uri="{AF507438-7753-43E0-B8FC-AC1667EBCBE1}">
+              <a14:hiddenEffects xmlns:a14="http://schemas.microsoft.com/office/drawing/2010/main">
+                <a:effectLst>
+                  <a:outerShdw dist="35921" dir="2700000" algn="ctr" rotWithShape="0">
+                    <a:schemeClr val="bg2"/>
+                  </a:outerShdw>
+                </a:effectLst>
+              </a14:hiddenEffects>
+            </a:ext>
+          </a:extLst>
+        </p:spPr>
+      </p:pic>
+      <p:pic>
+        <p:nvPicPr>
+          <p:cNvPr id="1027" name="Picture 3"/>
+          <p:cNvPicPr>
+            <a:picLocks noChangeAspect="1" noChangeArrowheads="1"/>
+          </p:cNvPicPr>
+          <p:nvPr/>
+        </p:nvPicPr>
+        <p:blipFill>
+          <a:blip r:embed="rId3">
+            <a:extLst>
+              <a:ext uri="{28A0092B-C50C-407E-A947-70E740481C1C}">
+                <a14:useLocalDpi xmlns:a14="http://schemas.microsoft.com/office/drawing/2010/main" val="0"/>
+              </a:ext>
+            </a:extLst>
+          </a:blip>
+          <a:srcRect/>
+          <a:stretch>
+            <a:fillRect/>
+          </a:stretch>
+        </p:blipFill>
+        <p:spPr bwMode="auto">
+          <a:xfrm>
+            <a:off x="5030713" y="4173844"/>
+            <a:ext cx="3162300" cy="619125"/>
+          </a:xfrm>
+          <a:prstGeom prst="rect">
+            <a:avLst/>
+          </a:prstGeom>
+          <a:noFill/>
+          <a:ln>
+            <a:noFill/>
+          </a:ln>
+          <a:effectLst/>
+          <a:extLst>
+            <a:ext uri="{909E8E84-426E-40DD-AFC4-6F175D3DCCD1}">
+              <a14:hiddenFill xmlns:a14="http://schemas.microsoft.com/office/drawing/2010/main">
+                <a:solidFill>
+                  <a:schemeClr val="accent1"/>
+                </a:solidFill>
+              </a14:hiddenFill>
+            </a:ext>
+            <a:ext uri="{91240B29-F687-4F45-9708-019B960494DF}">
+              <a14:hiddenLine xmlns:a14="http://schemas.microsoft.com/office/drawing/2010/main" w="9525">
+                <a:solidFill>
+                  <a:schemeClr val="tx1"/>
+                </a:solidFill>
+                <a:miter lim="800000"/>
+                <a:headEnd/>
+                <a:tailEnd/>
+              </a14:hiddenLine>
+            </a:ext>
+            <a:ext uri="{AF507438-7753-43E0-B8FC-AC1667EBCBE1}">
+              <a14:hiddenEffects xmlns:a14="http://schemas.microsoft.com/office/drawing/2010/main">
+                <a:effectLst>
+                  <a:outerShdw dist="35921" dir="2700000" algn="ctr" rotWithShape="0">
+                    <a:schemeClr val="bg2"/>
+                  </a:outerShdw>
+                </a:effectLst>
+              </a14:hiddenEffects>
+            </a:ext>
+          </a:extLst>
+        </p:spPr>
+      </p:pic>
+      <p:pic>
+        <p:nvPicPr>
+          <p:cNvPr id="1028" name="Picture 4"/>
+          <p:cNvPicPr>
+            <a:picLocks noChangeAspect="1" noChangeArrowheads="1"/>
+          </p:cNvPicPr>
+          <p:nvPr/>
+        </p:nvPicPr>
+        <p:blipFill>
+          <a:blip r:embed="rId4">
+            <a:extLst>
+              <a:ext uri="{28A0092B-C50C-407E-A947-70E740481C1C}">
+                <a14:useLocalDpi xmlns:a14="http://schemas.microsoft.com/office/drawing/2010/main" val="0"/>
+              </a:ext>
+            </a:extLst>
+          </a:blip>
+          <a:srcRect/>
+          <a:stretch>
+            <a:fillRect/>
+          </a:stretch>
+        </p:blipFill>
+        <p:spPr bwMode="auto">
+          <a:xfrm>
+            <a:off x="5197400" y="5344595"/>
+            <a:ext cx="2828925" cy="542925"/>
+          </a:xfrm>
+          <a:prstGeom prst="rect">
+            <a:avLst/>
+          </a:prstGeom>
+          <a:noFill/>
+          <a:ln>
+            <a:noFill/>
+          </a:ln>
+          <a:effectLst/>
+          <a:extLst>
+            <a:ext uri="{909E8E84-426E-40DD-AFC4-6F175D3DCCD1}">
+              <a14:hiddenFill xmlns:a14="http://schemas.microsoft.com/office/drawing/2010/main">
+                <a:solidFill>
+                  <a:schemeClr val="accent1"/>
+                </a:solidFill>
+              </a14:hiddenFill>
+            </a:ext>
+            <a:ext uri="{91240B29-F687-4F45-9708-019B960494DF}">
+              <a14:hiddenLine xmlns:a14="http://schemas.microsoft.com/office/drawing/2010/main" w="9525">
+                <a:solidFill>
+                  <a:schemeClr val="tx1"/>
+                </a:solidFill>
+                <a:miter lim="800000"/>
+                <a:headEnd/>
+                <a:tailEnd/>
+              </a14:hiddenLine>
+            </a:ext>
+            <a:ext uri="{AF507438-7753-43E0-B8FC-AC1667EBCBE1}">
+              <a14:hiddenEffects xmlns:a14="http://schemas.microsoft.com/office/drawing/2010/main">
+                <a:effectLst>
+                  <a:outerShdw dist="35921" dir="2700000" algn="ctr" rotWithShape="0">
+                    <a:schemeClr val="bg2"/>
+                  </a:outerShdw>
+                </a:effectLst>
+              </a14:hiddenEffects>
+            </a:ext>
+          </a:extLst>
+        </p:spPr>
+      </p:pic>
+      <p:pic>
+        <p:nvPicPr>
+          <p:cNvPr id="1029" name="Picture 5"/>
+          <p:cNvPicPr>
+            <a:picLocks noChangeAspect="1" noChangeArrowheads="1"/>
+          </p:cNvPicPr>
+          <p:nvPr/>
+        </p:nvPicPr>
+        <p:blipFill>
+          <a:blip r:embed="rId5">
+            <a:extLst>
+              <a:ext uri="{28A0092B-C50C-407E-A947-70E740481C1C}">
+                <a14:useLocalDpi xmlns:a14="http://schemas.microsoft.com/office/drawing/2010/main" val="0"/>
+              </a:ext>
+            </a:extLst>
+          </a:blip>
+          <a:srcRect/>
+          <a:stretch>
+            <a:fillRect/>
+          </a:stretch>
+        </p:blipFill>
+        <p:spPr bwMode="auto">
+          <a:xfrm>
+            <a:off x="919314" y="1033461"/>
+            <a:ext cx="2647950" cy="1590675"/>
+          </a:xfrm>
+          <a:prstGeom prst="rect">
+            <a:avLst/>
+          </a:prstGeom>
+          <a:noFill/>
+          <a:ln>
+            <a:noFill/>
+          </a:ln>
+          <a:effectLst/>
+          <a:extLst>
+            <a:ext uri="{909E8E84-426E-40DD-AFC4-6F175D3DCCD1}">
+              <a14:hiddenFill xmlns:a14="http://schemas.microsoft.com/office/drawing/2010/main">
+                <a:solidFill>
+                  <a:schemeClr val="accent1"/>
+                </a:solidFill>
+              </a14:hiddenFill>
+            </a:ext>
+            <a:ext uri="{91240B29-F687-4F45-9708-019B960494DF}">
+              <a14:hiddenLine xmlns:a14="http://schemas.microsoft.com/office/drawing/2010/main" w="9525">
+                <a:solidFill>
+                  <a:schemeClr val="tx1"/>
+                </a:solidFill>
+                <a:miter lim="800000"/>
+                <a:headEnd/>
+                <a:tailEnd/>
+              </a14:hiddenLine>
+            </a:ext>
+            <a:ext uri="{AF507438-7753-43E0-B8FC-AC1667EBCBE1}">
+              <a14:hiddenEffects xmlns:a14="http://schemas.microsoft.com/office/drawing/2010/main">
+                <a:effectLst>
+                  <a:outerShdw dist="35921" dir="2700000" algn="ctr" rotWithShape="0">
+                    <a:schemeClr val="bg2"/>
+                  </a:outerShdw>
+                </a:effectLst>
+              </a14:hiddenEffects>
+            </a:ext>
+          </a:extLst>
+        </p:spPr>
+      </p:pic>
+      <p:pic>
+        <p:nvPicPr>
+          <p:cNvPr id="1030" name="Picture 6"/>
+          <p:cNvPicPr>
+            <a:picLocks noChangeAspect="1" noChangeArrowheads="1"/>
+          </p:cNvPicPr>
+          <p:nvPr/>
+        </p:nvPicPr>
+        <p:blipFill>
+          <a:blip r:embed="rId6">
+            <a:extLst>
+              <a:ext uri="{28A0092B-C50C-407E-A947-70E740481C1C}">
+                <a14:useLocalDpi xmlns:a14="http://schemas.microsoft.com/office/drawing/2010/main" val="0"/>
+              </a:ext>
+            </a:extLst>
+          </a:blip>
+          <a:srcRect/>
+          <a:stretch>
+            <a:fillRect/>
+          </a:stretch>
+        </p:blipFill>
+        <p:spPr bwMode="auto">
+          <a:xfrm>
+            <a:off x="5230809" y="1095315"/>
+            <a:ext cx="2438400" cy="333375"/>
+          </a:xfrm>
+          <a:prstGeom prst="rect">
+            <a:avLst/>
+          </a:prstGeom>
+          <a:noFill/>
+          <a:ln>
+            <a:noFill/>
+          </a:ln>
+          <a:effectLst/>
+          <a:extLst>
+            <a:ext uri="{909E8E84-426E-40DD-AFC4-6F175D3DCCD1}">
+              <a14:hiddenFill xmlns:a14="http://schemas.microsoft.com/office/drawing/2010/main">
+                <a:solidFill>
+                  <a:schemeClr val="accent1"/>
+                </a:solidFill>
+              </a14:hiddenFill>
+            </a:ext>
+            <a:ext uri="{91240B29-F687-4F45-9708-019B960494DF}">
+              <a14:hiddenLine xmlns:a14="http://schemas.microsoft.com/office/drawing/2010/main" w="9525">
+                <a:solidFill>
+                  <a:schemeClr val="tx1"/>
+                </a:solidFill>
+                <a:miter lim="800000"/>
+                <a:headEnd/>
+                <a:tailEnd/>
+              </a14:hiddenLine>
+            </a:ext>
+            <a:ext uri="{AF507438-7753-43E0-B8FC-AC1667EBCBE1}">
+              <a14:hiddenEffects xmlns:a14="http://schemas.microsoft.com/office/drawing/2010/main">
+                <a:effectLst>
+                  <a:outerShdw dist="35921" dir="2700000" algn="ctr" rotWithShape="0">
+                    <a:schemeClr val="bg2"/>
+                  </a:outerShdw>
+                </a:effectLst>
+              </a14:hiddenEffects>
+            </a:ext>
+          </a:extLst>
+        </p:spPr>
+      </p:pic>
+      <p:pic>
+        <p:nvPicPr>
+          <p:cNvPr id="1031" name="Picture 7"/>
+          <p:cNvPicPr>
+            <a:picLocks noChangeAspect="1" noChangeArrowheads="1"/>
+          </p:cNvPicPr>
+          <p:nvPr/>
+        </p:nvPicPr>
+        <p:blipFill>
+          <a:blip r:embed="rId7">
+            <a:extLst>
+              <a:ext uri="{28A0092B-C50C-407E-A947-70E740481C1C}">
+                <a14:useLocalDpi xmlns:a14="http://schemas.microsoft.com/office/drawing/2010/main" val="0"/>
+              </a:ext>
+            </a:extLst>
+          </a:blip>
+          <a:srcRect/>
+          <a:stretch>
+            <a:fillRect/>
+          </a:stretch>
+        </p:blipFill>
+        <p:spPr bwMode="auto">
+          <a:xfrm>
+            <a:off x="5197400" y="1918445"/>
+            <a:ext cx="2714625" cy="619125"/>
+          </a:xfrm>
+          <a:prstGeom prst="rect">
+            <a:avLst/>
+          </a:prstGeom>
+          <a:noFill/>
+          <a:ln>
+            <a:noFill/>
+          </a:ln>
+          <a:effectLst/>
+          <a:extLst>
+            <a:ext uri="{909E8E84-426E-40DD-AFC4-6F175D3DCCD1}">
+              <a14:hiddenFill xmlns:a14="http://schemas.microsoft.com/office/drawing/2010/main">
+                <a:solidFill>
+                  <a:schemeClr val="accent1"/>
+                </a:solidFill>
+              </a14:hiddenFill>
+            </a:ext>
+            <a:ext uri="{91240B29-F687-4F45-9708-019B960494DF}">
+              <a14:hiddenLine xmlns:a14="http://schemas.microsoft.com/office/drawing/2010/main" w="9525">
+                <a:solidFill>
+                  <a:schemeClr val="tx1"/>
+                </a:solidFill>
+                <a:miter lim="800000"/>
+                <a:headEnd/>
+                <a:tailEnd/>
+              </a14:hiddenLine>
+            </a:ext>
+            <a:ext uri="{AF507438-7753-43E0-B8FC-AC1667EBCBE1}">
+              <a14:hiddenEffects xmlns:a14="http://schemas.microsoft.com/office/drawing/2010/main">
+                <a:effectLst>
+                  <a:outerShdw dist="35921" dir="2700000" algn="ctr" rotWithShape="0">
+                    <a:schemeClr val="bg2"/>
+                  </a:outerShdw>
+                </a:effectLst>
+              </a14:hiddenEffects>
+            </a:ext>
+          </a:extLst>
+        </p:spPr>
+      </p:pic>
+      <p:sp>
+        <p:nvSpPr>
+          <p:cNvPr id="4" name="TextBox 3"/>
+          <p:cNvSpPr txBox="1"/>
+          <p:nvPr/>
+        </p:nvSpPr>
+        <p:spPr>
+          <a:xfrm>
+            <a:off x="343250" y="3789757"/>
+            <a:ext cx="484334" cy="400110"/>
+          </a:xfrm>
+          <a:prstGeom prst="rect">
+            <a:avLst/>
+          </a:prstGeom>
+          <a:noFill/>
+        </p:spPr>
+        <p:txBody>
+          <a:bodyPr wrap="square" rtlCol="0">
+            <a:spAutoFit/>
+          </a:bodyPr>
+          <a:lstStyle/>
+          <a:p>
+            <a:pPr algn="ctr"/>
+            <a:r>
+              <a:rPr lang="zh-CN" altLang="en-US" sz="2000" dirty="0" smtClean="0">
+                <a:solidFill>
+                  <a:schemeClr val="accent3">
+                    <a:lumMod val="50000"/>
+                  </a:schemeClr>
+                </a:solidFill>
+              </a:rPr>
+              <a:t>①</a:t>
+            </a:r>
+            <a:endParaRPr lang="zh-CN" altLang="en-US" sz="2000" dirty="0">
+              <a:solidFill>
+                <a:schemeClr val="accent3">
+                  <a:lumMod val="50000"/>
+                </a:schemeClr>
+              </a:solidFill>
+            </a:endParaRPr>
+          </a:p>
+        </p:txBody>
+      </p:sp>
+      <p:sp>
+        <p:nvSpPr>
+          <p:cNvPr id="12" name="TextBox 11"/>
+          <p:cNvSpPr txBox="1"/>
+          <p:nvPr/>
+        </p:nvSpPr>
+        <p:spPr>
+          <a:xfrm>
+            <a:off x="4713066" y="5000850"/>
+            <a:ext cx="484334" cy="400110"/>
+          </a:xfrm>
+          <a:prstGeom prst="rect">
+            <a:avLst/>
+          </a:prstGeom>
+          <a:noFill/>
+        </p:spPr>
+        <p:txBody>
+          <a:bodyPr wrap="square" rtlCol="0">
+            <a:spAutoFit/>
+          </a:bodyPr>
+          <a:lstStyle/>
+          <a:p>
+            <a:pPr algn="ctr"/>
+            <a:r>
+              <a:rPr lang="zh-CN" altLang="en-US" sz="2000" dirty="0" smtClean="0">
+                <a:solidFill>
+                  <a:schemeClr val="accent3">
+                    <a:lumMod val="50000"/>
+                  </a:schemeClr>
+                </a:solidFill>
+              </a:rPr>
+              <a:t>③</a:t>
+            </a:r>
+            <a:endParaRPr lang="zh-CN" altLang="en-US" sz="2000" dirty="0">
+              <a:solidFill>
+                <a:schemeClr val="accent3">
+                  <a:lumMod val="50000"/>
+                </a:schemeClr>
+              </a:solidFill>
+            </a:endParaRPr>
+          </a:p>
+        </p:txBody>
+      </p:sp>
+      <p:sp>
+        <p:nvSpPr>
+          <p:cNvPr id="13" name="TextBox 12"/>
+          <p:cNvSpPr txBox="1"/>
+          <p:nvPr/>
+        </p:nvSpPr>
+        <p:spPr>
+          <a:xfrm>
+            <a:off x="4746475" y="704610"/>
+            <a:ext cx="484334" cy="400110"/>
+          </a:xfrm>
+          <a:prstGeom prst="rect">
+            <a:avLst/>
+          </a:prstGeom>
+          <a:noFill/>
+        </p:spPr>
+        <p:txBody>
+          <a:bodyPr wrap="square" rtlCol="0">
+            <a:spAutoFit/>
+          </a:bodyPr>
+          <a:lstStyle/>
+          <a:p>
+            <a:pPr algn="ctr"/>
+            <a:r>
+              <a:rPr lang="zh-CN" altLang="en-US" sz="2000" dirty="0" smtClean="0">
+                <a:solidFill>
+                  <a:schemeClr val="accent3">
+                    <a:lumMod val="50000"/>
+                  </a:schemeClr>
+                </a:solidFill>
+              </a:rPr>
+              <a:t>②</a:t>
+            </a:r>
+            <a:endParaRPr lang="zh-CN" altLang="en-US" sz="2000" dirty="0">
+              <a:solidFill>
+                <a:schemeClr val="accent3">
+                  <a:lumMod val="50000"/>
+                </a:schemeClr>
+              </a:solidFill>
+            </a:endParaRPr>
+          </a:p>
+        </p:txBody>
+      </p:sp>
+      <p:sp>
+        <p:nvSpPr>
+          <p:cNvPr id="14" name="TextBox 13"/>
+          <p:cNvSpPr txBox="1"/>
+          <p:nvPr/>
+        </p:nvSpPr>
+        <p:spPr>
+          <a:xfrm>
+            <a:off x="434980" y="1262003"/>
+            <a:ext cx="484334" cy="400110"/>
+          </a:xfrm>
+          <a:prstGeom prst="rect">
+            <a:avLst/>
+          </a:prstGeom>
+          <a:noFill/>
+        </p:spPr>
+        <p:txBody>
+          <a:bodyPr wrap="square" rtlCol="0">
+            <a:spAutoFit/>
+          </a:bodyPr>
+          <a:lstStyle/>
+          <a:p>
+            <a:pPr algn="ctr"/>
+            <a:r>
+              <a:rPr lang="zh-CN" altLang="en-US" sz="2000" dirty="0" smtClean="0">
+                <a:solidFill>
+                  <a:schemeClr val="accent3">
+                    <a:lumMod val="50000"/>
+                  </a:schemeClr>
+                </a:solidFill>
+              </a:rPr>
+              <a:t>①</a:t>
+            </a:r>
+            <a:endParaRPr lang="zh-CN" altLang="en-US" sz="2000" dirty="0">
+              <a:solidFill>
+                <a:schemeClr val="accent3">
+                  <a:lumMod val="50000"/>
+                </a:schemeClr>
+              </a:solidFill>
+            </a:endParaRPr>
+          </a:p>
+        </p:txBody>
+      </p:sp>
+      <p:sp>
+        <p:nvSpPr>
+          <p:cNvPr id="15" name="TextBox 14"/>
+          <p:cNvSpPr txBox="1"/>
+          <p:nvPr/>
+        </p:nvSpPr>
+        <p:spPr>
+          <a:xfrm>
+            <a:off x="4698779" y="3942157"/>
+            <a:ext cx="484334" cy="400110"/>
+          </a:xfrm>
+          <a:prstGeom prst="rect">
+            <a:avLst/>
+          </a:prstGeom>
+          <a:noFill/>
+        </p:spPr>
+        <p:txBody>
+          <a:bodyPr wrap="square" rtlCol="0">
+            <a:spAutoFit/>
+          </a:bodyPr>
+          <a:lstStyle/>
+          <a:p>
+            <a:pPr algn="ctr"/>
+            <a:r>
+              <a:rPr lang="zh-CN" altLang="en-US" sz="2000" dirty="0" smtClean="0">
+                <a:solidFill>
+                  <a:schemeClr val="accent3">
+                    <a:lumMod val="50000"/>
+                  </a:schemeClr>
+                </a:solidFill>
+              </a:rPr>
+              <a:t>②</a:t>
+            </a:r>
+            <a:endParaRPr lang="zh-CN" altLang="en-US" sz="2000" dirty="0">
+              <a:solidFill>
+                <a:schemeClr val="accent3">
+                  <a:lumMod val="50000"/>
+                </a:schemeClr>
+              </a:solidFill>
+            </a:endParaRPr>
+          </a:p>
+        </p:txBody>
+      </p:sp>
+      <p:sp>
+        <p:nvSpPr>
+          <p:cNvPr id="16" name="TextBox 15"/>
+          <p:cNvSpPr txBox="1"/>
+          <p:nvPr/>
+        </p:nvSpPr>
+        <p:spPr>
+          <a:xfrm>
+            <a:off x="4712729" y="1530041"/>
+            <a:ext cx="484334" cy="400110"/>
+          </a:xfrm>
+          <a:prstGeom prst="rect">
+            <a:avLst/>
+          </a:prstGeom>
+          <a:noFill/>
+        </p:spPr>
+        <p:txBody>
+          <a:bodyPr wrap="square" rtlCol="0">
+            <a:spAutoFit/>
+          </a:bodyPr>
+          <a:lstStyle/>
+          <a:p>
+            <a:pPr algn="ctr"/>
+            <a:r>
+              <a:rPr lang="zh-CN" altLang="en-US" sz="2000" dirty="0" smtClean="0">
+                <a:solidFill>
+                  <a:schemeClr val="accent3">
+                    <a:lumMod val="50000"/>
+                  </a:schemeClr>
+                </a:solidFill>
+              </a:rPr>
+              <a:t>③</a:t>
+            </a:r>
+            <a:endParaRPr lang="zh-CN" altLang="en-US" sz="2000" dirty="0">
+              <a:solidFill>
+                <a:schemeClr val="accent3">
+                  <a:lumMod val="50000"/>
+                </a:schemeClr>
+              </a:solidFill>
+            </a:endParaRPr>
+          </a:p>
+        </p:txBody>
+      </p:sp>
+      <p:sp>
+        <p:nvSpPr>
+          <p:cNvPr id="6" name="TextBox 5"/>
+          <p:cNvSpPr txBox="1"/>
+          <p:nvPr/>
+        </p:nvSpPr>
+        <p:spPr>
+          <a:xfrm>
+            <a:off x="434981" y="3284984"/>
+            <a:ext cx="1482584" cy="369332"/>
+          </a:xfrm>
+          <a:prstGeom prst="rect">
+            <a:avLst/>
+          </a:prstGeom>
+        </p:spPr>
+        <p:style>
+          <a:lnRef idx="2">
+            <a:schemeClr val="accent2"/>
+          </a:lnRef>
+          <a:fillRef idx="1">
+            <a:schemeClr val="lt1"/>
+          </a:fillRef>
+          <a:effectRef idx="0">
+            <a:schemeClr val="accent2"/>
+          </a:effectRef>
+          <a:fontRef idx="minor">
+            <a:schemeClr val="dk1"/>
+          </a:fontRef>
+        </p:style>
+        <p:txBody>
+          <a:bodyPr wrap="square" rtlCol="0">
+            <a:spAutoFit/>
+          </a:bodyPr>
+          <a:lstStyle/>
+          <a:p>
+            <a:pPr algn="ctr"/>
+            <a:r>
+              <a:rPr lang="zh-CN" altLang="en-US" dirty="0" smtClean="0"/>
+              <a:t>全局函数：</a:t>
+            </a:r>
+            <a:endParaRPr lang="zh-CN" altLang="en-US" dirty="0"/>
+          </a:p>
+        </p:txBody>
+      </p:sp>
+      <p:sp>
+        <p:nvSpPr>
+          <p:cNvPr id="18" name="TextBox 17"/>
+          <p:cNvSpPr txBox="1"/>
+          <p:nvPr/>
+        </p:nvSpPr>
+        <p:spPr>
+          <a:xfrm>
+            <a:off x="343250" y="404664"/>
+            <a:ext cx="3148630" cy="369332"/>
+          </a:xfrm>
+          <a:prstGeom prst="rect">
+            <a:avLst/>
+          </a:prstGeom>
+        </p:spPr>
+        <p:style>
+          <a:lnRef idx="2">
+            <a:schemeClr val="accent2"/>
+          </a:lnRef>
+          <a:fillRef idx="1">
+            <a:schemeClr val="lt1"/>
+          </a:fillRef>
+          <a:effectRef idx="0">
+            <a:schemeClr val="accent2"/>
+          </a:effectRef>
+          <a:fontRef idx="minor">
+            <a:schemeClr val="dk1"/>
+          </a:fontRef>
+        </p:style>
+        <p:txBody>
+          <a:bodyPr wrap="square" rtlCol="0">
+            <a:spAutoFit/>
+          </a:bodyPr>
+          <a:lstStyle/>
+          <a:p>
+            <a:pPr algn="ctr"/>
+            <a:r>
+              <a:rPr lang="zh-CN" altLang="en-US" dirty="0" smtClean="0"/>
+              <a:t>局部调用的</a:t>
+            </a:r>
+            <a:r>
+              <a:rPr lang="en-US" altLang="zh-CN" dirty="0" smtClean="0"/>
+              <a:t>service</a:t>
+            </a:r>
+            <a:r>
+              <a:rPr lang="zh-CN" altLang="en-US" dirty="0" smtClean="0"/>
+              <a:t>的模块：</a:t>
+            </a:r>
+            <a:endParaRPr lang="zh-CN" altLang="en-US" dirty="0"/>
+          </a:p>
+        </p:txBody>
+      </p:sp>
+    </p:spTree>
+    <p:extLst>
+      <p:ext uri="{BB962C8B-B14F-4D97-AF65-F5344CB8AC3E}">
+        <p14:creationId xmlns:p14="http://schemas.microsoft.com/office/powerpoint/2010/main" val="3974587552"/>
+      </p:ext>
+    </p:extLst>
+  </p:cSld>
+  <p:clrMapOvr>
+    <a:masterClrMapping/>
+  </p:clrMapOvr>
+  <mc:AlternateContent xmlns:mc="http://schemas.openxmlformats.org/markup-compatibility/2006">
+    <mc:Choice xmlns:p14="http://schemas.microsoft.com/office/powerpoint/2010/main" Requires="p14">
+      <p:transition spd="slow" p14:dur="1600">
+        <p:blinds dir="vert"/>
+      </p:transition>
+    </mc:Choice>
+    <mc:Fallback>
+      <p:transition spd="slow">
+        <p:blinds dir="vert"/>
+      </p:transition>
+    </mc:Fallback>
+  </mc:AlternateContent>
+  <p:timing>
+    <p:tnLst>
+      <p:par>
+        <p:cTn id="1" dur="indefinite" restart="never" nodeType="tmRoot"/>
+      </p:par>
+    </p:tnLst>
+  </p:timing>
+</p:sld>
+</file>
+
+<file path=ppt/slides/slide17.xml><?xml version="1.0" encoding="utf-8"?>
 <p:sld xmlns:a="http://schemas.openxmlformats.org/drawingml/2006/main" xmlns:r="http://schemas.openxmlformats.org/officeDocument/2006/relationships" xmlns:p="http://schemas.openxmlformats.org/presentationml/2006/main">
   <p:cSld>
     <p:spTree>
@@ -13220,7 +13997,7 @@
 </p:sld>
 </file>
 
-<file path=ppt/slides/slide17.xml><?xml version="1.0" encoding="utf-8"?>
+<file path=ppt/slides/slide18.xml><?xml version="1.0" encoding="utf-8"?>
 <p:sld xmlns:a="http://schemas.openxmlformats.org/drawingml/2006/main" xmlns:r="http://schemas.openxmlformats.org/officeDocument/2006/relationships" xmlns:p="http://schemas.openxmlformats.org/presentationml/2006/main">
   <p:cSld>
     <p:spTree>
@@ -13787,7 +14564,7 @@
 </p:sld>
 </file>
 
-<file path=ppt/slides/slide18.xml><?xml version="1.0" encoding="utf-8"?>
+<file path=ppt/slides/slide19.xml><?xml version="1.0" encoding="utf-8"?>
 <p:sld xmlns:a="http://schemas.openxmlformats.org/drawingml/2006/main" xmlns:r="http://schemas.openxmlformats.org/officeDocument/2006/relationships" xmlns:p="http://schemas.openxmlformats.org/presentationml/2006/main">
   <p:cSld>
     <p:spTree>
@@ -14067,7 +14844,254 @@
 </p:sld>
 </file>
 
-<file path=ppt/slides/slide19.xml><?xml version="1.0" encoding="utf-8"?>
+<file path=ppt/slides/slide2.xml><?xml version="1.0" encoding="utf-8"?>
+<p:sld xmlns:a="http://schemas.openxmlformats.org/drawingml/2006/main" xmlns:r="http://schemas.openxmlformats.org/officeDocument/2006/relationships" xmlns:p="http://schemas.openxmlformats.org/presentationml/2006/main">
+  <p:cSld>
+    <p:spTree>
+      <p:nvGrpSpPr>
+        <p:cNvPr id="1" name=""/>
+        <p:cNvGrpSpPr/>
+        <p:nvPr/>
+      </p:nvGrpSpPr>
+      <p:grpSpPr>
+        <a:xfrm>
+          <a:off x="0" y="0"/>
+          <a:ext cx="0" cy="0"/>
+          <a:chOff x="0" y="0"/>
+          <a:chExt cx="0" cy="0"/>
+        </a:xfrm>
+      </p:grpSpPr>
+      <p:sp>
+        <p:nvSpPr>
+          <p:cNvPr id="5" name="TextBox 4"/>
+          <p:cNvSpPr txBox="1"/>
+          <p:nvPr/>
+        </p:nvSpPr>
+        <p:spPr>
+          <a:xfrm>
+            <a:off x="1403194" y="1700808"/>
+            <a:ext cx="6696744" cy="4247317"/>
+          </a:xfrm>
+          <a:prstGeom prst="rect">
+            <a:avLst/>
+          </a:prstGeom>
+          <a:noFill/>
+        </p:spPr>
+        <p:txBody>
+          <a:bodyPr wrap="square" rtlCol="0">
+            <a:spAutoFit/>
+          </a:bodyPr>
+          <a:lstStyle/>
+          <a:p>
+            <a:pPr marL="285750" indent="-285750">
+              <a:lnSpc>
+                <a:spcPct val="150000"/>
+              </a:lnSpc>
+              <a:buFont typeface="Wingdings" pitchFamily="2" charset="2"/>
+              <a:buChar char="u"/>
+            </a:pPr>
+            <a:r>
+              <a:rPr lang="zh-CN" altLang="en-US" sz="3000" dirty="0" smtClean="0">
+                <a:latin typeface="楷体" pitchFamily="49" charset="-122"/>
+                <a:ea typeface="楷体" pitchFamily="49" charset="-122"/>
+              </a:rPr>
+              <a:t>什么是</a:t>
+            </a:r>
+            <a:r>
+              <a:rPr lang="en-US" altLang="zh-CN" sz="3000" dirty="0" err="1" smtClean="0">
+                <a:latin typeface="楷体" pitchFamily="49" charset="-122"/>
+                <a:ea typeface="楷体" pitchFamily="49" charset="-122"/>
+              </a:rPr>
+              <a:t>vue</a:t>
+            </a:r>
+            <a:endParaRPr lang="en-US" altLang="zh-CN" sz="3000" dirty="0" smtClean="0">
+              <a:latin typeface="楷体" pitchFamily="49" charset="-122"/>
+              <a:ea typeface="楷体" pitchFamily="49" charset="-122"/>
+            </a:endParaRPr>
+          </a:p>
+          <a:p>
+            <a:pPr marL="285750" indent="-285750">
+              <a:lnSpc>
+                <a:spcPct val="150000"/>
+              </a:lnSpc>
+              <a:buFont typeface="Wingdings" pitchFamily="2" charset="2"/>
+              <a:buChar char="u"/>
+            </a:pPr>
+            <a:r>
+              <a:rPr lang="zh-CN" altLang="en-US" sz="3000" dirty="0" smtClean="0">
+                <a:latin typeface="楷体" pitchFamily="49" charset="-122"/>
+                <a:ea typeface="楷体" pitchFamily="49" charset="-122"/>
+              </a:rPr>
+              <a:t>为什么要使用</a:t>
+            </a:r>
+            <a:r>
+              <a:rPr lang="en-US" altLang="zh-CN" sz="3000" dirty="0" err="1" smtClean="0">
+                <a:latin typeface="楷体" pitchFamily="49" charset="-122"/>
+                <a:ea typeface="楷体" pitchFamily="49" charset="-122"/>
+              </a:rPr>
+              <a:t>vue</a:t>
+            </a:r>
+            <a:endParaRPr lang="en-US" altLang="zh-CN" sz="3000" dirty="0" smtClean="0">
+              <a:latin typeface="楷体" pitchFamily="49" charset="-122"/>
+              <a:ea typeface="楷体" pitchFamily="49" charset="-122"/>
+            </a:endParaRPr>
+          </a:p>
+          <a:p>
+            <a:pPr marL="285750" indent="-285750">
+              <a:lnSpc>
+                <a:spcPct val="150000"/>
+              </a:lnSpc>
+              <a:buFont typeface="Wingdings" pitchFamily="2" charset="2"/>
+              <a:buChar char="u"/>
+            </a:pPr>
+            <a:r>
+              <a:rPr lang="zh-CN" altLang="en-US" sz="3000" dirty="0" smtClean="0">
+                <a:latin typeface="楷体" pitchFamily="49" charset="-122"/>
+                <a:ea typeface="楷体" pitchFamily="49" charset="-122"/>
+              </a:rPr>
+              <a:t>简要对比前端三大框架</a:t>
+            </a:r>
+            <a:endParaRPr lang="en-US" altLang="zh-CN" sz="3000" dirty="0" smtClean="0">
+              <a:latin typeface="楷体" pitchFamily="49" charset="-122"/>
+              <a:ea typeface="楷体" pitchFamily="49" charset="-122"/>
+            </a:endParaRPr>
+          </a:p>
+          <a:p>
+            <a:pPr marL="285750" indent="-285750">
+              <a:lnSpc>
+                <a:spcPct val="150000"/>
+              </a:lnSpc>
+              <a:buFont typeface="Wingdings" pitchFamily="2" charset="2"/>
+              <a:buChar char="u"/>
+            </a:pPr>
+            <a:r>
+              <a:rPr lang="en-US" altLang="zh-CN" sz="3000" dirty="0" err="1">
+                <a:latin typeface="楷体" pitchFamily="49" charset="-122"/>
+                <a:ea typeface="楷体" pitchFamily="49" charset="-122"/>
+              </a:rPr>
+              <a:t>vue</a:t>
+            </a:r>
+            <a:r>
+              <a:rPr lang="zh-CN" altLang="en-US" sz="3000" dirty="0" smtClean="0">
+                <a:latin typeface="楷体" pitchFamily="49" charset="-122"/>
+                <a:ea typeface="楷体" pitchFamily="49" charset="-122"/>
+              </a:rPr>
+              <a:t>生命周期</a:t>
+            </a:r>
+            <a:endParaRPr lang="en-US" altLang="zh-CN" sz="3000" dirty="0" smtClean="0">
+              <a:latin typeface="楷体" pitchFamily="49" charset="-122"/>
+              <a:ea typeface="楷体" pitchFamily="49" charset="-122"/>
+            </a:endParaRPr>
+          </a:p>
+          <a:p>
+            <a:pPr marL="285750" indent="-285750">
+              <a:lnSpc>
+                <a:spcPct val="150000"/>
+              </a:lnSpc>
+              <a:buFont typeface="Wingdings" pitchFamily="2" charset="2"/>
+              <a:buChar char="u"/>
+            </a:pPr>
+            <a:r>
+              <a:rPr lang="zh-CN" altLang="en-US" sz="3000" dirty="0" smtClean="0">
+                <a:latin typeface="楷体" pitchFamily="49" charset="-122"/>
+                <a:ea typeface="楷体" pitchFamily="49" charset="-122"/>
+              </a:rPr>
+              <a:t>了解并使用</a:t>
+            </a:r>
+            <a:r>
+              <a:rPr lang="en-US" altLang="zh-CN" sz="3000" dirty="0" err="1" smtClean="0">
+                <a:latin typeface="楷体" pitchFamily="49" charset="-122"/>
+                <a:ea typeface="楷体" pitchFamily="49" charset="-122"/>
+              </a:rPr>
+              <a:t>vue</a:t>
+            </a:r>
+            <a:endParaRPr lang="en-US" altLang="zh-CN" sz="3000" dirty="0" smtClean="0">
+              <a:latin typeface="楷体" pitchFamily="49" charset="-122"/>
+              <a:ea typeface="楷体" pitchFamily="49" charset="-122"/>
+            </a:endParaRPr>
+          </a:p>
+          <a:p>
+            <a:pPr marL="285750" indent="-285750">
+              <a:lnSpc>
+                <a:spcPct val="150000"/>
+              </a:lnSpc>
+              <a:buFont typeface="Wingdings" pitchFamily="2" charset="2"/>
+              <a:buChar char="u"/>
+            </a:pPr>
+            <a:r>
+              <a:rPr lang="en-US" altLang="zh-CN" sz="3000" dirty="0" err="1" smtClean="0">
+                <a:latin typeface="楷体" pitchFamily="49" charset="-122"/>
+                <a:ea typeface="楷体" pitchFamily="49" charset="-122"/>
+              </a:rPr>
+              <a:t>vue</a:t>
+            </a:r>
+            <a:r>
+              <a:rPr lang="zh-CN" altLang="en-US" sz="3000" dirty="0" smtClean="0">
+                <a:latin typeface="楷体" pitchFamily="49" charset="-122"/>
+                <a:ea typeface="楷体" pitchFamily="49" charset="-122"/>
+              </a:rPr>
+              <a:t>路由</a:t>
+            </a:r>
+            <a:endParaRPr lang="en-US" altLang="zh-CN" sz="3000" dirty="0" smtClean="0">
+              <a:latin typeface="楷体" pitchFamily="49" charset="-122"/>
+              <a:ea typeface="楷体" pitchFamily="49" charset="-122"/>
+            </a:endParaRPr>
+          </a:p>
+        </p:txBody>
+      </p:sp>
+      <p:sp>
+        <p:nvSpPr>
+          <p:cNvPr id="2" name="TextBox 1"/>
+          <p:cNvSpPr txBox="1"/>
+          <p:nvPr/>
+        </p:nvSpPr>
+        <p:spPr>
+          <a:xfrm>
+            <a:off x="611560" y="620688"/>
+            <a:ext cx="2088232" cy="769441"/>
+          </a:xfrm>
+          <a:prstGeom prst="rect">
+            <a:avLst/>
+          </a:prstGeom>
+          <a:noFill/>
+        </p:spPr>
+        <p:txBody>
+          <a:bodyPr wrap="square" rtlCol="0">
+            <a:spAutoFit/>
+          </a:bodyPr>
+          <a:lstStyle/>
+          <a:p>
+            <a:r>
+              <a:rPr lang="zh-CN" altLang="en-US" sz="4400" dirty="0"/>
+              <a:t>目录</a:t>
+            </a:r>
+          </a:p>
+        </p:txBody>
+      </p:sp>
+    </p:spTree>
+    <p:extLst>
+      <p:ext uri="{BB962C8B-B14F-4D97-AF65-F5344CB8AC3E}">
+        <p14:creationId xmlns:p14="http://schemas.microsoft.com/office/powerpoint/2010/main" val="911627650"/>
+      </p:ext>
+    </p:extLst>
+  </p:cSld>
+  <p:clrMapOvr>
+    <a:masterClrMapping/>
+  </p:clrMapOvr>
+  <p:transition spd="slow">
+    <p:wipe/>
+  </p:transition>
+  <p:timing>
+    <p:tnLst>
+      <p:par>
+        <p:cTn id="1" dur="indefinite" restart="never" nodeType="tmRoot"/>
+      </p:par>
+    </p:tnLst>
+  </p:timing>
+</p:sld>
+</file>
+
+<file path=ppt/slides/slide20.xml><?xml version="1.0" encoding="utf-8"?>
 <p:sld xmlns:a="http://schemas.openxmlformats.org/drawingml/2006/main" xmlns:r="http://schemas.openxmlformats.org/officeDocument/2006/relationships" xmlns:p="http://schemas.openxmlformats.org/presentationml/2006/main">
   <p:cSld>
     <p:spTree>
@@ -14237,253 +15261,6 @@
       </p:transition>
     </mc:Fallback>
   </mc:AlternateContent>
-  <p:timing>
-    <p:tnLst>
-      <p:par>
-        <p:cTn id="1" dur="indefinite" restart="never" nodeType="tmRoot"/>
-      </p:par>
-    </p:tnLst>
-  </p:timing>
-</p:sld>
-</file>
-
-<file path=ppt/slides/slide2.xml><?xml version="1.0" encoding="utf-8"?>
-<p:sld xmlns:a="http://schemas.openxmlformats.org/drawingml/2006/main" xmlns:r="http://schemas.openxmlformats.org/officeDocument/2006/relationships" xmlns:p="http://schemas.openxmlformats.org/presentationml/2006/main">
-  <p:cSld>
-    <p:spTree>
-      <p:nvGrpSpPr>
-        <p:cNvPr id="1" name=""/>
-        <p:cNvGrpSpPr/>
-        <p:nvPr/>
-      </p:nvGrpSpPr>
-      <p:grpSpPr>
-        <a:xfrm>
-          <a:off x="0" y="0"/>
-          <a:ext cx="0" cy="0"/>
-          <a:chOff x="0" y="0"/>
-          <a:chExt cx="0" cy="0"/>
-        </a:xfrm>
-      </p:grpSpPr>
-      <p:sp>
-        <p:nvSpPr>
-          <p:cNvPr id="5" name="TextBox 4"/>
-          <p:cNvSpPr txBox="1"/>
-          <p:nvPr/>
-        </p:nvSpPr>
-        <p:spPr>
-          <a:xfrm>
-            <a:off x="1403194" y="1700808"/>
-            <a:ext cx="6696744" cy="4247317"/>
-          </a:xfrm>
-          <a:prstGeom prst="rect">
-            <a:avLst/>
-          </a:prstGeom>
-          <a:noFill/>
-        </p:spPr>
-        <p:txBody>
-          <a:bodyPr wrap="square" rtlCol="0">
-            <a:spAutoFit/>
-          </a:bodyPr>
-          <a:lstStyle/>
-          <a:p>
-            <a:pPr marL="285750" indent="-285750">
-              <a:lnSpc>
-                <a:spcPct val="150000"/>
-              </a:lnSpc>
-              <a:buFont typeface="Wingdings" pitchFamily="2" charset="2"/>
-              <a:buChar char="u"/>
-            </a:pPr>
-            <a:r>
-              <a:rPr lang="zh-CN" altLang="en-US" sz="3000" dirty="0" smtClean="0">
-                <a:latin typeface="楷体" pitchFamily="49" charset="-122"/>
-                <a:ea typeface="楷体" pitchFamily="49" charset="-122"/>
-              </a:rPr>
-              <a:t>什么是</a:t>
-            </a:r>
-            <a:r>
-              <a:rPr lang="en-US" altLang="zh-CN" sz="3000" dirty="0" err="1" smtClean="0">
-                <a:latin typeface="楷体" pitchFamily="49" charset="-122"/>
-                <a:ea typeface="楷体" pitchFamily="49" charset="-122"/>
-              </a:rPr>
-              <a:t>vue</a:t>
-            </a:r>
-            <a:endParaRPr lang="en-US" altLang="zh-CN" sz="3000" dirty="0" smtClean="0">
-              <a:latin typeface="楷体" pitchFamily="49" charset="-122"/>
-              <a:ea typeface="楷体" pitchFamily="49" charset="-122"/>
-            </a:endParaRPr>
-          </a:p>
-          <a:p>
-            <a:pPr marL="285750" indent="-285750">
-              <a:lnSpc>
-                <a:spcPct val="150000"/>
-              </a:lnSpc>
-              <a:buFont typeface="Wingdings" pitchFamily="2" charset="2"/>
-              <a:buChar char="u"/>
-            </a:pPr>
-            <a:r>
-              <a:rPr lang="zh-CN" altLang="en-US" sz="3000" dirty="0" smtClean="0">
-                <a:latin typeface="楷体" pitchFamily="49" charset="-122"/>
-                <a:ea typeface="楷体" pitchFamily="49" charset="-122"/>
-              </a:rPr>
-              <a:t>为什么要使用</a:t>
-            </a:r>
-            <a:r>
-              <a:rPr lang="en-US" altLang="zh-CN" sz="3000" dirty="0" err="1" smtClean="0">
-                <a:latin typeface="楷体" pitchFamily="49" charset="-122"/>
-                <a:ea typeface="楷体" pitchFamily="49" charset="-122"/>
-              </a:rPr>
-              <a:t>vue</a:t>
-            </a:r>
-            <a:endParaRPr lang="en-US" altLang="zh-CN" sz="3000" dirty="0" smtClean="0">
-              <a:latin typeface="楷体" pitchFamily="49" charset="-122"/>
-              <a:ea typeface="楷体" pitchFamily="49" charset="-122"/>
-            </a:endParaRPr>
-          </a:p>
-          <a:p>
-            <a:pPr marL="285750" indent="-285750">
-              <a:lnSpc>
-                <a:spcPct val="150000"/>
-              </a:lnSpc>
-              <a:buFont typeface="Wingdings" pitchFamily="2" charset="2"/>
-              <a:buChar char="u"/>
-            </a:pPr>
-            <a:r>
-              <a:rPr lang="zh-CN" altLang="en-US" sz="3000" dirty="0" smtClean="0">
-                <a:latin typeface="楷体" pitchFamily="49" charset="-122"/>
-                <a:ea typeface="楷体" pitchFamily="49" charset="-122"/>
-              </a:rPr>
-              <a:t>简要对比前端三大框架</a:t>
-            </a:r>
-            <a:endParaRPr lang="en-US" altLang="zh-CN" sz="3000" dirty="0" smtClean="0">
-              <a:latin typeface="楷体" pitchFamily="49" charset="-122"/>
-              <a:ea typeface="楷体" pitchFamily="49" charset="-122"/>
-            </a:endParaRPr>
-          </a:p>
-          <a:p>
-            <a:pPr marL="285750" indent="-285750">
-              <a:lnSpc>
-                <a:spcPct val="150000"/>
-              </a:lnSpc>
-              <a:buFont typeface="Wingdings" pitchFamily="2" charset="2"/>
-              <a:buChar char="u"/>
-            </a:pPr>
-            <a:r>
-              <a:rPr lang="en-US" altLang="zh-CN" sz="3000" dirty="0" err="1">
-                <a:latin typeface="楷体" pitchFamily="49" charset="-122"/>
-                <a:ea typeface="楷体" pitchFamily="49" charset="-122"/>
-              </a:rPr>
-              <a:t>vue</a:t>
-            </a:r>
-            <a:r>
-              <a:rPr lang="zh-CN" altLang="en-US" sz="3000" dirty="0" smtClean="0">
-                <a:latin typeface="楷体" pitchFamily="49" charset="-122"/>
-                <a:ea typeface="楷体" pitchFamily="49" charset="-122"/>
-              </a:rPr>
-              <a:t>生命周期</a:t>
-            </a:r>
-            <a:endParaRPr lang="en-US" altLang="zh-CN" sz="3000" dirty="0" smtClean="0">
-              <a:latin typeface="楷体" pitchFamily="49" charset="-122"/>
-              <a:ea typeface="楷体" pitchFamily="49" charset="-122"/>
-            </a:endParaRPr>
-          </a:p>
-          <a:p>
-            <a:pPr marL="285750" indent="-285750">
-              <a:lnSpc>
-                <a:spcPct val="150000"/>
-              </a:lnSpc>
-              <a:buFont typeface="Wingdings" pitchFamily="2" charset="2"/>
-              <a:buChar char="u"/>
-            </a:pPr>
-            <a:r>
-              <a:rPr lang="zh-CN" altLang="en-US" sz="3000" dirty="0" smtClean="0">
-                <a:latin typeface="楷体" pitchFamily="49" charset="-122"/>
-                <a:ea typeface="楷体" pitchFamily="49" charset="-122"/>
-              </a:rPr>
-              <a:t>了解并使用</a:t>
-            </a:r>
-            <a:r>
-              <a:rPr lang="en-US" altLang="zh-CN" sz="3000" dirty="0" err="1" smtClean="0">
-                <a:latin typeface="楷体" pitchFamily="49" charset="-122"/>
-                <a:ea typeface="楷体" pitchFamily="49" charset="-122"/>
-              </a:rPr>
-              <a:t>vue</a:t>
-            </a:r>
-            <a:endParaRPr lang="en-US" altLang="zh-CN" sz="3000" dirty="0" smtClean="0">
-              <a:latin typeface="楷体" pitchFamily="49" charset="-122"/>
-              <a:ea typeface="楷体" pitchFamily="49" charset="-122"/>
-            </a:endParaRPr>
-          </a:p>
-          <a:p>
-            <a:pPr marL="285750" indent="-285750">
-              <a:lnSpc>
-                <a:spcPct val="150000"/>
-              </a:lnSpc>
-              <a:buFont typeface="Wingdings" pitchFamily="2" charset="2"/>
-              <a:buChar char="u"/>
-            </a:pPr>
-            <a:r>
-              <a:rPr lang="en-US" altLang="zh-CN" sz="3000" dirty="0" err="1" smtClean="0">
-                <a:latin typeface="楷体" pitchFamily="49" charset="-122"/>
-                <a:ea typeface="楷体" pitchFamily="49" charset="-122"/>
-              </a:rPr>
-              <a:t>vue</a:t>
-            </a:r>
-            <a:r>
-              <a:rPr lang="zh-CN" altLang="en-US" sz="3000" dirty="0" smtClean="0">
-                <a:latin typeface="楷体" pitchFamily="49" charset="-122"/>
-                <a:ea typeface="楷体" pitchFamily="49" charset="-122"/>
-              </a:rPr>
-              <a:t>路由</a:t>
-            </a:r>
-            <a:endParaRPr lang="en-US" altLang="zh-CN" sz="3000" dirty="0" smtClean="0">
-              <a:latin typeface="楷体" pitchFamily="49" charset="-122"/>
-              <a:ea typeface="楷体" pitchFamily="49" charset="-122"/>
-            </a:endParaRPr>
-          </a:p>
-        </p:txBody>
-      </p:sp>
-      <p:sp>
-        <p:nvSpPr>
-          <p:cNvPr id="2" name="TextBox 1"/>
-          <p:cNvSpPr txBox="1"/>
-          <p:nvPr/>
-        </p:nvSpPr>
-        <p:spPr>
-          <a:xfrm>
-            <a:off x="611560" y="620688"/>
-            <a:ext cx="2088232" cy="769441"/>
-          </a:xfrm>
-          <a:prstGeom prst="rect">
-            <a:avLst/>
-          </a:prstGeom>
-          <a:noFill/>
-        </p:spPr>
-        <p:txBody>
-          <a:bodyPr wrap="square" rtlCol="0">
-            <a:spAutoFit/>
-          </a:bodyPr>
-          <a:lstStyle/>
-          <a:p>
-            <a:r>
-              <a:rPr lang="zh-CN" altLang="en-US" sz="4400" dirty="0"/>
-              <a:t>目录</a:t>
-            </a:r>
-          </a:p>
-        </p:txBody>
-      </p:sp>
-    </p:spTree>
-    <p:extLst>
-      <p:ext uri="{BB962C8B-B14F-4D97-AF65-F5344CB8AC3E}">
-        <p14:creationId xmlns:p14="http://schemas.microsoft.com/office/powerpoint/2010/main" val="911627650"/>
-      </p:ext>
-    </p:extLst>
-  </p:cSld>
-  <p:clrMapOvr>
-    <a:masterClrMapping/>
-  </p:clrMapOvr>
-  <p:transition spd="slow">
-    <p:wipe/>
-  </p:transition>
   <p:timing>
     <p:tnLst>
       <p:par>

--- a/vue初探.pptx
+++ b/vue初探.pptx
@@ -5025,15 +5025,23 @@
             </a:r>
             <a:r>
               <a:rPr lang="zh-CN" altLang="en-US" dirty="0" smtClean="0"/>
-              <a:t>简要了解</a:t>
+              <a:t>简要</a:t>
+            </a:r>
+            <a:r>
+              <a:rPr lang="zh-CN" altLang="en-US" dirty="0" smtClean="0"/>
+              <a:t>了解</a:t>
+            </a:r>
+            <a:r>
+              <a:rPr lang="zh-CN" altLang="en-US" dirty="0" smtClean="0"/>
+              <a:t>并使用</a:t>
             </a:r>
             <a:r>
               <a:rPr lang="en-US" altLang="zh-CN" dirty="0" err="1" smtClean="0"/>
-              <a:t>vue</a:t>
-            </a:r>
-            <a:r>
-              <a:rPr lang="zh-CN" altLang="en-US" dirty="0" smtClean="0"/>
-              <a:t>框架</a:t>
+              <a:t>V</a:t>
+            </a:r>
+            <a:r>
+              <a:rPr lang="en-US" altLang="zh-CN" dirty="0" err="1" smtClean="0"/>
+              <a:t>ue</a:t>
             </a:r>
             <a:endParaRPr lang="zh-CN" altLang="en-US" dirty="0"/>
           </a:p>
@@ -5168,7 +5176,7 @@
         </p:nvSpPr>
         <p:spPr>
           <a:xfrm>
-            <a:off x="394428" y="195090"/>
+            <a:off x="359279" y="195089"/>
             <a:ext cx="7488832" cy="461665"/>
           </a:xfrm>
           <a:prstGeom prst="rect">
@@ -5208,7 +5216,14 @@
                 <a:latin typeface="楷体" pitchFamily="49" charset="-122"/>
                 <a:ea typeface="楷体" pitchFamily="49" charset="-122"/>
               </a:rPr>
-              <a:t>的生命周期</a:t>
+              <a:t>的</a:t>
+            </a:r>
+            <a:r>
+              <a:rPr lang="zh-CN" altLang="en-US" sz="2400" dirty="0" smtClean="0">
+                <a:latin typeface="楷体" pitchFamily="49" charset="-122"/>
+                <a:ea typeface="楷体" pitchFamily="49" charset="-122"/>
+              </a:rPr>
+              <a:t>生命周期及钩子函数</a:t>
             </a:r>
             <a:endParaRPr lang="en-US" altLang="zh-CN" sz="2400" dirty="0">
               <a:latin typeface="楷体" pitchFamily="49" charset="-122"/>
@@ -8329,7 +8344,7 @@
         <p:spPr>
           <a:xfrm>
             <a:off x="5652120" y="1226051"/>
-            <a:ext cx="936104" cy="276999"/>
+            <a:ext cx="792088" cy="261610"/>
           </a:xfrm>
           <a:prstGeom prst="rect">
             <a:avLst/>
@@ -8357,11 +8372,17 @@
           <a:p>
             <a:pPr algn="ctr"/>
             <a:r>
-              <a:rPr lang="en-US" altLang="zh-CN" sz="1200" dirty="0" smtClean="0"/>
+              <a:rPr lang="en-US" altLang="zh-CN" sz="1100" dirty="0" smtClean="0">
+                <a:latin typeface="华文楷体" pitchFamily="2" charset="-122"/>
+                <a:ea typeface="华文楷体" pitchFamily="2" charset="-122"/>
+              </a:rPr>
               <a:t>Props</a:t>
             </a:r>
             <a:r>
-              <a:rPr lang="zh-CN" altLang="en-US" sz="1200" dirty="0"/>
+              <a:rPr lang="zh-CN" altLang="en-US" sz="1100" dirty="0">
+                <a:latin typeface="华文楷体" pitchFamily="2" charset="-122"/>
+                <a:ea typeface="华文楷体" pitchFamily="2" charset="-122"/>
+              </a:rPr>
               <a:t>验证</a:t>
             </a:r>
           </a:p>
@@ -8375,8 +8396,8 @@
         </p:nvSpPr>
         <p:spPr>
           <a:xfrm>
-            <a:off x="8071991" y="266893"/>
-            <a:ext cx="864096" cy="276999"/>
+            <a:off x="8294541" y="343837"/>
+            <a:ext cx="820024" cy="246221"/>
           </a:xfrm>
           <a:prstGeom prst="rect">
             <a:avLst/>
@@ -8402,11 +8423,18 @@
           </a:bodyPr>
           <a:lstStyle/>
           <a:p>
-            <a:r>
-              <a:rPr lang="zh-CN" altLang="en-US" sz="1200" dirty="0" smtClean="0"/>
+            <a:pPr algn="ctr"/>
+            <a:r>
+              <a:rPr lang="zh-CN" altLang="en-US" sz="1000" dirty="0" smtClean="0">
+                <a:latin typeface="华文楷体" pitchFamily="2" charset="-122"/>
+                <a:ea typeface="华文楷体" pitchFamily="2" charset="-122"/>
+              </a:rPr>
               <a:t>必填参数</a:t>
             </a:r>
-            <a:endParaRPr lang="zh-CN" altLang="en-US" sz="1200" dirty="0"/>
+            <a:endParaRPr lang="zh-CN" altLang="en-US" sz="1000" dirty="0">
+              <a:latin typeface="华文楷体" pitchFamily="2" charset="-122"/>
+              <a:ea typeface="华文楷体" pitchFamily="2" charset="-122"/>
+            </a:endParaRPr>
           </a:p>
         </p:txBody>
       </p:sp>
@@ -8418,8 +8446,8 @@
         </p:nvSpPr>
         <p:spPr>
           <a:xfrm>
-            <a:off x="7898214" y="980728"/>
-            <a:ext cx="1243626" cy="276999"/>
+            <a:off x="8172400" y="1033592"/>
+            <a:ext cx="971600" cy="246221"/>
           </a:xfrm>
           <a:prstGeom prst="rect">
             <a:avLst/>
@@ -8445,11 +8473,18 @@
           </a:bodyPr>
           <a:lstStyle/>
           <a:p>
-            <a:r>
-              <a:rPr lang="zh-CN" altLang="en-US" sz="1200" dirty="0" smtClean="0"/>
+            <a:pPr algn="ctr"/>
+            <a:r>
+              <a:rPr lang="zh-CN" altLang="en-US" sz="1000" dirty="0" smtClean="0">
+                <a:latin typeface="华文楷体" pitchFamily="2" charset="-122"/>
+                <a:ea typeface="华文楷体" pitchFamily="2" charset="-122"/>
+              </a:rPr>
               <a:t>带默认值参数</a:t>
             </a:r>
-            <a:endParaRPr lang="zh-CN" altLang="en-US" sz="1200" dirty="0"/>
+            <a:endParaRPr lang="zh-CN" altLang="en-US" sz="1000" dirty="0">
+              <a:latin typeface="华文楷体" pitchFamily="2" charset="-122"/>
+              <a:ea typeface="华文楷体" pitchFamily="2" charset="-122"/>
+            </a:endParaRPr>
           </a:p>
         </p:txBody>
       </p:sp>
@@ -8461,8 +8496,8 @@
         </p:nvSpPr>
         <p:spPr>
           <a:xfrm>
-            <a:off x="7938023" y="2060848"/>
-            <a:ext cx="1133412" cy="276999"/>
+            <a:off x="8155885" y="1581040"/>
+            <a:ext cx="1007656" cy="246221"/>
           </a:xfrm>
           <a:prstGeom prst="rect">
             <a:avLst/>
@@ -8488,11 +8523,18 @@
           </a:bodyPr>
           <a:lstStyle/>
           <a:p>
-            <a:r>
-              <a:rPr lang="zh-CN" altLang="en-US" sz="1200" dirty="0" smtClean="0"/>
+            <a:pPr algn="ctr"/>
+            <a:r>
+              <a:rPr lang="zh-CN" altLang="en-US" sz="1000" dirty="0" smtClean="0">
+                <a:latin typeface="华文楷体" pitchFamily="2" charset="-122"/>
+                <a:ea typeface="华文楷体" pitchFamily="2" charset="-122"/>
+              </a:rPr>
               <a:t>定义参数类型</a:t>
             </a:r>
-            <a:endParaRPr lang="zh-CN" altLang="en-US" sz="1200" dirty="0"/>
+            <a:endParaRPr lang="zh-CN" altLang="en-US" sz="1000" dirty="0">
+              <a:latin typeface="华文楷体" pitchFamily="2" charset="-122"/>
+              <a:ea typeface="华文楷体" pitchFamily="2" charset="-122"/>
+            </a:endParaRPr>
           </a:p>
         </p:txBody>
       </p:sp>
@@ -12947,8 +12989,8 @@
         </p:nvSpPr>
         <p:spPr>
           <a:xfrm>
-            <a:off x="434981" y="3284984"/>
-            <a:ext cx="1482584" cy="369332"/>
+            <a:off x="453341" y="3284984"/>
+            <a:ext cx="1303244" cy="338554"/>
           </a:xfrm>
           <a:prstGeom prst="rect">
             <a:avLst/>
@@ -12976,10 +13018,23 @@
           <a:p>
             <a:pPr algn="ctr"/>
             <a:r>
-              <a:rPr lang="zh-CN" altLang="en-US" dirty="0" smtClean="0"/>
-              <a:t>全局函数：</a:t>
-            </a:r>
-            <a:endParaRPr lang="zh-CN" altLang="en-US" dirty="0"/>
+              <a:rPr lang="zh-CN" altLang="en-US" sz="1600" dirty="0" smtClean="0">
+                <a:latin typeface="华文楷体" pitchFamily="2" charset="-122"/>
+                <a:ea typeface="华文楷体" pitchFamily="2" charset="-122"/>
+              </a:rPr>
+              <a:t>* 全局</a:t>
+            </a:r>
+            <a:r>
+              <a:rPr lang="zh-CN" altLang="en-US" sz="1600" dirty="0" smtClean="0">
+                <a:latin typeface="华文楷体" pitchFamily="2" charset="-122"/>
+                <a:ea typeface="华文楷体" pitchFamily="2" charset="-122"/>
+              </a:rPr>
+              <a:t>函数：</a:t>
+            </a:r>
+            <a:endParaRPr lang="zh-CN" altLang="en-US" sz="1600" dirty="0">
+              <a:latin typeface="华文楷体" pitchFamily="2" charset="-122"/>
+              <a:ea typeface="华文楷体" pitchFamily="2" charset="-122"/>
+            </a:endParaRPr>
           </a:p>
         </p:txBody>
       </p:sp>
@@ -12991,8 +13046,8 @@
         </p:nvSpPr>
         <p:spPr>
           <a:xfrm>
-            <a:off x="343250" y="404664"/>
-            <a:ext cx="3148630" cy="369332"/>
+            <a:off x="453340" y="419363"/>
+            <a:ext cx="2606491" cy="338554"/>
           </a:xfrm>
           <a:prstGeom prst="rect">
             <a:avLst/>
@@ -13020,18 +13075,37 @@
           <a:p>
             <a:pPr algn="ctr"/>
             <a:r>
-              <a:rPr lang="zh-CN" altLang="en-US" dirty="0" smtClean="0"/>
-              <a:t>局部调用的</a:t>
-            </a:r>
-            <a:r>
-              <a:rPr lang="en-US" altLang="zh-CN" dirty="0" smtClean="0"/>
+              <a:rPr lang="zh-CN" altLang="en-US" sz="1600" dirty="0" smtClean="0">
+                <a:latin typeface="华文楷体" pitchFamily="2" charset="-122"/>
+                <a:ea typeface="华文楷体" pitchFamily="2" charset="-122"/>
+              </a:rPr>
+              <a:t>* 局部</a:t>
+            </a:r>
+            <a:r>
+              <a:rPr lang="zh-CN" altLang="en-US" sz="1600" dirty="0" smtClean="0">
+                <a:latin typeface="华文楷体" pitchFamily="2" charset="-122"/>
+                <a:ea typeface="华文楷体" pitchFamily="2" charset="-122"/>
+              </a:rPr>
+              <a:t>调用的</a:t>
+            </a:r>
+            <a:r>
+              <a:rPr lang="en-US" altLang="zh-CN" sz="1600" dirty="0" smtClean="0">
+                <a:latin typeface="华文楷体" pitchFamily="2" charset="-122"/>
+                <a:ea typeface="华文楷体" pitchFamily="2" charset="-122"/>
+              </a:rPr>
               <a:t>service</a:t>
             </a:r>
             <a:r>
-              <a:rPr lang="zh-CN" altLang="en-US" dirty="0" smtClean="0"/>
+              <a:rPr lang="zh-CN" altLang="en-US" sz="1600" dirty="0" smtClean="0">
+                <a:latin typeface="华文楷体" pitchFamily="2" charset="-122"/>
+                <a:ea typeface="华文楷体" pitchFamily="2" charset="-122"/>
+              </a:rPr>
               <a:t>的模块：</a:t>
             </a:r>
-            <a:endParaRPr lang="zh-CN" altLang="en-US" dirty="0"/>
+            <a:endParaRPr lang="zh-CN" altLang="en-US" sz="1600" dirty="0">
+              <a:latin typeface="华文楷体" pitchFamily="2" charset="-122"/>
+              <a:ea typeface="华文楷体" pitchFamily="2" charset="-122"/>
+            </a:endParaRPr>
           </a:p>
         </p:txBody>
       </p:sp>
@@ -13045,13 +13119,13 @@
   <p:clrMapOvr>
     <a:masterClrMapping/>
   </p:clrMapOvr>
-  <mc:AlternateContent xmlns:mc="http://schemas.openxmlformats.org/markup-compatibility/2006">
-    <mc:Choice xmlns:p14="http://schemas.microsoft.com/office/powerpoint/2010/main" Requires="p14">
+  <mc:AlternateContent xmlns:mc="http://schemas.openxmlformats.org/markup-compatibility/2006" xmlns:p14="http://schemas.microsoft.com/office/powerpoint/2010/main">
+    <mc:Choice Requires="p14">
       <p:transition spd="slow" p14:dur="1600">
         <p:blinds dir="vert"/>
       </p:transition>
     </mc:Choice>
-    <mc:Fallback>
+    <mc:Fallback xmlns="">
       <p:transition spd="slow">
         <p:blinds dir="vert"/>
       </p:transition>
@@ -16177,8 +16251,8 @@
         </p:blipFill>
         <p:spPr bwMode="auto">
           <a:xfrm>
-            <a:off x="198436" y="1520788"/>
-            <a:ext cx="5798108" cy="2376264"/>
+            <a:off x="198852" y="1460002"/>
+            <a:ext cx="6094745" cy="2497836"/>
           </a:xfrm>
           <a:prstGeom prst="rect">
             <a:avLst/>
@@ -16221,7 +16295,7 @@
         </p:nvSpPr>
         <p:spPr>
           <a:xfrm>
-            <a:off x="6048177" y="2416242"/>
+            <a:off x="6048177" y="2565757"/>
             <a:ext cx="826628" cy="216024"/>
           </a:xfrm>
           <a:prstGeom prst="rightArrow">
@@ -16297,7 +16371,7 @@
         </p:nvSpPr>
         <p:spPr>
           <a:xfrm>
-            <a:off x="6874805" y="2339588"/>
+            <a:off x="6901466" y="2489103"/>
             <a:ext cx="1330684" cy="369332"/>
           </a:xfrm>
           <a:prstGeom prst="rect">
@@ -16356,7 +16430,7 @@
         </p:blipFill>
         <p:spPr>
           <a:xfrm>
-            <a:off x="140875" y="4053665"/>
+            <a:off x="191049" y="4073547"/>
             <a:ext cx="4641957" cy="2693481"/>
           </a:xfrm>
           <a:prstGeom prst="rect">
@@ -16392,7 +16466,7 @@
         </p:blipFill>
         <p:spPr bwMode="auto">
           <a:xfrm>
-            <a:off x="4472904" y="3980633"/>
+            <a:off x="4472904" y="4134563"/>
             <a:ext cx="2781668" cy="944303"/>
           </a:xfrm>
           <a:prstGeom prst="rect">
@@ -16451,7 +16525,7 @@
         </p:blipFill>
         <p:spPr bwMode="auto">
           <a:xfrm>
-            <a:off x="5939996" y="4797152"/>
+            <a:off x="5939996" y="4924936"/>
             <a:ext cx="3097033" cy="917349"/>
           </a:xfrm>
           <a:prstGeom prst="rect">
@@ -16684,7 +16758,14 @@
                 <a:latin typeface="楷体" pitchFamily="49" charset="-122"/>
                 <a:ea typeface="楷体" pitchFamily="49" charset="-122"/>
               </a:rPr>
-              <a:t>Virtual_DOM</a:t>
+              <a:t>Virtua</a:t>
+            </a:r>
+            <a:r>
+              <a:rPr lang="en-US" altLang="zh-CN" sz="1500" dirty="0" smtClean="0">
+                <a:latin typeface="楷体" pitchFamily="49" charset="-122"/>
+                <a:ea typeface="楷体" pitchFamily="49" charset="-122"/>
+              </a:rPr>
+              <a:t> DOM</a:t>
             </a:r>
             <a:r>
               <a:rPr lang="zh-CN" altLang="en-US" sz="1500" dirty="0" smtClean="0">
@@ -16754,21 +16835,35 @@
                 <a:latin typeface="楷体" pitchFamily="49" charset="-122"/>
                 <a:ea typeface="楷体" pitchFamily="49" charset="-122"/>
               </a:rPr>
-              <a:t>的虚拟</a:t>
-            </a:r>
-            <a:r>
-              <a:rPr lang="en-US" altLang="zh-CN" sz="1500" dirty="0" err="1">
-                <a:latin typeface="楷体" pitchFamily="49" charset="-122"/>
-                <a:ea typeface="楷体" pitchFamily="49" charset="-122"/>
-              </a:rPr>
-              <a:t>dom</a:t>
+              <a:t>的</a:t>
+            </a:r>
+            <a:r>
+              <a:rPr lang="zh-CN" altLang="en-US" sz="1500" dirty="0" smtClean="0">
+                <a:latin typeface="楷体" pitchFamily="49" charset="-122"/>
+                <a:ea typeface="楷体" pitchFamily="49" charset="-122"/>
+              </a:rPr>
+              <a:t>虚拟</a:t>
+            </a:r>
+            <a:r>
+              <a:rPr lang="en-US" altLang="zh-CN" sz="1500" dirty="0" smtClean="0">
+                <a:latin typeface="楷体" pitchFamily="49" charset="-122"/>
+                <a:ea typeface="楷体" pitchFamily="49" charset="-122"/>
+              </a:rPr>
+              <a:t>DOM</a:t>
+            </a:r>
+            <a:r>
+              <a:rPr lang="zh-CN" altLang="en-US" sz="1500" dirty="0" smtClean="0">
+                <a:latin typeface="楷体" pitchFamily="49" charset="-122"/>
+                <a:ea typeface="楷体" pitchFamily="49" charset="-122"/>
+              </a:rPr>
+              <a:t>技术</a:t>
             </a:r>
             <a:r>
               <a:rPr lang="zh-CN" altLang="en-US" sz="1500" dirty="0">
                 <a:latin typeface="楷体" pitchFamily="49" charset="-122"/>
                 <a:ea typeface="楷体" pitchFamily="49" charset="-122"/>
               </a:rPr>
-              <a:t>技术，</a:t>
+              <a:t>，</a:t>
             </a:r>
             <a:r>
               <a:rPr lang="en-US" altLang="zh-CN" sz="1500" dirty="0">
@@ -17098,7 +17193,21 @@
                 <a:latin typeface="楷体" pitchFamily="49" charset="-122"/>
                 <a:ea typeface="楷体" pitchFamily="49" charset="-122"/>
               </a:rPr>
-              <a:t>进行频繁操作的时候，浏览器要不停的渲染新的</a:t>
+              <a:t>进行频繁操作的时候，浏览器</a:t>
+            </a:r>
+            <a:r>
+              <a:rPr lang="zh-CN" altLang="en-US" sz="1500" dirty="0" smtClean="0">
+                <a:latin typeface="楷体" pitchFamily="49" charset="-122"/>
+                <a:ea typeface="楷体" pitchFamily="49" charset="-122"/>
+              </a:rPr>
+              <a:t>要不停</a:t>
+            </a:r>
+            <a:r>
+              <a:rPr lang="zh-CN" altLang="en-US" sz="1500" dirty="0">
+                <a:latin typeface="楷体" pitchFamily="49" charset="-122"/>
+                <a:ea typeface="楷体" pitchFamily="49" charset="-122"/>
+              </a:rPr>
+              <a:t>的渲染新的</a:t>
             </a:r>
             <a:r>
               <a:rPr lang="en-US" altLang="zh-CN" sz="1500" dirty="0">

--- a/vue初探.pptx
+++ b/vue初探.pptx
@@ -211,7 +211,7 @@
           <a:p>
             <a:fld id="{140160B7-C42B-4AC9-86DA-E0EF3BA7FECE}" type="datetimeFigureOut">
               <a:rPr lang="zh-CN" altLang="en-US" smtClean="0"/>
-              <a:t>2019/12/22</a:t>
+              <a:t>2019/12/25</a:t>
             </a:fld>
             <a:endParaRPr lang="zh-CN" altLang="en-US"/>
           </a:p>
@@ -1069,7 +1069,7 @@
           <a:p>
             <a:fld id="{530820CF-B880-4189-942D-D702A7CBA730}" type="datetimeFigureOut">
               <a:rPr lang="zh-CN" altLang="en-US" smtClean="0"/>
-              <a:t>2019/12/22</a:t>
+              <a:t>2019/12/25</a:t>
             </a:fld>
             <a:endParaRPr lang="zh-CN" altLang="en-US"/>
           </a:p>
@@ -1281,7 +1281,7 @@
           <a:p>
             <a:fld id="{530820CF-B880-4189-942D-D702A7CBA730}" type="datetimeFigureOut">
               <a:rPr lang="zh-CN" altLang="en-US" smtClean="0"/>
-              <a:t>2019/12/22</a:t>
+              <a:t>2019/12/25</a:t>
             </a:fld>
             <a:endParaRPr lang="zh-CN" altLang="en-US"/>
           </a:p>
@@ -1468,7 +1468,7 @@
           <a:p>
             <a:fld id="{530820CF-B880-4189-942D-D702A7CBA730}" type="datetimeFigureOut">
               <a:rPr lang="zh-CN" altLang="en-US" smtClean="0"/>
-              <a:t>2019/12/22</a:t>
+              <a:t>2019/12/25</a:t>
             </a:fld>
             <a:endParaRPr lang="zh-CN" altLang="en-US"/>
           </a:p>
@@ -1565,7 +1565,7 @@
           <a:p>
             <a:fld id="{530820CF-B880-4189-942D-D702A7CBA730}" type="datetimeFigureOut">
               <a:rPr lang="zh-CN" altLang="en-US" smtClean="0"/>
-              <a:t>2019/12/22</a:t>
+              <a:t>2019/12/25</a:t>
             </a:fld>
             <a:endParaRPr lang="zh-CN" altLang="en-US"/>
           </a:p>
@@ -2161,7 +2161,7 @@
           <a:p>
             <a:fld id="{530820CF-B880-4189-942D-D702A7CBA730}" type="datetimeFigureOut">
               <a:rPr lang="zh-CN" altLang="en-US" smtClean="0"/>
-              <a:t>2019/12/22</a:t>
+              <a:t>2019/12/25</a:t>
             </a:fld>
             <a:endParaRPr lang="zh-CN" altLang="en-US"/>
           </a:p>
@@ -2258,7 +2258,7 @@
           <a:p>
             <a:fld id="{530820CF-B880-4189-942D-D702A7CBA730}" type="datetimeFigureOut">
               <a:rPr lang="zh-CN" altLang="en-US" smtClean="0"/>
-              <a:t>2019/12/22</a:t>
+              <a:t>2019/12/25</a:t>
             </a:fld>
             <a:endParaRPr lang="zh-CN" altLang="en-US"/>
           </a:p>
@@ -2863,7 +2863,7 @@
           <a:p>
             <a:fld id="{530820CF-B880-4189-942D-D702A7CBA730}" type="datetimeFigureOut">
               <a:rPr lang="zh-CN" altLang="en-US" smtClean="0"/>
-              <a:t>2019/12/22</a:t>
+              <a:t>2019/12/25</a:t>
             </a:fld>
             <a:endParaRPr lang="zh-CN" altLang="en-US"/>
           </a:p>
@@ -3006,7 +3006,7 @@
           <a:p>
             <a:fld id="{530820CF-B880-4189-942D-D702A7CBA730}" type="datetimeFigureOut">
               <a:rPr lang="zh-CN" altLang="en-US" smtClean="0"/>
-              <a:t>2019/12/22</a:t>
+              <a:t>2019/12/25</a:t>
             </a:fld>
             <a:endParaRPr lang="zh-CN" altLang="en-US"/>
           </a:p>
@@ -3103,7 +3103,7 @@
           <a:p>
             <a:fld id="{530820CF-B880-4189-942D-D702A7CBA730}" type="datetimeFigureOut">
               <a:rPr lang="zh-CN" altLang="en-US" smtClean="0"/>
-              <a:t>2019/12/22</a:t>
+              <a:t>2019/12/25</a:t>
             </a:fld>
             <a:endParaRPr lang="zh-CN" altLang="en-US"/>
           </a:p>
@@ -3387,7 +3387,7 @@
           <a:p>
             <a:fld id="{530820CF-B880-4189-942D-D702A7CBA730}" type="datetimeFigureOut">
               <a:rPr lang="zh-CN" altLang="en-US" smtClean="0"/>
-              <a:t>2019/12/22</a:t>
+              <a:t>2019/12/25</a:t>
             </a:fld>
             <a:endParaRPr lang="zh-CN" altLang="en-US"/>
           </a:p>
@@ -3909,7 +3909,7 @@
           <a:p>
             <a:fld id="{530820CF-B880-4189-942D-D702A7CBA730}" type="datetimeFigureOut">
               <a:rPr lang="zh-CN" altLang="en-US" smtClean="0"/>
-              <a:t>2019/12/22</a:t>
+              <a:t>2019/12/25</a:t>
             </a:fld>
             <a:endParaRPr lang="zh-CN" altLang="en-US"/>
           </a:p>
@@ -4429,7 +4429,7 @@
           <a:p>
             <a:fld id="{530820CF-B880-4189-942D-D702A7CBA730}" type="datetimeFigureOut">
               <a:rPr lang="zh-CN" altLang="en-US" smtClean="0"/>
-              <a:t>2019/12/22</a:t>
+              <a:t>2019/12/25</a:t>
             </a:fld>
             <a:endParaRPr lang="zh-CN" altLang="en-US"/>
           </a:p>
@@ -5025,23 +5025,11 @@
             </a:r>
             <a:r>
               <a:rPr lang="zh-CN" altLang="en-US" dirty="0" smtClean="0"/>
-              <a:t>简要</a:t>
-            </a:r>
-            <a:r>
-              <a:rPr lang="zh-CN" altLang="en-US" dirty="0" smtClean="0"/>
-              <a:t>了解</a:t>
-            </a:r>
-            <a:r>
-              <a:rPr lang="zh-CN" altLang="en-US" dirty="0" smtClean="0"/>
-              <a:t>并使用</a:t>
+              <a:t>简要了解并使用</a:t>
             </a:r>
             <a:r>
               <a:rPr lang="en-US" altLang="zh-CN" dirty="0" err="1" smtClean="0"/>
-              <a:t>V</a:t>
-            </a:r>
-            <a:r>
-              <a:rPr lang="en-US" altLang="zh-CN" dirty="0" err="1" smtClean="0"/>
-              <a:t>ue</a:t>
+              <a:t>Vue</a:t>
             </a:r>
             <a:endParaRPr lang="zh-CN" altLang="en-US" dirty="0"/>
           </a:p>
@@ -5216,14 +5204,7 @@
                 <a:latin typeface="楷体" pitchFamily="49" charset="-122"/>
                 <a:ea typeface="楷体" pitchFamily="49" charset="-122"/>
               </a:rPr>
-              <a:t>的</a:t>
-            </a:r>
-            <a:r>
-              <a:rPr lang="zh-CN" altLang="en-US" sz="2400" dirty="0" smtClean="0">
-                <a:latin typeface="楷体" pitchFamily="49" charset="-122"/>
-                <a:ea typeface="楷体" pitchFamily="49" charset="-122"/>
-              </a:rPr>
-              <a:t>生命周期及钩子函数</a:t>
+              <a:t>的生命周期及钩子函数</a:t>
             </a:r>
             <a:endParaRPr lang="en-US" altLang="zh-CN" sz="2400" dirty="0">
               <a:latin typeface="楷体" pitchFamily="49" charset="-122"/>
@@ -13022,14 +13003,7 @@
                 <a:latin typeface="华文楷体" pitchFamily="2" charset="-122"/>
                 <a:ea typeface="华文楷体" pitchFamily="2" charset="-122"/>
               </a:rPr>
-              <a:t>* 全局</a:t>
-            </a:r>
-            <a:r>
-              <a:rPr lang="zh-CN" altLang="en-US" sz="1600" dirty="0" smtClean="0">
-                <a:latin typeface="华文楷体" pitchFamily="2" charset="-122"/>
-                <a:ea typeface="华文楷体" pitchFamily="2" charset="-122"/>
-              </a:rPr>
-              <a:t>函数：</a:t>
+              <a:t>* 全局函数：</a:t>
             </a:r>
             <a:endParaRPr lang="zh-CN" altLang="en-US" sz="1600" dirty="0">
               <a:latin typeface="华文楷体" pitchFamily="2" charset="-122"/>
@@ -13079,14 +13053,7 @@
                 <a:latin typeface="华文楷体" pitchFamily="2" charset="-122"/>
                 <a:ea typeface="华文楷体" pitchFamily="2" charset="-122"/>
               </a:rPr>
-              <a:t>* 局部</a:t>
-            </a:r>
-            <a:r>
-              <a:rPr lang="zh-CN" altLang="en-US" sz="1600" dirty="0" smtClean="0">
-                <a:latin typeface="华文楷体" pitchFamily="2" charset="-122"/>
-                <a:ea typeface="华文楷体" pitchFamily="2" charset="-122"/>
-              </a:rPr>
-              <a:t>调用的</a:t>
+              <a:t>* 局部调用的</a:t>
             </a:r>
             <a:r>
               <a:rPr lang="en-US" altLang="zh-CN" sz="1600" dirty="0" smtClean="0">
@@ -18266,21 +18233,21 @@
                 <a:latin typeface="楷体" pitchFamily="49" charset="-122"/>
                 <a:ea typeface="楷体" pitchFamily="49" charset="-122"/>
               </a:rPr>
+              <a:t>MVVM</a:t>
+            </a:r>
+            <a:r>
+              <a:rPr lang="zh-CN" altLang="en-US" dirty="0" smtClean="0">
+                <a:latin typeface="楷体" pitchFamily="49" charset="-122"/>
+                <a:ea typeface="楷体" pitchFamily="49" charset="-122"/>
+              </a:rPr>
+              <a:t>与</a:t>
+            </a:r>
+            <a:r>
+              <a:rPr lang="en-US" altLang="zh-CN" dirty="0">
+                <a:latin typeface="楷体" pitchFamily="49" charset="-122"/>
+                <a:ea typeface="楷体" pitchFamily="49" charset="-122"/>
+              </a:rPr>
               <a:t>MVC</a:t>
-            </a:r>
-            <a:r>
-              <a:rPr lang="zh-CN" altLang="en-US" dirty="0" smtClean="0">
-                <a:latin typeface="楷体" pitchFamily="49" charset="-122"/>
-                <a:ea typeface="楷体" pitchFamily="49" charset="-122"/>
-              </a:rPr>
-              <a:t>与</a:t>
-            </a:r>
-            <a:r>
-              <a:rPr lang="en-US" altLang="zh-CN" dirty="0" smtClean="0">
-                <a:latin typeface="楷体" pitchFamily="49" charset="-122"/>
-                <a:ea typeface="楷体" pitchFamily="49" charset="-122"/>
-              </a:rPr>
-              <a:t>MVVM</a:t>
             </a:r>
             <a:r>
               <a:rPr lang="zh-CN" altLang="en-US" dirty="0" smtClean="0">

--- a/vue初探.pptx
+++ b/vue初探.pptx
@@ -5,7 +5,7 @@
     <p:sldMasterId id="2147483672" r:id="rId1"/>
   </p:sldMasterIdLst>
   <p:notesMasterIdLst>
-    <p:notesMasterId r:id="rId22"/>
+    <p:notesMasterId r:id="rId24"/>
   </p:notesMasterIdLst>
   <p:sldIdLst>
     <p:sldId id="256" r:id="rId2"/>
@@ -24,10 +24,12 @@
     <p:sldId id="269" r:id="rId15"/>
     <p:sldId id="274" r:id="rId16"/>
     <p:sldId id="275" r:id="rId17"/>
-    <p:sldId id="265" r:id="rId18"/>
-    <p:sldId id="270" r:id="rId19"/>
-    <p:sldId id="258" r:id="rId20"/>
-    <p:sldId id="259" r:id="rId21"/>
+    <p:sldId id="276" r:id="rId18"/>
+    <p:sldId id="265" r:id="rId19"/>
+    <p:sldId id="270" r:id="rId20"/>
+    <p:sldId id="277" r:id="rId21"/>
+    <p:sldId id="258" r:id="rId22"/>
+    <p:sldId id="259" r:id="rId23"/>
   </p:sldIdLst>
   <p:sldSz cx="9144000" cy="6858000" type="screen4x3"/>
   <p:notesSz cx="6858000" cy="9144000"/>
@@ -211,7 +213,7 @@
           <a:p>
             <a:fld id="{140160B7-C42B-4AC9-86DA-E0EF3BA7FECE}" type="datetimeFigureOut">
               <a:rPr lang="zh-CN" altLang="en-US" smtClean="0"/>
-              <a:t>2019/12/25</a:t>
+              <a:t>2019/12/26</a:t>
             </a:fld>
             <a:endParaRPr lang="zh-CN" altLang="en-US"/>
           </a:p>
@@ -1069,7 +1071,7 @@
           <a:p>
             <a:fld id="{530820CF-B880-4189-942D-D702A7CBA730}" type="datetimeFigureOut">
               <a:rPr lang="zh-CN" altLang="en-US" smtClean="0"/>
-              <a:t>2019/12/25</a:t>
+              <a:t>2019/12/26</a:t>
             </a:fld>
             <a:endParaRPr lang="zh-CN" altLang="en-US"/>
           </a:p>
@@ -1281,7 +1283,7 @@
           <a:p>
             <a:fld id="{530820CF-B880-4189-942D-D702A7CBA730}" type="datetimeFigureOut">
               <a:rPr lang="zh-CN" altLang="en-US" smtClean="0"/>
-              <a:t>2019/12/25</a:t>
+              <a:t>2019/12/26</a:t>
             </a:fld>
             <a:endParaRPr lang="zh-CN" altLang="en-US"/>
           </a:p>
@@ -1468,7 +1470,7 @@
           <a:p>
             <a:fld id="{530820CF-B880-4189-942D-D702A7CBA730}" type="datetimeFigureOut">
               <a:rPr lang="zh-CN" altLang="en-US" smtClean="0"/>
-              <a:t>2019/12/25</a:t>
+              <a:t>2019/12/26</a:t>
             </a:fld>
             <a:endParaRPr lang="zh-CN" altLang="en-US"/>
           </a:p>
@@ -1565,7 +1567,7 @@
           <a:p>
             <a:fld id="{530820CF-B880-4189-942D-D702A7CBA730}" type="datetimeFigureOut">
               <a:rPr lang="zh-CN" altLang="en-US" smtClean="0"/>
-              <a:t>2019/12/25</a:t>
+              <a:t>2019/12/26</a:t>
             </a:fld>
             <a:endParaRPr lang="zh-CN" altLang="en-US"/>
           </a:p>
@@ -2161,7 +2163,7 @@
           <a:p>
             <a:fld id="{530820CF-B880-4189-942D-D702A7CBA730}" type="datetimeFigureOut">
               <a:rPr lang="zh-CN" altLang="en-US" smtClean="0"/>
-              <a:t>2019/12/25</a:t>
+              <a:t>2019/12/26</a:t>
             </a:fld>
             <a:endParaRPr lang="zh-CN" altLang="en-US"/>
           </a:p>
@@ -2258,7 +2260,7 @@
           <a:p>
             <a:fld id="{530820CF-B880-4189-942D-D702A7CBA730}" type="datetimeFigureOut">
               <a:rPr lang="zh-CN" altLang="en-US" smtClean="0"/>
-              <a:t>2019/12/25</a:t>
+              <a:t>2019/12/26</a:t>
             </a:fld>
             <a:endParaRPr lang="zh-CN" altLang="en-US"/>
           </a:p>
@@ -2863,7 +2865,7 @@
           <a:p>
             <a:fld id="{530820CF-B880-4189-942D-D702A7CBA730}" type="datetimeFigureOut">
               <a:rPr lang="zh-CN" altLang="en-US" smtClean="0"/>
-              <a:t>2019/12/25</a:t>
+              <a:t>2019/12/26</a:t>
             </a:fld>
             <a:endParaRPr lang="zh-CN" altLang="en-US"/>
           </a:p>
@@ -3006,7 +3008,7 @@
           <a:p>
             <a:fld id="{530820CF-B880-4189-942D-D702A7CBA730}" type="datetimeFigureOut">
               <a:rPr lang="zh-CN" altLang="en-US" smtClean="0"/>
-              <a:t>2019/12/25</a:t>
+              <a:t>2019/12/26</a:t>
             </a:fld>
             <a:endParaRPr lang="zh-CN" altLang="en-US"/>
           </a:p>
@@ -3103,7 +3105,7 @@
           <a:p>
             <a:fld id="{530820CF-B880-4189-942D-D702A7CBA730}" type="datetimeFigureOut">
               <a:rPr lang="zh-CN" altLang="en-US" smtClean="0"/>
-              <a:t>2019/12/25</a:t>
+              <a:t>2019/12/26</a:t>
             </a:fld>
             <a:endParaRPr lang="zh-CN" altLang="en-US"/>
           </a:p>
@@ -3387,7 +3389,7 @@
           <a:p>
             <a:fld id="{530820CF-B880-4189-942D-D702A7CBA730}" type="datetimeFigureOut">
               <a:rPr lang="zh-CN" altLang="en-US" smtClean="0"/>
-              <a:t>2019/12/25</a:t>
+              <a:t>2019/12/26</a:t>
             </a:fld>
             <a:endParaRPr lang="zh-CN" altLang="en-US"/>
           </a:p>
@@ -3909,7 +3911,7 @@
           <a:p>
             <a:fld id="{530820CF-B880-4189-942D-D702A7CBA730}" type="datetimeFigureOut">
               <a:rPr lang="zh-CN" altLang="en-US" smtClean="0"/>
-              <a:t>2019/12/25</a:t>
+              <a:t>2019/12/26</a:t>
             </a:fld>
             <a:endParaRPr lang="zh-CN" altLang="en-US"/>
           </a:p>
@@ -4429,7 +4431,7 @@
           <a:p>
             <a:fld id="{530820CF-B880-4189-942D-D702A7CBA730}" type="datetimeFigureOut">
               <a:rPr lang="zh-CN" altLang="en-US" smtClean="0"/>
-              <a:t>2019/12/25</a:t>
+              <a:t>2019/12/26</a:t>
             </a:fld>
             <a:endParaRPr lang="zh-CN" altLang="en-US"/>
           </a:p>
@@ -12322,7 +12324,7 @@
       </p:grpSpPr>
       <p:pic>
         <p:nvPicPr>
-          <p:cNvPr id="1026" name="Picture 2"/>
+          <p:cNvPr id="1027" name="Picture 3"/>
           <p:cNvPicPr>
             <a:picLocks noChangeAspect="1" noChangeArrowheads="1"/>
           </p:cNvPicPr>
@@ -12330,70 +12332,6 @@
         </p:nvPicPr>
         <p:blipFill>
           <a:blip r:embed="rId2">
-            <a:extLst>
-              <a:ext uri="{28A0092B-C50C-407E-A947-70E740481C1C}">
-                <a14:useLocalDpi xmlns:a14="http://schemas.microsoft.com/office/drawing/2010/main" val="0"/>
-              </a:ext>
-            </a:extLst>
-          </a:blip>
-          <a:srcRect/>
-          <a:stretch>
-            <a:fillRect/>
-          </a:stretch>
-        </p:blipFill>
-        <p:spPr bwMode="auto">
-          <a:xfrm>
-            <a:off x="827584" y="4173844"/>
-            <a:ext cx="3295650" cy="1971675"/>
-          </a:xfrm>
-          <a:prstGeom prst="rect">
-            <a:avLst/>
-          </a:prstGeom>
-          <a:noFill/>
-          <a:ln>
-            <a:noFill/>
-          </a:ln>
-          <a:effectLst/>
-          <a:extLst>
-            <a:ext uri="{909E8E84-426E-40DD-AFC4-6F175D3DCCD1}">
-              <a14:hiddenFill xmlns:a14="http://schemas.microsoft.com/office/drawing/2010/main">
-                <a:solidFill>
-                  <a:schemeClr val="accent1"/>
-                </a:solidFill>
-              </a14:hiddenFill>
-            </a:ext>
-            <a:ext uri="{91240B29-F687-4F45-9708-019B960494DF}">
-              <a14:hiddenLine xmlns:a14="http://schemas.microsoft.com/office/drawing/2010/main" w="9525">
-                <a:solidFill>
-                  <a:schemeClr val="tx1"/>
-                </a:solidFill>
-                <a:miter lim="800000"/>
-                <a:headEnd/>
-                <a:tailEnd/>
-              </a14:hiddenLine>
-            </a:ext>
-            <a:ext uri="{AF507438-7753-43E0-B8FC-AC1667EBCBE1}">
-              <a14:hiddenEffects xmlns:a14="http://schemas.microsoft.com/office/drawing/2010/main">
-                <a:effectLst>
-                  <a:outerShdw dist="35921" dir="2700000" algn="ctr" rotWithShape="0">
-                    <a:schemeClr val="bg2"/>
-                  </a:outerShdw>
-                </a:effectLst>
-              </a14:hiddenEffects>
-            </a:ext>
-          </a:extLst>
-        </p:spPr>
-      </p:pic>
-      <p:pic>
-        <p:nvPicPr>
-          <p:cNvPr id="1027" name="Picture 3"/>
-          <p:cNvPicPr>
-            <a:picLocks noChangeAspect="1" noChangeArrowheads="1"/>
-          </p:cNvPicPr>
-          <p:nvPr/>
-        </p:nvPicPr>
-        <p:blipFill>
-          <a:blip r:embed="rId3">
             <a:extLst>
               <a:ext uri="{28A0092B-C50C-407E-A947-70E740481C1C}">
                 <a14:useLocalDpi xmlns:a14="http://schemas.microsoft.com/office/drawing/2010/main" val="0"/>
@@ -12457,7 +12395,7 @@
           <p:nvPr/>
         </p:nvPicPr>
         <p:blipFill>
-          <a:blip r:embed="rId4">
+          <a:blip r:embed="rId3">
             <a:extLst>
               <a:ext uri="{28A0092B-C50C-407E-A947-70E740481C1C}">
                 <a14:useLocalDpi xmlns:a14="http://schemas.microsoft.com/office/drawing/2010/main" val="0"/>
@@ -12521,7 +12459,7 @@
           <p:nvPr/>
         </p:nvPicPr>
         <p:blipFill>
-          <a:blip r:embed="rId5">
+          <a:blip r:embed="rId4">
             <a:extLst>
               <a:ext uri="{28A0092B-C50C-407E-A947-70E740481C1C}">
                 <a14:useLocalDpi xmlns:a14="http://schemas.microsoft.com/office/drawing/2010/main" val="0"/>
@@ -12585,7 +12523,7 @@
           <p:nvPr/>
         </p:nvPicPr>
         <p:blipFill>
-          <a:blip r:embed="rId6">
+          <a:blip r:embed="rId5">
             <a:extLst>
               <a:ext uri="{28A0092B-C50C-407E-A947-70E740481C1C}">
                 <a14:useLocalDpi xmlns:a14="http://schemas.microsoft.com/office/drawing/2010/main" val="0"/>
@@ -12649,7 +12587,7 @@
           <p:nvPr/>
         </p:nvPicPr>
         <p:blipFill>
-          <a:blip r:embed="rId7">
+          <a:blip r:embed="rId6">
             <a:extLst>
               <a:ext uri="{28A0092B-C50C-407E-A947-70E740481C1C}">
                 <a14:useLocalDpi xmlns:a14="http://schemas.microsoft.com/office/drawing/2010/main" val="0"/>
@@ -13076,6 +13014,70 @@
           </a:p>
         </p:txBody>
       </p:sp>
+      <p:pic>
+        <p:nvPicPr>
+          <p:cNvPr id="2" name="Picture 2"/>
+          <p:cNvPicPr>
+            <a:picLocks noChangeAspect="1" noChangeArrowheads="1"/>
+          </p:cNvPicPr>
+          <p:nvPr/>
+        </p:nvPicPr>
+        <p:blipFill>
+          <a:blip r:embed="rId7">
+            <a:extLst>
+              <a:ext uri="{28A0092B-C50C-407E-A947-70E740481C1C}">
+                <a14:useLocalDpi xmlns:a14="http://schemas.microsoft.com/office/drawing/2010/main" val="0"/>
+              </a:ext>
+            </a:extLst>
+          </a:blip>
+          <a:srcRect/>
+          <a:stretch>
+            <a:fillRect/>
+          </a:stretch>
+        </p:blipFill>
+        <p:spPr bwMode="auto">
+          <a:xfrm>
+            <a:off x="827584" y="4007079"/>
+            <a:ext cx="3200400" cy="1895475"/>
+          </a:xfrm>
+          <a:prstGeom prst="rect">
+            <a:avLst/>
+          </a:prstGeom>
+          <a:noFill/>
+          <a:ln>
+            <a:noFill/>
+          </a:ln>
+          <a:effectLst/>
+          <a:extLst>
+            <a:ext uri="{909E8E84-426E-40DD-AFC4-6F175D3DCCD1}">
+              <a14:hiddenFill xmlns:a14="http://schemas.microsoft.com/office/drawing/2010/main">
+                <a:solidFill>
+                  <a:schemeClr val="accent1"/>
+                </a:solidFill>
+              </a14:hiddenFill>
+            </a:ext>
+            <a:ext uri="{91240B29-F687-4F45-9708-019B960494DF}">
+              <a14:hiddenLine xmlns:a14="http://schemas.microsoft.com/office/drawing/2010/main" w="9525">
+                <a:solidFill>
+                  <a:schemeClr val="tx1"/>
+                </a:solidFill>
+                <a:miter lim="800000"/>
+                <a:headEnd/>
+                <a:tailEnd/>
+              </a14:hiddenLine>
+            </a:ext>
+            <a:ext uri="{AF507438-7753-43E0-B8FC-AC1667EBCBE1}">
+              <a14:hiddenEffects xmlns:a14="http://schemas.microsoft.com/office/drawing/2010/main">
+                <a:effectLst>
+                  <a:outerShdw dist="35921" dir="2700000" algn="ctr" rotWithShape="0">
+                    <a:schemeClr val="bg2"/>
+                  </a:outerShdw>
+                </a:effectLst>
+              </a14:hiddenEffects>
+            </a:ext>
+          </a:extLst>
+        </p:spPr>
+      </p:pic>
     </p:spTree>
     <p:extLst>
       <p:ext uri="{BB962C8B-B14F-4D97-AF65-F5344CB8AC3E}">
@@ -13109,6 +13111,1286 @@
 </file>
 
 <file path=ppt/slides/slide17.xml><?xml version="1.0" encoding="utf-8"?>
+<p:sld xmlns:a="http://schemas.openxmlformats.org/drawingml/2006/main" xmlns:r="http://schemas.openxmlformats.org/officeDocument/2006/relationships" xmlns:p="http://schemas.openxmlformats.org/presentationml/2006/main">
+  <p:cSld>
+    <p:spTree>
+      <p:nvGrpSpPr>
+        <p:cNvPr id="1" name=""/>
+        <p:cNvGrpSpPr/>
+        <p:nvPr/>
+      </p:nvGrpSpPr>
+      <p:grpSpPr>
+        <a:xfrm>
+          <a:off x="0" y="0"/>
+          <a:ext cx="0" cy="0"/>
+          <a:chOff x="0" y="0"/>
+          <a:chExt cx="0" cy="0"/>
+        </a:xfrm>
+      </p:grpSpPr>
+      <p:sp>
+        <p:nvSpPr>
+          <p:cNvPr id="4" name="TextBox 3"/>
+          <p:cNvSpPr txBox="1"/>
+          <p:nvPr/>
+        </p:nvSpPr>
+        <p:spPr>
+          <a:xfrm>
+            <a:off x="357486" y="391839"/>
+            <a:ext cx="4175956" cy="384721"/>
+          </a:xfrm>
+          <a:prstGeom prst="rect">
+            <a:avLst/>
+          </a:prstGeom>
+          <a:noFill/>
+        </p:spPr>
+        <p:txBody>
+          <a:bodyPr wrap="square" rtlCol="0">
+            <a:spAutoFit/>
+          </a:bodyPr>
+          <a:lstStyle/>
+          <a:p>
+            <a:r>
+              <a:rPr lang="zh-CN" altLang="en-US" sz="1900" dirty="0" smtClean="0">
+                <a:latin typeface="楷体" pitchFamily="49" charset="-122"/>
+                <a:ea typeface="楷体" pitchFamily="49" charset="-122"/>
+              </a:rPr>
+              <a:t>* </a:t>
+            </a:r>
+            <a:r>
+              <a:rPr lang="zh-CN" altLang="en-US" sz="1900" dirty="0" smtClean="0">
+                <a:latin typeface="楷体" pitchFamily="49" charset="-122"/>
+                <a:ea typeface="楷体" pitchFamily="49" charset="-122"/>
+              </a:rPr>
+              <a:t>自定义指令</a:t>
+            </a:r>
+            <a:endParaRPr lang="en-US" altLang="zh-CN" sz="1900" dirty="0">
+              <a:latin typeface="楷体" pitchFamily="49" charset="-122"/>
+              <a:ea typeface="楷体" pitchFamily="49" charset="-122"/>
+            </a:endParaRPr>
+          </a:p>
+        </p:txBody>
+      </p:sp>
+      <p:pic>
+        <p:nvPicPr>
+          <p:cNvPr id="2051" name="Picture 3"/>
+          <p:cNvPicPr>
+            <a:picLocks noChangeAspect="1" noChangeArrowheads="1"/>
+          </p:cNvPicPr>
+          <p:nvPr/>
+        </p:nvPicPr>
+        <p:blipFill>
+          <a:blip r:embed="rId2">
+            <a:extLst>
+              <a:ext uri="{28A0092B-C50C-407E-A947-70E740481C1C}">
+                <a14:useLocalDpi xmlns:a14="http://schemas.microsoft.com/office/drawing/2010/main" val="0"/>
+              </a:ext>
+            </a:extLst>
+          </a:blip>
+          <a:srcRect/>
+          <a:stretch>
+            <a:fillRect/>
+          </a:stretch>
+        </p:blipFill>
+        <p:spPr bwMode="auto">
+          <a:xfrm>
+            <a:off x="4454543" y="1545498"/>
+            <a:ext cx="1512169" cy="980493"/>
+          </a:xfrm>
+          <a:prstGeom prst="rect">
+            <a:avLst/>
+          </a:prstGeom>
+          <a:noFill/>
+          <a:ln>
+            <a:noFill/>
+          </a:ln>
+          <a:effectLst/>
+          <a:extLst>
+            <a:ext uri="{909E8E84-426E-40DD-AFC4-6F175D3DCCD1}">
+              <a14:hiddenFill xmlns:a14="http://schemas.microsoft.com/office/drawing/2010/main">
+                <a:solidFill>
+                  <a:schemeClr val="accent1"/>
+                </a:solidFill>
+              </a14:hiddenFill>
+            </a:ext>
+            <a:ext uri="{91240B29-F687-4F45-9708-019B960494DF}">
+              <a14:hiddenLine xmlns:a14="http://schemas.microsoft.com/office/drawing/2010/main" w="9525">
+                <a:solidFill>
+                  <a:schemeClr val="tx1"/>
+                </a:solidFill>
+                <a:miter lim="800000"/>
+                <a:headEnd/>
+                <a:tailEnd/>
+              </a14:hiddenLine>
+            </a:ext>
+            <a:ext uri="{AF507438-7753-43E0-B8FC-AC1667EBCBE1}">
+              <a14:hiddenEffects xmlns:a14="http://schemas.microsoft.com/office/drawing/2010/main">
+                <a:effectLst>
+                  <a:outerShdw dist="35921" dir="2700000" algn="ctr" rotWithShape="0">
+                    <a:schemeClr val="bg2"/>
+                  </a:outerShdw>
+                </a:effectLst>
+              </a14:hiddenEffects>
+            </a:ext>
+          </a:extLst>
+        </p:spPr>
+      </p:pic>
+      <p:pic>
+        <p:nvPicPr>
+          <p:cNvPr id="2052" name="Picture 4"/>
+          <p:cNvPicPr>
+            <a:picLocks noChangeAspect="1" noChangeArrowheads="1"/>
+          </p:cNvPicPr>
+          <p:nvPr/>
+        </p:nvPicPr>
+        <p:blipFill>
+          <a:blip r:embed="rId3">
+            <a:extLst>
+              <a:ext uri="{28A0092B-C50C-407E-A947-70E740481C1C}">
+                <a14:useLocalDpi xmlns:a14="http://schemas.microsoft.com/office/drawing/2010/main" val="0"/>
+              </a:ext>
+            </a:extLst>
+          </a:blip>
+          <a:srcRect/>
+          <a:stretch>
+            <a:fillRect/>
+          </a:stretch>
+        </p:blipFill>
+        <p:spPr bwMode="auto">
+          <a:xfrm>
+            <a:off x="6660232" y="1794358"/>
+            <a:ext cx="1728192" cy="482774"/>
+          </a:xfrm>
+          <a:prstGeom prst="rect">
+            <a:avLst/>
+          </a:prstGeom>
+          <a:noFill/>
+          <a:ln>
+            <a:noFill/>
+          </a:ln>
+          <a:effectLst/>
+          <a:extLst>
+            <a:ext uri="{909E8E84-426E-40DD-AFC4-6F175D3DCCD1}">
+              <a14:hiddenFill xmlns:a14="http://schemas.microsoft.com/office/drawing/2010/main">
+                <a:solidFill>
+                  <a:schemeClr val="accent1"/>
+                </a:solidFill>
+              </a14:hiddenFill>
+            </a:ext>
+            <a:ext uri="{91240B29-F687-4F45-9708-019B960494DF}">
+              <a14:hiddenLine xmlns:a14="http://schemas.microsoft.com/office/drawing/2010/main" w="9525">
+                <a:solidFill>
+                  <a:schemeClr val="tx1"/>
+                </a:solidFill>
+                <a:miter lim="800000"/>
+                <a:headEnd/>
+                <a:tailEnd/>
+              </a14:hiddenLine>
+            </a:ext>
+            <a:ext uri="{AF507438-7753-43E0-B8FC-AC1667EBCBE1}">
+              <a14:hiddenEffects xmlns:a14="http://schemas.microsoft.com/office/drawing/2010/main">
+                <a:effectLst>
+                  <a:outerShdw dist="35921" dir="2700000" algn="ctr" rotWithShape="0">
+                    <a:schemeClr val="bg2"/>
+                  </a:outerShdw>
+                </a:effectLst>
+              </a14:hiddenEffects>
+            </a:ext>
+          </a:extLst>
+        </p:spPr>
+      </p:pic>
+      <p:pic>
+        <p:nvPicPr>
+          <p:cNvPr id="2053" name="Picture 5"/>
+          <p:cNvPicPr>
+            <a:picLocks noChangeAspect="1" noChangeArrowheads="1"/>
+          </p:cNvPicPr>
+          <p:nvPr/>
+        </p:nvPicPr>
+        <p:blipFill>
+          <a:blip r:embed="rId4">
+            <a:extLst>
+              <a:ext uri="{28A0092B-C50C-407E-A947-70E740481C1C}">
+                <a14:useLocalDpi xmlns:a14="http://schemas.microsoft.com/office/drawing/2010/main" val="0"/>
+              </a:ext>
+            </a:extLst>
+          </a:blip>
+          <a:srcRect/>
+          <a:stretch>
+            <a:fillRect/>
+          </a:stretch>
+        </p:blipFill>
+        <p:spPr bwMode="auto">
+          <a:xfrm>
+            <a:off x="683568" y="1329924"/>
+            <a:ext cx="2880320" cy="1411642"/>
+          </a:xfrm>
+          <a:prstGeom prst="rect">
+            <a:avLst/>
+          </a:prstGeom>
+          <a:noFill/>
+          <a:ln>
+            <a:noFill/>
+          </a:ln>
+          <a:effectLst/>
+          <a:extLst>
+            <a:ext uri="{909E8E84-426E-40DD-AFC4-6F175D3DCCD1}">
+              <a14:hiddenFill xmlns:a14="http://schemas.microsoft.com/office/drawing/2010/main">
+                <a:solidFill>
+                  <a:schemeClr val="accent1"/>
+                </a:solidFill>
+              </a14:hiddenFill>
+            </a:ext>
+            <a:ext uri="{91240B29-F687-4F45-9708-019B960494DF}">
+              <a14:hiddenLine xmlns:a14="http://schemas.microsoft.com/office/drawing/2010/main" w="9525">
+                <a:solidFill>
+                  <a:schemeClr val="tx1"/>
+                </a:solidFill>
+                <a:miter lim="800000"/>
+                <a:headEnd/>
+                <a:tailEnd/>
+              </a14:hiddenLine>
+            </a:ext>
+            <a:ext uri="{AF507438-7753-43E0-B8FC-AC1667EBCBE1}">
+              <a14:hiddenEffects xmlns:a14="http://schemas.microsoft.com/office/drawing/2010/main">
+                <a:effectLst>
+                  <a:outerShdw dist="35921" dir="2700000" algn="ctr" rotWithShape="0">
+                    <a:schemeClr val="bg2"/>
+                  </a:outerShdw>
+                </a:effectLst>
+              </a14:hiddenEffects>
+            </a:ext>
+          </a:extLst>
+        </p:spPr>
+      </p:pic>
+      <p:sp>
+        <p:nvSpPr>
+          <p:cNvPr id="9" name="TextBox 8"/>
+          <p:cNvSpPr txBox="1"/>
+          <p:nvPr/>
+        </p:nvSpPr>
+        <p:spPr>
+          <a:xfrm>
+            <a:off x="2935735" y="924953"/>
+            <a:ext cx="832616" cy="253916"/>
+          </a:xfrm>
+          <a:prstGeom prst="rect">
+            <a:avLst/>
+          </a:prstGeom>
+          <a:ln/>
+        </p:spPr>
+        <p:style>
+          <a:lnRef idx="2">
+            <a:schemeClr val="accent6"/>
+          </a:lnRef>
+          <a:fillRef idx="1">
+            <a:schemeClr val="lt1"/>
+          </a:fillRef>
+          <a:effectRef idx="0">
+            <a:schemeClr val="accent6"/>
+          </a:effectRef>
+          <a:fontRef idx="minor">
+            <a:schemeClr val="dk1"/>
+          </a:fontRef>
+        </p:style>
+        <p:txBody>
+          <a:bodyPr wrap="square" rtlCol="0">
+            <a:spAutoFit/>
+          </a:bodyPr>
+          <a:lstStyle/>
+          <a:p>
+            <a:pPr algn="ctr"/>
+            <a:r>
+              <a:rPr lang="zh-CN" altLang="en-US" sz="1050" dirty="0" smtClean="0">
+                <a:latin typeface="楷体" pitchFamily="49" charset="-122"/>
+                <a:ea typeface="楷体" pitchFamily="49" charset="-122"/>
+              </a:rPr>
+              <a:t>全局指令</a:t>
+            </a:r>
+            <a:endParaRPr lang="zh-CN" altLang="en-US" sz="1050" dirty="0">
+              <a:latin typeface="楷体" pitchFamily="49" charset="-122"/>
+              <a:ea typeface="楷体" pitchFamily="49" charset="-122"/>
+            </a:endParaRPr>
+          </a:p>
+        </p:txBody>
+      </p:sp>
+      <p:cxnSp>
+        <p:nvCxnSpPr>
+          <p:cNvPr id="10" name="直接箭头连接符 9"/>
+          <p:cNvCxnSpPr/>
+          <p:nvPr/>
+        </p:nvCxnSpPr>
+        <p:spPr>
+          <a:xfrm flipH="1">
+            <a:off x="2776043" y="1247907"/>
+            <a:ext cx="354829" cy="515343"/>
+          </a:xfrm>
+          <a:prstGeom prst="straightConnector1">
+            <a:avLst/>
+          </a:prstGeom>
+          <a:ln>
+            <a:tailEnd type="arrow"/>
+          </a:ln>
+        </p:spPr>
+        <p:style>
+          <a:lnRef idx="2">
+            <a:schemeClr val="accent6"/>
+          </a:lnRef>
+          <a:fillRef idx="0">
+            <a:schemeClr val="accent6"/>
+          </a:fillRef>
+          <a:effectRef idx="1">
+            <a:schemeClr val="accent6"/>
+          </a:effectRef>
+          <a:fontRef idx="minor">
+            <a:schemeClr val="tx1"/>
+          </a:fontRef>
+        </p:style>
+      </p:cxnSp>
+      <p:sp>
+        <p:nvSpPr>
+          <p:cNvPr id="11" name="TextBox 10"/>
+          <p:cNvSpPr txBox="1"/>
+          <p:nvPr/>
+        </p:nvSpPr>
+        <p:spPr>
+          <a:xfrm>
+            <a:off x="5724128" y="924953"/>
+            <a:ext cx="864096" cy="253916"/>
+          </a:xfrm>
+          <a:prstGeom prst="rect">
+            <a:avLst/>
+          </a:prstGeom>
+          <a:ln/>
+        </p:spPr>
+        <p:style>
+          <a:lnRef idx="2">
+            <a:schemeClr val="accent1"/>
+          </a:lnRef>
+          <a:fillRef idx="1">
+            <a:schemeClr val="lt1"/>
+          </a:fillRef>
+          <a:effectRef idx="0">
+            <a:schemeClr val="accent1"/>
+          </a:effectRef>
+          <a:fontRef idx="minor">
+            <a:schemeClr val="dk1"/>
+          </a:fontRef>
+        </p:style>
+        <p:txBody>
+          <a:bodyPr wrap="square" rtlCol="0">
+            <a:spAutoFit/>
+          </a:bodyPr>
+          <a:lstStyle/>
+          <a:p>
+            <a:pPr algn="ctr"/>
+            <a:r>
+              <a:rPr lang="zh-CN" altLang="en-US" sz="1050" dirty="0" smtClean="0">
+                <a:latin typeface="楷体" pitchFamily="49" charset="-122"/>
+                <a:ea typeface="楷体" pitchFamily="49" charset="-122"/>
+              </a:rPr>
+              <a:t>局部指令</a:t>
+            </a:r>
+            <a:endParaRPr lang="zh-CN" altLang="en-US" sz="1050" dirty="0">
+              <a:latin typeface="楷体" pitchFamily="49" charset="-122"/>
+              <a:ea typeface="楷体" pitchFamily="49" charset="-122"/>
+            </a:endParaRPr>
+          </a:p>
+        </p:txBody>
+      </p:sp>
+      <p:cxnSp>
+        <p:nvCxnSpPr>
+          <p:cNvPr id="12" name="直接箭头连接符 11"/>
+          <p:cNvCxnSpPr/>
+          <p:nvPr/>
+        </p:nvCxnSpPr>
+        <p:spPr>
+          <a:xfrm flipH="1">
+            <a:off x="5724128" y="1249592"/>
+            <a:ext cx="405624" cy="513658"/>
+          </a:xfrm>
+          <a:prstGeom prst="straightConnector1">
+            <a:avLst/>
+          </a:prstGeom>
+          <a:ln>
+            <a:tailEnd type="arrow"/>
+          </a:ln>
+        </p:spPr>
+        <p:style>
+          <a:lnRef idx="2">
+            <a:schemeClr val="accent1"/>
+          </a:lnRef>
+          <a:fillRef idx="0">
+            <a:schemeClr val="accent1"/>
+          </a:fillRef>
+          <a:effectRef idx="1">
+            <a:schemeClr val="accent1"/>
+          </a:effectRef>
+          <a:fontRef idx="minor">
+            <a:schemeClr val="tx1"/>
+          </a:fontRef>
+        </p:style>
+      </p:cxnSp>
+      <p:sp>
+        <p:nvSpPr>
+          <p:cNvPr id="7" name="TextBox 6"/>
+          <p:cNvSpPr txBox="1"/>
+          <p:nvPr/>
+        </p:nvSpPr>
+        <p:spPr>
+          <a:xfrm>
+            <a:off x="539552" y="3212976"/>
+            <a:ext cx="8352928" cy="1461939"/>
+          </a:xfrm>
+          <a:prstGeom prst="rect">
+            <a:avLst/>
+          </a:prstGeom>
+          <a:noFill/>
+        </p:spPr>
+        <p:txBody>
+          <a:bodyPr wrap="square" rtlCol="0">
+            <a:spAutoFit/>
+          </a:bodyPr>
+          <a:lstStyle/>
+          <a:p>
+            <a:r>
+              <a:rPr lang="zh-CN" altLang="en-US" sz="1200" dirty="0" smtClean="0">
+                <a:latin typeface="楷体" pitchFamily="49" charset="-122"/>
+                <a:ea typeface="楷体" pitchFamily="49" charset="-122"/>
+              </a:rPr>
+              <a:t>钩子</a:t>
+            </a:r>
+            <a:r>
+              <a:rPr lang="zh-CN" altLang="en-US" sz="1200" dirty="0">
+                <a:latin typeface="楷体" pitchFamily="49" charset="-122"/>
+                <a:ea typeface="楷体" pitchFamily="49" charset="-122"/>
+              </a:rPr>
+              <a:t>函数</a:t>
+            </a:r>
+            <a:r>
+              <a:rPr lang="en-US" altLang="zh-CN" sz="1200" dirty="0">
+                <a:latin typeface="楷体" pitchFamily="49" charset="-122"/>
+                <a:ea typeface="楷体" pitchFamily="49" charset="-122"/>
+              </a:rPr>
+              <a:t>: </a:t>
+            </a:r>
+            <a:r>
+              <a:rPr lang="zh-CN" altLang="en-US" sz="1200" dirty="0">
+                <a:latin typeface="楷体" pitchFamily="49" charset="-122"/>
+                <a:ea typeface="楷体" pitchFamily="49" charset="-122"/>
+              </a:rPr>
+              <a:t>一个指令定义对象可以提供如下几个钩子函数 </a:t>
+            </a:r>
+            <a:r>
+              <a:rPr lang="en-US" altLang="zh-CN" sz="1200" dirty="0">
+                <a:latin typeface="楷体" pitchFamily="49" charset="-122"/>
+                <a:ea typeface="楷体" pitchFamily="49" charset="-122"/>
+              </a:rPr>
+              <a:t>(</a:t>
+            </a:r>
+            <a:r>
+              <a:rPr lang="zh-CN" altLang="en-US" sz="1200" dirty="0">
+                <a:latin typeface="楷体" pitchFamily="49" charset="-122"/>
+                <a:ea typeface="楷体" pitchFamily="49" charset="-122"/>
+              </a:rPr>
+              <a:t>均为可选</a:t>
+            </a:r>
+            <a:r>
+              <a:rPr lang="en-US" altLang="zh-CN" sz="1200" dirty="0">
+                <a:latin typeface="楷体" pitchFamily="49" charset="-122"/>
+                <a:ea typeface="楷体" pitchFamily="49" charset="-122"/>
+              </a:rPr>
+              <a:t>)</a:t>
+            </a:r>
+            <a:r>
+              <a:rPr lang="zh-CN" altLang="en-US" sz="1200" dirty="0">
+                <a:latin typeface="楷体" pitchFamily="49" charset="-122"/>
+                <a:ea typeface="楷体" pitchFamily="49" charset="-122"/>
+              </a:rPr>
+              <a:t>：</a:t>
+            </a:r>
+          </a:p>
+          <a:p>
+            <a:r>
+              <a:rPr lang="en-US" altLang="zh-CN" sz="1100" i="1" dirty="0">
+                <a:latin typeface="楷体" pitchFamily="49" charset="-122"/>
+                <a:ea typeface="楷体" pitchFamily="49" charset="-122"/>
+              </a:rPr>
+              <a:t> </a:t>
+            </a:r>
+            <a:r>
+              <a:rPr lang="en-US" altLang="zh-CN" sz="1100" i="1" dirty="0" smtClean="0">
+                <a:latin typeface="楷体" pitchFamily="49" charset="-122"/>
+                <a:ea typeface="楷体" pitchFamily="49" charset="-122"/>
+              </a:rPr>
+              <a:t> </a:t>
+            </a:r>
+            <a:r>
+              <a:rPr lang="en-US" altLang="zh-CN" sz="1100" dirty="0" smtClean="0">
+                <a:latin typeface="楷体" pitchFamily="49" charset="-122"/>
+                <a:ea typeface="楷体" pitchFamily="49" charset="-122"/>
+              </a:rPr>
+              <a:t>inserted</a:t>
+            </a:r>
+            <a:r>
+              <a:rPr lang="zh-CN" altLang="en-US" sz="1100" dirty="0">
+                <a:latin typeface="楷体" pitchFamily="49" charset="-122"/>
+                <a:ea typeface="楷体" pitchFamily="49" charset="-122"/>
+              </a:rPr>
+              <a:t>：被绑定元素插入父节点时调用 </a:t>
+            </a:r>
+            <a:r>
+              <a:rPr lang="en-US" altLang="zh-CN" sz="1100" dirty="0">
+                <a:latin typeface="楷体" pitchFamily="49" charset="-122"/>
+                <a:ea typeface="楷体" pitchFamily="49" charset="-122"/>
+              </a:rPr>
+              <a:t>(</a:t>
+            </a:r>
+            <a:r>
+              <a:rPr lang="zh-CN" altLang="en-US" sz="1100" dirty="0">
+                <a:latin typeface="楷体" pitchFamily="49" charset="-122"/>
+                <a:ea typeface="楷体" pitchFamily="49" charset="-122"/>
+              </a:rPr>
+              <a:t>仅保证父节点存在，但不一定已被插入文档中</a:t>
+            </a:r>
+            <a:r>
+              <a:rPr lang="en-US" altLang="zh-CN" sz="1100" dirty="0">
+                <a:latin typeface="楷体" pitchFamily="49" charset="-122"/>
+                <a:ea typeface="楷体" pitchFamily="49" charset="-122"/>
+              </a:rPr>
+              <a:t>)</a:t>
+            </a:r>
+            <a:r>
+              <a:rPr lang="zh-CN" altLang="en-US" sz="1100" dirty="0">
+                <a:latin typeface="楷体" pitchFamily="49" charset="-122"/>
+                <a:ea typeface="楷体" pitchFamily="49" charset="-122"/>
+              </a:rPr>
+              <a:t>。</a:t>
+            </a:r>
+          </a:p>
+          <a:p>
+            <a:r>
+              <a:rPr lang="en-US" altLang="zh-CN" sz="1100" dirty="0" smtClean="0">
+                <a:latin typeface="楷体" pitchFamily="49" charset="-122"/>
+                <a:ea typeface="楷体" pitchFamily="49" charset="-122"/>
+              </a:rPr>
+              <a:t>  bind</a:t>
+            </a:r>
+            <a:r>
+              <a:rPr lang="zh-CN" altLang="en-US" sz="1100" dirty="0">
+                <a:latin typeface="楷体" pitchFamily="49" charset="-122"/>
+                <a:ea typeface="楷体" pitchFamily="49" charset="-122"/>
+              </a:rPr>
+              <a:t>：只调用一次，指令第一次绑定到元素时调用。在这里可以进行一次性的初始化设置。</a:t>
+            </a:r>
+          </a:p>
+          <a:p>
+            <a:r>
+              <a:rPr lang="en-US" altLang="zh-CN" sz="1100" dirty="0" smtClean="0">
+                <a:latin typeface="楷体" pitchFamily="49" charset="-122"/>
+                <a:ea typeface="楷体" pitchFamily="49" charset="-122"/>
+              </a:rPr>
+              <a:t>  update</a:t>
+            </a:r>
+            <a:r>
+              <a:rPr lang="zh-CN" altLang="en-US" sz="1100" dirty="0">
+                <a:latin typeface="楷体" pitchFamily="49" charset="-122"/>
+                <a:ea typeface="楷体" pitchFamily="49" charset="-122"/>
+              </a:rPr>
+              <a:t>：所在组件的 </a:t>
+            </a:r>
+            <a:r>
+              <a:rPr lang="en-US" altLang="zh-CN" sz="1100" dirty="0" err="1">
+                <a:latin typeface="楷体" pitchFamily="49" charset="-122"/>
+                <a:ea typeface="楷体" pitchFamily="49" charset="-122"/>
+              </a:rPr>
+              <a:t>VNode</a:t>
+            </a:r>
+            <a:r>
+              <a:rPr lang="en-US" altLang="zh-CN" sz="1100" dirty="0">
+                <a:latin typeface="楷体" pitchFamily="49" charset="-122"/>
+                <a:ea typeface="楷体" pitchFamily="49" charset="-122"/>
+              </a:rPr>
+              <a:t> </a:t>
+            </a:r>
+            <a:r>
+              <a:rPr lang="zh-CN" altLang="en-US" sz="1100" dirty="0">
+                <a:latin typeface="楷体" pitchFamily="49" charset="-122"/>
+                <a:ea typeface="楷体" pitchFamily="49" charset="-122"/>
+              </a:rPr>
+              <a:t>更新时调用，但是可能发生在其子 </a:t>
+            </a:r>
+            <a:r>
+              <a:rPr lang="en-US" altLang="zh-CN" sz="1100" dirty="0" err="1">
+                <a:latin typeface="楷体" pitchFamily="49" charset="-122"/>
+                <a:ea typeface="楷体" pitchFamily="49" charset="-122"/>
+              </a:rPr>
+              <a:t>VNode</a:t>
+            </a:r>
+            <a:r>
+              <a:rPr lang="en-US" altLang="zh-CN" sz="1100" dirty="0">
+                <a:latin typeface="楷体" pitchFamily="49" charset="-122"/>
+                <a:ea typeface="楷体" pitchFamily="49" charset="-122"/>
+              </a:rPr>
+              <a:t> </a:t>
+            </a:r>
+            <a:r>
+              <a:rPr lang="zh-CN" altLang="en-US" sz="1100" dirty="0">
+                <a:latin typeface="楷体" pitchFamily="49" charset="-122"/>
+                <a:ea typeface="楷体" pitchFamily="49" charset="-122"/>
+              </a:rPr>
+              <a:t>更新之前。指令的值可能发生了改变，也可能没有。但是你可以通过比较更新前后的值来忽略不必要的模板更新。</a:t>
+            </a:r>
+          </a:p>
+          <a:p>
+            <a:r>
+              <a:rPr lang="en-US" altLang="zh-CN" sz="1100" dirty="0" smtClean="0">
+                <a:latin typeface="楷体" pitchFamily="49" charset="-122"/>
+                <a:ea typeface="楷体" pitchFamily="49" charset="-122"/>
+              </a:rPr>
+              <a:t>  </a:t>
+            </a:r>
+            <a:r>
+              <a:rPr lang="en-US" altLang="zh-CN" sz="1100" dirty="0" err="1" smtClean="0">
+                <a:latin typeface="楷体" pitchFamily="49" charset="-122"/>
+                <a:ea typeface="楷体" pitchFamily="49" charset="-122"/>
+              </a:rPr>
+              <a:t>componentUpdated</a:t>
+            </a:r>
+            <a:r>
+              <a:rPr lang="zh-CN" altLang="en-US" sz="1100" dirty="0">
+                <a:latin typeface="楷体" pitchFamily="49" charset="-122"/>
+                <a:ea typeface="楷体" pitchFamily="49" charset="-122"/>
+              </a:rPr>
+              <a:t>：指令所在组件的 </a:t>
+            </a:r>
+            <a:r>
+              <a:rPr lang="en-US" altLang="zh-CN" sz="1100" dirty="0" err="1">
+                <a:latin typeface="楷体" pitchFamily="49" charset="-122"/>
+                <a:ea typeface="楷体" pitchFamily="49" charset="-122"/>
+              </a:rPr>
+              <a:t>VNode</a:t>
+            </a:r>
+            <a:r>
+              <a:rPr lang="en-US" altLang="zh-CN" sz="1100" dirty="0">
+                <a:latin typeface="楷体" pitchFamily="49" charset="-122"/>
+                <a:ea typeface="楷体" pitchFamily="49" charset="-122"/>
+              </a:rPr>
+              <a:t> </a:t>
+            </a:r>
+            <a:r>
+              <a:rPr lang="zh-CN" altLang="en-US" sz="1100" dirty="0">
+                <a:latin typeface="楷体" pitchFamily="49" charset="-122"/>
+                <a:ea typeface="楷体" pitchFamily="49" charset="-122"/>
+              </a:rPr>
+              <a:t>及其子 </a:t>
+            </a:r>
+            <a:r>
+              <a:rPr lang="en-US" altLang="zh-CN" sz="1100" dirty="0" err="1">
+                <a:latin typeface="楷体" pitchFamily="49" charset="-122"/>
+                <a:ea typeface="楷体" pitchFamily="49" charset="-122"/>
+              </a:rPr>
+              <a:t>VNode</a:t>
+            </a:r>
+            <a:r>
+              <a:rPr lang="en-US" altLang="zh-CN" sz="1100" dirty="0">
+                <a:latin typeface="楷体" pitchFamily="49" charset="-122"/>
+                <a:ea typeface="楷体" pitchFamily="49" charset="-122"/>
+              </a:rPr>
+              <a:t> </a:t>
+            </a:r>
+            <a:r>
+              <a:rPr lang="zh-CN" altLang="en-US" sz="1100" dirty="0">
+                <a:latin typeface="楷体" pitchFamily="49" charset="-122"/>
+                <a:ea typeface="楷体" pitchFamily="49" charset="-122"/>
+              </a:rPr>
+              <a:t>全部更新后调用。</a:t>
+            </a:r>
+          </a:p>
+          <a:p>
+            <a:r>
+              <a:rPr lang="en-US" altLang="zh-CN" sz="1100" dirty="0" smtClean="0">
+                <a:latin typeface="楷体" pitchFamily="49" charset="-122"/>
+                <a:ea typeface="楷体" pitchFamily="49" charset="-122"/>
+              </a:rPr>
+              <a:t>  unbind</a:t>
+            </a:r>
+            <a:r>
+              <a:rPr lang="zh-CN" altLang="en-US" sz="1100" dirty="0">
+                <a:latin typeface="楷体" pitchFamily="49" charset="-122"/>
+                <a:ea typeface="楷体" pitchFamily="49" charset="-122"/>
+              </a:rPr>
+              <a:t>：只调用一次，指令与元素解绑时调用。</a:t>
+            </a:r>
+          </a:p>
+          <a:p>
+            <a:endParaRPr lang="zh-CN" altLang="en-US" sz="1100" i="1" dirty="0">
+              <a:latin typeface="楷体" pitchFamily="49" charset="-122"/>
+              <a:ea typeface="楷体" pitchFamily="49" charset="-122"/>
+            </a:endParaRPr>
+          </a:p>
+        </p:txBody>
+      </p:sp>
+      <p:sp>
+        <p:nvSpPr>
+          <p:cNvPr id="16" name="TextBox 15"/>
+          <p:cNvSpPr txBox="1"/>
+          <p:nvPr/>
+        </p:nvSpPr>
+        <p:spPr>
+          <a:xfrm>
+            <a:off x="539552" y="4664900"/>
+            <a:ext cx="8352928" cy="2139047"/>
+          </a:xfrm>
+          <a:prstGeom prst="rect">
+            <a:avLst/>
+          </a:prstGeom>
+          <a:noFill/>
+        </p:spPr>
+        <p:txBody>
+          <a:bodyPr wrap="square" rtlCol="0">
+            <a:spAutoFit/>
+          </a:bodyPr>
+          <a:lstStyle/>
+          <a:p>
+            <a:r>
+              <a:rPr lang="zh-CN" altLang="en-US" sz="1200" dirty="0">
+                <a:latin typeface="楷体" pitchFamily="49" charset="-122"/>
+                <a:ea typeface="楷体" pitchFamily="49" charset="-122"/>
+              </a:rPr>
+              <a:t>指令钩子函数会被传入以下</a:t>
+            </a:r>
+            <a:r>
+              <a:rPr lang="zh-CN" altLang="en-US" sz="1200" dirty="0" smtClean="0">
+                <a:latin typeface="楷体" pitchFamily="49" charset="-122"/>
+                <a:ea typeface="楷体" pitchFamily="49" charset="-122"/>
+              </a:rPr>
+              <a:t>参数</a:t>
+            </a:r>
+            <a:r>
+              <a:rPr lang="zh-CN" altLang="en-US" sz="1200" dirty="0">
+                <a:latin typeface="楷体" pitchFamily="49" charset="-122"/>
+                <a:ea typeface="楷体" pitchFamily="49" charset="-122"/>
+              </a:rPr>
+              <a:t>：</a:t>
+            </a:r>
+            <a:endParaRPr lang="zh-CN" altLang="en-US" sz="1200" dirty="0"/>
+          </a:p>
+          <a:p>
+            <a:r>
+              <a:rPr lang="en-US" altLang="zh-CN" sz="1100" i="1" dirty="0" smtClean="0">
+                <a:latin typeface="楷体" pitchFamily="49" charset="-122"/>
+                <a:ea typeface="楷体" pitchFamily="49" charset="-122"/>
+              </a:rPr>
+              <a:t>  </a:t>
+            </a:r>
+            <a:r>
+              <a:rPr lang="en-US" altLang="zh-CN" sz="1100" dirty="0">
+                <a:latin typeface="楷体" pitchFamily="49" charset="-122"/>
+                <a:ea typeface="楷体" pitchFamily="49" charset="-122"/>
+              </a:rPr>
+              <a:t>el</a:t>
+            </a:r>
+            <a:r>
+              <a:rPr lang="zh-CN" altLang="en-US" sz="1100" dirty="0">
+                <a:latin typeface="楷体" pitchFamily="49" charset="-122"/>
+                <a:ea typeface="楷体" pitchFamily="49" charset="-122"/>
+              </a:rPr>
+              <a:t>：指令所绑定的元素，可以用来直接操作 </a:t>
+            </a:r>
+            <a:r>
+              <a:rPr lang="en-US" altLang="zh-CN" sz="1100" dirty="0">
+                <a:latin typeface="楷体" pitchFamily="49" charset="-122"/>
+                <a:ea typeface="楷体" pitchFamily="49" charset="-122"/>
+              </a:rPr>
+              <a:t>DOM </a:t>
+            </a:r>
+            <a:r>
+              <a:rPr lang="zh-CN" altLang="en-US" sz="1100" dirty="0">
+                <a:latin typeface="楷体" pitchFamily="49" charset="-122"/>
+                <a:ea typeface="楷体" pitchFamily="49" charset="-122"/>
+              </a:rPr>
+              <a:t>。</a:t>
+            </a:r>
+            <a:endParaRPr lang="en-US" altLang="zh-CN" sz="1100" dirty="0">
+              <a:latin typeface="楷体" pitchFamily="49" charset="-122"/>
+              <a:ea typeface="楷体" pitchFamily="49" charset="-122"/>
+            </a:endParaRPr>
+          </a:p>
+          <a:p>
+            <a:r>
+              <a:rPr lang="en-US" altLang="zh-CN" sz="1100" dirty="0" smtClean="0">
+                <a:latin typeface="楷体" pitchFamily="49" charset="-122"/>
+                <a:ea typeface="楷体" pitchFamily="49" charset="-122"/>
+              </a:rPr>
+              <a:t>  </a:t>
+            </a:r>
+            <a:r>
+              <a:rPr lang="en-US" altLang="zh-CN" sz="1100" dirty="0">
+                <a:latin typeface="楷体" pitchFamily="49" charset="-122"/>
+                <a:ea typeface="楷体" pitchFamily="49" charset="-122"/>
+              </a:rPr>
+              <a:t>binding</a:t>
+            </a:r>
+            <a:r>
+              <a:rPr lang="zh-CN" altLang="en-US" sz="1100" dirty="0">
+                <a:latin typeface="楷体" pitchFamily="49" charset="-122"/>
+                <a:ea typeface="楷体" pitchFamily="49" charset="-122"/>
+              </a:rPr>
+              <a:t>：一个对象，包含以下属性：</a:t>
+            </a:r>
+          </a:p>
+          <a:p>
+            <a:r>
+              <a:rPr lang="en-US" altLang="zh-CN" sz="1100" dirty="0" smtClean="0">
+                <a:latin typeface="楷体" pitchFamily="49" charset="-122"/>
+                <a:ea typeface="楷体" pitchFamily="49" charset="-122"/>
+              </a:rPr>
+              <a:t>    </a:t>
+            </a:r>
+            <a:r>
+              <a:rPr lang="en-US" altLang="zh-CN" sz="1100" dirty="0">
+                <a:latin typeface="楷体" pitchFamily="49" charset="-122"/>
+                <a:ea typeface="楷体" pitchFamily="49" charset="-122"/>
+              </a:rPr>
+              <a:t> </a:t>
+            </a:r>
+            <a:r>
+              <a:rPr lang="en-US" altLang="zh-CN" sz="1100" dirty="0" smtClean="0">
+                <a:latin typeface="楷体" pitchFamily="49" charset="-122"/>
+                <a:ea typeface="楷体" pitchFamily="49" charset="-122"/>
+              </a:rPr>
+              <a:t>name</a:t>
+            </a:r>
+            <a:r>
+              <a:rPr lang="zh-CN" altLang="en-US" sz="1100" dirty="0">
+                <a:latin typeface="楷体" pitchFamily="49" charset="-122"/>
+                <a:ea typeface="楷体" pitchFamily="49" charset="-122"/>
+              </a:rPr>
+              <a:t>：指令名，不包括 </a:t>
+            </a:r>
+            <a:r>
+              <a:rPr lang="en-US" altLang="zh-CN" sz="1100" dirty="0">
+                <a:latin typeface="楷体" pitchFamily="49" charset="-122"/>
+                <a:ea typeface="楷体" pitchFamily="49" charset="-122"/>
+              </a:rPr>
+              <a:t>v- </a:t>
+            </a:r>
+            <a:r>
+              <a:rPr lang="zh-CN" altLang="en-US" sz="1100" dirty="0">
+                <a:latin typeface="楷体" pitchFamily="49" charset="-122"/>
+                <a:ea typeface="楷体" pitchFamily="49" charset="-122"/>
+              </a:rPr>
+              <a:t>前缀。</a:t>
+            </a:r>
+          </a:p>
+          <a:p>
+            <a:r>
+              <a:rPr lang="en-US" altLang="zh-CN" sz="1100" dirty="0" smtClean="0">
+                <a:latin typeface="楷体" pitchFamily="49" charset="-122"/>
+                <a:ea typeface="楷体" pitchFamily="49" charset="-122"/>
+              </a:rPr>
+              <a:t>     value</a:t>
+            </a:r>
+            <a:r>
+              <a:rPr lang="zh-CN" altLang="en-US" sz="1100" dirty="0">
+                <a:latin typeface="楷体" pitchFamily="49" charset="-122"/>
+                <a:ea typeface="楷体" pitchFamily="49" charset="-122"/>
+              </a:rPr>
+              <a:t>：指令的绑定值，例如：</a:t>
+            </a:r>
+            <a:r>
+              <a:rPr lang="en-US" altLang="zh-CN" sz="1100" dirty="0">
+                <a:latin typeface="楷体" pitchFamily="49" charset="-122"/>
+                <a:ea typeface="楷体" pitchFamily="49" charset="-122"/>
+              </a:rPr>
+              <a:t>v-my-directive=“1 + 1” </a:t>
+            </a:r>
+            <a:r>
+              <a:rPr lang="zh-CN" altLang="en-US" sz="1100" dirty="0">
+                <a:latin typeface="楷体" pitchFamily="49" charset="-122"/>
+                <a:ea typeface="楷体" pitchFamily="49" charset="-122"/>
+              </a:rPr>
+              <a:t>中，绑定值为 </a:t>
+            </a:r>
+            <a:r>
+              <a:rPr lang="en-US" altLang="zh-CN" sz="1100" dirty="0">
+                <a:latin typeface="楷体" pitchFamily="49" charset="-122"/>
+                <a:ea typeface="楷体" pitchFamily="49" charset="-122"/>
+              </a:rPr>
+              <a:t>2</a:t>
+            </a:r>
+            <a:r>
+              <a:rPr lang="zh-CN" altLang="en-US" sz="1100" dirty="0">
+                <a:latin typeface="楷体" pitchFamily="49" charset="-122"/>
+                <a:ea typeface="楷体" pitchFamily="49" charset="-122"/>
+              </a:rPr>
+              <a:t>。</a:t>
+            </a:r>
+          </a:p>
+          <a:p>
+            <a:r>
+              <a:rPr lang="en-US" altLang="zh-CN" sz="1100" dirty="0" smtClean="0">
+                <a:latin typeface="楷体" pitchFamily="49" charset="-122"/>
+                <a:ea typeface="楷体" pitchFamily="49" charset="-122"/>
+              </a:rPr>
+              <a:t>     </a:t>
+            </a:r>
+            <a:r>
+              <a:rPr lang="en-US" altLang="zh-CN" sz="1100" dirty="0" err="1" smtClean="0">
+                <a:latin typeface="楷体" pitchFamily="49" charset="-122"/>
+                <a:ea typeface="楷体" pitchFamily="49" charset="-122"/>
+              </a:rPr>
+              <a:t>oldValue</a:t>
+            </a:r>
+            <a:r>
+              <a:rPr lang="zh-CN" altLang="en-US" sz="1100" dirty="0">
+                <a:latin typeface="楷体" pitchFamily="49" charset="-122"/>
+                <a:ea typeface="楷体" pitchFamily="49" charset="-122"/>
+              </a:rPr>
+              <a:t>：指令绑定的前一个值，仅在 </a:t>
+            </a:r>
+            <a:r>
+              <a:rPr lang="en-US" altLang="zh-CN" sz="1100" dirty="0">
+                <a:latin typeface="楷体" pitchFamily="49" charset="-122"/>
+                <a:ea typeface="楷体" pitchFamily="49" charset="-122"/>
+              </a:rPr>
+              <a:t>update </a:t>
+            </a:r>
+            <a:r>
+              <a:rPr lang="zh-CN" altLang="en-US" sz="1100" dirty="0">
+                <a:latin typeface="楷体" pitchFamily="49" charset="-122"/>
+                <a:ea typeface="楷体" pitchFamily="49" charset="-122"/>
+              </a:rPr>
+              <a:t>和 </a:t>
+            </a:r>
+            <a:r>
+              <a:rPr lang="en-US" altLang="zh-CN" sz="1100" dirty="0" err="1">
+                <a:latin typeface="楷体" pitchFamily="49" charset="-122"/>
+                <a:ea typeface="楷体" pitchFamily="49" charset="-122"/>
+              </a:rPr>
+              <a:t>componentUpdated</a:t>
+            </a:r>
+            <a:r>
+              <a:rPr lang="en-US" altLang="zh-CN" sz="1100" dirty="0">
+                <a:latin typeface="楷体" pitchFamily="49" charset="-122"/>
+                <a:ea typeface="楷体" pitchFamily="49" charset="-122"/>
+              </a:rPr>
+              <a:t> </a:t>
+            </a:r>
+            <a:r>
+              <a:rPr lang="zh-CN" altLang="en-US" sz="1100" dirty="0">
+                <a:latin typeface="楷体" pitchFamily="49" charset="-122"/>
+                <a:ea typeface="楷体" pitchFamily="49" charset="-122"/>
+              </a:rPr>
+              <a:t>钩子中可用。无论值是否改变都可用。</a:t>
+            </a:r>
+          </a:p>
+          <a:p>
+            <a:r>
+              <a:rPr lang="en-US" altLang="zh-CN" sz="1100" dirty="0" smtClean="0">
+                <a:latin typeface="楷体" pitchFamily="49" charset="-122"/>
+                <a:ea typeface="楷体" pitchFamily="49" charset="-122"/>
+              </a:rPr>
+              <a:t>     expression</a:t>
+            </a:r>
+            <a:r>
+              <a:rPr lang="zh-CN" altLang="en-US" sz="1100" dirty="0">
+                <a:latin typeface="楷体" pitchFamily="49" charset="-122"/>
+                <a:ea typeface="楷体" pitchFamily="49" charset="-122"/>
+              </a:rPr>
+              <a:t>：字符串形式的指令表达式。例如 </a:t>
+            </a:r>
+            <a:r>
+              <a:rPr lang="en-US" altLang="zh-CN" sz="1100" dirty="0">
+                <a:latin typeface="楷体" pitchFamily="49" charset="-122"/>
+                <a:ea typeface="楷体" pitchFamily="49" charset="-122"/>
+              </a:rPr>
+              <a:t>v-my-directive=“1 + 1” </a:t>
+            </a:r>
+            <a:r>
+              <a:rPr lang="zh-CN" altLang="en-US" sz="1100" dirty="0">
+                <a:latin typeface="楷体" pitchFamily="49" charset="-122"/>
+                <a:ea typeface="楷体" pitchFamily="49" charset="-122"/>
+              </a:rPr>
+              <a:t>中，表达式为 “</a:t>
+            </a:r>
+            <a:r>
+              <a:rPr lang="en-US" altLang="zh-CN" sz="1100" dirty="0">
+                <a:latin typeface="楷体" pitchFamily="49" charset="-122"/>
+                <a:ea typeface="楷体" pitchFamily="49" charset="-122"/>
+              </a:rPr>
+              <a:t>1 + 1”</a:t>
+            </a:r>
+            <a:r>
+              <a:rPr lang="zh-CN" altLang="en-US" sz="1100" dirty="0">
+                <a:latin typeface="楷体" pitchFamily="49" charset="-122"/>
+                <a:ea typeface="楷体" pitchFamily="49" charset="-122"/>
+              </a:rPr>
+              <a:t>。</a:t>
+            </a:r>
+          </a:p>
+          <a:p>
+            <a:r>
+              <a:rPr lang="en-US" altLang="zh-CN" sz="1100" dirty="0" smtClean="0">
+                <a:latin typeface="楷体" pitchFamily="49" charset="-122"/>
+                <a:ea typeface="楷体" pitchFamily="49" charset="-122"/>
+              </a:rPr>
+              <a:t>     </a:t>
+            </a:r>
+            <a:r>
+              <a:rPr lang="en-US" altLang="zh-CN" sz="1100" dirty="0" err="1" smtClean="0">
+                <a:latin typeface="楷体" pitchFamily="49" charset="-122"/>
+                <a:ea typeface="楷体" pitchFamily="49" charset="-122"/>
+              </a:rPr>
+              <a:t>arg</a:t>
+            </a:r>
+            <a:r>
+              <a:rPr lang="zh-CN" altLang="en-US" sz="1100" dirty="0">
+                <a:latin typeface="楷体" pitchFamily="49" charset="-122"/>
+                <a:ea typeface="楷体" pitchFamily="49" charset="-122"/>
+              </a:rPr>
+              <a:t>：传给指令的参数，可选。例如 </a:t>
+            </a:r>
+            <a:r>
+              <a:rPr lang="en-US" altLang="zh-CN" sz="1100" dirty="0" err="1">
+                <a:latin typeface="楷体" pitchFamily="49" charset="-122"/>
+                <a:ea typeface="楷体" pitchFamily="49" charset="-122"/>
+              </a:rPr>
+              <a:t>v-my-directive:foo</a:t>
+            </a:r>
+            <a:r>
+              <a:rPr lang="en-US" altLang="zh-CN" sz="1100" dirty="0">
+                <a:latin typeface="楷体" pitchFamily="49" charset="-122"/>
+                <a:ea typeface="楷体" pitchFamily="49" charset="-122"/>
+              </a:rPr>
+              <a:t> </a:t>
+            </a:r>
+            <a:r>
+              <a:rPr lang="zh-CN" altLang="en-US" sz="1100" dirty="0">
+                <a:latin typeface="楷体" pitchFamily="49" charset="-122"/>
+                <a:ea typeface="楷体" pitchFamily="49" charset="-122"/>
+              </a:rPr>
+              <a:t>中，参数为 “</a:t>
+            </a:r>
+            <a:r>
+              <a:rPr lang="en-US" altLang="zh-CN" sz="1100" dirty="0">
+                <a:latin typeface="楷体" pitchFamily="49" charset="-122"/>
+                <a:ea typeface="楷体" pitchFamily="49" charset="-122"/>
+              </a:rPr>
+              <a:t>foo”</a:t>
+            </a:r>
+            <a:r>
+              <a:rPr lang="zh-CN" altLang="en-US" sz="1100" dirty="0">
+                <a:latin typeface="楷体" pitchFamily="49" charset="-122"/>
+                <a:ea typeface="楷体" pitchFamily="49" charset="-122"/>
+              </a:rPr>
+              <a:t>。</a:t>
+            </a:r>
+            <a:endParaRPr lang="en-US" altLang="zh-CN" sz="1100" dirty="0">
+              <a:latin typeface="楷体" pitchFamily="49" charset="-122"/>
+              <a:ea typeface="楷体" pitchFamily="49" charset="-122"/>
+            </a:endParaRPr>
+          </a:p>
+          <a:p>
+            <a:r>
+              <a:rPr lang="en-US" altLang="zh-CN" sz="1100" dirty="0" smtClean="0">
+                <a:latin typeface="楷体" pitchFamily="49" charset="-122"/>
+                <a:ea typeface="楷体" pitchFamily="49" charset="-122"/>
+              </a:rPr>
+              <a:t>     modifiers</a:t>
+            </a:r>
+            <a:r>
+              <a:rPr lang="zh-CN" altLang="en-US" sz="1100" dirty="0">
+                <a:latin typeface="楷体" pitchFamily="49" charset="-122"/>
+                <a:ea typeface="楷体" pitchFamily="49" charset="-122"/>
+              </a:rPr>
+              <a:t>：一个包含修饰符的对象。例如：</a:t>
+            </a:r>
+            <a:r>
+              <a:rPr lang="en-US" altLang="zh-CN" sz="1100" dirty="0">
+                <a:latin typeface="楷体" pitchFamily="49" charset="-122"/>
+                <a:ea typeface="楷体" pitchFamily="49" charset="-122"/>
+              </a:rPr>
+              <a:t>v-my-</a:t>
+            </a:r>
+            <a:r>
+              <a:rPr lang="en-US" altLang="zh-CN" sz="1100" dirty="0" err="1">
+                <a:latin typeface="楷体" pitchFamily="49" charset="-122"/>
+                <a:ea typeface="楷体" pitchFamily="49" charset="-122"/>
+              </a:rPr>
+              <a:t>directive.foo.bar</a:t>
+            </a:r>
+            <a:r>
+              <a:rPr lang="en-US" altLang="zh-CN" sz="1100" dirty="0">
+                <a:latin typeface="楷体" pitchFamily="49" charset="-122"/>
+                <a:ea typeface="楷体" pitchFamily="49" charset="-122"/>
+              </a:rPr>
+              <a:t> </a:t>
+            </a:r>
+            <a:r>
+              <a:rPr lang="zh-CN" altLang="en-US" sz="1100" dirty="0">
+                <a:latin typeface="楷体" pitchFamily="49" charset="-122"/>
+                <a:ea typeface="楷体" pitchFamily="49" charset="-122"/>
+              </a:rPr>
+              <a:t>中，修饰符对象为 </a:t>
+            </a:r>
+            <a:r>
+              <a:rPr lang="en-US" altLang="zh-CN" sz="1100" dirty="0">
+                <a:latin typeface="楷体" pitchFamily="49" charset="-122"/>
+                <a:ea typeface="楷体" pitchFamily="49" charset="-122"/>
+              </a:rPr>
+              <a:t>{ foo: true, bar: true }</a:t>
+            </a:r>
+            <a:r>
+              <a:rPr lang="zh-CN" altLang="en-US" sz="1100" dirty="0" smtClean="0">
+                <a:latin typeface="楷体" pitchFamily="49" charset="-122"/>
+                <a:ea typeface="楷体" pitchFamily="49" charset="-122"/>
+              </a:rPr>
+              <a:t>。</a:t>
+            </a:r>
+            <a:endParaRPr lang="en-US" altLang="zh-CN" sz="1100" dirty="0">
+              <a:latin typeface="楷体" pitchFamily="49" charset="-122"/>
+              <a:ea typeface="楷体" pitchFamily="49" charset="-122"/>
+            </a:endParaRPr>
+          </a:p>
+          <a:p>
+            <a:r>
+              <a:rPr lang="en-US" altLang="zh-CN" sz="1100" dirty="0" smtClean="0">
+                <a:latin typeface="楷体" pitchFamily="49" charset="-122"/>
+                <a:ea typeface="楷体" pitchFamily="49" charset="-122"/>
+              </a:rPr>
+              <a:t>  </a:t>
+            </a:r>
+            <a:r>
+              <a:rPr lang="en-US" altLang="zh-CN" sz="1100" dirty="0" err="1">
+                <a:latin typeface="楷体" pitchFamily="49" charset="-122"/>
+                <a:ea typeface="楷体" pitchFamily="49" charset="-122"/>
+              </a:rPr>
+              <a:t>vnode</a:t>
+            </a:r>
+            <a:r>
+              <a:rPr lang="zh-CN" altLang="en-US" sz="1100" dirty="0">
+                <a:latin typeface="楷体" pitchFamily="49" charset="-122"/>
+                <a:ea typeface="楷体" pitchFamily="49" charset="-122"/>
+              </a:rPr>
+              <a:t>： </a:t>
+            </a:r>
+            <a:r>
+              <a:rPr lang="en-US" altLang="zh-CN" sz="1100" dirty="0" err="1">
+                <a:latin typeface="楷体" pitchFamily="49" charset="-122"/>
+                <a:ea typeface="楷体" pitchFamily="49" charset="-122"/>
+              </a:rPr>
+              <a:t>Vue</a:t>
+            </a:r>
+            <a:r>
+              <a:rPr lang="zh-CN" altLang="en-US" sz="1100" dirty="0">
+                <a:latin typeface="楷体" pitchFamily="49" charset="-122"/>
+                <a:ea typeface="楷体" pitchFamily="49" charset="-122"/>
+              </a:rPr>
+              <a:t>编译生成的虚拟节点</a:t>
+            </a:r>
+            <a:r>
+              <a:rPr lang="zh-CN" altLang="en-US" sz="1100" dirty="0" smtClean="0">
+                <a:latin typeface="楷体" pitchFamily="49" charset="-122"/>
+                <a:ea typeface="楷体" pitchFamily="49" charset="-122"/>
+              </a:rPr>
+              <a:t>。</a:t>
+            </a:r>
+            <a:endParaRPr lang="en-US" altLang="zh-CN" sz="1100" dirty="0" smtClean="0">
+              <a:latin typeface="楷体" pitchFamily="49" charset="-122"/>
+              <a:ea typeface="楷体" pitchFamily="49" charset="-122"/>
+            </a:endParaRPr>
+          </a:p>
+          <a:p>
+            <a:r>
+              <a:rPr lang="en-US" altLang="zh-CN" sz="1100" dirty="0" smtClean="0">
+                <a:latin typeface="楷体" pitchFamily="49" charset="-122"/>
+                <a:ea typeface="楷体" pitchFamily="49" charset="-122"/>
+              </a:rPr>
+              <a:t>  </a:t>
+            </a:r>
+            <a:r>
+              <a:rPr lang="en-US" altLang="zh-CN" sz="1100" dirty="0" err="1">
+                <a:latin typeface="楷体" pitchFamily="49" charset="-122"/>
+                <a:ea typeface="楷体" pitchFamily="49" charset="-122"/>
+              </a:rPr>
+              <a:t>oldVnode</a:t>
+            </a:r>
+            <a:r>
+              <a:rPr lang="zh-CN" altLang="en-US" sz="1100" dirty="0">
+                <a:latin typeface="楷体" pitchFamily="49" charset="-122"/>
+                <a:ea typeface="楷体" pitchFamily="49" charset="-122"/>
+              </a:rPr>
+              <a:t>：上一个虚拟节点，仅在 </a:t>
+            </a:r>
+            <a:r>
+              <a:rPr lang="en-US" altLang="zh-CN" sz="1100" dirty="0">
+                <a:latin typeface="楷体" pitchFamily="49" charset="-122"/>
+                <a:ea typeface="楷体" pitchFamily="49" charset="-122"/>
+              </a:rPr>
+              <a:t>update </a:t>
+            </a:r>
+            <a:r>
+              <a:rPr lang="zh-CN" altLang="en-US" sz="1100" dirty="0">
+                <a:latin typeface="楷体" pitchFamily="49" charset="-122"/>
+                <a:ea typeface="楷体" pitchFamily="49" charset="-122"/>
+              </a:rPr>
+              <a:t>和 </a:t>
+            </a:r>
+            <a:r>
+              <a:rPr lang="en-US" altLang="zh-CN" sz="1100" dirty="0" err="1">
+                <a:latin typeface="楷体" pitchFamily="49" charset="-122"/>
+                <a:ea typeface="楷体" pitchFamily="49" charset="-122"/>
+              </a:rPr>
+              <a:t>componentUpdated</a:t>
+            </a:r>
+            <a:r>
+              <a:rPr lang="en-US" altLang="zh-CN" sz="1100" dirty="0">
+                <a:latin typeface="楷体" pitchFamily="49" charset="-122"/>
+                <a:ea typeface="楷体" pitchFamily="49" charset="-122"/>
+              </a:rPr>
+              <a:t> </a:t>
+            </a:r>
+            <a:r>
+              <a:rPr lang="zh-CN" altLang="en-US" sz="1100" dirty="0">
+                <a:latin typeface="楷体" pitchFamily="49" charset="-122"/>
+                <a:ea typeface="楷体" pitchFamily="49" charset="-122"/>
+              </a:rPr>
+              <a:t>钩子中可用。</a:t>
+            </a:r>
+          </a:p>
+          <a:p>
+            <a:endParaRPr lang="zh-CN" altLang="en-US" sz="1100" i="1" dirty="0">
+              <a:latin typeface="楷体" pitchFamily="49" charset="-122"/>
+              <a:ea typeface="楷体" pitchFamily="49" charset="-122"/>
+            </a:endParaRPr>
+          </a:p>
+        </p:txBody>
+      </p:sp>
+    </p:spTree>
+    <p:extLst>
+      <p:ext uri="{BB962C8B-B14F-4D97-AF65-F5344CB8AC3E}">
+        <p14:creationId xmlns:p14="http://schemas.microsoft.com/office/powerpoint/2010/main" val="2936778772"/>
+      </p:ext>
+    </p:extLst>
+  </p:cSld>
+  <p:clrMapOvr>
+    <a:masterClrMapping/>
+  </p:clrMapOvr>
+  <p:transition spd="slow">
+    <p:push dir="u"/>
+  </p:transition>
+  <p:timing>
+    <p:tnLst>
+      <p:par>
+        <p:cTn id="1" dur="indefinite" restart="never" nodeType="tmRoot"/>
+      </p:par>
+    </p:tnLst>
+  </p:timing>
+</p:sld>
+</file>
+
+<file path=ppt/slides/slide18.xml><?xml version="1.0" encoding="utf-8"?>
 <p:sld xmlns:a="http://schemas.openxmlformats.org/drawingml/2006/main" xmlns:r="http://schemas.openxmlformats.org/officeDocument/2006/relationships" xmlns:p="http://schemas.openxmlformats.org/presentationml/2006/main">
   <p:cSld>
     <p:spTree>
@@ -14038,7 +15320,7 @@
 </p:sld>
 </file>
 
-<file path=ppt/slides/slide18.xml><?xml version="1.0" encoding="utf-8"?>
+<file path=ppt/slides/slide19.xml><?xml version="1.0" encoding="utf-8"?>
 <p:sld xmlns:a="http://schemas.openxmlformats.org/drawingml/2006/main" xmlns:r="http://schemas.openxmlformats.org/officeDocument/2006/relationships" xmlns:p="http://schemas.openxmlformats.org/presentationml/2006/main">
   <p:cSld>
     <p:spTree>
@@ -14605,7 +15887,401 @@
 </p:sld>
 </file>
 
-<file path=ppt/slides/slide19.xml><?xml version="1.0" encoding="utf-8"?>
+<file path=ppt/slides/slide2.xml><?xml version="1.0" encoding="utf-8"?>
+<p:sld xmlns:a="http://schemas.openxmlformats.org/drawingml/2006/main" xmlns:r="http://schemas.openxmlformats.org/officeDocument/2006/relationships" xmlns:p="http://schemas.openxmlformats.org/presentationml/2006/main">
+  <p:cSld>
+    <p:spTree>
+      <p:nvGrpSpPr>
+        <p:cNvPr id="1" name=""/>
+        <p:cNvGrpSpPr/>
+        <p:nvPr/>
+      </p:nvGrpSpPr>
+      <p:grpSpPr>
+        <a:xfrm>
+          <a:off x="0" y="0"/>
+          <a:ext cx="0" cy="0"/>
+          <a:chOff x="0" y="0"/>
+          <a:chExt cx="0" cy="0"/>
+        </a:xfrm>
+      </p:grpSpPr>
+      <p:sp>
+        <p:nvSpPr>
+          <p:cNvPr id="5" name="TextBox 4"/>
+          <p:cNvSpPr txBox="1"/>
+          <p:nvPr/>
+        </p:nvSpPr>
+        <p:spPr>
+          <a:xfrm>
+            <a:off x="1403194" y="1700808"/>
+            <a:ext cx="6696744" cy="4616648"/>
+          </a:xfrm>
+          <a:prstGeom prst="rect">
+            <a:avLst/>
+          </a:prstGeom>
+          <a:noFill/>
+        </p:spPr>
+        <p:txBody>
+          <a:bodyPr wrap="square" rtlCol="0">
+            <a:spAutoFit/>
+          </a:bodyPr>
+          <a:lstStyle/>
+          <a:p>
+            <a:pPr marL="285750" indent="-285750">
+              <a:lnSpc>
+                <a:spcPct val="150000"/>
+              </a:lnSpc>
+              <a:buFont typeface="Wingdings" pitchFamily="2" charset="2"/>
+              <a:buChar char="u"/>
+            </a:pPr>
+            <a:r>
+              <a:rPr lang="zh-CN" altLang="en-US" sz="2800" dirty="0" smtClean="0">
+                <a:latin typeface="楷体" pitchFamily="49" charset="-122"/>
+                <a:ea typeface="楷体" pitchFamily="49" charset="-122"/>
+              </a:rPr>
+              <a:t>什么</a:t>
+            </a:r>
+            <a:r>
+              <a:rPr lang="zh-CN" altLang="en-US" sz="2800" dirty="0" smtClean="0">
+                <a:latin typeface="楷体" pitchFamily="49" charset="-122"/>
+                <a:ea typeface="楷体" pitchFamily="49" charset="-122"/>
+              </a:rPr>
+              <a:t>是</a:t>
+            </a:r>
+            <a:r>
+              <a:rPr lang="en-US" altLang="zh-CN" sz="2800" dirty="0" err="1">
+                <a:latin typeface="楷体" pitchFamily="49" charset="-122"/>
+                <a:ea typeface="楷体" pitchFamily="49" charset="-122"/>
+              </a:rPr>
+              <a:t>Vue</a:t>
+            </a:r>
+            <a:endParaRPr lang="en-US" altLang="zh-CN" sz="2800" dirty="0" smtClean="0">
+              <a:latin typeface="楷体" pitchFamily="49" charset="-122"/>
+              <a:ea typeface="楷体" pitchFamily="49" charset="-122"/>
+            </a:endParaRPr>
+          </a:p>
+          <a:p>
+            <a:pPr marL="285750" indent="-285750">
+              <a:lnSpc>
+                <a:spcPct val="150000"/>
+              </a:lnSpc>
+              <a:buFont typeface="Wingdings" pitchFamily="2" charset="2"/>
+              <a:buChar char="u"/>
+            </a:pPr>
+            <a:r>
+              <a:rPr lang="zh-CN" altLang="en-US" sz="2800" dirty="0" smtClean="0">
+                <a:latin typeface="楷体" pitchFamily="49" charset="-122"/>
+                <a:ea typeface="楷体" pitchFamily="49" charset="-122"/>
+              </a:rPr>
+              <a:t>为什么要</a:t>
+            </a:r>
+            <a:r>
+              <a:rPr lang="zh-CN" altLang="en-US" sz="2800" dirty="0" smtClean="0">
+                <a:latin typeface="楷体" pitchFamily="49" charset="-122"/>
+                <a:ea typeface="楷体" pitchFamily="49" charset="-122"/>
+              </a:rPr>
+              <a:t>使用</a:t>
+            </a:r>
+            <a:r>
+              <a:rPr lang="en-US" altLang="zh-CN" sz="2800" dirty="0" err="1">
+                <a:latin typeface="楷体" pitchFamily="49" charset="-122"/>
+                <a:ea typeface="楷体" pitchFamily="49" charset="-122"/>
+              </a:rPr>
+              <a:t>Vue</a:t>
+            </a:r>
+            <a:endParaRPr lang="en-US" altLang="zh-CN" sz="2800" dirty="0" smtClean="0">
+              <a:latin typeface="楷体" pitchFamily="49" charset="-122"/>
+              <a:ea typeface="楷体" pitchFamily="49" charset="-122"/>
+            </a:endParaRPr>
+          </a:p>
+          <a:p>
+            <a:pPr marL="285750" indent="-285750">
+              <a:lnSpc>
+                <a:spcPct val="150000"/>
+              </a:lnSpc>
+              <a:buFont typeface="Wingdings" pitchFamily="2" charset="2"/>
+              <a:buChar char="u"/>
+            </a:pPr>
+            <a:r>
+              <a:rPr lang="zh-CN" altLang="en-US" sz="2800" dirty="0" smtClean="0">
+                <a:latin typeface="楷体" pitchFamily="49" charset="-122"/>
+                <a:ea typeface="楷体" pitchFamily="49" charset="-122"/>
+              </a:rPr>
+              <a:t>简要对比前端三大框架</a:t>
+            </a:r>
+            <a:endParaRPr lang="en-US" altLang="zh-CN" sz="2800" dirty="0" smtClean="0">
+              <a:latin typeface="楷体" pitchFamily="49" charset="-122"/>
+              <a:ea typeface="楷体" pitchFamily="49" charset="-122"/>
+            </a:endParaRPr>
+          </a:p>
+          <a:p>
+            <a:pPr marL="285750" indent="-285750">
+              <a:lnSpc>
+                <a:spcPct val="150000"/>
+              </a:lnSpc>
+              <a:buFont typeface="Wingdings" pitchFamily="2" charset="2"/>
+              <a:buChar char="u"/>
+            </a:pPr>
+            <a:r>
+              <a:rPr lang="en-US" altLang="zh-CN" sz="2800" dirty="0" err="1">
+                <a:latin typeface="楷体" pitchFamily="49" charset="-122"/>
+                <a:ea typeface="楷体" pitchFamily="49" charset="-122"/>
+              </a:rPr>
+              <a:t>Vue</a:t>
+            </a:r>
+            <a:r>
+              <a:rPr lang="zh-CN" altLang="en-US" sz="2800" dirty="0" smtClean="0">
+                <a:latin typeface="楷体" pitchFamily="49" charset="-122"/>
+                <a:ea typeface="楷体" pitchFamily="49" charset="-122"/>
+              </a:rPr>
+              <a:t>生命周期</a:t>
+            </a:r>
+            <a:endParaRPr lang="en-US" altLang="zh-CN" sz="2800" dirty="0" smtClean="0">
+              <a:latin typeface="楷体" pitchFamily="49" charset="-122"/>
+              <a:ea typeface="楷体" pitchFamily="49" charset="-122"/>
+            </a:endParaRPr>
+          </a:p>
+          <a:p>
+            <a:pPr marL="285750" indent="-285750">
+              <a:lnSpc>
+                <a:spcPct val="150000"/>
+              </a:lnSpc>
+              <a:buFont typeface="Wingdings" pitchFamily="2" charset="2"/>
+              <a:buChar char="u"/>
+            </a:pPr>
+            <a:r>
+              <a:rPr lang="zh-CN" altLang="en-US" sz="2800" dirty="0" smtClean="0">
+                <a:latin typeface="楷体" pitchFamily="49" charset="-122"/>
+                <a:ea typeface="楷体" pitchFamily="49" charset="-122"/>
+              </a:rPr>
+              <a:t>了解并使用</a:t>
+            </a:r>
+            <a:r>
+              <a:rPr lang="en-US" altLang="zh-CN" sz="2800" dirty="0" err="1" smtClean="0">
+                <a:latin typeface="楷体" pitchFamily="49" charset="-122"/>
+                <a:ea typeface="楷体" pitchFamily="49" charset="-122"/>
+              </a:rPr>
+              <a:t>V</a:t>
+            </a:r>
+            <a:r>
+              <a:rPr lang="en-US" altLang="zh-CN" sz="2800" dirty="0" err="1" smtClean="0">
+                <a:latin typeface="楷体" pitchFamily="49" charset="-122"/>
+                <a:ea typeface="楷体" pitchFamily="49" charset="-122"/>
+              </a:rPr>
+              <a:t>ue</a:t>
+            </a:r>
+            <a:endParaRPr lang="en-US" altLang="zh-CN" sz="2800" dirty="0" smtClean="0">
+              <a:latin typeface="楷体" pitchFamily="49" charset="-122"/>
+              <a:ea typeface="楷体" pitchFamily="49" charset="-122"/>
+            </a:endParaRPr>
+          </a:p>
+          <a:p>
+            <a:pPr marL="285750" indent="-285750">
+              <a:lnSpc>
+                <a:spcPct val="150000"/>
+              </a:lnSpc>
+              <a:buFont typeface="Wingdings" pitchFamily="2" charset="2"/>
+              <a:buChar char="u"/>
+            </a:pPr>
+            <a:r>
+              <a:rPr lang="en-US" altLang="zh-CN" sz="2800" dirty="0" err="1" smtClean="0">
+                <a:latin typeface="楷体" pitchFamily="49" charset="-122"/>
+                <a:ea typeface="楷体" pitchFamily="49" charset="-122"/>
+              </a:rPr>
+              <a:t>V</a:t>
+            </a:r>
+            <a:r>
+              <a:rPr lang="en-US" altLang="zh-CN" sz="2800" dirty="0" err="1" smtClean="0">
+                <a:latin typeface="楷体" pitchFamily="49" charset="-122"/>
+                <a:ea typeface="楷体" pitchFamily="49" charset="-122"/>
+              </a:rPr>
+              <a:t>ue</a:t>
+            </a:r>
+            <a:r>
+              <a:rPr lang="zh-CN" altLang="en-US" sz="2800" dirty="0" smtClean="0">
+                <a:latin typeface="楷体" pitchFamily="49" charset="-122"/>
+                <a:ea typeface="楷体" pitchFamily="49" charset="-122"/>
+              </a:rPr>
+              <a:t>路由</a:t>
+            </a:r>
+            <a:endParaRPr lang="en-US" altLang="zh-CN" sz="2800" dirty="0" smtClean="0">
+              <a:latin typeface="楷体" pitchFamily="49" charset="-122"/>
+              <a:ea typeface="楷体" pitchFamily="49" charset="-122"/>
+            </a:endParaRPr>
+          </a:p>
+          <a:p>
+            <a:pPr marL="285750" indent="-285750">
+              <a:lnSpc>
+                <a:spcPct val="150000"/>
+              </a:lnSpc>
+              <a:buFont typeface="Wingdings" pitchFamily="2" charset="2"/>
+              <a:buChar char="u"/>
+            </a:pPr>
+            <a:r>
+              <a:rPr lang="en-US" altLang="zh-CN" sz="2800" dirty="0" smtClean="0">
+                <a:latin typeface="楷体" pitchFamily="49" charset="-122"/>
+                <a:ea typeface="楷体" pitchFamily="49" charset="-122"/>
+              </a:rPr>
+              <a:t>Vue3.0</a:t>
+            </a:r>
+            <a:endParaRPr lang="en-US" altLang="zh-CN" sz="2800" dirty="0" smtClean="0">
+              <a:latin typeface="楷体" pitchFamily="49" charset="-122"/>
+              <a:ea typeface="楷体" pitchFamily="49" charset="-122"/>
+            </a:endParaRPr>
+          </a:p>
+        </p:txBody>
+      </p:sp>
+      <p:sp>
+        <p:nvSpPr>
+          <p:cNvPr id="2" name="TextBox 1"/>
+          <p:cNvSpPr txBox="1"/>
+          <p:nvPr/>
+        </p:nvSpPr>
+        <p:spPr>
+          <a:xfrm>
+            <a:off x="611560" y="620688"/>
+            <a:ext cx="2088232" cy="769441"/>
+          </a:xfrm>
+          <a:prstGeom prst="rect">
+            <a:avLst/>
+          </a:prstGeom>
+          <a:noFill/>
+        </p:spPr>
+        <p:txBody>
+          <a:bodyPr wrap="square" rtlCol="0">
+            <a:spAutoFit/>
+          </a:bodyPr>
+          <a:lstStyle/>
+          <a:p>
+            <a:r>
+              <a:rPr lang="zh-CN" altLang="en-US" sz="4400" dirty="0"/>
+              <a:t>目录</a:t>
+            </a:r>
+          </a:p>
+        </p:txBody>
+      </p:sp>
+    </p:spTree>
+    <p:extLst>
+      <p:ext uri="{BB962C8B-B14F-4D97-AF65-F5344CB8AC3E}">
+        <p14:creationId xmlns:p14="http://schemas.microsoft.com/office/powerpoint/2010/main" val="911627650"/>
+      </p:ext>
+    </p:extLst>
+  </p:cSld>
+  <p:clrMapOvr>
+    <a:masterClrMapping/>
+  </p:clrMapOvr>
+  <p:transition spd="slow">
+    <p:wipe/>
+  </p:transition>
+  <p:timing>
+    <p:tnLst>
+      <p:par>
+        <p:cTn id="1" dur="indefinite" restart="never" nodeType="tmRoot"/>
+      </p:par>
+    </p:tnLst>
+  </p:timing>
+</p:sld>
+</file>
+
+<file path=ppt/slides/slide20.xml><?xml version="1.0" encoding="utf-8"?>
+<p:sld xmlns:a="http://schemas.openxmlformats.org/drawingml/2006/main" xmlns:r="http://schemas.openxmlformats.org/officeDocument/2006/relationships" xmlns:p="http://schemas.openxmlformats.org/presentationml/2006/main">
+  <p:cSld>
+    <p:spTree>
+      <p:nvGrpSpPr>
+        <p:cNvPr id="1" name=""/>
+        <p:cNvGrpSpPr/>
+        <p:nvPr/>
+      </p:nvGrpSpPr>
+      <p:grpSpPr>
+        <a:xfrm>
+          <a:off x="0" y="0"/>
+          <a:ext cx="0" cy="0"/>
+          <a:chOff x="0" y="0"/>
+          <a:chExt cx="0" cy="0"/>
+        </a:xfrm>
+      </p:grpSpPr>
+      <p:sp>
+        <p:nvSpPr>
+          <p:cNvPr id="4" name="TextBox 3"/>
+          <p:cNvSpPr txBox="1"/>
+          <p:nvPr/>
+        </p:nvSpPr>
+        <p:spPr>
+          <a:xfrm>
+            <a:off x="394428" y="195090"/>
+            <a:ext cx="7488832" cy="461665"/>
+          </a:xfrm>
+          <a:prstGeom prst="rect">
+            <a:avLst/>
+          </a:prstGeom>
+          <a:noFill/>
+        </p:spPr>
+        <p:txBody>
+          <a:bodyPr wrap="square" rtlCol="0">
+            <a:spAutoFit/>
+          </a:bodyPr>
+          <a:lstStyle/>
+          <a:p>
+            <a:r>
+              <a:rPr lang="zh-CN" altLang="en-US" sz="2400" dirty="0">
+                <a:latin typeface="华文楷体" pitchFamily="2" charset="-122"/>
+                <a:ea typeface="华文楷体" pitchFamily="2" charset="-122"/>
+              </a:rPr>
+              <a:t>七</a:t>
+            </a:r>
+            <a:r>
+              <a:rPr lang="zh-CN" altLang="en-US" sz="2400" dirty="0" smtClean="0">
+                <a:latin typeface="华文楷体" pitchFamily="2" charset="-122"/>
+                <a:ea typeface="华文楷体" pitchFamily="2" charset="-122"/>
+              </a:rPr>
+              <a:t>、</a:t>
+            </a:r>
+            <a:r>
+              <a:rPr lang="en-US" altLang="zh-CN" sz="2400" dirty="0" smtClean="0">
+                <a:latin typeface="华文楷体" pitchFamily="2" charset="-122"/>
+                <a:ea typeface="华文楷体" pitchFamily="2" charset="-122"/>
+              </a:rPr>
+              <a:t>Vue3.0</a:t>
+            </a:r>
+            <a:endParaRPr lang="en-US" altLang="zh-CN" sz="2400" dirty="0">
+              <a:latin typeface="楷体" pitchFamily="49" charset="-122"/>
+              <a:ea typeface="楷体" pitchFamily="49" charset="-122"/>
+            </a:endParaRPr>
+          </a:p>
+        </p:txBody>
+      </p:sp>
+    </p:spTree>
+    <p:extLst>
+      <p:ext uri="{BB962C8B-B14F-4D97-AF65-F5344CB8AC3E}">
+        <p14:creationId xmlns:p14="http://schemas.microsoft.com/office/powerpoint/2010/main" val="1544713148"/>
+      </p:ext>
+    </p:extLst>
+  </p:cSld>
+  <p:clrMapOvr>
+    <a:masterClrMapping/>
+  </p:clrMapOvr>
+  <mc:AlternateContent xmlns:mc="http://schemas.openxmlformats.org/markup-compatibility/2006">
+    <mc:Choice xmlns:p14="http://schemas.microsoft.com/office/powerpoint/2010/main" Requires="p14">
+      <p:transition spd="slow" p14:dur="2000">
+        <p14:ferris dir="l"/>
+      </p:transition>
+    </mc:Choice>
+    <mc:Fallback>
+      <p:transition spd="slow">
+        <p:fade/>
+      </p:transition>
+    </mc:Fallback>
+  </mc:AlternateContent>
+  <p:timing>
+    <p:tnLst>
+      <p:par>
+        <p:cTn id="1" dur="indefinite" restart="never" nodeType="tmRoot"/>
+      </p:par>
+    </p:tnLst>
+  </p:timing>
+</p:sld>
+</file>
+
+<file path=ppt/slides/slide21.xml><?xml version="1.0" encoding="utf-8"?>
 <p:sld xmlns:a="http://schemas.openxmlformats.org/drawingml/2006/main" xmlns:r="http://schemas.openxmlformats.org/officeDocument/2006/relationships" xmlns:p="http://schemas.openxmlformats.org/presentationml/2006/main">
   <p:cSld>
     <p:spTree>
@@ -14885,254 +16561,7 @@
 </p:sld>
 </file>
 
-<file path=ppt/slides/slide2.xml><?xml version="1.0" encoding="utf-8"?>
-<p:sld xmlns:a="http://schemas.openxmlformats.org/drawingml/2006/main" xmlns:r="http://schemas.openxmlformats.org/officeDocument/2006/relationships" xmlns:p="http://schemas.openxmlformats.org/presentationml/2006/main">
-  <p:cSld>
-    <p:spTree>
-      <p:nvGrpSpPr>
-        <p:cNvPr id="1" name=""/>
-        <p:cNvGrpSpPr/>
-        <p:nvPr/>
-      </p:nvGrpSpPr>
-      <p:grpSpPr>
-        <a:xfrm>
-          <a:off x="0" y="0"/>
-          <a:ext cx="0" cy="0"/>
-          <a:chOff x="0" y="0"/>
-          <a:chExt cx="0" cy="0"/>
-        </a:xfrm>
-      </p:grpSpPr>
-      <p:sp>
-        <p:nvSpPr>
-          <p:cNvPr id="5" name="TextBox 4"/>
-          <p:cNvSpPr txBox="1"/>
-          <p:nvPr/>
-        </p:nvSpPr>
-        <p:spPr>
-          <a:xfrm>
-            <a:off x="1403194" y="1700808"/>
-            <a:ext cx="6696744" cy="4247317"/>
-          </a:xfrm>
-          <a:prstGeom prst="rect">
-            <a:avLst/>
-          </a:prstGeom>
-          <a:noFill/>
-        </p:spPr>
-        <p:txBody>
-          <a:bodyPr wrap="square" rtlCol="0">
-            <a:spAutoFit/>
-          </a:bodyPr>
-          <a:lstStyle/>
-          <a:p>
-            <a:pPr marL="285750" indent="-285750">
-              <a:lnSpc>
-                <a:spcPct val="150000"/>
-              </a:lnSpc>
-              <a:buFont typeface="Wingdings" pitchFamily="2" charset="2"/>
-              <a:buChar char="u"/>
-            </a:pPr>
-            <a:r>
-              <a:rPr lang="zh-CN" altLang="en-US" sz="3000" dirty="0" smtClean="0">
-                <a:latin typeface="楷体" pitchFamily="49" charset="-122"/>
-                <a:ea typeface="楷体" pitchFamily="49" charset="-122"/>
-              </a:rPr>
-              <a:t>什么是</a:t>
-            </a:r>
-            <a:r>
-              <a:rPr lang="en-US" altLang="zh-CN" sz="3000" dirty="0" err="1" smtClean="0">
-                <a:latin typeface="楷体" pitchFamily="49" charset="-122"/>
-                <a:ea typeface="楷体" pitchFamily="49" charset="-122"/>
-              </a:rPr>
-              <a:t>vue</a:t>
-            </a:r>
-            <a:endParaRPr lang="en-US" altLang="zh-CN" sz="3000" dirty="0" smtClean="0">
-              <a:latin typeface="楷体" pitchFamily="49" charset="-122"/>
-              <a:ea typeface="楷体" pitchFamily="49" charset="-122"/>
-            </a:endParaRPr>
-          </a:p>
-          <a:p>
-            <a:pPr marL="285750" indent="-285750">
-              <a:lnSpc>
-                <a:spcPct val="150000"/>
-              </a:lnSpc>
-              <a:buFont typeface="Wingdings" pitchFamily="2" charset="2"/>
-              <a:buChar char="u"/>
-            </a:pPr>
-            <a:r>
-              <a:rPr lang="zh-CN" altLang="en-US" sz="3000" dirty="0" smtClean="0">
-                <a:latin typeface="楷体" pitchFamily="49" charset="-122"/>
-                <a:ea typeface="楷体" pitchFamily="49" charset="-122"/>
-              </a:rPr>
-              <a:t>为什么要使用</a:t>
-            </a:r>
-            <a:r>
-              <a:rPr lang="en-US" altLang="zh-CN" sz="3000" dirty="0" err="1" smtClean="0">
-                <a:latin typeface="楷体" pitchFamily="49" charset="-122"/>
-                <a:ea typeface="楷体" pitchFamily="49" charset="-122"/>
-              </a:rPr>
-              <a:t>vue</a:t>
-            </a:r>
-            <a:endParaRPr lang="en-US" altLang="zh-CN" sz="3000" dirty="0" smtClean="0">
-              <a:latin typeface="楷体" pitchFamily="49" charset="-122"/>
-              <a:ea typeface="楷体" pitchFamily="49" charset="-122"/>
-            </a:endParaRPr>
-          </a:p>
-          <a:p>
-            <a:pPr marL="285750" indent="-285750">
-              <a:lnSpc>
-                <a:spcPct val="150000"/>
-              </a:lnSpc>
-              <a:buFont typeface="Wingdings" pitchFamily="2" charset="2"/>
-              <a:buChar char="u"/>
-            </a:pPr>
-            <a:r>
-              <a:rPr lang="zh-CN" altLang="en-US" sz="3000" dirty="0" smtClean="0">
-                <a:latin typeface="楷体" pitchFamily="49" charset="-122"/>
-                <a:ea typeface="楷体" pitchFamily="49" charset="-122"/>
-              </a:rPr>
-              <a:t>简要对比前端三大框架</a:t>
-            </a:r>
-            <a:endParaRPr lang="en-US" altLang="zh-CN" sz="3000" dirty="0" smtClean="0">
-              <a:latin typeface="楷体" pitchFamily="49" charset="-122"/>
-              <a:ea typeface="楷体" pitchFamily="49" charset="-122"/>
-            </a:endParaRPr>
-          </a:p>
-          <a:p>
-            <a:pPr marL="285750" indent="-285750">
-              <a:lnSpc>
-                <a:spcPct val="150000"/>
-              </a:lnSpc>
-              <a:buFont typeface="Wingdings" pitchFamily="2" charset="2"/>
-              <a:buChar char="u"/>
-            </a:pPr>
-            <a:r>
-              <a:rPr lang="en-US" altLang="zh-CN" sz="3000" dirty="0" err="1">
-                <a:latin typeface="楷体" pitchFamily="49" charset="-122"/>
-                <a:ea typeface="楷体" pitchFamily="49" charset="-122"/>
-              </a:rPr>
-              <a:t>vue</a:t>
-            </a:r>
-            <a:r>
-              <a:rPr lang="zh-CN" altLang="en-US" sz="3000" dirty="0" smtClean="0">
-                <a:latin typeface="楷体" pitchFamily="49" charset="-122"/>
-                <a:ea typeface="楷体" pitchFamily="49" charset="-122"/>
-              </a:rPr>
-              <a:t>生命周期</a:t>
-            </a:r>
-            <a:endParaRPr lang="en-US" altLang="zh-CN" sz="3000" dirty="0" smtClean="0">
-              <a:latin typeface="楷体" pitchFamily="49" charset="-122"/>
-              <a:ea typeface="楷体" pitchFamily="49" charset="-122"/>
-            </a:endParaRPr>
-          </a:p>
-          <a:p>
-            <a:pPr marL="285750" indent="-285750">
-              <a:lnSpc>
-                <a:spcPct val="150000"/>
-              </a:lnSpc>
-              <a:buFont typeface="Wingdings" pitchFamily="2" charset="2"/>
-              <a:buChar char="u"/>
-            </a:pPr>
-            <a:r>
-              <a:rPr lang="zh-CN" altLang="en-US" sz="3000" dirty="0" smtClean="0">
-                <a:latin typeface="楷体" pitchFamily="49" charset="-122"/>
-                <a:ea typeface="楷体" pitchFamily="49" charset="-122"/>
-              </a:rPr>
-              <a:t>了解并使用</a:t>
-            </a:r>
-            <a:r>
-              <a:rPr lang="en-US" altLang="zh-CN" sz="3000" dirty="0" err="1" smtClean="0">
-                <a:latin typeface="楷体" pitchFamily="49" charset="-122"/>
-                <a:ea typeface="楷体" pitchFamily="49" charset="-122"/>
-              </a:rPr>
-              <a:t>vue</a:t>
-            </a:r>
-            <a:endParaRPr lang="en-US" altLang="zh-CN" sz="3000" dirty="0" smtClean="0">
-              <a:latin typeface="楷体" pitchFamily="49" charset="-122"/>
-              <a:ea typeface="楷体" pitchFamily="49" charset="-122"/>
-            </a:endParaRPr>
-          </a:p>
-          <a:p>
-            <a:pPr marL="285750" indent="-285750">
-              <a:lnSpc>
-                <a:spcPct val="150000"/>
-              </a:lnSpc>
-              <a:buFont typeface="Wingdings" pitchFamily="2" charset="2"/>
-              <a:buChar char="u"/>
-            </a:pPr>
-            <a:r>
-              <a:rPr lang="en-US" altLang="zh-CN" sz="3000" dirty="0" err="1" smtClean="0">
-                <a:latin typeface="楷体" pitchFamily="49" charset="-122"/>
-                <a:ea typeface="楷体" pitchFamily="49" charset="-122"/>
-              </a:rPr>
-              <a:t>vue</a:t>
-            </a:r>
-            <a:r>
-              <a:rPr lang="zh-CN" altLang="en-US" sz="3000" dirty="0" smtClean="0">
-                <a:latin typeface="楷体" pitchFamily="49" charset="-122"/>
-                <a:ea typeface="楷体" pitchFamily="49" charset="-122"/>
-              </a:rPr>
-              <a:t>路由</a:t>
-            </a:r>
-            <a:endParaRPr lang="en-US" altLang="zh-CN" sz="3000" dirty="0" smtClean="0">
-              <a:latin typeface="楷体" pitchFamily="49" charset="-122"/>
-              <a:ea typeface="楷体" pitchFamily="49" charset="-122"/>
-            </a:endParaRPr>
-          </a:p>
-        </p:txBody>
-      </p:sp>
-      <p:sp>
-        <p:nvSpPr>
-          <p:cNvPr id="2" name="TextBox 1"/>
-          <p:cNvSpPr txBox="1"/>
-          <p:nvPr/>
-        </p:nvSpPr>
-        <p:spPr>
-          <a:xfrm>
-            <a:off x="611560" y="620688"/>
-            <a:ext cx="2088232" cy="769441"/>
-          </a:xfrm>
-          <a:prstGeom prst="rect">
-            <a:avLst/>
-          </a:prstGeom>
-          <a:noFill/>
-        </p:spPr>
-        <p:txBody>
-          <a:bodyPr wrap="square" rtlCol="0">
-            <a:spAutoFit/>
-          </a:bodyPr>
-          <a:lstStyle/>
-          <a:p>
-            <a:r>
-              <a:rPr lang="zh-CN" altLang="en-US" sz="4400" dirty="0"/>
-              <a:t>目录</a:t>
-            </a:r>
-          </a:p>
-        </p:txBody>
-      </p:sp>
-    </p:spTree>
-    <p:extLst>
-      <p:ext uri="{BB962C8B-B14F-4D97-AF65-F5344CB8AC3E}">
-        <p14:creationId xmlns:p14="http://schemas.microsoft.com/office/powerpoint/2010/main" val="911627650"/>
-      </p:ext>
-    </p:extLst>
-  </p:cSld>
-  <p:clrMapOvr>
-    <a:masterClrMapping/>
-  </p:clrMapOvr>
-  <p:transition spd="slow">
-    <p:wipe/>
-  </p:transition>
-  <p:timing>
-    <p:tnLst>
-      <p:par>
-        <p:cTn id="1" dur="indefinite" restart="never" nodeType="tmRoot"/>
-      </p:par>
-    </p:tnLst>
-  </p:timing>
-</p:sld>
-</file>
-
-<file path=ppt/slides/slide20.xml><?xml version="1.0" encoding="utf-8"?>
+<file path=ppt/slides/slide22.xml><?xml version="1.0" encoding="utf-8"?>
 <p:sld xmlns:a="http://schemas.openxmlformats.org/drawingml/2006/main" xmlns:r="http://schemas.openxmlformats.org/officeDocument/2006/relationships" xmlns:p="http://schemas.openxmlformats.org/presentationml/2006/main">
   <p:cSld>
     <p:spTree>

--- a/vue初探.pptx
+++ b/vue初探.pptx
@@ -5,7 +5,7 @@
     <p:sldMasterId id="2147483672" r:id="rId1"/>
   </p:sldMasterIdLst>
   <p:notesMasterIdLst>
-    <p:notesMasterId r:id="rId24"/>
+    <p:notesMasterId r:id="rId25"/>
   </p:notesMasterIdLst>
   <p:sldIdLst>
     <p:sldId id="256" r:id="rId2"/>
@@ -22,14 +22,15 @@
     <p:sldId id="271" r:id="rId13"/>
     <p:sldId id="272" r:id="rId14"/>
     <p:sldId id="269" r:id="rId15"/>
-    <p:sldId id="274" r:id="rId16"/>
-    <p:sldId id="275" r:id="rId17"/>
-    <p:sldId id="276" r:id="rId18"/>
+    <p:sldId id="276" r:id="rId16"/>
+    <p:sldId id="274" r:id="rId17"/>
+    <p:sldId id="275" r:id="rId18"/>
     <p:sldId id="265" r:id="rId19"/>
     <p:sldId id="270" r:id="rId20"/>
     <p:sldId id="277" r:id="rId21"/>
-    <p:sldId id="258" r:id="rId22"/>
-    <p:sldId id="259" r:id="rId23"/>
+    <p:sldId id="278" r:id="rId22"/>
+    <p:sldId id="258" r:id="rId23"/>
+    <p:sldId id="259" r:id="rId24"/>
   </p:sldIdLst>
   <p:sldSz cx="9144000" cy="6858000" type="screen4x3"/>
   <p:notesSz cx="6858000" cy="9144000"/>
@@ -213,7 +214,7 @@
           <a:p>
             <a:fld id="{140160B7-C42B-4AC9-86DA-E0EF3BA7FECE}" type="datetimeFigureOut">
               <a:rPr lang="zh-CN" altLang="en-US" smtClean="0"/>
-              <a:t>2019/12/26</a:t>
+              <a:t>2020/1/11</a:t>
             </a:fld>
             <a:endParaRPr lang="zh-CN" altLang="en-US"/>
           </a:p>
@@ -1071,7 +1072,7 @@
           <a:p>
             <a:fld id="{530820CF-B880-4189-942D-D702A7CBA730}" type="datetimeFigureOut">
               <a:rPr lang="zh-CN" altLang="en-US" smtClean="0"/>
-              <a:t>2019/12/26</a:t>
+              <a:t>2020/1/11</a:t>
             </a:fld>
             <a:endParaRPr lang="zh-CN" altLang="en-US"/>
           </a:p>
@@ -1283,7 +1284,7 @@
           <a:p>
             <a:fld id="{530820CF-B880-4189-942D-D702A7CBA730}" type="datetimeFigureOut">
               <a:rPr lang="zh-CN" altLang="en-US" smtClean="0"/>
-              <a:t>2019/12/26</a:t>
+              <a:t>2020/1/11</a:t>
             </a:fld>
             <a:endParaRPr lang="zh-CN" altLang="en-US"/>
           </a:p>
@@ -1470,7 +1471,7 @@
           <a:p>
             <a:fld id="{530820CF-B880-4189-942D-D702A7CBA730}" type="datetimeFigureOut">
               <a:rPr lang="zh-CN" altLang="en-US" smtClean="0"/>
-              <a:t>2019/12/26</a:t>
+              <a:t>2020/1/11</a:t>
             </a:fld>
             <a:endParaRPr lang="zh-CN" altLang="en-US"/>
           </a:p>
@@ -1567,7 +1568,7 @@
           <a:p>
             <a:fld id="{530820CF-B880-4189-942D-D702A7CBA730}" type="datetimeFigureOut">
               <a:rPr lang="zh-CN" altLang="en-US" smtClean="0"/>
-              <a:t>2019/12/26</a:t>
+              <a:t>2020/1/11</a:t>
             </a:fld>
             <a:endParaRPr lang="zh-CN" altLang="en-US"/>
           </a:p>
@@ -2163,7 +2164,7 @@
           <a:p>
             <a:fld id="{530820CF-B880-4189-942D-D702A7CBA730}" type="datetimeFigureOut">
               <a:rPr lang="zh-CN" altLang="en-US" smtClean="0"/>
-              <a:t>2019/12/26</a:t>
+              <a:t>2020/1/11</a:t>
             </a:fld>
             <a:endParaRPr lang="zh-CN" altLang="en-US"/>
           </a:p>
@@ -2260,7 +2261,7 @@
           <a:p>
             <a:fld id="{530820CF-B880-4189-942D-D702A7CBA730}" type="datetimeFigureOut">
               <a:rPr lang="zh-CN" altLang="en-US" smtClean="0"/>
-              <a:t>2019/12/26</a:t>
+              <a:t>2020/1/11</a:t>
             </a:fld>
             <a:endParaRPr lang="zh-CN" altLang="en-US"/>
           </a:p>
@@ -2865,7 +2866,7 @@
           <a:p>
             <a:fld id="{530820CF-B880-4189-942D-D702A7CBA730}" type="datetimeFigureOut">
               <a:rPr lang="zh-CN" altLang="en-US" smtClean="0"/>
-              <a:t>2019/12/26</a:t>
+              <a:t>2020/1/11</a:t>
             </a:fld>
             <a:endParaRPr lang="zh-CN" altLang="en-US"/>
           </a:p>
@@ -3008,7 +3009,7 @@
           <a:p>
             <a:fld id="{530820CF-B880-4189-942D-D702A7CBA730}" type="datetimeFigureOut">
               <a:rPr lang="zh-CN" altLang="en-US" smtClean="0"/>
-              <a:t>2019/12/26</a:t>
+              <a:t>2020/1/11</a:t>
             </a:fld>
             <a:endParaRPr lang="zh-CN" altLang="en-US"/>
           </a:p>
@@ -3105,7 +3106,7 @@
           <a:p>
             <a:fld id="{530820CF-B880-4189-942D-D702A7CBA730}" type="datetimeFigureOut">
               <a:rPr lang="zh-CN" altLang="en-US" smtClean="0"/>
-              <a:t>2019/12/26</a:t>
+              <a:t>2020/1/11</a:t>
             </a:fld>
             <a:endParaRPr lang="zh-CN" altLang="en-US"/>
           </a:p>
@@ -3389,7 +3390,7 @@
           <a:p>
             <a:fld id="{530820CF-B880-4189-942D-D702A7CBA730}" type="datetimeFigureOut">
               <a:rPr lang="zh-CN" altLang="en-US" smtClean="0"/>
-              <a:t>2019/12/26</a:t>
+              <a:t>2020/1/11</a:t>
             </a:fld>
             <a:endParaRPr lang="zh-CN" altLang="en-US"/>
           </a:p>
@@ -3911,7 +3912,7 @@
           <a:p>
             <a:fld id="{530820CF-B880-4189-942D-D702A7CBA730}" type="datetimeFigureOut">
               <a:rPr lang="zh-CN" altLang="en-US" smtClean="0"/>
-              <a:t>2019/12/26</a:t>
+              <a:t>2020/1/11</a:t>
             </a:fld>
             <a:endParaRPr lang="zh-CN" altLang="en-US"/>
           </a:p>
@@ -4431,7 +4432,7 @@
           <a:p>
             <a:fld id="{530820CF-B880-4189-942D-D702A7CBA730}" type="datetimeFigureOut">
               <a:rPr lang="zh-CN" altLang="en-US" smtClean="0"/>
-              <a:t>2019/12/26</a:t>
+              <a:t>2020/1/11</a:t>
             </a:fld>
             <a:endParaRPr lang="zh-CN" altLang="en-US"/>
           </a:p>
@@ -7149,7 +7150,14 @@
                 <a:latin typeface="楷体" pitchFamily="49" charset="-122"/>
                 <a:ea typeface="楷体" pitchFamily="49" charset="-122"/>
               </a:rPr>
-              <a:t>	</a:t>
+              <a:t> </a:t>
+            </a:r>
+            <a:r>
+              <a:rPr lang="zh-CN" altLang="en-US" sz="1200" dirty="0" smtClean="0">
+                <a:latin typeface="楷体" pitchFamily="49" charset="-122"/>
+                <a:ea typeface="楷体" pitchFamily="49" charset="-122"/>
+              </a:rPr>
+              <a:t>    </a:t>
             </a:r>
             <a:r>
               <a:rPr lang="en-US" altLang="zh-CN" sz="1200" dirty="0" smtClean="0">
@@ -7214,14 +7222,14 @@
                 <a:latin typeface="楷体" pitchFamily="49" charset="-122"/>
                 <a:ea typeface="楷体" pitchFamily="49" charset="-122"/>
               </a:rPr>
-              <a:t>	</a:t>
+              <a:t> </a:t>
             </a:r>
             <a:r>
               <a:rPr lang="en-US" altLang="zh-CN" sz="1200" dirty="0" smtClean="0">
                 <a:latin typeface="楷体" pitchFamily="49" charset="-122"/>
                 <a:ea typeface="楷体" pitchFamily="49" charset="-122"/>
               </a:rPr>
-              <a:t>&lt;</a:t>
+              <a:t>    &lt;</a:t>
             </a:r>
             <a:r>
               <a:rPr lang="en-US" altLang="zh-CN" sz="1200" dirty="0">
@@ -7293,14 +7301,14 @@
                 <a:latin typeface="楷体" pitchFamily="49" charset="-122"/>
                 <a:ea typeface="楷体" pitchFamily="49" charset="-122"/>
               </a:rPr>
-              <a:t>	</a:t>
+              <a:t> </a:t>
             </a:r>
             <a:r>
               <a:rPr lang="en-US" altLang="zh-CN" sz="1200" dirty="0" smtClean="0">
                 <a:latin typeface="楷体" pitchFamily="49" charset="-122"/>
                 <a:ea typeface="楷体" pitchFamily="49" charset="-122"/>
               </a:rPr>
-              <a:t>&lt;</a:t>
+              <a:t>    &lt;</a:t>
             </a:r>
             <a:r>
               <a:rPr lang="en-US" altLang="zh-CN" sz="1200" dirty="0">
@@ -7386,14 +7394,14 @@
                 <a:latin typeface="楷体" pitchFamily="49" charset="-122"/>
                 <a:ea typeface="楷体" pitchFamily="49" charset="-122"/>
               </a:rPr>
-              <a:t>	</a:t>
+              <a:t> </a:t>
             </a:r>
             <a:r>
               <a:rPr lang="en-US" altLang="zh-CN" sz="1200" dirty="0" smtClean="0">
                 <a:latin typeface="楷体" pitchFamily="49" charset="-122"/>
                 <a:ea typeface="楷体" pitchFamily="49" charset="-122"/>
               </a:rPr>
-              <a:t>&lt;</a:t>
+              <a:t>    &lt;</a:t>
             </a:r>
             <a:r>
               <a:rPr lang="en-US" altLang="zh-CN" sz="1200" dirty="0">
@@ -7578,14 +7586,21 @@
                 <a:latin typeface="楷体" pitchFamily="49" charset="-122"/>
                 <a:ea typeface="楷体" pitchFamily="49" charset="-122"/>
               </a:rPr>
-              <a:t>：提交事件不再重载页面		</a:t>
+              <a:t>：提交事件不再重载页面	</a:t>
+            </a:r>
+            <a:r>
+              <a:rPr lang="en-US" altLang="zh-CN" sz="1200" dirty="0" smtClean="0">
+                <a:latin typeface="楷体" pitchFamily="49" charset="-122"/>
+                <a:ea typeface="楷体" pitchFamily="49" charset="-122"/>
+              </a:rPr>
+              <a:t>.</a:t>
             </a:r>
             <a:r>
               <a:rPr lang="en-US" altLang="zh-CN" sz="1200" dirty="0">
                 <a:latin typeface="楷体" pitchFamily="49" charset="-122"/>
                 <a:ea typeface="楷体" pitchFamily="49" charset="-122"/>
               </a:rPr>
-              <a:t>.once:</a:t>
+              <a:t>once:</a:t>
             </a:r>
             <a:r>
               <a:rPr lang="zh-CN" altLang="en-US" sz="1200" dirty="0">
@@ -8012,7 +8027,7 @@
         <p:spPr>
           <a:xfrm>
             <a:off x="467544" y="343837"/>
-            <a:ext cx="3060195" cy="400110"/>
+            <a:ext cx="2282373" cy="400110"/>
           </a:xfrm>
           <a:prstGeom prst="rect">
             <a:avLst/>
@@ -8689,8 +8704,8 @@
         </p:nvSpPr>
         <p:spPr>
           <a:xfrm>
-            <a:off x="395536" y="404664"/>
-            <a:ext cx="2930436" cy="338554"/>
+            <a:off x="388853" y="312843"/>
+            <a:ext cx="2930436" cy="369332"/>
           </a:xfrm>
           <a:prstGeom prst="rect">
             <a:avLst/>
@@ -8704,11 +8719,18 @@
           <a:lstStyle/>
           <a:p>
             <a:r>
+              <a:rPr lang="en-US" altLang="zh-CN" dirty="0">
+                <a:latin typeface="楷体" pitchFamily="49" charset="-122"/>
+                <a:ea typeface="楷体" pitchFamily="49" charset="-122"/>
+              </a:rPr>
+              <a:t>·</a:t>
+            </a:r>
+            <a:r>
               <a:rPr lang="zh-CN" altLang="en-US" sz="1600" dirty="0" smtClean="0">
                 <a:latin typeface="楷体" pitchFamily="49" charset="-122"/>
                 <a:ea typeface="楷体" pitchFamily="49" charset="-122"/>
               </a:rPr>
-              <a:t>* 组件</a:t>
+              <a:t> 组件</a:t>
             </a:r>
             <a:r>
               <a:rPr lang="zh-CN" altLang="en-US" sz="1600" dirty="0">
@@ -10600,7 +10622,7 @@
         <p:spPr>
           <a:xfrm>
             <a:off x="521332" y="343837"/>
-            <a:ext cx="4175956" cy="384721"/>
+            <a:ext cx="4175956" cy="400110"/>
           </a:xfrm>
           <a:prstGeom prst="rect">
             <a:avLst/>
@@ -10614,27 +10636,27 @@
           <a:lstStyle/>
           <a:p>
             <a:r>
-              <a:rPr lang="zh-CN" altLang="en-US" sz="1900" dirty="0" smtClean="0">
+              <a:rPr lang="zh-CN" altLang="en-US" sz="2000" dirty="0" smtClean="0">
                 <a:latin typeface="楷体" pitchFamily="49" charset="-122"/>
                 <a:ea typeface="楷体" pitchFamily="49" charset="-122"/>
               </a:rPr>
               <a:t>* </a:t>
             </a:r>
             <a:r>
-              <a:rPr lang="zh-CN" altLang="en-US" sz="1900" dirty="0">
+              <a:rPr lang="zh-CN" altLang="en-US" sz="2000" dirty="0">
                 <a:latin typeface="楷体" pitchFamily="49" charset="-122"/>
                 <a:ea typeface="楷体" pitchFamily="49" charset="-122"/>
               </a:rPr>
               <a:t>响应式</a:t>
             </a:r>
             <a:r>
-              <a:rPr lang="zh-CN" altLang="en-US" sz="1900" dirty="0" smtClean="0">
+              <a:rPr lang="zh-CN" altLang="en-US" sz="2000" dirty="0" smtClean="0">
                 <a:latin typeface="楷体" pitchFamily="49" charset="-122"/>
                 <a:ea typeface="楷体" pitchFamily="49" charset="-122"/>
               </a:rPr>
               <a:t>原理</a:t>
             </a:r>
-            <a:endParaRPr lang="en-US" altLang="zh-CN" sz="1900" dirty="0">
+            <a:endParaRPr lang="en-US" altLang="zh-CN" sz="2000" dirty="0">
               <a:latin typeface="楷体" pitchFamily="49" charset="-122"/>
               <a:ea typeface="楷体" pitchFamily="49" charset="-122"/>
             </a:endParaRPr>
@@ -10904,6 +10926,1279 @@
 </file>
 
 <file path=ppt/slides/slide15.xml><?xml version="1.0" encoding="utf-8"?>
+<p:sld xmlns:a="http://schemas.openxmlformats.org/drawingml/2006/main" xmlns:r="http://schemas.openxmlformats.org/officeDocument/2006/relationships" xmlns:p="http://schemas.openxmlformats.org/presentationml/2006/main">
+  <p:cSld>
+    <p:spTree>
+      <p:nvGrpSpPr>
+        <p:cNvPr id="1" name=""/>
+        <p:cNvGrpSpPr/>
+        <p:nvPr/>
+      </p:nvGrpSpPr>
+      <p:grpSpPr>
+        <a:xfrm>
+          <a:off x="0" y="0"/>
+          <a:ext cx="0" cy="0"/>
+          <a:chOff x="0" y="0"/>
+          <a:chExt cx="0" cy="0"/>
+        </a:xfrm>
+      </p:grpSpPr>
+      <p:sp>
+        <p:nvSpPr>
+          <p:cNvPr id="4" name="TextBox 3"/>
+          <p:cNvSpPr txBox="1"/>
+          <p:nvPr/>
+        </p:nvSpPr>
+        <p:spPr>
+          <a:xfrm>
+            <a:off x="347033" y="391838"/>
+            <a:ext cx="4175956" cy="400110"/>
+          </a:xfrm>
+          <a:prstGeom prst="rect">
+            <a:avLst/>
+          </a:prstGeom>
+          <a:noFill/>
+        </p:spPr>
+        <p:txBody>
+          <a:bodyPr wrap="square" rtlCol="0">
+            <a:spAutoFit/>
+          </a:bodyPr>
+          <a:lstStyle/>
+          <a:p>
+            <a:r>
+              <a:rPr lang="zh-CN" altLang="en-US" sz="2000" dirty="0" smtClean="0">
+                <a:latin typeface="楷体" pitchFamily="49" charset="-122"/>
+                <a:ea typeface="楷体" pitchFamily="49" charset="-122"/>
+              </a:rPr>
+              <a:t>* 自定义指令</a:t>
+            </a:r>
+            <a:endParaRPr lang="en-US" altLang="zh-CN" sz="2000" dirty="0">
+              <a:latin typeface="楷体" pitchFamily="49" charset="-122"/>
+              <a:ea typeface="楷体" pitchFamily="49" charset="-122"/>
+            </a:endParaRPr>
+          </a:p>
+        </p:txBody>
+      </p:sp>
+      <p:pic>
+        <p:nvPicPr>
+          <p:cNvPr id="2051" name="Picture 3"/>
+          <p:cNvPicPr>
+            <a:picLocks noChangeAspect="1" noChangeArrowheads="1"/>
+          </p:cNvPicPr>
+          <p:nvPr/>
+        </p:nvPicPr>
+        <p:blipFill>
+          <a:blip r:embed="rId2">
+            <a:extLst>
+              <a:ext uri="{28A0092B-C50C-407E-A947-70E740481C1C}">
+                <a14:useLocalDpi xmlns:a14="http://schemas.microsoft.com/office/drawing/2010/main" val="0"/>
+              </a:ext>
+            </a:extLst>
+          </a:blip>
+          <a:srcRect/>
+          <a:stretch>
+            <a:fillRect/>
+          </a:stretch>
+        </p:blipFill>
+        <p:spPr bwMode="auto">
+          <a:xfrm>
+            <a:off x="4454543" y="1545498"/>
+            <a:ext cx="1512169" cy="980493"/>
+          </a:xfrm>
+          <a:prstGeom prst="rect">
+            <a:avLst/>
+          </a:prstGeom>
+          <a:noFill/>
+          <a:ln>
+            <a:noFill/>
+          </a:ln>
+          <a:effectLst/>
+          <a:extLst>
+            <a:ext uri="{909E8E84-426E-40DD-AFC4-6F175D3DCCD1}">
+              <a14:hiddenFill xmlns:a14="http://schemas.microsoft.com/office/drawing/2010/main">
+                <a:solidFill>
+                  <a:schemeClr val="accent1"/>
+                </a:solidFill>
+              </a14:hiddenFill>
+            </a:ext>
+            <a:ext uri="{91240B29-F687-4F45-9708-019B960494DF}">
+              <a14:hiddenLine xmlns:a14="http://schemas.microsoft.com/office/drawing/2010/main" w="9525">
+                <a:solidFill>
+                  <a:schemeClr val="tx1"/>
+                </a:solidFill>
+                <a:miter lim="800000"/>
+                <a:headEnd/>
+                <a:tailEnd/>
+              </a14:hiddenLine>
+            </a:ext>
+            <a:ext uri="{AF507438-7753-43E0-B8FC-AC1667EBCBE1}">
+              <a14:hiddenEffects xmlns:a14="http://schemas.microsoft.com/office/drawing/2010/main">
+                <a:effectLst>
+                  <a:outerShdw dist="35921" dir="2700000" algn="ctr" rotWithShape="0">
+                    <a:schemeClr val="bg2"/>
+                  </a:outerShdw>
+                </a:effectLst>
+              </a14:hiddenEffects>
+            </a:ext>
+          </a:extLst>
+        </p:spPr>
+      </p:pic>
+      <p:pic>
+        <p:nvPicPr>
+          <p:cNvPr id="2052" name="Picture 4"/>
+          <p:cNvPicPr>
+            <a:picLocks noChangeAspect="1" noChangeArrowheads="1"/>
+          </p:cNvPicPr>
+          <p:nvPr/>
+        </p:nvPicPr>
+        <p:blipFill>
+          <a:blip r:embed="rId3">
+            <a:extLst>
+              <a:ext uri="{28A0092B-C50C-407E-A947-70E740481C1C}">
+                <a14:useLocalDpi xmlns:a14="http://schemas.microsoft.com/office/drawing/2010/main" val="0"/>
+              </a:ext>
+            </a:extLst>
+          </a:blip>
+          <a:srcRect/>
+          <a:stretch>
+            <a:fillRect/>
+          </a:stretch>
+        </p:blipFill>
+        <p:spPr bwMode="auto">
+          <a:xfrm>
+            <a:off x="6660232" y="1794358"/>
+            <a:ext cx="1728192" cy="482774"/>
+          </a:xfrm>
+          <a:prstGeom prst="rect">
+            <a:avLst/>
+          </a:prstGeom>
+          <a:noFill/>
+          <a:ln>
+            <a:noFill/>
+          </a:ln>
+          <a:effectLst/>
+          <a:extLst>
+            <a:ext uri="{909E8E84-426E-40DD-AFC4-6F175D3DCCD1}">
+              <a14:hiddenFill xmlns:a14="http://schemas.microsoft.com/office/drawing/2010/main">
+                <a:solidFill>
+                  <a:schemeClr val="accent1"/>
+                </a:solidFill>
+              </a14:hiddenFill>
+            </a:ext>
+            <a:ext uri="{91240B29-F687-4F45-9708-019B960494DF}">
+              <a14:hiddenLine xmlns:a14="http://schemas.microsoft.com/office/drawing/2010/main" w="9525">
+                <a:solidFill>
+                  <a:schemeClr val="tx1"/>
+                </a:solidFill>
+                <a:miter lim="800000"/>
+                <a:headEnd/>
+                <a:tailEnd/>
+              </a14:hiddenLine>
+            </a:ext>
+            <a:ext uri="{AF507438-7753-43E0-B8FC-AC1667EBCBE1}">
+              <a14:hiddenEffects xmlns:a14="http://schemas.microsoft.com/office/drawing/2010/main">
+                <a:effectLst>
+                  <a:outerShdw dist="35921" dir="2700000" algn="ctr" rotWithShape="0">
+                    <a:schemeClr val="bg2"/>
+                  </a:outerShdw>
+                </a:effectLst>
+              </a14:hiddenEffects>
+            </a:ext>
+          </a:extLst>
+        </p:spPr>
+      </p:pic>
+      <p:pic>
+        <p:nvPicPr>
+          <p:cNvPr id="2053" name="Picture 5"/>
+          <p:cNvPicPr>
+            <a:picLocks noChangeAspect="1" noChangeArrowheads="1"/>
+          </p:cNvPicPr>
+          <p:nvPr/>
+        </p:nvPicPr>
+        <p:blipFill>
+          <a:blip r:embed="rId4">
+            <a:extLst>
+              <a:ext uri="{28A0092B-C50C-407E-A947-70E740481C1C}">
+                <a14:useLocalDpi xmlns:a14="http://schemas.microsoft.com/office/drawing/2010/main" val="0"/>
+              </a:ext>
+            </a:extLst>
+          </a:blip>
+          <a:srcRect/>
+          <a:stretch>
+            <a:fillRect/>
+          </a:stretch>
+        </p:blipFill>
+        <p:spPr bwMode="auto">
+          <a:xfrm>
+            <a:off x="683568" y="1329924"/>
+            <a:ext cx="2880320" cy="1411642"/>
+          </a:xfrm>
+          <a:prstGeom prst="rect">
+            <a:avLst/>
+          </a:prstGeom>
+          <a:noFill/>
+          <a:ln>
+            <a:noFill/>
+          </a:ln>
+          <a:effectLst/>
+          <a:extLst>
+            <a:ext uri="{909E8E84-426E-40DD-AFC4-6F175D3DCCD1}">
+              <a14:hiddenFill xmlns:a14="http://schemas.microsoft.com/office/drawing/2010/main">
+                <a:solidFill>
+                  <a:schemeClr val="accent1"/>
+                </a:solidFill>
+              </a14:hiddenFill>
+            </a:ext>
+            <a:ext uri="{91240B29-F687-4F45-9708-019B960494DF}">
+              <a14:hiddenLine xmlns:a14="http://schemas.microsoft.com/office/drawing/2010/main" w="9525">
+                <a:solidFill>
+                  <a:schemeClr val="tx1"/>
+                </a:solidFill>
+                <a:miter lim="800000"/>
+                <a:headEnd/>
+                <a:tailEnd/>
+              </a14:hiddenLine>
+            </a:ext>
+            <a:ext uri="{AF507438-7753-43E0-B8FC-AC1667EBCBE1}">
+              <a14:hiddenEffects xmlns:a14="http://schemas.microsoft.com/office/drawing/2010/main">
+                <a:effectLst>
+                  <a:outerShdw dist="35921" dir="2700000" algn="ctr" rotWithShape="0">
+                    <a:schemeClr val="bg2"/>
+                  </a:outerShdw>
+                </a:effectLst>
+              </a14:hiddenEffects>
+            </a:ext>
+          </a:extLst>
+        </p:spPr>
+      </p:pic>
+      <p:sp>
+        <p:nvSpPr>
+          <p:cNvPr id="9" name="TextBox 8"/>
+          <p:cNvSpPr txBox="1"/>
+          <p:nvPr/>
+        </p:nvSpPr>
+        <p:spPr>
+          <a:xfrm>
+            <a:off x="2935735" y="924953"/>
+            <a:ext cx="832616" cy="253916"/>
+          </a:xfrm>
+          <a:prstGeom prst="rect">
+            <a:avLst/>
+          </a:prstGeom>
+          <a:ln/>
+        </p:spPr>
+        <p:style>
+          <a:lnRef idx="2">
+            <a:schemeClr val="accent6"/>
+          </a:lnRef>
+          <a:fillRef idx="1">
+            <a:schemeClr val="lt1"/>
+          </a:fillRef>
+          <a:effectRef idx="0">
+            <a:schemeClr val="accent6"/>
+          </a:effectRef>
+          <a:fontRef idx="minor">
+            <a:schemeClr val="dk1"/>
+          </a:fontRef>
+        </p:style>
+        <p:txBody>
+          <a:bodyPr wrap="square" rtlCol="0">
+            <a:spAutoFit/>
+          </a:bodyPr>
+          <a:lstStyle/>
+          <a:p>
+            <a:pPr algn="ctr"/>
+            <a:r>
+              <a:rPr lang="zh-CN" altLang="en-US" sz="1050" dirty="0" smtClean="0">
+                <a:latin typeface="楷体" pitchFamily="49" charset="-122"/>
+                <a:ea typeface="楷体" pitchFamily="49" charset="-122"/>
+              </a:rPr>
+              <a:t>全局指令</a:t>
+            </a:r>
+            <a:endParaRPr lang="zh-CN" altLang="en-US" sz="1050" dirty="0">
+              <a:latin typeface="楷体" pitchFamily="49" charset="-122"/>
+              <a:ea typeface="楷体" pitchFamily="49" charset="-122"/>
+            </a:endParaRPr>
+          </a:p>
+        </p:txBody>
+      </p:sp>
+      <p:cxnSp>
+        <p:nvCxnSpPr>
+          <p:cNvPr id="10" name="直接箭头连接符 9"/>
+          <p:cNvCxnSpPr/>
+          <p:nvPr/>
+        </p:nvCxnSpPr>
+        <p:spPr>
+          <a:xfrm flipH="1">
+            <a:off x="2776043" y="1247907"/>
+            <a:ext cx="354829" cy="515343"/>
+          </a:xfrm>
+          <a:prstGeom prst="straightConnector1">
+            <a:avLst/>
+          </a:prstGeom>
+          <a:ln>
+            <a:tailEnd type="arrow"/>
+          </a:ln>
+        </p:spPr>
+        <p:style>
+          <a:lnRef idx="2">
+            <a:schemeClr val="accent6"/>
+          </a:lnRef>
+          <a:fillRef idx="0">
+            <a:schemeClr val="accent6"/>
+          </a:fillRef>
+          <a:effectRef idx="1">
+            <a:schemeClr val="accent6"/>
+          </a:effectRef>
+          <a:fontRef idx="minor">
+            <a:schemeClr val="tx1"/>
+          </a:fontRef>
+        </p:style>
+      </p:cxnSp>
+      <p:sp>
+        <p:nvSpPr>
+          <p:cNvPr id="11" name="TextBox 10"/>
+          <p:cNvSpPr txBox="1"/>
+          <p:nvPr/>
+        </p:nvSpPr>
+        <p:spPr>
+          <a:xfrm>
+            <a:off x="5724128" y="924953"/>
+            <a:ext cx="864096" cy="253916"/>
+          </a:xfrm>
+          <a:prstGeom prst="rect">
+            <a:avLst/>
+          </a:prstGeom>
+          <a:ln/>
+        </p:spPr>
+        <p:style>
+          <a:lnRef idx="2">
+            <a:schemeClr val="accent1"/>
+          </a:lnRef>
+          <a:fillRef idx="1">
+            <a:schemeClr val="lt1"/>
+          </a:fillRef>
+          <a:effectRef idx="0">
+            <a:schemeClr val="accent1"/>
+          </a:effectRef>
+          <a:fontRef idx="minor">
+            <a:schemeClr val="dk1"/>
+          </a:fontRef>
+        </p:style>
+        <p:txBody>
+          <a:bodyPr wrap="square" rtlCol="0">
+            <a:spAutoFit/>
+          </a:bodyPr>
+          <a:lstStyle/>
+          <a:p>
+            <a:pPr algn="ctr"/>
+            <a:r>
+              <a:rPr lang="zh-CN" altLang="en-US" sz="1050" dirty="0" smtClean="0">
+                <a:latin typeface="楷体" pitchFamily="49" charset="-122"/>
+                <a:ea typeface="楷体" pitchFamily="49" charset="-122"/>
+              </a:rPr>
+              <a:t>局部指令</a:t>
+            </a:r>
+            <a:endParaRPr lang="zh-CN" altLang="en-US" sz="1050" dirty="0">
+              <a:latin typeface="楷体" pitchFamily="49" charset="-122"/>
+              <a:ea typeface="楷体" pitchFamily="49" charset="-122"/>
+            </a:endParaRPr>
+          </a:p>
+        </p:txBody>
+      </p:sp>
+      <p:cxnSp>
+        <p:nvCxnSpPr>
+          <p:cNvPr id="12" name="直接箭头连接符 11"/>
+          <p:cNvCxnSpPr/>
+          <p:nvPr/>
+        </p:nvCxnSpPr>
+        <p:spPr>
+          <a:xfrm flipH="1">
+            <a:off x="5724128" y="1249592"/>
+            <a:ext cx="405624" cy="513658"/>
+          </a:xfrm>
+          <a:prstGeom prst="straightConnector1">
+            <a:avLst/>
+          </a:prstGeom>
+          <a:ln>
+            <a:tailEnd type="arrow"/>
+          </a:ln>
+        </p:spPr>
+        <p:style>
+          <a:lnRef idx="2">
+            <a:schemeClr val="accent1"/>
+          </a:lnRef>
+          <a:fillRef idx="0">
+            <a:schemeClr val="accent1"/>
+          </a:fillRef>
+          <a:effectRef idx="1">
+            <a:schemeClr val="accent1"/>
+          </a:effectRef>
+          <a:fontRef idx="minor">
+            <a:schemeClr val="tx1"/>
+          </a:fontRef>
+        </p:style>
+      </p:cxnSp>
+      <p:sp>
+        <p:nvSpPr>
+          <p:cNvPr id="7" name="TextBox 6"/>
+          <p:cNvSpPr txBox="1"/>
+          <p:nvPr/>
+        </p:nvSpPr>
+        <p:spPr>
+          <a:xfrm>
+            <a:off x="539552" y="3212976"/>
+            <a:ext cx="8352928" cy="1461939"/>
+          </a:xfrm>
+          <a:prstGeom prst="rect">
+            <a:avLst/>
+          </a:prstGeom>
+          <a:noFill/>
+        </p:spPr>
+        <p:txBody>
+          <a:bodyPr wrap="square" rtlCol="0">
+            <a:spAutoFit/>
+          </a:bodyPr>
+          <a:lstStyle/>
+          <a:p>
+            <a:r>
+              <a:rPr lang="zh-CN" altLang="en-US" sz="1200" dirty="0" smtClean="0">
+                <a:latin typeface="楷体" pitchFamily="49" charset="-122"/>
+                <a:ea typeface="楷体" pitchFamily="49" charset="-122"/>
+              </a:rPr>
+              <a:t>钩子</a:t>
+            </a:r>
+            <a:r>
+              <a:rPr lang="zh-CN" altLang="en-US" sz="1200" dirty="0">
+                <a:latin typeface="楷体" pitchFamily="49" charset="-122"/>
+                <a:ea typeface="楷体" pitchFamily="49" charset="-122"/>
+              </a:rPr>
+              <a:t>函数</a:t>
+            </a:r>
+            <a:r>
+              <a:rPr lang="en-US" altLang="zh-CN" sz="1200" dirty="0">
+                <a:latin typeface="楷体" pitchFamily="49" charset="-122"/>
+                <a:ea typeface="楷体" pitchFamily="49" charset="-122"/>
+              </a:rPr>
+              <a:t>: </a:t>
+            </a:r>
+            <a:r>
+              <a:rPr lang="zh-CN" altLang="en-US" sz="1200" dirty="0">
+                <a:latin typeface="楷体" pitchFamily="49" charset="-122"/>
+                <a:ea typeface="楷体" pitchFamily="49" charset="-122"/>
+              </a:rPr>
+              <a:t>一个指令定义对象可以提供如下几个钩子函数 </a:t>
+            </a:r>
+            <a:r>
+              <a:rPr lang="en-US" altLang="zh-CN" sz="1200" dirty="0">
+                <a:latin typeface="楷体" pitchFamily="49" charset="-122"/>
+                <a:ea typeface="楷体" pitchFamily="49" charset="-122"/>
+              </a:rPr>
+              <a:t>(</a:t>
+            </a:r>
+            <a:r>
+              <a:rPr lang="zh-CN" altLang="en-US" sz="1200" dirty="0">
+                <a:latin typeface="楷体" pitchFamily="49" charset="-122"/>
+                <a:ea typeface="楷体" pitchFamily="49" charset="-122"/>
+              </a:rPr>
+              <a:t>均为可选</a:t>
+            </a:r>
+            <a:r>
+              <a:rPr lang="en-US" altLang="zh-CN" sz="1200" dirty="0">
+                <a:latin typeface="楷体" pitchFamily="49" charset="-122"/>
+                <a:ea typeface="楷体" pitchFamily="49" charset="-122"/>
+              </a:rPr>
+              <a:t>)</a:t>
+            </a:r>
+            <a:r>
+              <a:rPr lang="zh-CN" altLang="en-US" sz="1200" dirty="0">
+                <a:latin typeface="楷体" pitchFamily="49" charset="-122"/>
+                <a:ea typeface="楷体" pitchFamily="49" charset="-122"/>
+              </a:rPr>
+              <a:t>：</a:t>
+            </a:r>
+          </a:p>
+          <a:p>
+            <a:r>
+              <a:rPr lang="en-US" altLang="zh-CN" sz="1100" i="1" dirty="0">
+                <a:latin typeface="楷体" pitchFamily="49" charset="-122"/>
+                <a:ea typeface="楷体" pitchFamily="49" charset="-122"/>
+              </a:rPr>
+              <a:t> </a:t>
+            </a:r>
+            <a:r>
+              <a:rPr lang="en-US" altLang="zh-CN" sz="1100" i="1" dirty="0" smtClean="0">
+                <a:latin typeface="楷体" pitchFamily="49" charset="-122"/>
+                <a:ea typeface="楷体" pitchFamily="49" charset="-122"/>
+              </a:rPr>
+              <a:t> </a:t>
+            </a:r>
+            <a:r>
+              <a:rPr lang="en-US" altLang="zh-CN" sz="1100" dirty="0" smtClean="0">
+                <a:latin typeface="楷体" pitchFamily="49" charset="-122"/>
+                <a:ea typeface="楷体" pitchFamily="49" charset="-122"/>
+              </a:rPr>
+              <a:t>inserted</a:t>
+            </a:r>
+            <a:r>
+              <a:rPr lang="zh-CN" altLang="en-US" sz="1100" dirty="0">
+                <a:latin typeface="楷体" pitchFamily="49" charset="-122"/>
+                <a:ea typeface="楷体" pitchFamily="49" charset="-122"/>
+              </a:rPr>
+              <a:t>：被绑定元素插入父节点时调用 </a:t>
+            </a:r>
+            <a:r>
+              <a:rPr lang="en-US" altLang="zh-CN" sz="1100" dirty="0">
+                <a:latin typeface="楷体" pitchFamily="49" charset="-122"/>
+                <a:ea typeface="楷体" pitchFamily="49" charset="-122"/>
+              </a:rPr>
+              <a:t>(</a:t>
+            </a:r>
+            <a:r>
+              <a:rPr lang="zh-CN" altLang="en-US" sz="1100" dirty="0">
+                <a:latin typeface="楷体" pitchFamily="49" charset="-122"/>
+                <a:ea typeface="楷体" pitchFamily="49" charset="-122"/>
+              </a:rPr>
+              <a:t>仅保证父节点存在，但不一定已被插入文档中</a:t>
+            </a:r>
+            <a:r>
+              <a:rPr lang="en-US" altLang="zh-CN" sz="1100" dirty="0">
+                <a:latin typeface="楷体" pitchFamily="49" charset="-122"/>
+                <a:ea typeface="楷体" pitchFamily="49" charset="-122"/>
+              </a:rPr>
+              <a:t>)</a:t>
+            </a:r>
+            <a:r>
+              <a:rPr lang="zh-CN" altLang="en-US" sz="1100" dirty="0">
+                <a:latin typeface="楷体" pitchFamily="49" charset="-122"/>
+                <a:ea typeface="楷体" pitchFamily="49" charset="-122"/>
+              </a:rPr>
+              <a:t>。</a:t>
+            </a:r>
+          </a:p>
+          <a:p>
+            <a:r>
+              <a:rPr lang="en-US" altLang="zh-CN" sz="1100" dirty="0" smtClean="0">
+                <a:latin typeface="楷体" pitchFamily="49" charset="-122"/>
+                <a:ea typeface="楷体" pitchFamily="49" charset="-122"/>
+              </a:rPr>
+              <a:t>  bind</a:t>
+            </a:r>
+            <a:r>
+              <a:rPr lang="zh-CN" altLang="en-US" sz="1100" dirty="0">
+                <a:latin typeface="楷体" pitchFamily="49" charset="-122"/>
+                <a:ea typeface="楷体" pitchFamily="49" charset="-122"/>
+              </a:rPr>
+              <a:t>：只调用一次，指令第一次绑定到元素时调用。在这里可以进行一次性的初始化设置。</a:t>
+            </a:r>
+          </a:p>
+          <a:p>
+            <a:r>
+              <a:rPr lang="en-US" altLang="zh-CN" sz="1100" dirty="0" smtClean="0">
+                <a:latin typeface="楷体" pitchFamily="49" charset="-122"/>
+                <a:ea typeface="楷体" pitchFamily="49" charset="-122"/>
+              </a:rPr>
+              <a:t>  update</a:t>
+            </a:r>
+            <a:r>
+              <a:rPr lang="zh-CN" altLang="en-US" sz="1100" dirty="0">
+                <a:latin typeface="楷体" pitchFamily="49" charset="-122"/>
+                <a:ea typeface="楷体" pitchFamily="49" charset="-122"/>
+              </a:rPr>
+              <a:t>：所在组件的 </a:t>
+            </a:r>
+            <a:r>
+              <a:rPr lang="en-US" altLang="zh-CN" sz="1100" dirty="0" err="1">
+                <a:latin typeface="楷体" pitchFamily="49" charset="-122"/>
+                <a:ea typeface="楷体" pitchFamily="49" charset="-122"/>
+              </a:rPr>
+              <a:t>VNode</a:t>
+            </a:r>
+            <a:r>
+              <a:rPr lang="en-US" altLang="zh-CN" sz="1100" dirty="0">
+                <a:latin typeface="楷体" pitchFamily="49" charset="-122"/>
+                <a:ea typeface="楷体" pitchFamily="49" charset="-122"/>
+              </a:rPr>
+              <a:t> </a:t>
+            </a:r>
+            <a:r>
+              <a:rPr lang="zh-CN" altLang="en-US" sz="1100" dirty="0">
+                <a:latin typeface="楷体" pitchFamily="49" charset="-122"/>
+                <a:ea typeface="楷体" pitchFamily="49" charset="-122"/>
+              </a:rPr>
+              <a:t>更新时调用，但是可能发生在其子 </a:t>
+            </a:r>
+            <a:r>
+              <a:rPr lang="en-US" altLang="zh-CN" sz="1100" dirty="0" err="1">
+                <a:latin typeface="楷体" pitchFamily="49" charset="-122"/>
+                <a:ea typeface="楷体" pitchFamily="49" charset="-122"/>
+              </a:rPr>
+              <a:t>VNode</a:t>
+            </a:r>
+            <a:r>
+              <a:rPr lang="en-US" altLang="zh-CN" sz="1100" dirty="0">
+                <a:latin typeface="楷体" pitchFamily="49" charset="-122"/>
+                <a:ea typeface="楷体" pitchFamily="49" charset="-122"/>
+              </a:rPr>
+              <a:t> </a:t>
+            </a:r>
+            <a:r>
+              <a:rPr lang="zh-CN" altLang="en-US" sz="1100" dirty="0">
+                <a:latin typeface="楷体" pitchFamily="49" charset="-122"/>
+                <a:ea typeface="楷体" pitchFamily="49" charset="-122"/>
+              </a:rPr>
+              <a:t>更新之前。指令的值可能发生了改变，也可能没有。但是你可以通过比较更新前后的值来忽略不必要的模板更新。</a:t>
+            </a:r>
+          </a:p>
+          <a:p>
+            <a:r>
+              <a:rPr lang="en-US" altLang="zh-CN" sz="1100" dirty="0" smtClean="0">
+                <a:latin typeface="楷体" pitchFamily="49" charset="-122"/>
+                <a:ea typeface="楷体" pitchFamily="49" charset="-122"/>
+              </a:rPr>
+              <a:t>  </a:t>
+            </a:r>
+            <a:r>
+              <a:rPr lang="en-US" altLang="zh-CN" sz="1100" dirty="0" err="1" smtClean="0">
+                <a:latin typeface="楷体" pitchFamily="49" charset="-122"/>
+                <a:ea typeface="楷体" pitchFamily="49" charset="-122"/>
+              </a:rPr>
+              <a:t>componentUpdated</a:t>
+            </a:r>
+            <a:r>
+              <a:rPr lang="zh-CN" altLang="en-US" sz="1100" dirty="0">
+                <a:latin typeface="楷体" pitchFamily="49" charset="-122"/>
+                <a:ea typeface="楷体" pitchFamily="49" charset="-122"/>
+              </a:rPr>
+              <a:t>：指令所在组件的 </a:t>
+            </a:r>
+            <a:r>
+              <a:rPr lang="en-US" altLang="zh-CN" sz="1100" dirty="0" err="1">
+                <a:latin typeface="楷体" pitchFamily="49" charset="-122"/>
+                <a:ea typeface="楷体" pitchFamily="49" charset="-122"/>
+              </a:rPr>
+              <a:t>VNode</a:t>
+            </a:r>
+            <a:r>
+              <a:rPr lang="en-US" altLang="zh-CN" sz="1100" dirty="0">
+                <a:latin typeface="楷体" pitchFamily="49" charset="-122"/>
+                <a:ea typeface="楷体" pitchFamily="49" charset="-122"/>
+              </a:rPr>
+              <a:t> </a:t>
+            </a:r>
+            <a:r>
+              <a:rPr lang="zh-CN" altLang="en-US" sz="1100" dirty="0">
+                <a:latin typeface="楷体" pitchFamily="49" charset="-122"/>
+                <a:ea typeface="楷体" pitchFamily="49" charset="-122"/>
+              </a:rPr>
+              <a:t>及其子 </a:t>
+            </a:r>
+            <a:r>
+              <a:rPr lang="en-US" altLang="zh-CN" sz="1100" dirty="0" err="1">
+                <a:latin typeface="楷体" pitchFamily="49" charset="-122"/>
+                <a:ea typeface="楷体" pitchFamily="49" charset="-122"/>
+              </a:rPr>
+              <a:t>VNode</a:t>
+            </a:r>
+            <a:r>
+              <a:rPr lang="en-US" altLang="zh-CN" sz="1100" dirty="0">
+                <a:latin typeface="楷体" pitchFamily="49" charset="-122"/>
+                <a:ea typeface="楷体" pitchFamily="49" charset="-122"/>
+              </a:rPr>
+              <a:t> </a:t>
+            </a:r>
+            <a:r>
+              <a:rPr lang="zh-CN" altLang="en-US" sz="1100" dirty="0">
+                <a:latin typeface="楷体" pitchFamily="49" charset="-122"/>
+                <a:ea typeface="楷体" pitchFamily="49" charset="-122"/>
+              </a:rPr>
+              <a:t>全部更新后调用。</a:t>
+            </a:r>
+          </a:p>
+          <a:p>
+            <a:r>
+              <a:rPr lang="en-US" altLang="zh-CN" sz="1100" dirty="0" smtClean="0">
+                <a:latin typeface="楷体" pitchFamily="49" charset="-122"/>
+                <a:ea typeface="楷体" pitchFamily="49" charset="-122"/>
+              </a:rPr>
+              <a:t>  unbind</a:t>
+            </a:r>
+            <a:r>
+              <a:rPr lang="zh-CN" altLang="en-US" sz="1100" dirty="0">
+                <a:latin typeface="楷体" pitchFamily="49" charset="-122"/>
+                <a:ea typeface="楷体" pitchFamily="49" charset="-122"/>
+              </a:rPr>
+              <a:t>：只调用一次，指令与元素解绑时调用。</a:t>
+            </a:r>
+          </a:p>
+          <a:p>
+            <a:endParaRPr lang="zh-CN" altLang="en-US" sz="1100" i="1" dirty="0">
+              <a:latin typeface="楷体" pitchFamily="49" charset="-122"/>
+              <a:ea typeface="楷体" pitchFamily="49" charset="-122"/>
+            </a:endParaRPr>
+          </a:p>
+        </p:txBody>
+      </p:sp>
+      <p:sp>
+        <p:nvSpPr>
+          <p:cNvPr id="16" name="TextBox 15"/>
+          <p:cNvSpPr txBox="1"/>
+          <p:nvPr/>
+        </p:nvSpPr>
+        <p:spPr>
+          <a:xfrm>
+            <a:off x="539552" y="4664900"/>
+            <a:ext cx="8352928" cy="2139047"/>
+          </a:xfrm>
+          <a:prstGeom prst="rect">
+            <a:avLst/>
+          </a:prstGeom>
+          <a:noFill/>
+        </p:spPr>
+        <p:txBody>
+          <a:bodyPr wrap="square" rtlCol="0">
+            <a:spAutoFit/>
+          </a:bodyPr>
+          <a:lstStyle/>
+          <a:p>
+            <a:r>
+              <a:rPr lang="zh-CN" altLang="en-US" sz="1200" dirty="0">
+                <a:latin typeface="楷体" pitchFamily="49" charset="-122"/>
+                <a:ea typeface="楷体" pitchFamily="49" charset="-122"/>
+              </a:rPr>
+              <a:t>指令钩子函数会被传入以下</a:t>
+            </a:r>
+            <a:r>
+              <a:rPr lang="zh-CN" altLang="en-US" sz="1200" dirty="0" smtClean="0">
+                <a:latin typeface="楷体" pitchFamily="49" charset="-122"/>
+                <a:ea typeface="楷体" pitchFamily="49" charset="-122"/>
+              </a:rPr>
+              <a:t>参数</a:t>
+            </a:r>
+            <a:r>
+              <a:rPr lang="zh-CN" altLang="en-US" sz="1200" dirty="0">
+                <a:latin typeface="楷体" pitchFamily="49" charset="-122"/>
+                <a:ea typeface="楷体" pitchFamily="49" charset="-122"/>
+              </a:rPr>
+              <a:t>：</a:t>
+            </a:r>
+            <a:endParaRPr lang="zh-CN" altLang="en-US" sz="1200" dirty="0"/>
+          </a:p>
+          <a:p>
+            <a:r>
+              <a:rPr lang="en-US" altLang="zh-CN" sz="1100" i="1" dirty="0" smtClean="0">
+                <a:latin typeface="楷体" pitchFamily="49" charset="-122"/>
+                <a:ea typeface="楷体" pitchFamily="49" charset="-122"/>
+              </a:rPr>
+              <a:t>  </a:t>
+            </a:r>
+            <a:r>
+              <a:rPr lang="en-US" altLang="zh-CN" sz="1100" dirty="0">
+                <a:latin typeface="楷体" pitchFamily="49" charset="-122"/>
+                <a:ea typeface="楷体" pitchFamily="49" charset="-122"/>
+              </a:rPr>
+              <a:t>el</a:t>
+            </a:r>
+            <a:r>
+              <a:rPr lang="zh-CN" altLang="en-US" sz="1100" dirty="0">
+                <a:latin typeface="楷体" pitchFamily="49" charset="-122"/>
+                <a:ea typeface="楷体" pitchFamily="49" charset="-122"/>
+              </a:rPr>
+              <a:t>：指令所绑定的元素，可以用来直接操作 </a:t>
+            </a:r>
+            <a:r>
+              <a:rPr lang="en-US" altLang="zh-CN" sz="1100" dirty="0">
+                <a:latin typeface="楷体" pitchFamily="49" charset="-122"/>
+                <a:ea typeface="楷体" pitchFamily="49" charset="-122"/>
+              </a:rPr>
+              <a:t>DOM </a:t>
+            </a:r>
+            <a:r>
+              <a:rPr lang="zh-CN" altLang="en-US" sz="1100" dirty="0">
+                <a:latin typeface="楷体" pitchFamily="49" charset="-122"/>
+                <a:ea typeface="楷体" pitchFamily="49" charset="-122"/>
+              </a:rPr>
+              <a:t>。</a:t>
+            </a:r>
+            <a:endParaRPr lang="en-US" altLang="zh-CN" sz="1100" dirty="0">
+              <a:latin typeface="楷体" pitchFamily="49" charset="-122"/>
+              <a:ea typeface="楷体" pitchFamily="49" charset="-122"/>
+            </a:endParaRPr>
+          </a:p>
+          <a:p>
+            <a:r>
+              <a:rPr lang="en-US" altLang="zh-CN" sz="1100" dirty="0" smtClean="0">
+                <a:latin typeface="楷体" pitchFamily="49" charset="-122"/>
+                <a:ea typeface="楷体" pitchFamily="49" charset="-122"/>
+              </a:rPr>
+              <a:t>  </a:t>
+            </a:r>
+            <a:r>
+              <a:rPr lang="en-US" altLang="zh-CN" sz="1100" dirty="0">
+                <a:latin typeface="楷体" pitchFamily="49" charset="-122"/>
+                <a:ea typeface="楷体" pitchFamily="49" charset="-122"/>
+              </a:rPr>
+              <a:t>binding</a:t>
+            </a:r>
+            <a:r>
+              <a:rPr lang="zh-CN" altLang="en-US" sz="1100" dirty="0">
+                <a:latin typeface="楷体" pitchFamily="49" charset="-122"/>
+                <a:ea typeface="楷体" pitchFamily="49" charset="-122"/>
+              </a:rPr>
+              <a:t>：一个对象，包含以下属性：</a:t>
+            </a:r>
+          </a:p>
+          <a:p>
+            <a:r>
+              <a:rPr lang="en-US" altLang="zh-CN" sz="1100" dirty="0" smtClean="0">
+                <a:latin typeface="楷体" pitchFamily="49" charset="-122"/>
+                <a:ea typeface="楷体" pitchFamily="49" charset="-122"/>
+              </a:rPr>
+              <a:t>    </a:t>
+            </a:r>
+            <a:r>
+              <a:rPr lang="en-US" altLang="zh-CN" sz="1100" dirty="0">
+                <a:latin typeface="楷体" pitchFamily="49" charset="-122"/>
+                <a:ea typeface="楷体" pitchFamily="49" charset="-122"/>
+              </a:rPr>
+              <a:t> </a:t>
+            </a:r>
+            <a:r>
+              <a:rPr lang="en-US" altLang="zh-CN" sz="1100" dirty="0" smtClean="0">
+                <a:latin typeface="楷体" pitchFamily="49" charset="-122"/>
+                <a:ea typeface="楷体" pitchFamily="49" charset="-122"/>
+              </a:rPr>
+              <a:t>name</a:t>
+            </a:r>
+            <a:r>
+              <a:rPr lang="zh-CN" altLang="en-US" sz="1100" dirty="0">
+                <a:latin typeface="楷体" pitchFamily="49" charset="-122"/>
+                <a:ea typeface="楷体" pitchFamily="49" charset="-122"/>
+              </a:rPr>
+              <a:t>：指令名，不包括 </a:t>
+            </a:r>
+            <a:r>
+              <a:rPr lang="en-US" altLang="zh-CN" sz="1100" dirty="0">
+                <a:latin typeface="楷体" pitchFamily="49" charset="-122"/>
+                <a:ea typeface="楷体" pitchFamily="49" charset="-122"/>
+              </a:rPr>
+              <a:t>v- </a:t>
+            </a:r>
+            <a:r>
+              <a:rPr lang="zh-CN" altLang="en-US" sz="1100" dirty="0">
+                <a:latin typeface="楷体" pitchFamily="49" charset="-122"/>
+                <a:ea typeface="楷体" pitchFamily="49" charset="-122"/>
+              </a:rPr>
+              <a:t>前缀。</a:t>
+            </a:r>
+          </a:p>
+          <a:p>
+            <a:r>
+              <a:rPr lang="en-US" altLang="zh-CN" sz="1100" dirty="0" smtClean="0">
+                <a:latin typeface="楷体" pitchFamily="49" charset="-122"/>
+                <a:ea typeface="楷体" pitchFamily="49" charset="-122"/>
+              </a:rPr>
+              <a:t>     value</a:t>
+            </a:r>
+            <a:r>
+              <a:rPr lang="zh-CN" altLang="en-US" sz="1100" dirty="0">
+                <a:latin typeface="楷体" pitchFamily="49" charset="-122"/>
+                <a:ea typeface="楷体" pitchFamily="49" charset="-122"/>
+              </a:rPr>
+              <a:t>：指令的绑定值，例如：</a:t>
+            </a:r>
+            <a:r>
+              <a:rPr lang="en-US" altLang="zh-CN" sz="1100" dirty="0">
+                <a:latin typeface="楷体" pitchFamily="49" charset="-122"/>
+                <a:ea typeface="楷体" pitchFamily="49" charset="-122"/>
+              </a:rPr>
+              <a:t>v-my-directive=“1 + 1” </a:t>
+            </a:r>
+            <a:r>
+              <a:rPr lang="zh-CN" altLang="en-US" sz="1100" dirty="0">
+                <a:latin typeface="楷体" pitchFamily="49" charset="-122"/>
+                <a:ea typeface="楷体" pitchFamily="49" charset="-122"/>
+              </a:rPr>
+              <a:t>中，绑定值为 </a:t>
+            </a:r>
+            <a:r>
+              <a:rPr lang="en-US" altLang="zh-CN" sz="1100" dirty="0">
+                <a:latin typeface="楷体" pitchFamily="49" charset="-122"/>
+                <a:ea typeface="楷体" pitchFamily="49" charset="-122"/>
+              </a:rPr>
+              <a:t>2</a:t>
+            </a:r>
+            <a:r>
+              <a:rPr lang="zh-CN" altLang="en-US" sz="1100" dirty="0">
+                <a:latin typeface="楷体" pitchFamily="49" charset="-122"/>
+                <a:ea typeface="楷体" pitchFamily="49" charset="-122"/>
+              </a:rPr>
+              <a:t>。</a:t>
+            </a:r>
+          </a:p>
+          <a:p>
+            <a:r>
+              <a:rPr lang="en-US" altLang="zh-CN" sz="1100" dirty="0" smtClean="0">
+                <a:latin typeface="楷体" pitchFamily="49" charset="-122"/>
+                <a:ea typeface="楷体" pitchFamily="49" charset="-122"/>
+              </a:rPr>
+              <a:t>     </a:t>
+            </a:r>
+            <a:r>
+              <a:rPr lang="en-US" altLang="zh-CN" sz="1100" dirty="0" err="1" smtClean="0">
+                <a:latin typeface="楷体" pitchFamily="49" charset="-122"/>
+                <a:ea typeface="楷体" pitchFamily="49" charset="-122"/>
+              </a:rPr>
+              <a:t>oldValue</a:t>
+            </a:r>
+            <a:r>
+              <a:rPr lang="zh-CN" altLang="en-US" sz="1100" dirty="0">
+                <a:latin typeface="楷体" pitchFamily="49" charset="-122"/>
+                <a:ea typeface="楷体" pitchFamily="49" charset="-122"/>
+              </a:rPr>
+              <a:t>：指令绑定的前一个值，仅在 </a:t>
+            </a:r>
+            <a:r>
+              <a:rPr lang="en-US" altLang="zh-CN" sz="1100" dirty="0">
+                <a:latin typeface="楷体" pitchFamily="49" charset="-122"/>
+                <a:ea typeface="楷体" pitchFamily="49" charset="-122"/>
+              </a:rPr>
+              <a:t>update </a:t>
+            </a:r>
+            <a:r>
+              <a:rPr lang="zh-CN" altLang="en-US" sz="1100" dirty="0">
+                <a:latin typeface="楷体" pitchFamily="49" charset="-122"/>
+                <a:ea typeface="楷体" pitchFamily="49" charset="-122"/>
+              </a:rPr>
+              <a:t>和 </a:t>
+            </a:r>
+            <a:r>
+              <a:rPr lang="en-US" altLang="zh-CN" sz="1100" dirty="0" err="1">
+                <a:latin typeface="楷体" pitchFamily="49" charset="-122"/>
+                <a:ea typeface="楷体" pitchFamily="49" charset="-122"/>
+              </a:rPr>
+              <a:t>componentUpdated</a:t>
+            </a:r>
+            <a:r>
+              <a:rPr lang="en-US" altLang="zh-CN" sz="1100" dirty="0">
+                <a:latin typeface="楷体" pitchFamily="49" charset="-122"/>
+                <a:ea typeface="楷体" pitchFamily="49" charset="-122"/>
+              </a:rPr>
+              <a:t> </a:t>
+            </a:r>
+            <a:r>
+              <a:rPr lang="zh-CN" altLang="en-US" sz="1100" dirty="0">
+                <a:latin typeface="楷体" pitchFamily="49" charset="-122"/>
+                <a:ea typeface="楷体" pitchFamily="49" charset="-122"/>
+              </a:rPr>
+              <a:t>钩子中可用。无论值是否改变都可用。</a:t>
+            </a:r>
+          </a:p>
+          <a:p>
+            <a:r>
+              <a:rPr lang="en-US" altLang="zh-CN" sz="1100" dirty="0" smtClean="0">
+                <a:latin typeface="楷体" pitchFamily="49" charset="-122"/>
+                <a:ea typeface="楷体" pitchFamily="49" charset="-122"/>
+              </a:rPr>
+              <a:t>     expression</a:t>
+            </a:r>
+            <a:r>
+              <a:rPr lang="zh-CN" altLang="en-US" sz="1100" dirty="0">
+                <a:latin typeface="楷体" pitchFamily="49" charset="-122"/>
+                <a:ea typeface="楷体" pitchFamily="49" charset="-122"/>
+              </a:rPr>
+              <a:t>：字符串形式的指令表达式。例如 </a:t>
+            </a:r>
+            <a:r>
+              <a:rPr lang="en-US" altLang="zh-CN" sz="1100" dirty="0">
+                <a:latin typeface="楷体" pitchFamily="49" charset="-122"/>
+                <a:ea typeface="楷体" pitchFamily="49" charset="-122"/>
+              </a:rPr>
+              <a:t>v-my-directive=“1 + 1” </a:t>
+            </a:r>
+            <a:r>
+              <a:rPr lang="zh-CN" altLang="en-US" sz="1100" dirty="0">
+                <a:latin typeface="楷体" pitchFamily="49" charset="-122"/>
+                <a:ea typeface="楷体" pitchFamily="49" charset="-122"/>
+              </a:rPr>
+              <a:t>中，表达式为 “</a:t>
+            </a:r>
+            <a:r>
+              <a:rPr lang="en-US" altLang="zh-CN" sz="1100" dirty="0">
+                <a:latin typeface="楷体" pitchFamily="49" charset="-122"/>
+                <a:ea typeface="楷体" pitchFamily="49" charset="-122"/>
+              </a:rPr>
+              <a:t>1 + 1”</a:t>
+            </a:r>
+            <a:r>
+              <a:rPr lang="zh-CN" altLang="en-US" sz="1100" dirty="0">
+                <a:latin typeface="楷体" pitchFamily="49" charset="-122"/>
+                <a:ea typeface="楷体" pitchFamily="49" charset="-122"/>
+              </a:rPr>
+              <a:t>。</a:t>
+            </a:r>
+          </a:p>
+          <a:p>
+            <a:r>
+              <a:rPr lang="en-US" altLang="zh-CN" sz="1100" dirty="0" smtClean="0">
+                <a:latin typeface="楷体" pitchFamily="49" charset="-122"/>
+                <a:ea typeface="楷体" pitchFamily="49" charset="-122"/>
+              </a:rPr>
+              <a:t>     </a:t>
+            </a:r>
+            <a:r>
+              <a:rPr lang="en-US" altLang="zh-CN" sz="1100" dirty="0" err="1" smtClean="0">
+                <a:latin typeface="楷体" pitchFamily="49" charset="-122"/>
+                <a:ea typeface="楷体" pitchFamily="49" charset="-122"/>
+              </a:rPr>
+              <a:t>arg</a:t>
+            </a:r>
+            <a:r>
+              <a:rPr lang="zh-CN" altLang="en-US" sz="1100" dirty="0">
+                <a:latin typeface="楷体" pitchFamily="49" charset="-122"/>
+                <a:ea typeface="楷体" pitchFamily="49" charset="-122"/>
+              </a:rPr>
+              <a:t>：传给指令的参数，可选。例如 </a:t>
+            </a:r>
+            <a:r>
+              <a:rPr lang="en-US" altLang="zh-CN" sz="1100" dirty="0" err="1">
+                <a:latin typeface="楷体" pitchFamily="49" charset="-122"/>
+                <a:ea typeface="楷体" pitchFamily="49" charset="-122"/>
+              </a:rPr>
+              <a:t>v-my-directive:foo</a:t>
+            </a:r>
+            <a:r>
+              <a:rPr lang="en-US" altLang="zh-CN" sz="1100" dirty="0">
+                <a:latin typeface="楷体" pitchFamily="49" charset="-122"/>
+                <a:ea typeface="楷体" pitchFamily="49" charset="-122"/>
+              </a:rPr>
+              <a:t> </a:t>
+            </a:r>
+            <a:r>
+              <a:rPr lang="zh-CN" altLang="en-US" sz="1100" dirty="0">
+                <a:latin typeface="楷体" pitchFamily="49" charset="-122"/>
+                <a:ea typeface="楷体" pitchFamily="49" charset="-122"/>
+              </a:rPr>
+              <a:t>中，参数为 “</a:t>
+            </a:r>
+            <a:r>
+              <a:rPr lang="en-US" altLang="zh-CN" sz="1100" dirty="0">
+                <a:latin typeface="楷体" pitchFamily="49" charset="-122"/>
+                <a:ea typeface="楷体" pitchFamily="49" charset="-122"/>
+              </a:rPr>
+              <a:t>foo”</a:t>
+            </a:r>
+            <a:r>
+              <a:rPr lang="zh-CN" altLang="en-US" sz="1100" dirty="0">
+                <a:latin typeface="楷体" pitchFamily="49" charset="-122"/>
+                <a:ea typeface="楷体" pitchFamily="49" charset="-122"/>
+              </a:rPr>
+              <a:t>。</a:t>
+            </a:r>
+            <a:endParaRPr lang="en-US" altLang="zh-CN" sz="1100" dirty="0">
+              <a:latin typeface="楷体" pitchFamily="49" charset="-122"/>
+              <a:ea typeface="楷体" pitchFamily="49" charset="-122"/>
+            </a:endParaRPr>
+          </a:p>
+          <a:p>
+            <a:r>
+              <a:rPr lang="en-US" altLang="zh-CN" sz="1100" dirty="0" smtClean="0">
+                <a:latin typeface="楷体" pitchFamily="49" charset="-122"/>
+                <a:ea typeface="楷体" pitchFamily="49" charset="-122"/>
+              </a:rPr>
+              <a:t>     modifiers</a:t>
+            </a:r>
+            <a:r>
+              <a:rPr lang="zh-CN" altLang="en-US" sz="1100" dirty="0">
+                <a:latin typeface="楷体" pitchFamily="49" charset="-122"/>
+                <a:ea typeface="楷体" pitchFamily="49" charset="-122"/>
+              </a:rPr>
+              <a:t>：一个包含修饰符的对象。例如：</a:t>
+            </a:r>
+            <a:r>
+              <a:rPr lang="en-US" altLang="zh-CN" sz="1100" dirty="0">
+                <a:latin typeface="楷体" pitchFamily="49" charset="-122"/>
+                <a:ea typeface="楷体" pitchFamily="49" charset="-122"/>
+              </a:rPr>
+              <a:t>v-my-</a:t>
+            </a:r>
+            <a:r>
+              <a:rPr lang="en-US" altLang="zh-CN" sz="1100" dirty="0" err="1">
+                <a:latin typeface="楷体" pitchFamily="49" charset="-122"/>
+                <a:ea typeface="楷体" pitchFamily="49" charset="-122"/>
+              </a:rPr>
+              <a:t>directive.foo.bar</a:t>
+            </a:r>
+            <a:r>
+              <a:rPr lang="en-US" altLang="zh-CN" sz="1100" dirty="0">
+                <a:latin typeface="楷体" pitchFamily="49" charset="-122"/>
+                <a:ea typeface="楷体" pitchFamily="49" charset="-122"/>
+              </a:rPr>
+              <a:t> </a:t>
+            </a:r>
+            <a:r>
+              <a:rPr lang="zh-CN" altLang="en-US" sz="1100" dirty="0">
+                <a:latin typeface="楷体" pitchFamily="49" charset="-122"/>
+                <a:ea typeface="楷体" pitchFamily="49" charset="-122"/>
+              </a:rPr>
+              <a:t>中，修饰符对象为 </a:t>
+            </a:r>
+            <a:r>
+              <a:rPr lang="en-US" altLang="zh-CN" sz="1100" dirty="0">
+                <a:latin typeface="楷体" pitchFamily="49" charset="-122"/>
+                <a:ea typeface="楷体" pitchFamily="49" charset="-122"/>
+              </a:rPr>
+              <a:t>{ foo: true, bar: true }</a:t>
+            </a:r>
+            <a:r>
+              <a:rPr lang="zh-CN" altLang="en-US" sz="1100" dirty="0" smtClean="0">
+                <a:latin typeface="楷体" pitchFamily="49" charset="-122"/>
+                <a:ea typeface="楷体" pitchFamily="49" charset="-122"/>
+              </a:rPr>
+              <a:t>。</a:t>
+            </a:r>
+            <a:endParaRPr lang="en-US" altLang="zh-CN" sz="1100" dirty="0">
+              <a:latin typeface="楷体" pitchFamily="49" charset="-122"/>
+              <a:ea typeface="楷体" pitchFamily="49" charset="-122"/>
+            </a:endParaRPr>
+          </a:p>
+          <a:p>
+            <a:r>
+              <a:rPr lang="en-US" altLang="zh-CN" sz="1100" dirty="0" smtClean="0">
+                <a:latin typeface="楷体" pitchFamily="49" charset="-122"/>
+                <a:ea typeface="楷体" pitchFamily="49" charset="-122"/>
+              </a:rPr>
+              <a:t>  </a:t>
+            </a:r>
+            <a:r>
+              <a:rPr lang="en-US" altLang="zh-CN" sz="1100" dirty="0" err="1">
+                <a:latin typeface="楷体" pitchFamily="49" charset="-122"/>
+                <a:ea typeface="楷体" pitchFamily="49" charset="-122"/>
+              </a:rPr>
+              <a:t>vnode</a:t>
+            </a:r>
+            <a:r>
+              <a:rPr lang="zh-CN" altLang="en-US" sz="1100" dirty="0">
+                <a:latin typeface="楷体" pitchFamily="49" charset="-122"/>
+                <a:ea typeface="楷体" pitchFamily="49" charset="-122"/>
+              </a:rPr>
+              <a:t>： </a:t>
+            </a:r>
+            <a:r>
+              <a:rPr lang="en-US" altLang="zh-CN" sz="1100" dirty="0" err="1">
+                <a:latin typeface="楷体" pitchFamily="49" charset="-122"/>
+                <a:ea typeface="楷体" pitchFamily="49" charset="-122"/>
+              </a:rPr>
+              <a:t>Vue</a:t>
+            </a:r>
+            <a:r>
+              <a:rPr lang="zh-CN" altLang="en-US" sz="1100" dirty="0">
+                <a:latin typeface="楷体" pitchFamily="49" charset="-122"/>
+                <a:ea typeface="楷体" pitchFamily="49" charset="-122"/>
+              </a:rPr>
+              <a:t>编译生成的虚拟节点</a:t>
+            </a:r>
+            <a:r>
+              <a:rPr lang="zh-CN" altLang="en-US" sz="1100" dirty="0" smtClean="0">
+                <a:latin typeface="楷体" pitchFamily="49" charset="-122"/>
+                <a:ea typeface="楷体" pitchFamily="49" charset="-122"/>
+              </a:rPr>
+              <a:t>。</a:t>
+            </a:r>
+            <a:endParaRPr lang="en-US" altLang="zh-CN" sz="1100" dirty="0" smtClean="0">
+              <a:latin typeface="楷体" pitchFamily="49" charset="-122"/>
+              <a:ea typeface="楷体" pitchFamily="49" charset="-122"/>
+            </a:endParaRPr>
+          </a:p>
+          <a:p>
+            <a:r>
+              <a:rPr lang="en-US" altLang="zh-CN" sz="1100" dirty="0" smtClean="0">
+                <a:latin typeface="楷体" pitchFamily="49" charset="-122"/>
+                <a:ea typeface="楷体" pitchFamily="49" charset="-122"/>
+              </a:rPr>
+              <a:t>  </a:t>
+            </a:r>
+            <a:r>
+              <a:rPr lang="en-US" altLang="zh-CN" sz="1100" dirty="0" err="1">
+                <a:latin typeface="楷体" pitchFamily="49" charset="-122"/>
+                <a:ea typeface="楷体" pitchFamily="49" charset="-122"/>
+              </a:rPr>
+              <a:t>oldVnode</a:t>
+            </a:r>
+            <a:r>
+              <a:rPr lang="zh-CN" altLang="en-US" sz="1100" dirty="0">
+                <a:latin typeface="楷体" pitchFamily="49" charset="-122"/>
+                <a:ea typeface="楷体" pitchFamily="49" charset="-122"/>
+              </a:rPr>
+              <a:t>：上一个虚拟节点，仅在 </a:t>
+            </a:r>
+            <a:r>
+              <a:rPr lang="en-US" altLang="zh-CN" sz="1100" dirty="0">
+                <a:latin typeface="楷体" pitchFamily="49" charset="-122"/>
+                <a:ea typeface="楷体" pitchFamily="49" charset="-122"/>
+              </a:rPr>
+              <a:t>update </a:t>
+            </a:r>
+            <a:r>
+              <a:rPr lang="zh-CN" altLang="en-US" sz="1100" dirty="0">
+                <a:latin typeface="楷体" pitchFamily="49" charset="-122"/>
+                <a:ea typeface="楷体" pitchFamily="49" charset="-122"/>
+              </a:rPr>
+              <a:t>和 </a:t>
+            </a:r>
+            <a:r>
+              <a:rPr lang="en-US" altLang="zh-CN" sz="1100" dirty="0" err="1">
+                <a:latin typeface="楷体" pitchFamily="49" charset="-122"/>
+                <a:ea typeface="楷体" pitchFamily="49" charset="-122"/>
+              </a:rPr>
+              <a:t>componentUpdated</a:t>
+            </a:r>
+            <a:r>
+              <a:rPr lang="en-US" altLang="zh-CN" sz="1100" dirty="0">
+                <a:latin typeface="楷体" pitchFamily="49" charset="-122"/>
+                <a:ea typeface="楷体" pitchFamily="49" charset="-122"/>
+              </a:rPr>
+              <a:t> </a:t>
+            </a:r>
+            <a:r>
+              <a:rPr lang="zh-CN" altLang="en-US" sz="1100" dirty="0">
+                <a:latin typeface="楷体" pitchFamily="49" charset="-122"/>
+                <a:ea typeface="楷体" pitchFamily="49" charset="-122"/>
+              </a:rPr>
+              <a:t>钩子中可用。</a:t>
+            </a:r>
+          </a:p>
+          <a:p>
+            <a:endParaRPr lang="zh-CN" altLang="en-US" sz="1100" i="1" dirty="0">
+              <a:latin typeface="楷体" pitchFamily="49" charset="-122"/>
+              <a:ea typeface="楷体" pitchFamily="49" charset="-122"/>
+            </a:endParaRPr>
+          </a:p>
+        </p:txBody>
+      </p:sp>
+    </p:spTree>
+    <p:extLst>
+      <p:ext uri="{BB962C8B-B14F-4D97-AF65-F5344CB8AC3E}">
+        <p14:creationId xmlns:p14="http://schemas.microsoft.com/office/powerpoint/2010/main" val="2936778772"/>
+      </p:ext>
+    </p:extLst>
+  </p:cSld>
+  <p:clrMapOvr>
+    <a:masterClrMapping/>
+  </p:clrMapOvr>
+  <p:transition spd="slow">
+    <p:push dir="u"/>
+  </p:transition>
+  <p:timing>
+    <p:tnLst>
+      <p:par>
+        <p:cTn id="1" dur="indefinite" restart="never" nodeType="tmRoot"/>
+      </p:par>
+    </p:tnLst>
+  </p:timing>
+</p:sld>
+</file>
+
+<file path=ppt/slides/slide16.xml><?xml version="1.0" encoding="utf-8"?>
 <p:sld xmlns:a="http://schemas.openxmlformats.org/drawingml/2006/main" xmlns:r="http://schemas.openxmlformats.org/officeDocument/2006/relationships" xmlns:p="http://schemas.openxmlformats.org/presentationml/2006/main">
   <p:cSld>
     <p:spTree>
@@ -12305,7 +13600,7 @@
 </p:sld>
 </file>
 
-<file path=ppt/slides/slide16.xml><?xml version="1.0" encoding="utf-8"?>
+<file path=ppt/slides/slide17.xml><?xml version="1.0" encoding="utf-8"?>
 <p:sld xmlns:a="http://schemas.openxmlformats.org/drawingml/2006/main" xmlns:r="http://schemas.openxmlformats.org/officeDocument/2006/relationships" xmlns:p="http://schemas.openxmlformats.org/presentationml/2006/main">
   <p:cSld>
     <p:spTree>
@@ -12345,7 +13640,7 @@
         </p:blipFill>
         <p:spPr bwMode="auto">
           <a:xfrm>
-            <a:off x="5030713" y="4173844"/>
+            <a:off x="5183113" y="4215628"/>
             <a:ext cx="3162300" cy="619125"/>
           </a:xfrm>
           <a:prstGeom prst="rect">
@@ -13110,1286 +14405,6 @@
 </p:sld>
 </file>
 
-<file path=ppt/slides/slide17.xml><?xml version="1.0" encoding="utf-8"?>
-<p:sld xmlns:a="http://schemas.openxmlformats.org/drawingml/2006/main" xmlns:r="http://schemas.openxmlformats.org/officeDocument/2006/relationships" xmlns:p="http://schemas.openxmlformats.org/presentationml/2006/main">
-  <p:cSld>
-    <p:spTree>
-      <p:nvGrpSpPr>
-        <p:cNvPr id="1" name=""/>
-        <p:cNvGrpSpPr/>
-        <p:nvPr/>
-      </p:nvGrpSpPr>
-      <p:grpSpPr>
-        <a:xfrm>
-          <a:off x="0" y="0"/>
-          <a:ext cx="0" cy="0"/>
-          <a:chOff x="0" y="0"/>
-          <a:chExt cx="0" cy="0"/>
-        </a:xfrm>
-      </p:grpSpPr>
-      <p:sp>
-        <p:nvSpPr>
-          <p:cNvPr id="4" name="TextBox 3"/>
-          <p:cNvSpPr txBox="1"/>
-          <p:nvPr/>
-        </p:nvSpPr>
-        <p:spPr>
-          <a:xfrm>
-            <a:off x="357486" y="391839"/>
-            <a:ext cx="4175956" cy="384721"/>
-          </a:xfrm>
-          <a:prstGeom prst="rect">
-            <a:avLst/>
-          </a:prstGeom>
-          <a:noFill/>
-        </p:spPr>
-        <p:txBody>
-          <a:bodyPr wrap="square" rtlCol="0">
-            <a:spAutoFit/>
-          </a:bodyPr>
-          <a:lstStyle/>
-          <a:p>
-            <a:r>
-              <a:rPr lang="zh-CN" altLang="en-US" sz="1900" dirty="0" smtClean="0">
-                <a:latin typeface="楷体" pitchFamily="49" charset="-122"/>
-                <a:ea typeface="楷体" pitchFamily="49" charset="-122"/>
-              </a:rPr>
-              <a:t>* </a:t>
-            </a:r>
-            <a:r>
-              <a:rPr lang="zh-CN" altLang="en-US" sz="1900" dirty="0" smtClean="0">
-                <a:latin typeface="楷体" pitchFamily="49" charset="-122"/>
-                <a:ea typeface="楷体" pitchFamily="49" charset="-122"/>
-              </a:rPr>
-              <a:t>自定义指令</a:t>
-            </a:r>
-            <a:endParaRPr lang="en-US" altLang="zh-CN" sz="1900" dirty="0">
-              <a:latin typeface="楷体" pitchFamily="49" charset="-122"/>
-              <a:ea typeface="楷体" pitchFamily="49" charset="-122"/>
-            </a:endParaRPr>
-          </a:p>
-        </p:txBody>
-      </p:sp>
-      <p:pic>
-        <p:nvPicPr>
-          <p:cNvPr id="2051" name="Picture 3"/>
-          <p:cNvPicPr>
-            <a:picLocks noChangeAspect="1" noChangeArrowheads="1"/>
-          </p:cNvPicPr>
-          <p:nvPr/>
-        </p:nvPicPr>
-        <p:blipFill>
-          <a:blip r:embed="rId2">
-            <a:extLst>
-              <a:ext uri="{28A0092B-C50C-407E-A947-70E740481C1C}">
-                <a14:useLocalDpi xmlns:a14="http://schemas.microsoft.com/office/drawing/2010/main" val="0"/>
-              </a:ext>
-            </a:extLst>
-          </a:blip>
-          <a:srcRect/>
-          <a:stretch>
-            <a:fillRect/>
-          </a:stretch>
-        </p:blipFill>
-        <p:spPr bwMode="auto">
-          <a:xfrm>
-            <a:off x="4454543" y="1545498"/>
-            <a:ext cx="1512169" cy="980493"/>
-          </a:xfrm>
-          <a:prstGeom prst="rect">
-            <a:avLst/>
-          </a:prstGeom>
-          <a:noFill/>
-          <a:ln>
-            <a:noFill/>
-          </a:ln>
-          <a:effectLst/>
-          <a:extLst>
-            <a:ext uri="{909E8E84-426E-40DD-AFC4-6F175D3DCCD1}">
-              <a14:hiddenFill xmlns:a14="http://schemas.microsoft.com/office/drawing/2010/main">
-                <a:solidFill>
-                  <a:schemeClr val="accent1"/>
-                </a:solidFill>
-              </a14:hiddenFill>
-            </a:ext>
-            <a:ext uri="{91240B29-F687-4F45-9708-019B960494DF}">
-              <a14:hiddenLine xmlns:a14="http://schemas.microsoft.com/office/drawing/2010/main" w="9525">
-                <a:solidFill>
-                  <a:schemeClr val="tx1"/>
-                </a:solidFill>
-                <a:miter lim="800000"/>
-                <a:headEnd/>
-                <a:tailEnd/>
-              </a14:hiddenLine>
-            </a:ext>
-            <a:ext uri="{AF507438-7753-43E0-B8FC-AC1667EBCBE1}">
-              <a14:hiddenEffects xmlns:a14="http://schemas.microsoft.com/office/drawing/2010/main">
-                <a:effectLst>
-                  <a:outerShdw dist="35921" dir="2700000" algn="ctr" rotWithShape="0">
-                    <a:schemeClr val="bg2"/>
-                  </a:outerShdw>
-                </a:effectLst>
-              </a14:hiddenEffects>
-            </a:ext>
-          </a:extLst>
-        </p:spPr>
-      </p:pic>
-      <p:pic>
-        <p:nvPicPr>
-          <p:cNvPr id="2052" name="Picture 4"/>
-          <p:cNvPicPr>
-            <a:picLocks noChangeAspect="1" noChangeArrowheads="1"/>
-          </p:cNvPicPr>
-          <p:nvPr/>
-        </p:nvPicPr>
-        <p:blipFill>
-          <a:blip r:embed="rId3">
-            <a:extLst>
-              <a:ext uri="{28A0092B-C50C-407E-A947-70E740481C1C}">
-                <a14:useLocalDpi xmlns:a14="http://schemas.microsoft.com/office/drawing/2010/main" val="0"/>
-              </a:ext>
-            </a:extLst>
-          </a:blip>
-          <a:srcRect/>
-          <a:stretch>
-            <a:fillRect/>
-          </a:stretch>
-        </p:blipFill>
-        <p:spPr bwMode="auto">
-          <a:xfrm>
-            <a:off x="6660232" y="1794358"/>
-            <a:ext cx="1728192" cy="482774"/>
-          </a:xfrm>
-          <a:prstGeom prst="rect">
-            <a:avLst/>
-          </a:prstGeom>
-          <a:noFill/>
-          <a:ln>
-            <a:noFill/>
-          </a:ln>
-          <a:effectLst/>
-          <a:extLst>
-            <a:ext uri="{909E8E84-426E-40DD-AFC4-6F175D3DCCD1}">
-              <a14:hiddenFill xmlns:a14="http://schemas.microsoft.com/office/drawing/2010/main">
-                <a:solidFill>
-                  <a:schemeClr val="accent1"/>
-                </a:solidFill>
-              </a14:hiddenFill>
-            </a:ext>
-            <a:ext uri="{91240B29-F687-4F45-9708-019B960494DF}">
-              <a14:hiddenLine xmlns:a14="http://schemas.microsoft.com/office/drawing/2010/main" w="9525">
-                <a:solidFill>
-                  <a:schemeClr val="tx1"/>
-                </a:solidFill>
-                <a:miter lim="800000"/>
-                <a:headEnd/>
-                <a:tailEnd/>
-              </a14:hiddenLine>
-            </a:ext>
-            <a:ext uri="{AF507438-7753-43E0-B8FC-AC1667EBCBE1}">
-              <a14:hiddenEffects xmlns:a14="http://schemas.microsoft.com/office/drawing/2010/main">
-                <a:effectLst>
-                  <a:outerShdw dist="35921" dir="2700000" algn="ctr" rotWithShape="0">
-                    <a:schemeClr val="bg2"/>
-                  </a:outerShdw>
-                </a:effectLst>
-              </a14:hiddenEffects>
-            </a:ext>
-          </a:extLst>
-        </p:spPr>
-      </p:pic>
-      <p:pic>
-        <p:nvPicPr>
-          <p:cNvPr id="2053" name="Picture 5"/>
-          <p:cNvPicPr>
-            <a:picLocks noChangeAspect="1" noChangeArrowheads="1"/>
-          </p:cNvPicPr>
-          <p:nvPr/>
-        </p:nvPicPr>
-        <p:blipFill>
-          <a:blip r:embed="rId4">
-            <a:extLst>
-              <a:ext uri="{28A0092B-C50C-407E-A947-70E740481C1C}">
-                <a14:useLocalDpi xmlns:a14="http://schemas.microsoft.com/office/drawing/2010/main" val="0"/>
-              </a:ext>
-            </a:extLst>
-          </a:blip>
-          <a:srcRect/>
-          <a:stretch>
-            <a:fillRect/>
-          </a:stretch>
-        </p:blipFill>
-        <p:spPr bwMode="auto">
-          <a:xfrm>
-            <a:off x="683568" y="1329924"/>
-            <a:ext cx="2880320" cy="1411642"/>
-          </a:xfrm>
-          <a:prstGeom prst="rect">
-            <a:avLst/>
-          </a:prstGeom>
-          <a:noFill/>
-          <a:ln>
-            <a:noFill/>
-          </a:ln>
-          <a:effectLst/>
-          <a:extLst>
-            <a:ext uri="{909E8E84-426E-40DD-AFC4-6F175D3DCCD1}">
-              <a14:hiddenFill xmlns:a14="http://schemas.microsoft.com/office/drawing/2010/main">
-                <a:solidFill>
-                  <a:schemeClr val="accent1"/>
-                </a:solidFill>
-              </a14:hiddenFill>
-            </a:ext>
-            <a:ext uri="{91240B29-F687-4F45-9708-019B960494DF}">
-              <a14:hiddenLine xmlns:a14="http://schemas.microsoft.com/office/drawing/2010/main" w="9525">
-                <a:solidFill>
-                  <a:schemeClr val="tx1"/>
-                </a:solidFill>
-                <a:miter lim="800000"/>
-                <a:headEnd/>
-                <a:tailEnd/>
-              </a14:hiddenLine>
-            </a:ext>
-            <a:ext uri="{AF507438-7753-43E0-B8FC-AC1667EBCBE1}">
-              <a14:hiddenEffects xmlns:a14="http://schemas.microsoft.com/office/drawing/2010/main">
-                <a:effectLst>
-                  <a:outerShdw dist="35921" dir="2700000" algn="ctr" rotWithShape="0">
-                    <a:schemeClr val="bg2"/>
-                  </a:outerShdw>
-                </a:effectLst>
-              </a14:hiddenEffects>
-            </a:ext>
-          </a:extLst>
-        </p:spPr>
-      </p:pic>
-      <p:sp>
-        <p:nvSpPr>
-          <p:cNvPr id="9" name="TextBox 8"/>
-          <p:cNvSpPr txBox="1"/>
-          <p:nvPr/>
-        </p:nvSpPr>
-        <p:spPr>
-          <a:xfrm>
-            <a:off x="2935735" y="924953"/>
-            <a:ext cx="832616" cy="253916"/>
-          </a:xfrm>
-          <a:prstGeom prst="rect">
-            <a:avLst/>
-          </a:prstGeom>
-          <a:ln/>
-        </p:spPr>
-        <p:style>
-          <a:lnRef idx="2">
-            <a:schemeClr val="accent6"/>
-          </a:lnRef>
-          <a:fillRef idx="1">
-            <a:schemeClr val="lt1"/>
-          </a:fillRef>
-          <a:effectRef idx="0">
-            <a:schemeClr val="accent6"/>
-          </a:effectRef>
-          <a:fontRef idx="minor">
-            <a:schemeClr val="dk1"/>
-          </a:fontRef>
-        </p:style>
-        <p:txBody>
-          <a:bodyPr wrap="square" rtlCol="0">
-            <a:spAutoFit/>
-          </a:bodyPr>
-          <a:lstStyle/>
-          <a:p>
-            <a:pPr algn="ctr"/>
-            <a:r>
-              <a:rPr lang="zh-CN" altLang="en-US" sz="1050" dirty="0" smtClean="0">
-                <a:latin typeface="楷体" pitchFamily="49" charset="-122"/>
-                <a:ea typeface="楷体" pitchFamily="49" charset="-122"/>
-              </a:rPr>
-              <a:t>全局指令</a:t>
-            </a:r>
-            <a:endParaRPr lang="zh-CN" altLang="en-US" sz="1050" dirty="0">
-              <a:latin typeface="楷体" pitchFamily="49" charset="-122"/>
-              <a:ea typeface="楷体" pitchFamily="49" charset="-122"/>
-            </a:endParaRPr>
-          </a:p>
-        </p:txBody>
-      </p:sp>
-      <p:cxnSp>
-        <p:nvCxnSpPr>
-          <p:cNvPr id="10" name="直接箭头连接符 9"/>
-          <p:cNvCxnSpPr/>
-          <p:nvPr/>
-        </p:nvCxnSpPr>
-        <p:spPr>
-          <a:xfrm flipH="1">
-            <a:off x="2776043" y="1247907"/>
-            <a:ext cx="354829" cy="515343"/>
-          </a:xfrm>
-          <a:prstGeom prst="straightConnector1">
-            <a:avLst/>
-          </a:prstGeom>
-          <a:ln>
-            <a:tailEnd type="arrow"/>
-          </a:ln>
-        </p:spPr>
-        <p:style>
-          <a:lnRef idx="2">
-            <a:schemeClr val="accent6"/>
-          </a:lnRef>
-          <a:fillRef idx="0">
-            <a:schemeClr val="accent6"/>
-          </a:fillRef>
-          <a:effectRef idx="1">
-            <a:schemeClr val="accent6"/>
-          </a:effectRef>
-          <a:fontRef idx="minor">
-            <a:schemeClr val="tx1"/>
-          </a:fontRef>
-        </p:style>
-      </p:cxnSp>
-      <p:sp>
-        <p:nvSpPr>
-          <p:cNvPr id="11" name="TextBox 10"/>
-          <p:cNvSpPr txBox="1"/>
-          <p:nvPr/>
-        </p:nvSpPr>
-        <p:spPr>
-          <a:xfrm>
-            <a:off x="5724128" y="924953"/>
-            <a:ext cx="864096" cy="253916"/>
-          </a:xfrm>
-          <a:prstGeom prst="rect">
-            <a:avLst/>
-          </a:prstGeom>
-          <a:ln/>
-        </p:spPr>
-        <p:style>
-          <a:lnRef idx="2">
-            <a:schemeClr val="accent1"/>
-          </a:lnRef>
-          <a:fillRef idx="1">
-            <a:schemeClr val="lt1"/>
-          </a:fillRef>
-          <a:effectRef idx="0">
-            <a:schemeClr val="accent1"/>
-          </a:effectRef>
-          <a:fontRef idx="minor">
-            <a:schemeClr val="dk1"/>
-          </a:fontRef>
-        </p:style>
-        <p:txBody>
-          <a:bodyPr wrap="square" rtlCol="0">
-            <a:spAutoFit/>
-          </a:bodyPr>
-          <a:lstStyle/>
-          <a:p>
-            <a:pPr algn="ctr"/>
-            <a:r>
-              <a:rPr lang="zh-CN" altLang="en-US" sz="1050" dirty="0" smtClean="0">
-                <a:latin typeface="楷体" pitchFamily="49" charset="-122"/>
-                <a:ea typeface="楷体" pitchFamily="49" charset="-122"/>
-              </a:rPr>
-              <a:t>局部指令</a:t>
-            </a:r>
-            <a:endParaRPr lang="zh-CN" altLang="en-US" sz="1050" dirty="0">
-              <a:latin typeface="楷体" pitchFamily="49" charset="-122"/>
-              <a:ea typeface="楷体" pitchFamily="49" charset="-122"/>
-            </a:endParaRPr>
-          </a:p>
-        </p:txBody>
-      </p:sp>
-      <p:cxnSp>
-        <p:nvCxnSpPr>
-          <p:cNvPr id="12" name="直接箭头连接符 11"/>
-          <p:cNvCxnSpPr/>
-          <p:nvPr/>
-        </p:nvCxnSpPr>
-        <p:spPr>
-          <a:xfrm flipH="1">
-            <a:off x="5724128" y="1249592"/>
-            <a:ext cx="405624" cy="513658"/>
-          </a:xfrm>
-          <a:prstGeom prst="straightConnector1">
-            <a:avLst/>
-          </a:prstGeom>
-          <a:ln>
-            <a:tailEnd type="arrow"/>
-          </a:ln>
-        </p:spPr>
-        <p:style>
-          <a:lnRef idx="2">
-            <a:schemeClr val="accent1"/>
-          </a:lnRef>
-          <a:fillRef idx="0">
-            <a:schemeClr val="accent1"/>
-          </a:fillRef>
-          <a:effectRef idx="1">
-            <a:schemeClr val="accent1"/>
-          </a:effectRef>
-          <a:fontRef idx="minor">
-            <a:schemeClr val="tx1"/>
-          </a:fontRef>
-        </p:style>
-      </p:cxnSp>
-      <p:sp>
-        <p:nvSpPr>
-          <p:cNvPr id="7" name="TextBox 6"/>
-          <p:cNvSpPr txBox="1"/>
-          <p:nvPr/>
-        </p:nvSpPr>
-        <p:spPr>
-          <a:xfrm>
-            <a:off x="539552" y="3212976"/>
-            <a:ext cx="8352928" cy="1461939"/>
-          </a:xfrm>
-          <a:prstGeom prst="rect">
-            <a:avLst/>
-          </a:prstGeom>
-          <a:noFill/>
-        </p:spPr>
-        <p:txBody>
-          <a:bodyPr wrap="square" rtlCol="0">
-            <a:spAutoFit/>
-          </a:bodyPr>
-          <a:lstStyle/>
-          <a:p>
-            <a:r>
-              <a:rPr lang="zh-CN" altLang="en-US" sz="1200" dirty="0" smtClean="0">
-                <a:latin typeface="楷体" pitchFamily="49" charset="-122"/>
-                <a:ea typeface="楷体" pitchFamily="49" charset="-122"/>
-              </a:rPr>
-              <a:t>钩子</a:t>
-            </a:r>
-            <a:r>
-              <a:rPr lang="zh-CN" altLang="en-US" sz="1200" dirty="0">
-                <a:latin typeface="楷体" pitchFamily="49" charset="-122"/>
-                <a:ea typeface="楷体" pitchFamily="49" charset="-122"/>
-              </a:rPr>
-              <a:t>函数</a:t>
-            </a:r>
-            <a:r>
-              <a:rPr lang="en-US" altLang="zh-CN" sz="1200" dirty="0">
-                <a:latin typeface="楷体" pitchFamily="49" charset="-122"/>
-                <a:ea typeface="楷体" pitchFamily="49" charset="-122"/>
-              </a:rPr>
-              <a:t>: </a:t>
-            </a:r>
-            <a:r>
-              <a:rPr lang="zh-CN" altLang="en-US" sz="1200" dirty="0">
-                <a:latin typeface="楷体" pitchFamily="49" charset="-122"/>
-                <a:ea typeface="楷体" pitchFamily="49" charset="-122"/>
-              </a:rPr>
-              <a:t>一个指令定义对象可以提供如下几个钩子函数 </a:t>
-            </a:r>
-            <a:r>
-              <a:rPr lang="en-US" altLang="zh-CN" sz="1200" dirty="0">
-                <a:latin typeface="楷体" pitchFamily="49" charset="-122"/>
-                <a:ea typeface="楷体" pitchFamily="49" charset="-122"/>
-              </a:rPr>
-              <a:t>(</a:t>
-            </a:r>
-            <a:r>
-              <a:rPr lang="zh-CN" altLang="en-US" sz="1200" dirty="0">
-                <a:latin typeface="楷体" pitchFamily="49" charset="-122"/>
-                <a:ea typeface="楷体" pitchFamily="49" charset="-122"/>
-              </a:rPr>
-              <a:t>均为可选</a:t>
-            </a:r>
-            <a:r>
-              <a:rPr lang="en-US" altLang="zh-CN" sz="1200" dirty="0">
-                <a:latin typeface="楷体" pitchFamily="49" charset="-122"/>
-                <a:ea typeface="楷体" pitchFamily="49" charset="-122"/>
-              </a:rPr>
-              <a:t>)</a:t>
-            </a:r>
-            <a:r>
-              <a:rPr lang="zh-CN" altLang="en-US" sz="1200" dirty="0">
-                <a:latin typeface="楷体" pitchFamily="49" charset="-122"/>
-                <a:ea typeface="楷体" pitchFamily="49" charset="-122"/>
-              </a:rPr>
-              <a:t>：</a:t>
-            </a:r>
-          </a:p>
-          <a:p>
-            <a:r>
-              <a:rPr lang="en-US" altLang="zh-CN" sz="1100" i="1" dirty="0">
-                <a:latin typeface="楷体" pitchFamily="49" charset="-122"/>
-                <a:ea typeface="楷体" pitchFamily="49" charset="-122"/>
-              </a:rPr>
-              <a:t> </a:t>
-            </a:r>
-            <a:r>
-              <a:rPr lang="en-US" altLang="zh-CN" sz="1100" i="1" dirty="0" smtClean="0">
-                <a:latin typeface="楷体" pitchFamily="49" charset="-122"/>
-                <a:ea typeface="楷体" pitchFamily="49" charset="-122"/>
-              </a:rPr>
-              <a:t> </a:t>
-            </a:r>
-            <a:r>
-              <a:rPr lang="en-US" altLang="zh-CN" sz="1100" dirty="0" smtClean="0">
-                <a:latin typeface="楷体" pitchFamily="49" charset="-122"/>
-                <a:ea typeface="楷体" pitchFamily="49" charset="-122"/>
-              </a:rPr>
-              <a:t>inserted</a:t>
-            </a:r>
-            <a:r>
-              <a:rPr lang="zh-CN" altLang="en-US" sz="1100" dirty="0">
-                <a:latin typeface="楷体" pitchFamily="49" charset="-122"/>
-                <a:ea typeface="楷体" pitchFamily="49" charset="-122"/>
-              </a:rPr>
-              <a:t>：被绑定元素插入父节点时调用 </a:t>
-            </a:r>
-            <a:r>
-              <a:rPr lang="en-US" altLang="zh-CN" sz="1100" dirty="0">
-                <a:latin typeface="楷体" pitchFamily="49" charset="-122"/>
-                <a:ea typeface="楷体" pitchFamily="49" charset="-122"/>
-              </a:rPr>
-              <a:t>(</a:t>
-            </a:r>
-            <a:r>
-              <a:rPr lang="zh-CN" altLang="en-US" sz="1100" dirty="0">
-                <a:latin typeface="楷体" pitchFamily="49" charset="-122"/>
-                <a:ea typeface="楷体" pitchFamily="49" charset="-122"/>
-              </a:rPr>
-              <a:t>仅保证父节点存在，但不一定已被插入文档中</a:t>
-            </a:r>
-            <a:r>
-              <a:rPr lang="en-US" altLang="zh-CN" sz="1100" dirty="0">
-                <a:latin typeface="楷体" pitchFamily="49" charset="-122"/>
-                <a:ea typeface="楷体" pitchFamily="49" charset="-122"/>
-              </a:rPr>
-              <a:t>)</a:t>
-            </a:r>
-            <a:r>
-              <a:rPr lang="zh-CN" altLang="en-US" sz="1100" dirty="0">
-                <a:latin typeface="楷体" pitchFamily="49" charset="-122"/>
-                <a:ea typeface="楷体" pitchFamily="49" charset="-122"/>
-              </a:rPr>
-              <a:t>。</a:t>
-            </a:r>
-          </a:p>
-          <a:p>
-            <a:r>
-              <a:rPr lang="en-US" altLang="zh-CN" sz="1100" dirty="0" smtClean="0">
-                <a:latin typeface="楷体" pitchFamily="49" charset="-122"/>
-                <a:ea typeface="楷体" pitchFamily="49" charset="-122"/>
-              </a:rPr>
-              <a:t>  bind</a:t>
-            </a:r>
-            <a:r>
-              <a:rPr lang="zh-CN" altLang="en-US" sz="1100" dirty="0">
-                <a:latin typeface="楷体" pitchFamily="49" charset="-122"/>
-                <a:ea typeface="楷体" pitchFamily="49" charset="-122"/>
-              </a:rPr>
-              <a:t>：只调用一次，指令第一次绑定到元素时调用。在这里可以进行一次性的初始化设置。</a:t>
-            </a:r>
-          </a:p>
-          <a:p>
-            <a:r>
-              <a:rPr lang="en-US" altLang="zh-CN" sz="1100" dirty="0" smtClean="0">
-                <a:latin typeface="楷体" pitchFamily="49" charset="-122"/>
-                <a:ea typeface="楷体" pitchFamily="49" charset="-122"/>
-              </a:rPr>
-              <a:t>  update</a:t>
-            </a:r>
-            <a:r>
-              <a:rPr lang="zh-CN" altLang="en-US" sz="1100" dirty="0">
-                <a:latin typeface="楷体" pitchFamily="49" charset="-122"/>
-                <a:ea typeface="楷体" pitchFamily="49" charset="-122"/>
-              </a:rPr>
-              <a:t>：所在组件的 </a:t>
-            </a:r>
-            <a:r>
-              <a:rPr lang="en-US" altLang="zh-CN" sz="1100" dirty="0" err="1">
-                <a:latin typeface="楷体" pitchFamily="49" charset="-122"/>
-                <a:ea typeface="楷体" pitchFamily="49" charset="-122"/>
-              </a:rPr>
-              <a:t>VNode</a:t>
-            </a:r>
-            <a:r>
-              <a:rPr lang="en-US" altLang="zh-CN" sz="1100" dirty="0">
-                <a:latin typeface="楷体" pitchFamily="49" charset="-122"/>
-                <a:ea typeface="楷体" pitchFamily="49" charset="-122"/>
-              </a:rPr>
-              <a:t> </a:t>
-            </a:r>
-            <a:r>
-              <a:rPr lang="zh-CN" altLang="en-US" sz="1100" dirty="0">
-                <a:latin typeface="楷体" pitchFamily="49" charset="-122"/>
-                <a:ea typeface="楷体" pitchFamily="49" charset="-122"/>
-              </a:rPr>
-              <a:t>更新时调用，但是可能发生在其子 </a:t>
-            </a:r>
-            <a:r>
-              <a:rPr lang="en-US" altLang="zh-CN" sz="1100" dirty="0" err="1">
-                <a:latin typeface="楷体" pitchFamily="49" charset="-122"/>
-                <a:ea typeface="楷体" pitchFamily="49" charset="-122"/>
-              </a:rPr>
-              <a:t>VNode</a:t>
-            </a:r>
-            <a:r>
-              <a:rPr lang="en-US" altLang="zh-CN" sz="1100" dirty="0">
-                <a:latin typeface="楷体" pitchFamily="49" charset="-122"/>
-                <a:ea typeface="楷体" pitchFamily="49" charset="-122"/>
-              </a:rPr>
-              <a:t> </a:t>
-            </a:r>
-            <a:r>
-              <a:rPr lang="zh-CN" altLang="en-US" sz="1100" dirty="0">
-                <a:latin typeface="楷体" pitchFamily="49" charset="-122"/>
-                <a:ea typeface="楷体" pitchFamily="49" charset="-122"/>
-              </a:rPr>
-              <a:t>更新之前。指令的值可能发生了改变，也可能没有。但是你可以通过比较更新前后的值来忽略不必要的模板更新。</a:t>
-            </a:r>
-          </a:p>
-          <a:p>
-            <a:r>
-              <a:rPr lang="en-US" altLang="zh-CN" sz="1100" dirty="0" smtClean="0">
-                <a:latin typeface="楷体" pitchFamily="49" charset="-122"/>
-                <a:ea typeface="楷体" pitchFamily="49" charset="-122"/>
-              </a:rPr>
-              <a:t>  </a:t>
-            </a:r>
-            <a:r>
-              <a:rPr lang="en-US" altLang="zh-CN" sz="1100" dirty="0" err="1" smtClean="0">
-                <a:latin typeface="楷体" pitchFamily="49" charset="-122"/>
-                <a:ea typeface="楷体" pitchFamily="49" charset="-122"/>
-              </a:rPr>
-              <a:t>componentUpdated</a:t>
-            </a:r>
-            <a:r>
-              <a:rPr lang="zh-CN" altLang="en-US" sz="1100" dirty="0">
-                <a:latin typeface="楷体" pitchFamily="49" charset="-122"/>
-                <a:ea typeface="楷体" pitchFamily="49" charset="-122"/>
-              </a:rPr>
-              <a:t>：指令所在组件的 </a:t>
-            </a:r>
-            <a:r>
-              <a:rPr lang="en-US" altLang="zh-CN" sz="1100" dirty="0" err="1">
-                <a:latin typeface="楷体" pitchFamily="49" charset="-122"/>
-                <a:ea typeface="楷体" pitchFamily="49" charset="-122"/>
-              </a:rPr>
-              <a:t>VNode</a:t>
-            </a:r>
-            <a:r>
-              <a:rPr lang="en-US" altLang="zh-CN" sz="1100" dirty="0">
-                <a:latin typeface="楷体" pitchFamily="49" charset="-122"/>
-                <a:ea typeface="楷体" pitchFamily="49" charset="-122"/>
-              </a:rPr>
-              <a:t> </a:t>
-            </a:r>
-            <a:r>
-              <a:rPr lang="zh-CN" altLang="en-US" sz="1100" dirty="0">
-                <a:latin typeface="楷体" pitchFamily="49" charset="-122"/>
-                <a:ea typeface="楷体" pitchFamily="49" charset="-122"/>
-              </a:rPr>
-              <a:t>及其子 </a:t>
-            </a:r>
-            <a:r>
-              <a:rPr lang="en-US" altLang="zh-CN" sz="1100" dirty="0" err="1">
-                <a:latin typeface="楷体" pitchFamily="49" charset="-122"/>
-                <a:ea typeface="楷体" pitchFamily="49" charset="-122"/>
-              </a:rPr>
-              <a:t>VNode</a:t>
-            </a:r>
-            <a:r>
-              <a:rPr lang="en-US" altLang="zh-CN" sz="1100" dirty="0">
-                <a:latin typeface="楷体" pitchFamily="49" charset="-122"/>
-                <a:ea typeface="楷体" pitchFamily="49" charset="-122"/>
-              </a:rPr>
-              <a:t> </a:t>
-            </a:r>
-            <a:r>
-              <a:rPr lang="zh-CN" altLang="en-US" sz="1100" dirty="0">
-                <a:latin typeface="楷体" pitchFamily="49" charset="-122"/>
-                <a:ea typeface="楷体" pitchFamily="49" charset="-122"/>
-              </a:rPr>
-              <a:t>全部更新后调用。</a:t>
-            </a:r>
-          </a:p>
-          <a:p>
-            <a:r>
-              <a:rPr lang="en-US" altLang="zh-CN" sz="1100" dirty="0" smtClean="0">
-                <a:latin typeface="楷体" pitchFamily="49" charset="-122"/>
-                <a:ea typeface="楷体" pitchFamily="49" charset="-122"/>
-              </a:rPr>
-              <a:t>  unbind</a:t>
-            </a:r>
-            <a:r>
-              <a:rPr lang="zh-CN" altLang="en-US" sz="1100" dirty="0">
-                <a:latin typeface="楷体" pitchFamily="49" charset="-122"/>
-                <a:ea typeface="楷体" pitchFamily="49" charset="-122"/>
-              </a:rPr>
-              <a:t>：只调用一次，指令与元素解绑时调用。</a:t>
-            </a:r>
-          </a:p>
-          <a:p>
-            <a:endParaRPr lang="zh-CN" altLang="en-US" sz="1100" i="1" dirty="0">
-              <a:latin typeface="楷体" pitchFamily="49" charset="-122"/>
-              <a:ea typeface="楷体" pitchFamily="49" charset="-122"/>
-            </a:endParaRPr>
-          </a:p>
-        </p:txBody>
-      </p:sp>
-      <p:sp>
-        <p:nvSpPr>
-          <p:cNvPr id="16" name="TextBox 15"/>
-          <p:cNvSpPr txBox="1"/>
-          <p:nvPr/>
-        </p:nvSpPr>
-        <p:spPr>
-          <a:xfrm>
-            <a:off x="539552" y="4664900"/>
-            <a:ext cx="8352928" cy="2139047"/>
-          </a:xfrm>
-          <a:prstGeom prst="rect">
-            <a:avLst/>
-          </a:prstGeom>
-          <a:noFill/>
-        </p:spPr>
-        <p:txBody>
-          <a:bodyPr wrap="square" rtlCol="0">
-            <a:spAutoFit/>
-          </a:bodyPr>
-          <a:lstStyle/>
-          <a:p>
-            <a:r>
-              <a:rPr lang="zh-CN" altLang="en-US" sz="1200" dirty="0">
-                <a:latin typeface="楷体" pitchFamily="49" charset="-122"/>
-                <a:ea typeface="楷体" pitchFamily="49" charset="-122"/>
-              </a:rPr>
-              <a:t>指令钩子函数会被传入以下</a:t>
-            </a:r>
-            <a:r>
-              <a:rPr lang="zh-CN" altLang="en-US" sz="1200" dirty="0" smtClean="0">
-                <a:latin typeface="楷体" pitchFamily="49" charset="-122"/>
-                <a:ea typeface="楷体" pitchFamily="49" charset="-122"/>
-              </a:rPr>
-              <a:t>参数</a:t>
-            </a:r>
-            <a:r>
-              <a:rPr lang="zh-CN" altLang="en-US" sz="1200" dirty="0">
-                <a:latin typeface="楷体" pitchFamily="49" charset="-122"/>
-                <a:ea typeface="楷体" pitchFamily="49" charset="-122"/>
-              </a:rPr>
-              <a:t>：</a:t>
-            </a:r>
-            <a:endParaRPr lang="zh-CN" altLang="en-US" sz="1200" dirty="0"/>
-          </a:p>
-          <a:p>
-            <a:r>
-              <a:rPr lang="en-US" altLang="zh-CN" sz="1100" i="1" dirty="0" smtClean="0">
-                <a:latin typeface="楷体" pitchFamily="49" charset="-122"/>
-                <a:ea typeface="楷体" pitchFamily="49" charset="-122"/>
-              </a:rPr>
-              <a:t>  </a:t>
-            </a:r>
-            <a:r>
-              <a:rPr lang="en-US" altLang="zh-CN" sz="1100" dirty="0">
-                <a:latin typeface="楷体" pitchFamily="49" charset="-122"/>
-                <a:ea typeface="楷体" pitchFamily="49" charset="-122"/>
-              </a:rPr>
-              <a:t>el</a:t>
-            </a:r>
-            <a:r>
-              <a:rPr lang="zh-CN" altLang="en-US" sz="1100" dirty="0">
-                <a:latin typeface="楷体" pitchFamily="49" charset="-122"/>
-                <a:ea typeface="楷体" pitchFamily="49" charset="-122"/>
-              </a:rPr>
-              <a:t>：指令所绑定的元素，可以用来直接操作 </a:t>
-            </a:r>
-            <a:r>
-              <a:rPr lang="en-US" altLang="zh-CN" sz="1100" dirty="0">
-                <a:latin typeface="楷体" pitchFamily="49" charset="-122"/>
-                <a:ea typeface="楷体" pitchFamily="49" charset="-122"/>
-              </a:rPr>
-              <a:t>DOM </a:t>
-            </a:r>
-            <a:r>
-              <a:rPr lang="zh-CN" altLang="en-US" sz="1100" dirty="0">
-                <a:latin typeface="楷体" pitchFamily="49" charset="-122"/>
-                <a:ea typeface="楷体" pitchFamily="49" charset="-122"/>
-              </a:rPr>
-              <a:t>。</a:t>
-            </a:r>
-            <a:endParaRPr lang="en-US" altLang="zh-CN" sz="1100" dirty="0">
-              <a:latin typeface="楷体" pitchFamily="49" charset="-122"/>
-              <a:ea typeface="楷体" pitchFamily="49" charset="-122"/>
-            </a:endParaRPr>
-          </a:p>
-          <a:p>
-            <a:r>
-              <a:rPr lang="en-US" altLang="zh-CN" sz="1100" dirty="0" smtClean="0">
-                <a:latin typeface="楷体" pitchFamily="49" charset="-122"/>
-                <a:ea typeface="楷体" pitchFamily="49" charset="-122"/>
-              </a:rPr>
-              <a:t>  </a:t>
-            </a:r>
-            <a:r>
-              <a:rPr lang="en-US" altLang="zh-CN" sz="1100" dirty="0">
-                <a:latin typeface="楷体" pitchFamily="49" charset="-122"/>
-                <a:ea typeface="楷体" pitchFamily="49" charset="-122"/>
-              </a:rPr>
-              <a:t>binding</a:t>
-            </a:r>
-            <a:r>
-              <a:rPr lang="zh-CN" altLang="en-US" sz="1100" dirty="0">
-                <a:latin typeface="楷体" pitchFamily="49" charset="-122"/>
-                <a:ea typeface="楷体" pitchFamily="49" charset="-122"/>
-              </a:rPr>
-              <a:t>：一个对象，包含以下属性：</a:t>
-            </a:r>
-          </a:p>
-          <a:p>
-            <a:r>
-              <a:rPr lang="en-US" altLang="zh-CN" sz="1100" dirty="0" smtClean="0">
-                <a:latin typeface="楷体" pitchFamily="49" charset="-122"/>
-                <a:ea typeface="楷体" pitchFamily="49" charset="-122"/>
-              </a:rPr>
-              <a:t>    </a:t>
-            </a:r>
-            <a:r>
-              <a:rPr lang="en-US" altLang="zh-CN" sz="1100" dirty="0">
-                <a:latin typeface="楷体" pitchFamily="49" charset="-122"/>
-                <a:ea typeface="楷体" pitchFamily="49" charset="-122"/>
-              </a:rPr>
-              <a:t> </a:t>
-            </a:r>
-            <a:r>
-              <a:rPr lang="en-US" altLang="zh-CN" sz="1100" dirty="0" smtClean="0">
-                <a:latin typeface="楷体" pitchFamily="49" charset="-122"/>
-                <a:ea typeface="楷体" pitchFamily="49" charset="-122"/>
-              </a:rPr>
-              <a:t>name</a:t>
-            </a:r>
-            <a:r>
-              <a:rPr lang="zh-CN" altLang="en-US" sz="1100" dirty="0">
-                <a:latin typeface="楷体" pitchFamily="49" charset="-122"/>
-                <a:ea typeface="楷体" pitchFamily="49" charset="-122"/>
-              </a:rPr>
-              <a:t>：指令名，不包括 </a:t>
-            </a:r>
-            <a:r>
-              <a:rPr lang="en-US" altLang="zh-CN" sz="1100" dirty="0">
-                <a:latin typeface="楷体" pitchFamily="49" charset="-122"/>
-                <a:ea typeface="楷体" pitchFamily="49" charset="-122"/>
-              </a:rPr>
-              <a:t>v- </a:t>
-            </a:r>
-            <a:r>
-              <a:rPr lang="zh-CN" altLang="en-US" sz="1100" dirty="0">
-                <a:latin typeface="楷体" pitchFamily="49" charset="-122"/>
-                <a:ea typeface="楷体" pitchFamily="49" charset="-122"/>
-              </a:rPr>
-              <a:t>前缀。</a:t>
-            </a:r>
-          </a:p>
-          <a:p>
-            <a:r>
-              <a:rPr lang="en-US" altLang="zh-CN" sz="1100" dirty="0" smtClean="0">
-                <a:latin typeface="楷体" pitchFamily="49" charset="-122"/>
-                <a:ea typeface="楷体" pitchFamily="49" charset="-122"/>
-              </a:rPr>
-              <a:t>     value</a:t>
-            </a:r>
-            <a:r>
-              <a:rPr lang="zh-CN" altLang="en-US" sz="1100" dirty="0">
-                <a:latin typeface="楷体" pitchFamily="49" charset="-122"/>
-                <a:ea typeface="楷体" pitchFamily="49" charset="-122"/>
-              </a:rPr>
-              <a:t>：指令的绑定值，例如：</a:t>
-            </a:r>
-            <a:r>
-              <a:rPr lang="en-US" altLang="zh-CN" sz="1100" dirty="0">
-                <a:latin typeface="楷体" pitchFamily="49" charset="-122"/>
-                <a:ea typeface="楷体" pitchFamily="49" charset="-122"/>
-              </a:rPr>
-              <a:t>v-my-directive=“1 + 1” </a:t>
-            </a:r>
-            <a:r>
-              <a:rPr lang="zh-CN" altLang="en-US" sz="1100" dirty="0">
-                <a:latin typeface="楷体" pitchFamily="49" charset="-122"/>
-                <a:ea typeface="楷体" pitchFamily="49" charset="-122"/>
-              </a:rPr>
-              <a:t>中，绑定值为 </a:t>
-            </a:r>
-            <a:r>
-              <a:rPr lang="en-US" altLang="zh-CN" sz="1100" dirty="0">
-                <a:latin typeface="楷体" pitchFamily="49" charset="-122"/>
-                <a:ea typeface="楷体" pitchFamily="49" charset="-122"/>
-              </a:rPr>
-              <a:t>2</a:t>
-            </a:r>
-            <a:r>
-              <a:rPr lang="zh-CN" altLang="en-US" sz="1100" dirty="0">
-                <a:latin typeface="楷体" pitchFamily="49" charset="-122"/>
-                <a:ea typeface="楷体" pitchFamily="49" charset="-122"/>
-              </a:rPr>
-              <a:t>。</a:t>
-            </a:r>
-          </a:p>
-          <a:p>
-            <a:r>
-              <a:rPr lang="en-US" altLang="zh-CN" sz="1100" dirty="0" smtClean="0">
-                <a:latin typeface="楷体" pitchFamily="49" charset="-122"/>
-                <a:ea typeface="楷体" pitchFamily="49" charset="-122"/>
-              </a:rPr>
-              <a:t>     </a:t>
-            </a:r>
-            <a:r>
-              <a:rPr lang="en-US" altLang="zh-CN" sz="1100" dirty="0" err="1" smtClean="0">
-                <a:latin typeface="楷体" pitchFamily="49" charset="-122"/>
-                <a:ea typeface="楷体" pitchFamily="49" charset="-122"/>
-              </a:rPr>
-              <a:t>oldValue</a:t>
-            </a:r>
-            <a:r>
-              <a:rPr lang="zh-CN" altLang="en-US" sz="1100" dirty="0">
-                <a:latin typeface="楷体" pitchFamily="49" charset="-122"/>
-                <a:ea typeface="楷体" pitchFamily="49" charset="-122"/>
-              </a:rPr>
-              <a:t>：指令绑定的前一个值，仅在 </a:t>
-            </a:r>
-            <a:r>
-              <a:rPr lang="en-US" altLang="zh-CN" sz="1100" dirty="0">
-                <a:latin typeface="楷体" pitchFamily="49" charset="-122"/>
-                <a:ea typeface="楷体" pitchFamily="49" charset="-122"/>
-              </a:rPr>
-              <a:t>update </a:t>
-            </a:r>
-            <a:r>
-              <a:rPr lang="zh-CN" altLang="en-US" sz="1100" dirty="0">
-                <a:latin typeface="楷体" pitchFamily="49" charset="-122"/>
-                <a:ea typeface="楷体" pitchFamily="49" charset="-122"/>
-              </a:rPr>
-              <a:t>和 </a:t>
-            </a:r>
-            <a:r>
-              <a:rPr lang="en-US" altLang="zh-CN" sz="1100" dirty="0" err="1">
-                <a:latin typeface="楷体" pitchFamily="49" charset="-122"/>
-                <a:ea typeface="楷体" pitchFamily="49" charset="-122"/>
-              </a:rPr>
-              <a:t>componentUpdated</a:t>
-            </a:r>
-            <a:r>
-              <a:rPr lang="en-US" altLang="zh-CN" sz="1100" dirty="0">
-                <a:latin typeface="楷体" pitchFamily="49" charset="-122"/>
-                <a:ea typeface="楷体" pitchFamily="49" charset="-122"/>
-              </a:rPr>
-              <a:t> </a:t>
-            </a:r>
-            <a:r>
-              <a:rPr lang="zh-CN" altLang="en-US" sz="1100" dirty="0">
-                <a:latin typeface="楷体" pitchFamily="49" charset="-122"/>
-                <a:ea typeface="楷体" pitchFamily="49" charset="-122"/>
-              </a:rPr>
-              <a:t>钩子中可用。无论值是否改变都可用。</a:t>
-            </a:r>
-          </a:p>
-          <a:p>
-            <a:r>
-              <a:rPr lang="en-US" altLang="zh-CN" sz="1100" dirty="0" smtClean="0">
-                <a:latin typeface="楷体" pitchFamily="49" charset="-122"/>
-                <a:ea typeface="楷体" pitchFamily="49" charset="-122"/>
-              </a:rPr>
-              <a:t>     expression</a:t>
-            </a:r>
-            <a:r>
-              <a:rPr lang="zh-CN" altLang="en-US" sz="1100" dirty="0">
-                <a:latin typeface="楷体" pitchFamily="49" charset="-122"/>
-                <a:ea typeface="楷体" pitchFamily="49" charset="-122"/>
-              </a:rPr>
-              <a:t>：字符串形式的指令表达式。例如 </a:t>
-            </a:r>
-            <a:r>
-              <a:rPr lang="en-US" altLang="zh-CN" sz="1100" dirty="0">
-                <a:latin typeface="楷体" pitchFamily="49" charset="-122"/>
-                <a:ea typeface="楷体" pitchFamily="49" charset="-122"/>
-              </a:rPr>
-              <a:t>v-my-directive=“1 + 1” </a:t>
-            </a:r>
-            <a:r>
-              <a:rPr lang="zh-CN" altLang="en-US" sz="1100" dirty="0">
-                <a:latin typeface="楷体" pitchFamily="49" charset="-122"/>
-                <a:ea typeface="楷体" pitchFamily="49" charset="-122"/>
-              </a:rPr>
-              <a:t>中，表达式为 “</a:t>
-            </a:r>
-            <a:r>
-              <a:rPr lang="en-US" altLang="zh-CN" sz="1100" dirty="0">
-                <a:latin typeface="楷体" pitchFamily="49" charset="-122"/>
-                <a:ea typeface="楷体" pitchFamily="49" charset="-122"/>
-              </a:rPr>
-              <a:t>1 + 1”</a:t>
-            </a:r>
-            <a:r>
-              <a:rPr lang="zh-CN" altLang="en-US" sz="1100" dirty="0">
-                <a:latin typeface="楷体" pitchFamily="49" charset="-122"/>
-                <a:ea typeface="楷体" pitchFamily="49" charset="-122"/>
-              </a:rPr>
-              <a:t>。</a:t>
-            </a:r>
-          </a:p>
-          <a:p>
-            <a:r>
-              <a:rPr lang="en-US" altLang="zh-CN" sz="1100" dirty="0" smtClean="0">
-                <a:latin typeface="楷体" pitchFamily="49" charset="-122"/>
-                <a:ea typeface="楷体" pitchFamily="49" charset="-122"/>
-              </a:rPr>
-              <a:t>     </a:t>
-            </a:r>
-            <a:r>
-              <a:rPr lang="en-US" altLang="zh-CN" sz="1100" dirty="0" err="1" smtClean="0">
-                <a:latin typeface="楷体" pitchFamily="49" charset="-122"/>
-                <a:ea typeface="楷体" pitchFamily="49" charset="-122"/>
-              </a:rPr>
-              <a:t>arg</a:t>
-            </a:r>
-            <a:r>
-              <a:rPr lang="zh-CN" altLang="en-US" sz="1100" dirty="0">
-                <a:latin typeface="楷体" pitchFamily="49" charset="-122"/>
-                <a:ea typeface="楷体" pitchFamily="49" charset="-122"/>
-              </a:rPr>
-              <a:t>：传给指令的参数，可选。例如 </a:t>
-            </a:r>
-            <a:r>
-              <a:rPr lang="en-US" altLang="zh-CN" sz="1100" dirty="0" err="1">
-                <a:latin typeface="楷体" pitchFamily="49" charset="-122"/>
-                <a:ea typeface="楷体" pitchFamily="49" charset="-122"/>
-              </a:rPr>
-              <a:t>v-my-directive:foo</a:t>
-            </a:r>
-            <a:r>
-              <a:rPr lang="en-US" altLang="zh-CN" sz="1100" dirty="0">
-                <a:latin typeface="楷体" pitchFamily="49" charset="-122"/>
-                <a:ea typeface="楷体" pitchFamily="49" charset="-122"/>
-              </a:rPr>
-              <a:t> </a:t>
-            </a:r>
-            <a:r>
-              <a:rPr lang="zh-CN" altLang="en-US" sz="1100" dirty="0">
-                <a:latin typeface="楷体" pitchFamily="49" charset="-122"/>
-                <a:ea typeface="楷体" pitchFamily="49" charset="-122"/>
-              </a:rPr>
-              <a:t>中，参数为 “</a:t>
-            </a:r>
-            <a:r>
-              <a:rPr lang="en-US" altLang="zh-CN" sz="1100" dirty="0">
-                <a:latin typeface="楷体" pitchFamily="49" charset="-122"/>
-                <a:ea typeface="楷体" pitchFamily="49" charset="-122"/>
-              </a:rPr>
-              <a:t>foo”</a:t>
-            </a:r>
-            <a:r>
-              <a:rPr lang="zh-CN" altLang="en-US" sz="1100" dirty="0">
-                <a:latin typeface="楷体" pitchFamily="49" charset="-122"/>
-                <a:ea typeface="楷体" pitchFamily="49" charset="-122"/>
-              </a:rPr>
-              <a:t>。</a:t>
-            </a:r>
-            <a:endParaRPr lang="en-US" altLang="zh-CN" sz="1100" dirty="0">
-              <a:latin typeface="楷体" pitchFamily="49" charset="-122"/>
-              <a:ea typeface="楷体" pitchFamily="49" charset="-122"/>
-            </a:endParaRPr>
-          </a:p>
-          <a:p>
-            <a:r>
-              <a:rPr lang="en-US" altLang="zh-CN" sz="1100" dirty="0" smtClean="0">
-                <a:latin typeface="楷体" pitchFamily="49" charset="-122"/>
-                <a:ea typeface="楷体" pitchFamily="49" charset="-122"/>
-              </a:rPr>
-              <a:t>     modifiers</a:t>
-            </a:r>
-            <a:r>
-              <a:rPr lang="zh-CN" altLang="en-US" sz="1100" dirty="0">
-                <a:latin typeface="楷体" pitchFamily="49" charset="-122"/>
-                <a:ea typeface="楷体" pitchFamily="49" charset="-122"/>
-              </a:rPr>
-              <a:t>：一个包含修饰符的对象。例如：</a:t>
-            </a:r>
-            <a:r>
-              <a:rPr lang="en-US" altLang="zh-CN" sz="1100" dirty="0">
-                <a:latin typeface="楷体" pitchFamily="49" charset="-122"/>
-                <a:ea typeface="楷体" pitchFamily="49" charset="-122"/>
-              </a:rPr>
-              <a:t>v-my-</a:t>
-            </a:r>
-            <a:r>
-              <a:rPr lang="en-US" altLang="zh-CN" sz="1100" dirty="0" err="1">
-                <a:latin typeface="楷体" pitchFamily="49" charset="-122"/>
-                <a:ea typeface="楷体" pitchFamily="49" charset="-122"/>
-              </a:rPr>
-              <a:t>directive.foo.bar</a:t>
-            </a:r>
-            <a:r>
-              <a:rPr lang="en-US" altLang="zh-CN" sz="1100" dirty="0">
-                <a:latin typeface="楷体" pitchFamily="49" charset="-122"/>
-                <a:ea typeface="楷体" pitchFamily="49" charset="-122"/>
-              </a:rPr>
-              <a:t> </a:t>
-            </a:r>
-            <a:r>
-              <a:rPr lang="zh-CN" altLang="en-US" sz="1100" dirty="0">
-                <a:latin typeface="楷体" pitchFamily="49" charset="-122"/>
-                <a:ea typeface="楷体" pitchFamily="49" charset="-122"/>
-              </a:rPr>
-              <a:t>中，修饰符对象为 </a:t>
-            </a:r>
-            <a:r>
-              <a:rPr lang="en-US" altLang="zh-CN" sz="1100" dirty="0">
-                <a:latin typeface="楷体" pitchFamily="49" charset="-122"/>
-                <a:ea typeface="楷体" pitchFamily="49" charset="-122"/>
-              </a:rPr>
-              <a:t>{ foo: true, bar: true }</a:t>
-            </a:r>
-            <a:r>
-              <a:rPr lang="zh-CN" altLang="en-US" sz="1100" dirty="0" smtClean="0">
-                <a:latin typeface="楷体" pitchFamily="49" charset="-122"/>
-                <a:ea typeface="楷体" pitchFamily="49" charset="-122"/>
-              </a:rPr>
-              <a:t>。</a:t>
-            </a:r>
-            <a:endParaRPr lang="en-US" altLang="zh-CN" sz="1100" dirty="0">
-              <a:latin typeface="楷体" pitchFamily="49" charset="-122"/>
-              <a:ea typeface="楷体" pitchFamily="49" charset="-122"/>
-            </a:endParaRPr>
-          </a:p>
-          <a:p>
-            <a:r>
-              <a:rPr lang="en-US" altLang="zh-CN" sz="1100" dirty="0" smtClean="0">
-                <a:latin typeface="楷体" pitchFamily="49" charset="-122"/>
-                <a:ea typeface="楷体" pitchFamily="49" charset="-122"/>
-              </a:rPr>
-              <a:t>  </a:t>
-            </a:r>
-            <a:r>
-              <a:rPr lang="en-US" altLang="zh-CN" sz="1100" dirty="0" err="1">
-                <a:latin typeface="楷体" pitchFamily="49" charset="-122"/>
-                <a:ea typeface="楷体" pitchFamily="49" charset="-122"/>
-              </a:rPr>
-              <a:t>vnode</a:t>
-            </a:r>
-            <a:r>
-              <a:rPr lang="zh-CN" altLang="en-US" sz="1100" dirty="0">
-                <a:latin typeface="楷体" pitchFamily="49" charset="-122"/>
-                <a:ea typeface="楷体" pitchFamily="49" charset="-122"/>
-              </a:rPr>
-              <a:t>： </a:t>
-            </a:r>
-            <a:r>
-              <a:rPr lang="en-US" altLang="zh-CN" sz="1100" dirty="0" err="1">
-                <a:latin typeface="楷体" pitchFamily="49" charset="-122"/>
-                <a:ea typeface="楷体" pitchFamily="49" charset="-122"/>
-              </a:rPr>
-              <a:t>Vue</a:t>
-            </a:r>
-            <a:r>
-              <a:rPr lang="zh-CN" altLang="en-US" sz="1100" dirty="0">
-                <a:latin typeface="楷体" pitchFamily="49" charset="-122"/>
-                <a:ea typeface="楷体" pitchFamily="49" charset="-122"/>
-              </a:rPr>
-              <a:t>编译生成的虚拟节点</a:t>
-            </a:r>
-            <a:r>
-              <a:rPr lang="zh-CN" altLang="en-US" sz="1100" dirty="0" smtClean="0">
-                <a:latin typeface="楷体" pitchFamily="49" charset="-122"/>
-                <a:ea typeface="楷体" pitchFamily="49" charset="-122"/>
-              </a:rPr>
-              <a:t>。</a:t>
-            </a:r>
-            <a:endParaRPr lang="en-US" altLang="zh-CN" sz="1100" dirty="0" smtClean="0">
-              <a:latin typeface="楷体" pitchFamily="49" charset="-122"/>
-              <a:ea typeface="楷体" pitchFamily="49" charset="-122"/>
-            </a:endParaRPr>
-          </a:p>
-          <a:p>
-            <a:r>
-              <a:rPr lang="en-US" altLang="zh-CN" sz="1100" dirty="0" smtClean="0">
-                <a:latin typeface="楷体" pitchFamily="49" charset="-122"/>
-                <a:ea typeface="楷体" pitchFamily="49" charset="-122"/>
-              </a:rPr>
-              <a:t>  </a:t>
-            </a:r>
-            <a:r>
-              <a:rPr lang="en-US" altLang="zh-CN" sz="1100" dirty="0" err="1">
-                <a:latin typeface="楷体" pitchFamily="49" charset="-122"/>
-                <a:ea typeface="楷体" pitchFamily="49" charset="-122"/>
-              </a:rPr>
-              <a:t>oldVnode</a:t>
-            </a:r>
-            <a:r>
-              <a:rPr lang="zh-CN" altLang="en-US" sz="1100" dirty="0">
-                <a:latin typeface="楷体" pitchFamily="49" charset="-122"/>
-                <a:ea typeface="楷体" pitchFamily="49" charset="-122"/>
-              </a:rPr>
-              <a:t>：上一个虚拟节点，仅在 </a:t>
-            </a:r>
-            <a:r>
-              <a:rPr lang="en-US" altLang="zh-CN" sz="1100" dirty="0">
-                <a:latin typeface="楷体" pitchFamily="49" charset="-122"/>
-                <a:ea typeface="楷体" pitchFamily="49" charset="-122"/>
-              </a:rPr>
-              <a:t>update </a:t>
-            </a:r>
-            <a:r>
-              <a:rPr lang="zh-CN" altLang="en-US" sz="1100" dirty="0">
-                <a:latin typeface="楷体" pitchFamily="49" charset="-122"/>
-                <a:ea typeface="楷体" pitchFamily="49" charset="-122"/>
-              </a:rPr>
-              <a:t>和 </a:t>
-            </a:r>
-            <a:r>
-              <a:rPr lang="en-US" altLang="zh-CN" sz="1100" dirty="0" err="1">
-                <a:latin typeface="楷体" pitchFamily="49" charset="-122"/>
-                <a:ea typeface="楷体" pitchFamily="49" charset="-122"/>
-              </a:rPr>
-              <a:t>componentUpdated</a:t>
-            </a:r>
-            <a:r>
-              <a:rPr lang="en-US" altLang="zh-CN" sz="1100" dirty="0">
-                <a:latin typeface="楷体" pitchFamily="49" charset="-122"/>
-                <a:ea typeface="楷体" pitchFamily="49" charset="-122"/>
-              </a:rPr>
-              <a:t> </a:t>
-            </a:r>
-            <a:r>
-              <a:rPr lang="zh-CN" altLang="en-US" sz="1100" dirty="0">
-                <a:latin typeface="楷体" pitchFamily="49" charset="-122"/>
-                <a:ea typeface="楷体" pitchFamily="49" charset="-122"/>
-              </a:rPr>
-              <a:t>钩子中可用。</a:t>
-            </a:r>
-          </a:p>
-          <a:p>
-            <a:endParaRPr lang="zh-CN" altLang="en-US" sz="1100" i="1" dirty="0">
-              <a:latin typeface="楷体" pitchFamily="49" charset="-122"/>
-              <a:ea typeface="楷体" pitchFamily="49" charset="-122"/>
-            </a:endParaRPr>
-          </a:p>
-        </p:txBody>
-      </p:sp>
-    </p:spTree>
-    <p:extLst>
-      <p:ext uri="{BB962C8B-B14F-4D97-AF65-F5344CB8AC3E}">
-        <p14:creationId xmlns:p14="http://schemas.microsoft.com/office/powerpoint/2010/main" val="2936778772"/>
-      </p:ext>
-    </p:extLst>
-  </p:cSld>
-  <p:clrMapOvr>
-    <a:masterClrMapping/>
-  </p:clrMapOvr>
-  <p:transition spd="slow">
-    <p:push dir="u"/>
-  </p:transition>
-  <p:timing>
-    <p:tnLst>
-      <p:par>
-        <p:cTn id="1" dur="indefinite" restart="never" nodeType="tmRoot"/>
-      </p:par>
-    </p:tnLst>
-  </p:timing>
-</p:sld>
-</file>
-
 <file path=ppt/slides/slide18.xml><?xml version="1.0" encoding="utf-8"?>
 <p:sld xmlns:a="http://schemas.openxmlformats.org/drawingml/2006/main" xmlns:r="http://schemas.openxmlformats.org/officeDocument/2006/relationships" xmlns:p="http://schemas.openxmlformats.org/presentationml/2006/main">
   <p:cSld>
@@ -15938,14 +15953,7 @@
                 <a:latin typeface="楷体" pitchFamily="49" charset="-122"/>
                 <a:ea typeface="楷体" pitchFamily="49" charset="-122"/>
               </a:rPr>
-              <a:t>什么</a:t>
-            </a:r>
-            <a:r>
-              <a:rPr lang="zh-CN" altLang="en-US" sz="2800" dirty="0" smtClean="0">
-                <a:latin typeface="楷体" pitchFamily="49" charset="-122"/>
-                <a:ea typeface="楷体" pitchFamily="49" charset="-122"/>
-              </a:rPr>
-              <a:t>是</a:t>
+              <a:t> 什么是</a:t>
             </a:r>
             <a:r>
               <a:rPr lang="en-US" altLang="zh-CN" sz="2800" dirty="0" err="1">
@@ -15972,14 +15980,7 @@
                 <a:latin typeface="楷体" pitchFamily="49" charset="-122"/>
                 <a:ea typeface="楷体" pitchFamily="49" charset="-122"/>
               </a:rPr>
-              <a:t>为什么要</a:t>
-            </a:r>
-            <a:r>
-              <a:rPr lang="zh-CN" altLang="en-US" sz="2800" dirty="0" smtClean="0">
-                <a:latin typeface="楷体" pitchFamily="49" charset="-122"/>
-                <a:ea typeface="楷体" pitchFamily="49" charset="-122"/>
-              </a:rPr>
-              <a:t>使用</a:t>
+              <a:t> 为什么要使用</a:t>
             </a:r>
             <a:r>
               <a:rPr lang="en-US" altLang="zh-CN" sz="2800" dirty="0" err="1">
@@ -16006,7 +16007,14 @@
                 <a:latin typeface="楷体" pitchFamily="49" charset="-122"/>
                 <a:ea typeface="楷体" pitchFamily="49" charset="-122"/>
               </a:rPr>
-              <a:t>简要对比前端三大框架</a:t>
+              <a:t> 简要对比前端</a:t>
+            </a:r>
+            <a:r>
+              <a:rPr lang="zh-CN" altLang="en-US" sz="2800" dirty="0">
+                <a:latin typeface="楷体" pitchFamily="49" charset="-122"/>
+                <a:ea typeface="楷体" pitchFamily="49" charset="-122"/>
+              </a:rPr>
+              <a:t>三大主流框架</a:t>
             </a:r>
             <a:endParaRPr lang="en-US" altLang="zh-CN" sz="2800" dirty="0" smtClean="0">
               <a:latin typeface="楷体" pitchFamily="49" charset="-122"/>
@@ -16022,7 +16030,14 @@
               <a:buChar char="u"/>
             </a:pPr>
             <a:r>
-              <a:rPr lang="en-US" altLang="zh-CN" sz="2800" dirty="0" err="1">
+              <a:rPr lang="en-US" altLang="zh-CN" sz="2800" dirty="0" smtClean="0">
+                <a:latin typeface="楷体" pitchFamily="49" charset="-122"/>
+                <a:ea typeface="楷体" pitchFamily="49" charset="-122"/>
+              </a:rPr>
+              <a:t> </a:t>
+            </a:r>
+            <a:r>
+              <a:rPr lang="en-US" altLang="zh-CN" sz="2800" dirty="0" err="1" smtClean="0">
                 <a:latin typeface="楷体" pitchFamily="49" charset="-122"/>
                 <a:ea typeface="楷体" pitchFamily="49" charset="-122"/>
               </a:rPr>
@@ -16053,21 +16068,14 @@
                 <a:latin typeface="楷体" pitchFamily="49" charset="-122"/>
                 <a:ea typeface="楷体" pitchFamily="49" charset="-122"/>
               </a:rPr>
-              <a:t>了解并使用</a:t>
+              <a:t> 了解并使用</a:t>
             </a:r>
             <a:r>
               <a:rPr lang="en-US" altLang="zh-CN" sz="2800" dirty="0" err="1" smtClean="0">
                 <a:latin typeface="楷体" pitchFamily="49" charset="-122"/>
                 <a:ea typeface="楷体" pitchFamily="49" charset="-122"/>
               </a:rPr>
-              <a:t>V</a:t>
-            </a:r>
-            <a:r>
-              <a:rPr lang="en-US" altLang="zh-CN" sz="2800" dirty="0" err="1" smtClean="0">
-                <a:latin typeface="楷体" pitchFamily="49" charset="-122"/>
-                <a:ea typeface="楷体" pitchFamily="49" charset="-122"/>
-              </a:rPr>
-              <a:t>ue</a:t>
+              <a:t>Vue</a:t>
             </a:r>
             <a:endParaRPr lang="en-US" altLang="zh-CN" sz="2800" dirty="0" smtClean="0">
               <a:latin typeface="楷体" pitchFamily="49" charset="-122"/>
@@ -16083,18 +16091,18 @@
               <a:buChar char="u"/>
             </a:pPr>
             <a:r>
+              <a:rPr lang="en-US" altLang="zh-CN" sz="2800" dirty="0" smtClean="0">
+                <a:latin typeface="楷体" pitchFamily="49" charset="-122"/>
+                <a:ea typeface="楷体" pitchFamily="49" charset="-122"/>
+              </a:rPr>
+              <a:t> </a:t>
+            </a:r>
+            <a:r>
               <a:rPr lang="en-US" altLang="zh-CN" sz="2800" dirty="0" err="1" smtClean="0">
                 <a:latin typeface="楷体" pitchFamily="49" charset="-122"/>
                 <a:ea typeface="楷体" pitchFamily="49" charset="-122"/>
               </a:rPr>
-              <a:t>V</a:t>
-            </a:r>
-            <a:r>
-              <a:rPr lang="en-US" altLang="zh-CN" sz="2800" dirty="0" err="1" smtClean="0">
-                <a:latin typeface="楷体" pitchFamily="49" charset="-122"/>
-                <a:ea typeface="楷体" pitchFamily="49" charset="-122"/>
-              </a:rPr>
-              <a:t>ue</a:t>
+              <a:t>Vue</a:t>
             </a:r>
             <a:r>
               <a:rPr lang="zh-CN" altLang="en-US" sz="2800" dirty="0" smtClean="0">
@@ -16121,12 +16129,8 @@
                 <a:latin typeface="楷体" pitchFamily="49" charset="-122"/>
                 <a:ea typeface="楷体" pitchFamily="49" charset="-122"/>
               </a:rPr>
-              <a:t>Vue3.0</a:t>
-            </a:r>
-            <a:endParaRPr lang="en-US" altLang="zh-CN" sz="2800" dirty="0" smtClean="0">
-              <a:latin typeface="楷体" pitchFamily="49" charset="-122"/>
-              <a:ea typeface="楷体" pitchFamily="49" charset="-122"/>
-            </a:endParaRPr>
+              <a:t> Vue3.0</a:t>
+            </a:r>
           </a:p>
         </p:txBody>
       </p:sp>
@@ -16207,7 +16211,7 @@
         </p:nvSpPr>
         <p:spPr>
           <a:xfrm>
-            <a:off x="394428" y="195090"/>
+            <a:off x="277924" y="188640"/>
             <a:ext cx="7488832" cy="461665"/>
           </a:xfrm>
           <a:prstGeom prst="rect">
@@ -16249,6 +16253,1550 @@
           </a:p>
         </p:txBody>
       </p:sp>
+      <p:sp>
+        <p:nvSpPr>
+          <p:cNvPr id="2" name="TextBox 1"/>
+          <p:cNvSpPr txBox="1"/>
+          <p:nvPr/>
+        </p:nvSpPr>
+        <p:spPr>
+          <a:xfrm>
+            <a:off x="695309" y="5661248"/>
+            <a:ext cx="8316416" cy="861774"/>
+          </a:xfrm>
+          <a:prstGeom prst="rect">
+            <a:avLst/>
+          </a:prstGeom>
+          <a:noFill/>
+        </p:spPr>
+        <p:txBody>
+          <a:bodyPr wrap="square" rtlCol="0">
+            <a:spAutoFit/>
+          </a:bodyPr>
+          <a:lstStyle/>
+          <a:p>
+            <a:r>
+              <a:rPr lang="zh-CN" altLang="en-US" sz="1400" dirty="0">
+                <a:solidFill>
+                  <a:srgbClr val="00B050"/>
+                </a:solidFill>
+                <a:latin typeface="楷体" pitchFamily="49" charset="-122"/>
+                <a:ea typeface="楷体" pitchFamily="49" charset="-122"/>
+              </a:rPr>
+              <a:t>传送</a:t>
+            </a:r>
+            <a:r>
+              <a:rPr lang="zh-CN" altLang="en-US" sz="1400" dirty="0" smtClean="0">
+                <a:solidFill>
+                  <a:srgbClr val="00B050"/>
+                </a:solidFill>
+                <a:latin typeface="楷体" pitchFamily="49" charset="-122"/>
+                <a:ea typeface="楷体" pitchFamily="49" charset="-122"/>
+              </a:rPr>
+              <a:t>门：</a:t>
+            </a:r>
+            <a:endParaRPr lang="en-US" altLang="zh-CN" sz="1400" dirty="0" smtClean="0">
+              <a:solidFill>
+                <a:srgbClr val="00B050"/>
+              </a:solidFill>
+              <a:latin typeface="楷体" pitchFamily="49" charset="-122"/>
+              <a:ea typeface="楷体" pitchFamily="49" charset="-122"/>
+            </a:endParaRPr>
+          </a:p>
+          <a:p>
+            <a:pPr lvl="1"/>
+            <a:r>
+              <a:rPr lang="en-US" altLang="zh-CN" sz="1200" dirty="0" smtClean="0">
+                <a:latin typeface="楷体" pitchFamily="49" charset="-122"/>
+                <a:ea typeface="楷体" pitchFamily="49" charset="-122"/>
+              </a:rPr>
+              <a:t>https</a:t>
+            </a:r>
+            <a:r>
+              <a:rPr lang="en-US" altLang="zh-CN" sz="1200" dirty="0">
+                <a:latin typeface="楷体" pitchFamily="49" charset="-122"/>
+                <a:ea typeface="楷体" pitchFamily="49" charset="-122"/>
+              </a:rPr>
+              <a:t>://</a:t>
+            </a:r>
+            <a:r>
+              <a:rPr lang="en-US" altLang="zh-CN" sz="1200" smtClean="0">
+                <a:latin typeface="楷体" pitchFamily="49" charset="-122"/>
+                <a:ea typeface="楷体" pitchFamily="49" charset="-122"/>
+              </a:rPr>
+              <a:t>github.com/vuejs/vue-next     	Vue3.0</a:t>
+            </a:r>
+            <a:r>
+              <a:rPr lang="zh-CN" altLang="en-US" sz="1200" dirty="0">
+                <a:latin typeface="楷体" pitchFamily="49" charset="-122"/>
+                <a:ea typeface="楷体" pitchFamily="49" charset="-122"/>
+              </a:rPr>
+              <a:t>源码</a:t>
+            </a:r>
+          </a:p>
+          <a:p>
+            <a:pPr lvl="1"/>
+            <a:r>
+              <a:rPr lang="en-US" altLang="zh-CN" sz="1200" dirty="0">
+                <a:latin typeface="楷体" pitchFamily="49" charset="-122"/>
+                <a:ea typeface="楷体" pitchFamily="49" charset="-122"/>
+              </a:rPr>
+              <a:t>https://</a:t>
+            </a:r>
+            <a:r>
+              <a:rPr lang="en-US" altLang="zh-CN" sz="1200" dirty="0" smtClean="0">
+                <a:latin typeface="楷体" pitchFamily="49" charset="-122"/>
+                <a:ea typeface="楷体" pitchFamily="49" charset="-122"/>
+              </a:rPr>
+              <a:t>github.com/vuejs/vue/projects/6	       </a:t>
+            </a:r>
+            <a:r>
+              <a:rPr lang="en-US" altLang="zh-CN" sz="1200" dirty="0" err="1" smtClean="0">
+                <a:latin typeface="楷体" pitchFamily="49" charset="-122"/>
+                <a:ea typeface="楷体" pitchFamily="49" charset="-122"/>
+              </a:rPr>
+              <a:t>Vue</a:t>
+            </a:r>
+            <a:r>
+              <a:rPr lang="zh-CN" altLang="en-US" sz="1200" dirty="0">
+                <a:latin typeface="楷体" pitchFamily="49" charset="-122"/>
+                <a:ea typeface="楷体" pitchFamily="49" charset="-122"/>
+              </a:rPr>
+              <a:t>迭代官方时间表</a:t>
+            </a:r>
+          </a:p>
+          <a:p>
+            <a:pPr lvl="1"/>
+            <a:r>
+              <a:rPr lang="en-US" altLang="zh-CN" sz="1200" dirty="0">
+                <a:latin typeface="楷体" pitchFamily="49" charset="-122"/>
+                <a:ea typeface="楷体" pitchFamily="49" charset="-122"/>
+              </a:rPr>
+              <a:t>https://juejin.im/post/5bb719b9f265da0ab915dbdd	</a:t>
+            </a:r>
+            <a:r>
+              <a:rPr lang="zh-CN" altLang="en-US" sz="1200" dirty="0" smtClean="0">
+                <a:latin typeface="楷体" pitchFamily="49" charset="-122"/>
+                <a:ea typeface="楷体" pitchFamily="49" charset="-122"/>
+              </a:rPr>
+              <a:t>尤雨溪</a:t>
+            </a:r>
+            <a:r>
+              <a:rPr lang="en-US" altLang="zh-CN" sz="1200" dirty="0" smtClean="0">
+                <a:latin typeface="楷体" pitchFamily="49" charset="-122"/>
+                <a:ea typeface="楷体" pitchFamily="49" charset="-122"/>
+              </a:rPr>
+              <a:t>Vue3.0</a:t>
+            </a:r>
+            <a:r>
+              <a:rPr lang="zh-CN" altLang="en-US" sz="1200" dirty="0">
+                <a:latin typeface="楷体" pitchFamily="49" charset="-122"/>
+                <a:ea typeface="楷体" pitchFamily="49" charset="-122"/>
+              </a:rPr>
+              <a:t>计划掘金译文</a:t>
+            </a:r>
+          </a:p>
+        </p:txBody>
+      </p:sp>
+      <p:sp>
+        <p:nvSpPr>
+          <p:cNvPr id="3" name="TextBox 2"/>
+          <p:cNvSpPr txBox="1"/>
+          <p:nvPr/>
+        </p:nvSpPr>
+        <p:spPr>
+          <a:xfrm>
+            <a:off x="709590" y="598492"/>
+            <a:ext cx="8434409" cy="3985706"/>
+          </a:xfrm>
+          <a:prstGeom prst="rect">
+            <a:avLst/>
+          </a:prstGeom>
+          <a:noFill/>
+        </p:spPr>
+        <p:txBody>
+          <a:bodyPr wrap="square" rtlCol="0">
+            <a:spAutoFit/>
+          </a:bodyPr>
+          <a:lstStyle/>
+          <a:p>
+            <a:pPr>
+              <a:lnSpc>
+                <a:spcPct val="150000"/>
+              </a:lnSpc>
+            </a:pPr>
+            <a:r>
+              <a:rPr lang="en-US" altLang="zh-CN" sz="1400" dirty="0" err="1">
+                <a:latin typeface="楷体" pitchFamily="49" charset="-122"/>
+                <a:ea typeface="楷体" pitchFamily="49" charset="-122"/>
+              </a:rPr>
+              <a:t>Vue</a:t>
+            </a:r>
+            <a:r>
+              <a:rPr lang="en-US" altLang="zh-CN" sz="1400" dirty="0">
+                <a:latin typeface="楷体" pitchFamily="49" charset="-122"/>
+                <a:ea typeface="楷体" pitchFamily="49" charset="-122"/>
+              </a:rPr>
+              <a:t> 3.0</a:t>
+            </a:r>
+            <a:r>
+              <a:rPr lang="zh-CN" altLang="en-US" sz="1400" dirty="0">
+                <a:latin typeface="楷体" pitchFamily="49" charset="-122"/>
+                <a:ea typeface="楷体" pitchFamily="49" charset="-122"/>
+              </a:rPr>
+              <a:t>计划并已实现的新特性</a:t>
+            </a:r>
+            <a:r>
+              <a:rPr lang="zh-CN" altLang="en-US" sz="1400" dirty="0" smtClean="0">
+                <a:latin typeface="楷体" pitchFamily="49" charset="-122"/>
+                <a:ea typeface="楷体" pitchFamily="49" charset="-122"/>
+              </a:rPr>
+              <a:t>：</a:t>
+            </a:r>
+            <a:endParaRPr lang="zh-CN" altLang="en-US" sz="1200" dirty="0">
+              <a:latin typeface="楷体" pitchFamily="49" charset="-122"/>
+              <a:ea typeface="楷体" pitchFamily="49" charset="-122"/>
+            </a:endParaRPr>
+          </a:p>
+          <a:p>
+            <a:r>
+              <a:rPr lang="zh-CN" altLang="en-US" sz="1200" dirty="0" smtClean="0">
+                <a:latin typeface="楷体" pitchFamily="49" charset="-122"/>
+                <a:ea typeface="楷体" pitchFamily="49" charset="-122"/>
+              </a:rPr>
+              <a:t>    </a:t>
+            </a:r>
+            <a:r>
+              <a:rPr lang="en-US" altLang="zh-CN" sz="1200" dirty="0" smtClean="0">
+                <a:solidFill>
+                  <a:srgbClr val="FF0000"/>
+                </a:solidFill>
+                <a:latin typeface="楷体" pitchFamily="49" charset="-122"/>
+                <a:ea typeface="楷体" pitchFamily="49" charset="-122"/>
+              </a:rPr>
+              <a:t>1</a:t>
+            </a:r>
+            <a:r>
+              <a:rPr lang="en-US" altLang="zh-CN" sz="1200" dirty="0" smtClean="0">
+                <a:latin typeface="楷体" pitchFamily="49" charset="-122"/>
+                <a:ea typeface="楷体" pitchFamily="49" charset="-122"/>
+              </a:rPr>
+              <a:t>.</a:t>
+            </a:r>
+            <a:r>
+              <a:rPr lang="zh-CN" altLang="en-US" sz="1200" dirty="0" smtClean="0">
+                <a:latin typeface="楷体" pitchFamily="49" charset="-122"/>
+                <a:ea typeface="楷体" pitchFamily="49" charset="-122"/>
+              </a:rPr>
+              <a:t>基于</a:t>
+            </a:r>
+            <a:r>
+              <a:rPr lang="en-US" altLang="zh-CN" sz="1200" dirty="0" smtClean="0">
+                <a:latin typeface="楷体" pitchFamily="49" charset="-122"/>
+                <a:ea typeface="楷体" pitchFamily="49" charset="-122"/>
+              </a:rPr>
+              <a:t>Proxy </a:t>
+            </a:r>
+            <a:r>
+              <a:rPr lang="zh-CN" altLang="en-US" sz="1200" dirty="0" smtClean="0">
+                <a:latin typeface="楷体" pitchFamily="49" charset="-122"/>
+                <a:ea typeface="楷体" pitchFamily="49" charset="-122"/>
+              </a:rPr>
+              <a:t>实现</a:t>
+            </a:r>
+            <a:r>
+              <a:rPr lang="zh-CN" altLang="en-US" sz="1200" dirty="0">
+                <a:latin typeface="楷体" pitchFamily="49" charset="-122"/>
+                <a:ea typeface="楷体" pitchFamily="49" charset="-122"/>
+              </a:rPr>
+              <a:t>的数据变更检测；相比于 </a:t>
+            </a:r>
+            <a:r>
+              <a:rPr lang="en-US" altLang="zh-CN" sz="1200" dirty="0">
+                <a:latin typeface="楷体" pitchFamily="49" charset="-122"/>
+                <a:ea typeface="楷体" pitchFamily="49" charset="-122"/>
+              </a:rPr>
+              <a:t>2.x </a:t>
+            </a:r>
+            <a:r>
+              <a:rPr lang="zh-CN" altLang="en-US" sz="1200" dirty="0">
+                <a:latin typeface="楷体" pitchFamily="49" charset="-122"/>
+                <a:ea typeface="楷体" pitchFamily="49" charset="-122"/>
+              </a:rPr>
+              <a:t>版本里基于 </a:t>
+            </a:r>
+            <a:r>
+              <a:rPr lang="en-US" altLang="zh-CN" sz="1200" dirty="0" err="1">
+                <a:latin typeface="楷体" pitchFamily="49" charset="-122"/>
+                <a:ea typeface="楷体" pitchFamily="49" charset="-122"/>
+              </a:rPr>
+              <a:t>Object.defineProperty</a:t>
+            </a:r>
+            <a:r>
+              <a:rPr lang="en-US" altLang="zh-CN" sz="1200" dirty="0">
+                <a:latin typeface="楷体" pitchFamily="49" charset="-122"/>
+                <a:ea typeface="楷体" pitchFamily="49" charset="-122"/>
+              </a:rPr>
+              <a:t> </a:t>
+            </a:r>
+            <a:r>
+              <a:rPr lang="zh-CN" altLang="en-US" sz="1200" dirty="0">
+                <a:latin typeface="楷体" pitchFamily="49" charset="-122"/>
+                <a:ea typeface="楷体" pitchFamily="49" charset="-122"/>
+              </a:rPr>
+              <a:t>的数据变更检测，新的实现更加</a:t>
+            </a:r>
+            <a:r>
+              <a:rPr lang="zh-CN" altLang="en-US" sz="1200" dirty="0" smtClean="0">
+                <a:latin typeface="楷体" pitchFamily="49" charset="-122"/>
+                <a:ea typeface="楷体" pitchFamily="49" charset="-122"/>
+              </a:rPr>
+              <a:t>强大</a:t>
+            </a:r>
+            <a:r>
+              <a:rPr lang="zh-CN" altLang="en-US" sz="1200" dirty="0" smtClean="0">
+                <a:latin typeface="楷体" pitchFamily="49" charset="-122"/>
+                <a:ea typeface="楷体" pitchFamily="49" charset="-122"/>
+              </a:rPr>
+              <a:t>、更加精准</a:t>
+            </a:r>
+            <a:r>
+              <a:rPr lang="zh-CN" altLang="en-US" sz="1200" dirty="0" smtClean="0">
+                <a:latin typeface="楷体" pitchFamily="49" charset="-122"/>
+                <a:ea typeface="楷体" pitchFamily="49" charset="-122"/>
+              </a:rPr>
+              <a:t>：</a:t>
+            </a:r>
+            <a:endParaRPr lang="zh-CN" altLang="en-US" sz="1200" dirty="0">
+              <a:latin typeface="楷体" pitchFamily="49" charset="-122"/>
+              <a:ea typeface="楷体" pitchFamily="49" charset="-122"/>
+            </a:endParaRPr>
+          </a:p>
+          <a:p>
+            <a:r>
+              <a:rPr lang="zh-CN" altLang="en-US" sz="1200" dirty="0" smtClean="0">
+                <a:latin typeface="楷体" pitchFamily="49" charset="-122"/>
+                <a:ea typeface="楷体" pitchFamily="49" charset="-122"/>
+              </a:rPr>
+              <a:t>      </a:t>
+            </a:r>
+            <a:r>
+              <a:rPr lang="en-US" altLang="zh-CN" sz="1200" dirty="0" smtClean="0">
+                <a:latin typeface="楷体" pitchFamily="49" charset="-122"/>
+                <a:ea typeface="楷体" pitchFamily="49" charset="-122"/>
+              </a:rPr>
+              <a:t>a.</a:t>
+            </a:r>
+            <a:r>
+              <a:rPr lang="zh-CN" altLang="en-US" sz="1200" dirty="0" smtClean="0">
+                <a:latin typeface="楷体" pitchFamily="49" charset="-122"/>
+                <a:ea typeface="楷体" pitchFamily="49" charset="-122"/>
+              </a:rPr>
+              <a:t>可以检测对象属性</a:t>
+            </a:r>
+            <a:r>
+              <a:rPr lang="zh-CN" altLang="en-US" sz="1200" dirty="0">
+                <a:latin typeface="楷体" pitchFamily="49" charset="-122"/>
+                <a:ea typeface="楷体" pitchFamily="49" charset="-122"/>
+              </a:rPr>
+              <a:t>的新增和删除</a:t>
+            </a:r>
+          </a:p>
+          <a:p>
+            <a:r>
+              <a:rPr lang="zh-CN" altLang="en-US" sz="1200" dirty="0" smtClean="0">
+                <a:latin typeface="楷体" pitchFamily="49" charset="-122"/>
+                <a:ea typeface="楷体" pitchFamily="49" charset="-122"/>
+              </a:rPr>
+              <a:t>      </a:t>
+            </a:r>
+            <a:r>
+              <a:rPr lang="en-US" altLang="zh-CN" sz="1200" dirty="0" smtClean="0">
+                <a:latin typeface="楷体" pitchFamily="49" charset="-122"/>
+                <a:ea typeface="楷体" pitchFamily="49" charset="-122"/>
+              </a:rPr>
+              <a:t>b.</a:t>
+            </a:r>
+            <a:r>
+              <a:rPr lang="zh-CN" altLang="en-US" sz="1200" dirty="0" smtClean="0">
+                <a:latin typeface="楷体" pitchFamily="49" charset="-122"/>
+                <a:ea typeface="楷体" pitchFamily="49" charset="-122"/>
+              </a:rPr>
+              <a:t>可以</a:t>
+            </a:r>
+            <a:r>
+              <a:rPr lang="zh-CN" altLang="en-US" sz="1200" dirty="0">
+                <a:latin typeface="楷体" pitchFamily="49" charset="-122"/>
+                <a:ea typeface="楷体" pitchFamily="49" charset="-122"/>
+              </a:rPr>
+              <a:t>检测数组索引的变化和 </a:t>
+            </a:r>
+            <a:r>
+              <a:rPr lang="en-US" altLang="zh-CN" sz="1200" dirty="0">
+                <a:latin typeface="楷体" pitchFamily="49" charset="-122"/>
+                <a:ea typeface="楷体" pitchFamily="49" charset="-122"/>
+              </a:rPr>
+              <a:t>length </a:t>
+            </a:r>
+            <a:r>
+              <a:rPr lang="zh-CN" altLang="en-US" sz="1200" dirty="0">
+                <a:latin typeface="楷体" pitchFamily="49" charset="-122"/>
+                <a:ea typeface="楷体" pitchFamily="49" charset="-122"/>
+              </a:rPr>
+              <a:t>的变化</a:t>
+            </a:r>
+          </a:p>
+          <a:p>
+            <a:r>
+              <a:rPr lang="zh-CN" altLang="en-US" sz="1200" dirty="0" smtClean="0">
+                <a:latin typeface="楷体" pitchFamily="49" charset="-122"/>
+                <a:ea typeface="楷体" pitchFamily="49" charset="-122"/>
+              </a:rPr>
+              <a:t>      </a:t>
+            </a:r>
+            <a:r>
+              <a:rPr lang="en-US" altLang="zh-CN" sz="1200" dirty="0" smtClean="0">
+                <a:latin typeface="楷体" pitchFamily="49" charset="-122"/>
+                <a:ea typeface="楷体" pitchFamily="49" charset="-122"/>
+              </a:rPr>
+              <a:t>c.</a:t>
+            </a:r>
+            <a:r>
+              <a:rPr lang="zh-CN" altLang="en-US" sz="1200" dirty="0" smtClean="0">
+                <a:latin typeface="楷体" pitchFamily="49" charset="-122"/>
+                <a:ea typeface="楷体" pitchFamily="49" charset="-122"/>
+              </a:rPr>
+              <a:t>支持 </a:t>
+            </a:r>
+            <a:r>
+              <a:rPr lang="en-US" altLang="zh-CN" sz="1200" dirty="0">
+                <a:latin typeface="楷体" pitchFamily="49" charset="-122"/>
+                <a:ea typeface="楷体" pitchFamily="49" charset="-122"/>
+              </a:rPr>
+              <a:t>Map</a:t>
+            </a:r>
+            <a:r>
+              <a:rPr lang="zh-CN" altLang="en-US" sz="1200" dirty="0">
+                <a:latin typeface="楷体" pitchFamily="49" charset="-122"/>
+                <a:ea typeface="楷体" pitchFamily="49" charset="-122"/>
+              </a:rPr>
+              <a:t>、</a:t>
+            </a:r>
+            <a:r>
+              <a:rPr lang="en-US" altLang="zh-CN" sz="1200" dirty="0">
+                <a:latin typeface="楷体" pitchFamily="49" charset="-122"/>
+                <a:ea typeface="楷体" pitchFamily="49" charset="-122"/>
+              </a:rPr>
+              <a:t>Set</a:t>
+            </a:r>
+            <a:r>
+              <a:rPr lang="zh-CN" altLang="en-US" sz="1200" dirty="0">
+                <a:latin typeface="楷体" pitchFamily="49" charset="-122"/>
+                <a:ea typeface="楷体" pitchFamily="49" charset="-122"/>
+              </a:rPr>
+              <a:t>、</a:t>
+            </a:r>
+            <a:r>
+              <a:rPr lang="en-US" altLang="zh-CN" sz="1200" dirty="0" err="1">
+                <a:latin typeface="楷体" pitchFamily="49" charset="-122"/>
+                <a:ea typeface="楷体" pitchFamily="49" charset="-122"/>
+              </a:rPr>
+              <a:t>WeakMap</a:t>
+            </a:r>
+            <a:r>
+              <a:rPr lang="en-US" altLang="zh-CN" sz="1200" dirty="0">
+                <a:latin typeface="楷体" pitchFamily="49" charset="-122"/>
+                <a:ea typeface="楷体" pitchFamily="49" charset="-122"/>
+              </a:rPr>
+              <a:t> </a:t>
+            </a:r>
+            <a:r>
+              <a:rPr lang="zh-CN" altLang="en-US" sz="1200" dirty="0">
+                <a:latin typeface="楷体" pitchFamily="49" charset="-122"/>
+                <a:ea typeface="楷体" pitchFamily="49" charset="-122"/>
+              </a:rPr>
+              <a:t>和 </a:t>
+            </a:r>
+            <a:r>
+              <a:rPr lang="en-US" altLang="zh-CN" sz="1200" dirty="0" err="1">
+                <a:latin typeface="楷体" pitchFamily="49" charset="-122"/>
+                <a:ea typeface="楷体" pitchFamily="49" charset="-122"/>
+              </a:rPr>
+              <a:t>WeakSet</a:t>
+            </a:r>
+            <a:endParaRPr lang="en-US" altLang="zh-CN" sz="1200" dirty="0">
+              <a:latin typeface="楷体" pitchFamily="49" charset="-122"/>
+              <a:ea typeface="楷体" pitchFamily="49" charset="-122"/>
+            </a:endParaRPr>
+          </a:p>
+          <a:p>
+            <a:r>
+              <a:rPr lang="en-US" altLang="zh-CN" sz="1200" dirty="0" smtClean="0">
+                <a:latin typeface="楷体" pitchFamily="49" charset="-122"/>
+                <a:ea typeface="楷体" pitchFamily="49" charset="-122"/>
+              </a:rPr>
+              <a:t>   </a:t>
+            </a:r>
+            <a:r>
+              <a:rPr lang="en-US" altLang="zh-CN" sz="1200" dirty="0" smtClean="0">
+                <a:solidFill>
+                  <a:srgbClr val="FF0000"/>
+                </a:solidFill>
+                <a:latin typeface="楷体" pitchFamily="49" charset="-122"/>
+                <a:ea typeface="楷体" pitchFamily="49" charset="-122"/>
+              </a:rPr>
+              <a:t> 2</a:t>
+            </a:r>
+            <a:r>
+              <a:rPr lang="en-US" altLang="zh-CN" sz="1200" dirty="0" smtClean="0">
+                <a:latin typeface="楷体" pitchFamily="49" charset="-122"/>
+                <a:ea typeface="楷体" pitchFamily="49" charset="-122"/>
+              </a:rPr>
+              <a:t>.</a:t>
+            </a:r>
+            <a:r>
+              <a:rPr lang="zh-CN" altLang="en-US" sz="1200" dirty="0" smtClean="0">
+                <a:latin typeface="楷体" pitchFamily="49" charset="-122"/>
+                <a:ea typeface="楷体" pitchFamily="49" charset="-122"/>
+              </a:rPr>
+              <a:t>体积变得更小，速度更快，支持</a:t>
+            </a:r>
+            <a:r>
+              <a:rPr lang="en-US" altLang="zh-CN" sz="1200" dirty="0" smtClean="0">
+                <a:latin typeface="楷体" pitchFamily="49" charset="-122"/>
+                <a:ea typeface="楷体" pitchFamily="49" charset="-122"/>
+              </a:rPr>
+              <a:t>tree-shaking</a:t>
+            </a:r>
+            <a:r>
+              <a:rPr lang="zh-CN" altLang="en-US" sz="1200" dirty="0" smtClean="0">
+                <a:latin typeface="楷体" pitchFamily="49" charset="-122"/>
+                <a:ea typeface="楷体" pitchFamily="49" charset="-122"/>
+              </a:rPr>
+              <a:t>，内置的组件</a:t>
+            </a:r>
+            <a:r>
+              <a:rPr lang="en-US" altLang="zh-CN" sz="1200" dirty="0" smtClean="0">
+                <a:latin typeface="楷体" pitchFamily="49" charset="-122"/>
+                <a:ea typeface="楷体" pitchFamily="49" charset="-122"/>
+              </a:rPr>
+              <a:t>(slot)</a:t>
+            </a:r>
+            <a:r>
+              <a:rPr lang="zh-CN" altLang="en-US" sz="1200" dirty="0" smtClean="0">
+                <a:latin typeface="楷体" pitchFamily="49" charset="-122"/>
+                <a:ea typeface="楷体" pitchFamily="49" charset="-122"/>
+              </a:rPr>
+              <a:t>和内置的指令</a:t>
+            </a:r>
+            <a:r>
+              <a:rPr lang="en-US" altLang="zh-CN" sz="1200" dirty="0" smtClean="0">
+                <a:latin typeface="楷体" pitchFamily="49" charset="-122"/>
+                <a:ea typeface="楷体" pitchFamily="49" charset="-122"/>
+              </a:rPr>
+              <a:t>(v-model)</a:t>
+            </a:r>
+            <a:r>
+              <a:rPr lang="zh-CN" altLang="en-US" sz="1200" dirty="0" smtClean="0">
+                <a:latin typeface="楷体" pitchFamily="49" charset="-122"/>
+                <a:ea typeface="楷体" pitchFamily="49" charset="-122"/>
+              </a:rPr>
+              <a:t>是按需引入的，所以</a:t>
+            </a:r>
+            <a:r>
+              <a:rPr lang="en-US" altLang="zh-CN" sz="1200" dirty="0" smtClean="0">
+                <a:latin typeface="楷体" pitchFamily="49" charset="-122"/>
+                <a:ea typeface="楷体" pitchFamily="49" charset="-122"/>
+              </a:rPr>
+              <a:t>Vue3.0</a:t>
+            </a:r>
+            <a:r>
+              <a:rPr lang="zh-CN" altLang="en-US" sz="1200" dirty="0" smtClean="0">
+                <a:latin typeface="楷体" pitchFamily="49" charset="-122"/>
+                <a:ea typeface="楷体" pitchFamily="49" charset="-122"/>
+              </a:rPr>
+              <a:t>的体积比</a:t>
+            </a:r>
+            <a:r>
+              <a:rPr lang="en-US" altLang="zh-CN" sz="1200" dirty="0" smtClean="0">
+                <a:latin typeface="楷体" pitchFamily="49" charset="-122"/>
+                <a:ea typeface="楷体" pitchFamily="49" charset="-122"/>
+              </a:rPr>
+              <a:t>Vue2.0</a:t>
+            </a:r>
+            <a:r>
+              <a:rPr lang="zh-CN" altLang="en-US" sz="1200" dirty="0" smtClean="0">
+                <a:latin typeface="楷体" pitchFamily="49" charset="-122"/>
+                <a:ea typeface="楷体" pitchFamily="49" charset="-122"/>
+              </a:rPr>
+              <a:t>的会小很多。</a:t>
+            </a:r>
+          </a:p>
+          <a:p>
+            <a:r>
+              <a:rPr lang="zh-CN" altLang="en-US" sz="1200" dirty="0" smtClean="0">
+                <a:latin typeface="楷体" pitchFamily="49" charset="-122"/>
+                <a:ea typeface="楷体" pitchFamily="49" charset="-122"/>
+              </a:rPr>
+              <a:t>    </a:t>
+            </a:r>
+            <a:r>
+              <a:rPr lang="en-US" altLang="zh-CN" sz="1200" dirty="0" smtClean="0">
+                <a:solidFill>
+                  <a:srgbClr val="FF0000"/>
+                </a:solidFill>
+                <a:latin typeface="楷体" pitchFamily="49" charset="-122"/>
+                <a:ea typeface="楷体" pitchFamily="49" charset="-122"/>
+              </a:rPr>
+              <a:t>3</a:t>
+            </a:r>
+            <a:r>
+              <a:rPr lang="en-US" altLang="zh-CN" sz="1200" dirty="0" smtClean="0">
+                <a:latin typeface="楷体" pitchFamily="49" charset="-122"/>
+                <a:ea typeface="楷体" pitchFamily="49" charset="-122"/>
+              </a:rPr>
+              <a:t>.</a:t>
+            </a:r>
+            <a:r>
+              <a:rPr lang="zh-CN" altLang="en-US" sz="1200" dirty="0" smtClean="0">
+                <a:latin typeface="楷体" pitchFamily="49" charset="-122"/>
+                <a:ea typeface="楷体" pitchFamily="49" charset="-122"/>
+              </a:rPr>
+              <a:t>插槽</a:t>
+            </a:r>
+            <a:r>
+              <a:rPr lang="zh-CN" altLang="en-US" sz="1200" dirty="0">
+                <a:latin typeface="楷体" pitchFamily="49" charset="-122"/>
+                <a:ea typeface="楷体" pitchFamily="49" charset="-122"/>
+              </a:rPr>
+              <a:t>机制</a:t>
+            </a:r>
+            <a:r>
+              <a:rPr lang="zh-CN" altLang="en-US" sz="1200" dirty="0" smtClean="0">
+                <a:latin typeface="楷体" pitchFamily="49" charset="-122"/>
+                <a:ea typeface="楷体" pitchFamily="49" charset="-122"/>
+              </a:rPr>
+              <a:t>增强：所有</a:t>
+            </a:r>
+            <a:r>
+              <a:rPr lang="zh-CN" altLang="en-US" sz="1200" dirty="0">
+                <a:latin typeface="楷体" pitchFamily="49" charset="-122"/>
+                <a:ea typeface="楷体" pitchFamily="49" charset="-122"/>
+              </a:rPr>
+              <a:t>由编译产生的插槽现在都是函数，这些函数会在子组件的</a:t>
+            </a:r>
+            <a:r>
+              <a:rPr lang="en-US" altLang="zh-CN" sz="1200" dirty="0">
+                <a:latin typeface="楷体" pitchFamily="49" charset="-122"/>
+                <a:ea typeface="楷体" pitchFamily="49" charset="-122"/>
+              </a:rPr>
+              <a:t>render</a:t>
+            </a:r>
+            <a:r>
+              <a:rPr lang="zh-CN" altLang="en-US" sz="1200" dirty="0">
+                <a:latin typeface="楷体" pitchFamily="49" charset="-122"/>
+                <a:ea typeface="楷体" pitchFamily="49" charset="-122"/>
+              </a:rPr>
+              <a:t>调用时被调用。这样一来，插槽中的依赖会被认为是子组件的依赖而不是父组件的依赖</a:t>
+            </a:r>
+            <a:r>
+              <a:rPr lang="zh-CN" altLang="en-US" sz="1200" dirty="0" smtClean="0">
+                <a:latin typeface="楷体" pitchFamily="49" charset="-122"/>
+                <a:ea typeface="楷体" pitchFamily="49" charset="-122"/>
+              </a:rPr>
+              <a:t>。</a:t>
+            </a:r>
+            <a:endParaRPr lang="en-US" altLang="zh-CN" sz="1200" dirty="0" smtClean="0">
+              <a:latin typeface="楷体" pitchFamily="49" charset="-122"/>
+              <a:ea typeface="楷体" pitchFamily="49" charset="-122"/>
+            </a:endParaRPr>
+          </a:p>
+          <a:p>
+            <a:r>
+              <a:rPr lang="en-US" altLang="zh-CN" sz="1200" dirty="0">
+                <a:latin typeface="楷体" pitchFamily="49" charset="-122"/>
+                <a:ea typeface="楷体" pitchFamily="49" charset="-122"/>
+              </a:rPr>
+              <a:t> </a:t>
+            </a:r>
+            <a:r>
+              <a:rPr lang="en-US" altLang="zh-CN" sz="1200" dirty="0" smtClean="0">
+                <a:latin typeface="楷体" pitchFamily="49" charset="-122"/>
+                <a:ea typeface="楷体" pitchFamily="49" charset="-122"/>
+              </a:rPr>
+              <a:t>     a</a:t>
+            </a:r>
+            <a:r>
+              <a:rPr lang="zh-CN" altLang="en-US" sz="1200" dirty="0" smtClean="0">
+                <a:latin typeface="楷体" pitchFamily="49" charset="-122"/>
+                <a:ea typeface="楷体" pitchFamily="49" charset="-122"/>
+              </a:rPr>
+              <a:t>、</a:t>
+            </a:r>
+            <a:r>
+              <a:rPr lang="zh-CN" altLang="en-US" sz="1200" dirty="0">
+                <a:latin typeface="楷体" pitchFamily="49" charset="-122"/>
+                <a:ea typeface="楷体" pitchFamily="49" charset="-122"/>
+              </a:rPr>
+              <a:t>当插槽内容变化时，只有子组件重新渲染</a:t>
+            </a:r>
+            <a:r>
+              <a:rPr lang="zh-CN" altLang="en-US" sz="1200" dirty="0" smtClean="0">
+                <a:latin typeface="楷体" pitchFamily="49" charset="-122"/>
+                <a:ea typeface="楷体" pitchFamily="49" charset="-122"/>
+              </a:rPr>
+              <a:t>；</a:t>
+            </a:r>
+            <a:endParaRPr lang="en-US" altLang="zh-CN" sz="1200" dirty="0" smtClean="0">
+              <a:latin typeface="楷体" pitchFamily="49" charset="-122"/>
+              <a:ea typeface="楷体" pitchFamily="49" charset="-122"/>
+            </a:endParaRPr>
+          </a:p>
+          <a:p>
+            <a:r>
+              <a:rPr lang="en-US" altLang="zh-CN" sz="1200" dirty="0">
+                <a:latin typeface="楷体" pitchFamily="49" charset="-122"/>
+                <a:ea typeface="楷体" pitchFamily="49" charset="-122"/>
+              </a:rPr>
+              <a:t> </a:t>
+            </a:r>
+            <a:r>
+              <a:rPr lang="en-US" altLang="zh-CN" sz="1200" dirty="0" smtClean="0">
+                <a:latin typeface="楷体" pitchFamily="49" charset="-122"/>
+                <a:ea typeface="楷体" pitchFamily="49" charset="-122"/>
+              </a:rPr>
+              <a:t>     b</a:t>
+            </a:r>
+            <a:r>
+              <a:rPr lang="zh-CN" altLang="en-US" sz="1200" dirty="0" smtClean="0">
+                <a:latin typeface="楷体" pitchFamily="49" charset="-122"/>
+                <a:ea typeface="楷体" pitchFamily="49" charset="-122"/>
+              </a:rPr>
+              <a:t>、</a:t>
+            </a:r>
+            <a:r>
+              <a:rPr lang="zh-CN" altLang="en-US" sz="1200" dirty="0">
+                <a:latin typeface="楷体" pitchFamily="49" charset="-122"/>
+                <a:ea typeface="楷体" pitchFamily="49" charset="-122"/>
+              </a:rPr>
+              <a:t>当父组件重新渲染时，如果插槽内容没有变化，子组件就不需要重新渲染。这个特性提供了更精确的组件树层面上的变更检测，所以会减少很多无用的渲染</a:t>
+            </a:r>
+            <a:r>
+              <a:rPr lang="zh-CN" altLang="en-US" sz="1200" dirty="0" smtClean="0">
+                <a:latin typeface="楷体" pitchFamily="49" charset="-122"/>
+                <a:ea typeface="楷体" pitchFamily="49" charset="-122"/>
+              </a:rPr>
+              <a:t>。</a:t>
+            </a:r>
+            <a:endParaRPr lang="en-US" altLang="zh-CN" sz="1200" dirty="0" smtClean="0">
+              <a:latin typeface="楷体" pitchFamily="49" charset="-122"/>
+              <a:ea typeface="楷体" pitchFamily="49" charset="-122"/>
+            </a:endParaRPr>
+          </a:p>
+          <a:p>
+            <a:r>
+              <a:rPr lang="en-US" altLang="zh-CN" sz="1200" dirty="0">
+                <a:latin typeface="楷体" pitchFamily="49" charset="-122"/>
+                <a:ea typeface="楷体" pitchFamily="49" charset="-122"/>
+              </a:rPr>
+              <a:t> </a:t>
+            </a:r>
+            <a:r>
+              <a:rPr lang="en-US" altLang="zh-CN" sz="1200" dirty="0" smtClean="0">
+                <a:latin typeface="楷体" pitchFamily="49" charset="-122"/>
+                <a:ea typeface="楷体" pitchFamily="49" charset="-122"/>
+              </a:rPr>
+              <a:t>   </a:t>
+            </a:r>
+            <a:r>
+              <a:rPr lang="en-US" altLang="zh-CN" sz="1200" dirty="0">
+                <a:solidFill>
+                  <a:srgbClr val="FF0000"/>
+                </a:solidFill>
+                <a:latin typeface="楷体" pitchFamily="49" charset="-122"/>
+                <a:ea typeface="楷体" pitchFamily="49" charset="-122"/>
+              </a:rPr>
+              <a:t>4</a:t>
+            </a:r>
+            <a:r>
+              <a:rPr lang="en-US" altLang="zh-CN" sz="1200" dirty="0">
+                <a:latin typeface="楷体" pitchFamily="49" charset="-122"/>
+                <a:ea typeface="楷体" pitchFamily="49" charset="-122"/>
+              </a:rPr>
+              <a:t>.</a:t>
+            </a:r>
+            <a:r>
+              <a:rPr lang="zh-CN" altLang="en-US" sz="1200" dirty="0" smtClean="0">
+                <a:latin typeface="楷体" pitchFamily="49" charset="-122"/>
+                <a:ea typeface="楷体" pitchFamily="49" charset="-122"/>
+              </a:rPr>
+              <a:t>使用</a:t>
+            </a:r>
+            <a:r>
+              <a:rPr lang="en-US" altLang="zh-CN" sz="1200" dirty="0" smtClean="0">
+                <a:latin typeface="楷体" pitchFamily="49" charset="-122"/>
+                <a:ea typeface="楷体" pitchFamily="49" charset="-122"/>
+              </a:rPr>
+              <a:t>TS</a:t>
+            </a:r>
+            <a:r>
+              <a:rPr lang="zh-CN" altLang="en-US" sz="1200" dirty="0" smtClean="0">
+                <a:latin typeface="楷体" pitchFamily="49" charset="-122"/>
+                <a:ea typeface="楷体" pitchFamily="49" charset="-122"/>
+              </a:rPr>
+              <a:t>实现</a:t>
+            </a:r>
+            <a:r>
+              <a:rPr lang="zh-CN" altLang="en-US" sz="1200" dirty="0">
+                <a:latin typeface="楷体" pitchFamily="49" charset="-122"/>
+                <a:ea typeface="楷体" pitchFamily="49" charset="-122"/>
+              </a:rPr>
+              <a:t>了类型推断，新版</a:t>
+            </a:r>
+            <a:r>
+              <a:rPr lang="en-US" altLang="zh-CN" sz="1200" dirty="0" err="1">
+                <a:latin typeface="楷体" pitchFamily="49" charset="-122"/>
+                <a:ea typeface="楷体" pitchFamily="49" charset="-122"/>
+              </a:rPr>
+              <a:t>api</a:t>
+            </a:r>
+            <a:r>
+              <a:rPr lang="zh-CN" altLang="en-US" sz="1200" dirty="0">
+                <a:latin typeface="楷体" pitchFamily="49" charset="-122"/>
+                <a:ea typeface="楷体" pitchFamily="49" charset="-122"/>
+              </a:rPr>
+              <a:t>全部采用普通函数</a:t>
+            </a:r>
+            <a:r>
+              <a:rPr lang="zh-CN" altLang="en-US" sz="1200" dirty="0" smtClean="0">
+                <a:latin typeface="楷体" pitchFamily="49" charset="-122"/>
+                <a:ea typeface="楷体" pitchFamily="49" charset="-122"/>
+              </a:rPr>
+              <a:t>，</a:t>
+            </a:r>
+            <a:endParaRPr lang="en-US" altLang="zh-CN" sz="1200" dirty="0" smtClean="0">
+              <a:latin typeface="楷体" pitchFamily="49" charset="-122"/>
+              <a:ea typeface="楷体" pitchFamily="49" charset="-122"/>
+            </a:endParaRPr>
+          </a:p>
+          <a:p>
+            <a:r>
+              <a:rPr lang="zh-CN" altLang="en-US" sz="1200" dirty="0" smtClean="0">
+                <a:latin typeface="楷体" pitchFamily="49" charset="-122"/>
+                <a:ea typeface="楷体" pitchFamily="49" charset="-122"/>
+              </a:rPr>
+              <a:t>    </a:t>
+            </a:r>
+            <a:r>
+              <a:rPr lang="en-US" altLang="zh-CN" sz="1200" dirty="0" smtClean="0">
+                <a:solidFill>
+                  <a:srgbClr val="FF0000"/>
+                </a:solidFill>
+                <a:latin typeface="楷体" pitchFamily="49" charset="-122"/>
+                <a:ea typeface="楷体" pitchFamily="49" charset="-122"/>
+              </a:rPr>
+              <a:t>5</a:t>
+            </a:r>
+            <a:r>
+              <a:rPr lang="en-US" altLang="zh-CN" sz="1200" dirty="0" smtClean="0">
+                <a:latin typeface="楷体" pitchFamily="49" charset="-122"/>
+                <a:ea typeface="楷体" pitchFamily="49" charset="-122"/>
+              </a:rPr>
+              <a:t>.</a:t>
+            </a:r>
+            <a:r>
+              <a:rPr lang="zh-CN" altLang="en-US" sz="1200" dirty="0" smtClean="0">
+                <a:latin typeface="楷体" pitchFamily="49" charset="-122"/>
+                <a:ea typeface="楷体" pitchFamily="49" charset="-122"/>
+              </a:rPr>
+              <a:t>使用</a:t>
+            </a:r>
+            <a:r>
+              <a:rPr lang="zh-CN" altLang="en-US" sz="1200" dirty="0">
+                <a:latin typeface="楷体" pitchFamily="49" charset="-122"/>
+                <a:ea typeface="楷体" pitchFamily="49" charset="-122"/>
+              </a:rPr>
+              <a:t>模块化</a:t>
+            </a:r>
+            <a:r>
+              <a:rPr lang="zh-CN" altLang="en-US" sz="1200" dirty="0" smtClean="0">
+                <a:latin typeface="楷体" pitchFamily="49" charset="-122"/>
+                <a:ea typeface="楷体" pitchFamily="49" charset="-122"/>
+              </a:rPr>
+              <a:t>架构，使用</a:t>
+            </a:r>
+            <a:r>
+              <a:rPr lang="en-US" altLang="zh-CN" sz="1200" dirty="0" err="1" smtClean="0">
+                <a:latin typeface="楷体" pitchFamily="49" charset="-122"/>
+                <a:ea typeface="楷体" pitchFamily="49" charset="-122"/>
+              </a:rPr>
+              <a:t>TypeScript</a:t>
+            </a:r>
+            <a:r>
+              <a:rPr lang="zh-CN" altLang="en-US" sz="1200" dirty="0" smtClean="0">
+                <a:latin typeface="楷体" pitchFamily="49" charset="-122"/>
+                <a:ea typeface="楷体" pitchFamily="49" charset="-122"/>
+              </a:rPr>
+              <a:t>进行重构</a:t>
+            </a:r>
+            <a:endParaRPr lang="zh-CN" altLang="en-US" sz="1200" dirty="0">
+              <a:latin typeface="楷体" pitchFamily="49" charset="-122"/>
+              <a:ea typeface="楷体" pitchFamily="49" charset="-122"/>
+            </a:endParaRPr>
+          </a:p>
+          <a:p>
+            <a:r>
+              <a:rPr lang="zh-CN" altLang="en-US" sz="1200" dirty="0" smtClean="0">
+                <a:latin typeface="楷体" pitchFamily="49" charset="-122"/>
+                <a:ea typeface="楷体" pitchFamily="49" charset="-122"/>
+              </a:rPr>
+              <a:t>   </a:t>
+            </a:r>
+            <a:r>
+              <a:rPr lang="zh-CN" altLang="en-US" sz="1200" dirty="0" smtClean="0">
+                <a:solidFill>
+                  <a:srgbClr val="FF0000"/>
+                </a:solidFill>
+                <a:latin typeface="楷体" pitchFamily="49" charset="-122"/>
+                <a:ea typeface="楷体" pitchFamily="49" charset="-122"/>
+              </a:rPr>
+              <a:t> </a:t>
+            </a:r>
+            <a:r>
+              <a:rPr lang="en-US" altLang="zh-CN" sz="1200" dirty="0" smtClean="0">
+                <a:solidFill>
+                  <a:srgbClr val="FF0000"/>
+                </a:solidFill>
+                <a:latin typeface="楷体" pitchFamily="49" charset="-122"/>
+                <a:ea typeface="楷体" pitchFamily="49" charset="-122"/>
+              </a:rPr>
+              <a:t>6</a:t>
+            </a:r>
+            <a:r>
+              <a:rPr lang="en-US" altLang="zh-CN" sz="1200" dirty="0" smtClean="0">
+                <a:latin typeface="楷体" pitchFamily="49" charset="-122"/>
+                <a:ea typeface="楷体" pitchFamily="49" charset="-122"/>
+              </a:rPr>
+              <a:t>.</a:t>
+            </a:r>
+            <a:r>
+              <a:rPr lang="zh-CN" altLang="en-US" sz="1200" dirty="0" smtClean="0">
+                <a:latin typeface="楷体" pitchFamily="49" charset="-122"/>
+                <a:ea typeface="楷体" pitchFamily="49" charset="-122"/>
+              </a:rPr>
+              <a:t>支持</a:t>
+            </a:r>
+            <a:r>
+              <a:rPr lang="zh-CN" altLang="en-US" sz="1200" dirty="0">
+                <a:latin typeface="楷体" pitchFamily="49" charset="-122"/>
+                <a:ea typeface="楷体" pitchFamily="49" charset="-122"/>
+              </a:rPr>
+              <a:t>自定义</a:t>
+            </a:r>
+            <a:r>
+              <a:rPr lang="en-US" altLang="zh-CN" sz="1200" dirty="0">
+                <a:latin typeface="楷体" pitchFamily="49" charset="-122"/>
+                <a:ea typeface="楷体" pitchFamily="49" charset="-122"/>
+              </a:rPr>
+              <a:t>render</a:t>
+            </a:r>
+            <a:r>
+              <a:rPr lang="zh-CN" altLang="en-US" sz="1200" dirty="0" smtClean="0">
+                <a:latin typeface="楷体" pitchFamily="49" charset="-122"/>
+                <a:ea typeface="楷体" pitchFamily="49" charset="-122"/>
+              </a:rPr>
+              <a:t>。</a:t>
+            </a:r>
+            <a:endParaRPr lang="en-US" altLang="zh-CN" sz="1200" dirty="0" smtClean="0">
+              <a:latin typeface="楷体" pitchFamily="49" charset="-122"/>
+              <a:ea typeface="楷体" pitchFamily="49" charset="-122"/>
+            </a:endParaRPr>
+          </a:p>
+          <a:p>
+            <a:r>
+              <a:rPr lang="en-US" altLang="zh-CN" sz="1200" dirty="0">
+                <a:latin typeface="楷体" pitchFamily="49" charset="-122"/>
+                <a:ea typeface="楷体" pitchFamily="49" charset="-122"/>
+              </a:rPr>
+              <a:t> </a:t>
+            </a:r>
+            <a:r>
+              <a:rPr lang="en-US" altLang="zh-CN" sz="1200" dirty="0" smtClean="0">
+                <a:latin typeface="楷体" pitchFamily="49" charset="-122"/>
+                <a:ea typeface="楷体" pitchFamily="49" charset="-122"/>
+              </a:rPr>
+              <a:t>  </a:t>
+            </a:r>
+            <a:r>
+              <a:rPr lang="en-US" altLang="zh-CN" sz="1200" dirty="0">
+                <a:solidFill>
+                  <a:srgbClr val="FF0000"/>
+                </a:solidFill>
+                <a:latin typeface="楷体" pitchFamily="49" charset="-122"/>
+                <a:ea typeface="楷体" pitchFamily="49" charset="-122"/>
+              </a:rPr>
+              <a:t> 7</a:t>
+            </a:r>
+            <a:r>
+              <a:rPr lang="en-US" altLang="zh-CN" sz="1200" dirty="0" smtClean="0">
+                <a:latin typeface="楷体" pitchFamily="49" charset="-122"/>
+                <a:ea typeface="楷体" pitchFamily="49" charset="-122"/>
+              </a:rPr>
+              <a:t>.</a:t>
+            </a:r>
+            <a:r>
+              <a:rPr lang="zh-CN" altLang="en-US" sz="1200" dirty="0" smtClean="0">
+                <a:latin typeface="楷体" pitchFamily="49" charset="-122"/>
+                <a:ea typeface="楷体" pitchFamily="49" charset="-122"/>
+              </a:rPr>
+              <a:t>对</a:t>
+            </a:r>
+            <a:r>
+              <a:rPr lang="zh-CN" altLang="en-US" sz="1200" dirty="0">
+                <a:latin typeface="楷体" pitchFamily="49" charset="-122"/>
+                <a:ea typeface="楷体" pitchFamily="49" charset="-122"/>
+              </a:rPr>
+              <a:t>虚拟</a:t>
+            </a:r>
+            <a:r>
+              <a:rPr lang="en-US" altLang="zh-CN" sz="1200" dirty="0">
+                <a:latin typeface="楷体" pitchFamily="49" charset="-122"/>
+                <a:ea typeface="楷体" pitchFamily="49" charset="-122"/>
+              </a:rPr>
+              <a:t>DOM</a:t>
+            </a:r>
+            <a:r>
+              <a:rPr lang="zh-CN" altLang="en-US" sz="1200" dirty="0">
+                <a:latin typeface="楷体" pitchFamily="49" charset="-122"/>
+                <a:ea typeface="楷体" pitchFamily="49" charset="-122"/>
+              </a:rPr>
+              <a:t>进行了优化，更高效的编译时</a:t>
+            </a:r>
+            <a:r>
+              <a:rPr lang="zh-CN" altLang="en-US" sz="1200" dirty="0" smtClean="0">
+                <a:latin typeface="楷体" pitchFamily="49" charset="-122"/>
+                <a:ea typeface="楷体" pitchFamily="49" charset="-122"/>
+              </a:rPr>
+              <a:t>优化。</a:t>
+            </a:r>
+            <a:endParaRPr lang="en-US" altLang="zh-CN" sz="1200" dirty="0" smtClean="0">
+              <a:latin typeface="楷体" pitchFamily="49" charset="-122"/>
+              <a:ea typeface="楷体" pitchFamily="49" charset="-122"/>
+            </a:endParaRPr>
+          </a:p>
+          <a:p>
+            <a:r>
+              <a:rPr lang="en-US" altLang="zh-CN" sz="1200" dirty="0" smtClean="0">
+                <a:latin typeface="楷体" pitchFamily="49" charset="-122"/>
+                <a:ea typeface="楷体" pitchFamily="49" charset="-122"/>
+              </a:rPr>
+              <a:t>    </a:t>
+            </a:r>
+            <a:r>
+              <a:rPr lang="en-US" altLang="zh-CN" sz="1200" dirty="0">
+                <a:solidFill>
+                  <a:srgbClr val="FF0000"/>
+                </a:solidFill>
+                <a:latin typeface="楷体" pitchFamily="49" charset="-122"/>
+                <a:ea typeface="楷体" pitchFamily="49" charset="-122"/>
+              </a:rPr>
+              <a:t>8</a:t>
+            </a:r>
+            <a:r>
+              <a:rPr lang="en-US" altLang="zh-CN" sz="1200" dirty="0" smtClean="0">
+                <a:latin typeface="楷体" pitchFamily="49" charset="-122"/>
+                <a:ea typeface="楷体" pitchFamily="49" charset="-122"/>
+              </a:rPr>
+              <a:t>.</a:t>
+            </a:r>
+            <a:r>
+              <a:rPr lang="zh-CN" altLang="en-US" sz="1200" dirty="0" smtClean="0">
+                <a:latin typeface="楷体" pitchFamily="49" charset="-122"/>
+                <a:ea typeface="楷体" pitchFamily="49" charset="-122"/>
+              </a:rPr>
+              <a:t>默认</a:t>
+            </a:r>
+            <a:r>
+              <a:rPr lang="zh-CN" altLang="en-US" sz="1200" dirty="0">
+                <a:latin typeface="楷体" pitchFamily="49" charset="-122"/>
+                <a:ea typeface="楷体" pitchFamily="49" charset="-122"/>
+              </a:rPr>
+              <a:t>进行懒观察（</a:t>
+            </a:r>
+            <a:r>
+              <a:rPr lang="en-US" altLang="zh-CN" sz="1200" dirty="0">
+                <a:latin typeface="楷体" pitchFamily="49" charset="-122"/>
+                <a:ea typeface="楷体" pitchFamily="49" charset="-122"/>
+              </a:rPr>
+              <a:t>lazy observation</a:t>
+            </a:r>
+            <a:r>
+              <a:rPr lang="zh-CN" altLang="en-US" sz="1200" dirty="0" smtClean="0">
+                <a:latin typeface="楷体" pitchFamily="49" charset="-122"/>
+                <a:ea typeface="楷体" pitchFamily="49" charset="-122"/>
+              </a:rPr>
+              <a:t>）</a:t>
+            </a:r>
+            <a:r>
+              <a:rPr lang="zh-CN" altLang="en-US" sz="1200" dirty="0">
+                <a:latin typeface="楷体" pitchFamily="49" charset="-122"/>
+                <a:ea typeface="楷体" pitchFamily="49" charset="-122"/>
+              </a:rPr>
+              <a:t>，</a:t>
+            </a:r>
+            <a:r>
+              <a:rPr lang="zh-CN" altLang="en-US" sz="1200" dirty="0" smtClean="0">
+                <a:latin typeface="楷体" pitchFamily="49" charset="-122"/>
+                <a:ea typeface="楷体" pitchFamily="49" charset="-122"/>
+              </a:rPr>
+              <a:t>只</a:t>
+            </a:r>
+            <a:r>
+              <a:rPr lang="zh-CN" altLang="en-US" sz="1200" dirty="0">
+                <a:latin typeface="楷体" pitchFamily="49" charset="-122"/>
+                <a:ea typeface="楷体" pitchFamily="49" charset="-122"/>
+              </a:rPr>
+              <a:t>会</a:t>
+            </a:r>
+            <a:r>
+              <a:rPr lang="zh-CN" altLang="en-US" sz="1200" dirty="0" smtClean="0">
+                <a:latin typeface="楷体" pitchFamily="49" charset="-122"/>
+                <a:ea typeface="楷体" pitchFamily="49" charset="-122"/>
+              </a:rPr>
+              <a:t>对被</a:t>
+            </a:r>
+            <a:r>
+              <a:rPr lang="zh-CN" altLang="en-US" sz="1200" dirty="0">
+                <a:latin typeface="楷体" pitchFamily="49" charset="-122"/>
+                <a:ea typeface="楷体" pitchFamily="49" charset="-122"/>
+              </a:rPr>
+              <a:t>用于渲染初始可见部分的</a:t>
+            </a:r>
+            <a:r>
+              <a:rPr lang="zh-CN" altLang="en-US" sz="1200" dirty="0" smtClean="0">
+                <a:latin typeface="楷体" pitchFamily="49" charset="-122"/>
+                <a:ea typeface="楷体" pitchFamily="49" charset="-122"/>
+              </a:rPr>
+              <a:t>数据创建</a:t>
+            </a:r>
+            <a:r>
+              <a:rPr lang="zh-CN" altLang="en-US" sz="1200" dirty="0">
+                <a:latin typeface="楷体" pitchFamily="49" charset="-122"/>
+                <a:ea typeface="楷体" pitchFamily="49" charset="-122"/>
+              </a:rPr>
+              <a:t>观察者</a:t>
+            </a:r>
+            <a:r>
+              <a:rPr lang="zh-CN" altLang="en-US" sz="1200" dirty="0" smtClean="0">
+                <a:latin typeface="楷体" pitchFamily="49" charset="-122"/>
+                <a:ea typeface="楷体" pitchFamily="49" charset="-122"/>
+              </a:rPr>
+              <a:t>，更加高效。</a:t>
+            </a:r>
+            <a:r>
+              <a:rPr lang="zh-CN" altLang="en-US" sz="1200" dirty="0">
+                <a:latin typeface="楷体" pitchFamily="49" charset="-122"/>
+                <a:ea typeface="楷体" pitchFamily="49" charset="-122"/>
+              </a:rPr>
+              <a:t>在 </a:t>
+            </a:r>
+            <a:r>
+              <a:rPr lang="en-US" altLang="zh-CN" sz="1200" dirty="0">
+                <a:latin typeface="楷体" pitchFamily="49" charset="-122"/>
+                <a:ea typeface="楷体" pitchFamily="49" charset="-122"/>
+              </a:rPr>
+              <a:t>2.x </a:t>
+            </a:r>
+            <a:r>
+              <a:rPr lang="zh-CN" altLang="en-US" sz="1200" dirty="0">
+                <a:latin typeface="楷体" pitchFamily="49" charset="-122"/>
+                <a:ea typeface="楷体" pitchFamily="49" charset="-122"/>
+              </a:rPr>
+              <a:t>版本里，</a:t>
+            </a:r>
+            <a:r>
+              <a:rPr lang="zh-CN" altLang="en-US" sz="1200" dirty="0" smtClean="0">
+                <a:latin typeface="楷体" pitchFamily="49" charset="-122"/>
+                <a:ea typeface="楷体" pitchFamily="49" charset="-122"/>
+              </a:rPr>
+              <a:t>不</a:t>
+            </a:r>
+            <a:r>
+              <a:rPr lang="zh-CN" altLang="en-US" sz="1200" dirty="0">
+                <a:latin typeface="楷体" pitchFamily="49" charset="-122"/>
+                <a:ea typeface="楷体" pitchFamily="49" charset="-122"/>
+              </a:rPr>
+              <a:t>管</a:t>
+            </a:r>
+            <a:r>
+              <a:rPr lang="zh-CN" altLang="en-US" sz="1200" dirty="0" smtClean="0">
+                <a:latin typeface="楷体" pitchFamily="49" charset="-122"/>
+                <a:ea typeface="楷体" pitchFamily="49" charset="-122"/>
+              </a:rPr>
+              <a:t>数据</a:t>
+            </a:r>
+            <a:r>
+              <a:rPr lang="zh-CN" altLang="en-US" sz="1200" dirty="0">
+                <a:latin typeface="楷体" pitchFamily="49" charset="-122"/>
+                <a:ea typeface="楷体" pitchFamily="49" charset="-122"/>
+              </a:rPr>
+              <a:t>多大，都会在一开始就为其创建观察者</a:t>
+            </a:r>
+            <a:r>
+              <a:rPr lang="zh-CN" altLang="en-US" sz="1200" dirty="0" smtClean="0">
+                <a:latin typeface="楷体" pitchFamily="49" charset="-122"/>
+                <a:ea typeface="楷体" pitchFamily="49" charset="-122"/>
+              </a:rPr>
+              <a:t>。</a:t>
+            </a:r>
+            <a:endParaRPr lang="zh-CN" altLang="en-US" sz="1200" dirty="0">
+              <a:latin typeface="楷体" pitchFamily="49" charset="-122"/>
+              <a:ea typeface="楷体" pitchFamily="49" charset="-122"/>
+            </a:endParaRPr>
+          </a:p>
+          <a:p>
+            <a:r>
+              <a:rPr lang="en-US" altLang="zh-CN" sz="1600" dirty="0" smtClean="0">
+                <a:latin typeface="楷体" pitchFamily="49" charset="-122"/>
+                <a:ea typeface="楷体" pitchFamily="49" charset="-122"/>
+              </a:rPr>
+              <a:t>   …</a:t>
+            </a:r>
+            <a:endParaRPr lang="zh-CN" altLang="en-US" sz="1600" dirty="0">
+              <a:latin typeface="楷体" pitchFamily="49" charset="-122"/>
+              <a:ea typeface="楷体" pitchFamily="49" charset="-122"/>
+            </a:endParaRPr>
+          </a:p>
+        </p:txBody>
+      </p:sp>
+      <p:pic>
+        <p:nvPicPr>
+          <p:cNvPr id="2050" name="Picture 2"/>
+          <p:cNvPicPr>
+            <a:picLocks noChangeAspect="1" noChangeArrowheads="1"/>
+          </p:cNvPicPr>
+          <p:nvPr/>
+        </p:nvPicPr>
+        <p:blipFill>
+          <a:blip r:embed="rId2">
+            <a:extLst>
+              <a:ext uri="{28A0092B-C50C-407E-A947-70E740481C1C}">
+                <a14:useLocalDpi xmlns:a14="http://schemas.microsoft.com/office/drawing/2010/main" val="0"/>
+              </a:ext>
+            </a:extLst>
+          </a:blip>
+          <a:srcRect/>
+          <a:stretch>
+            <a:fillRect/>
+          </a:stretch>
+        </p:blipFill>
+        <p:spPr bwMode="auto">
+          <a:xfrm>
+            <a:off x="5796662" y="4521751"/>
+            <a:ext cx="2870240" cy="1244828"/>
+          </a:xfrm>
+          <a:prstGeom prst="rect">
+            <a:avLst/>
+          </a:prstGeom>
+          <a:noFill/>
+          <a:ln>
+            <a:noFill/>
+          </a:ln>
+          <a:effectLst/>
+          <a:extLst>
+            <a:ext uri="{909E8E84-426E-40DD-AFC4-6F175D3DCCD1}">
+              <a14:hiddenFill xmlns:a14="http://schemas.microsoft.com/office/drawing/2010/main">
+                <a:solidFill>
+                  <a:schemeClr val="accent1"/>
+                </a:solidFill>
+              </a14:hiddenFill>
+            </a:ext>
+            <a:ext uri="{91240B29-F687-4F45-9708-019B960494DF}">
+              <a14:hiddenLine xmlns:a14="http://schemas.microsoft.com/office/drawing/2010/main" w="9525">
+                <a:solidFill>
+                  <a:schemeClr val="tx1"/>
+                </a:solidFill>
+                <a:miter lim="800000"/>
+                <a:headEnd/>
+                <a:tailEnd/>
+              </a14:hiddenLine>
+            </a:ext>
+            <a:ext uri="{AF507438-7753-43E0-B8FC-AC1667EBCBE1}">
+              <a14:hiddenEffects xmlns:a14="http://schemas.microsoft.com/office/drawing/2010/main">
+                <a:effectLst>
+                  <a:outerShdw dist="35921" dir="2700000" algn="ctr" rotWithShape="0">
+                    <a:schemeClr val="bg2"/>
+                  </a:outerShdw>
+                </a:effectLst>
+              </a14:hiddenEffects>
+            </a:ext>
+          </a:extLst>
+        </p:spPr>
+      </p:pic>
+      <p:sp>
+        <p:nvSpPr>
+          <p:cNvPr id="5" name="TextBox 4"/>
+          <p:cNvSpPr txBox="1"/>
+          <p:nvPr/>
+        </p:nvSpPr>
+        <p:spPr>
+          <a:xfrm>
+            <a:off x="3251085" y="4565905"/>
+            <a:ext cx="1656184" cy="323165"/>
+          </a:xfrm>
+          <a:prstGeom prst="rect">
+            <a:avLst/>
+          </a:prstGeom>
+        </p:spPr>
+        <p:style>
+          <a:lnRef idx="2">
+            <a:schemeClr val="accent6"/>
+          </a:lnRef>
+          <a:fillRef idx="1">
+            <a:schemeClr val="lt1"/>
+          </a:fillRef>
+          <a:effectRef idx="0">
+            <a:schemeClr val="accent6"/>
+          </a:effectRef>
+          <a:fontRef idx="minor">
+            <a:schemeClr val="dk1"/>
+          </a:fontRef>
+        </p:style>
+        <p:txBody>
+          <a:bodyPr wrap="square" rtlCol="0">
+            <a:spAutoFit/>
+          </a:bodyPr>
+          <a:lstStyle/>
+          <a:p>
+            <a:r>
+              <a:rPr lang="zh-CN" altLang="en-US" sz="1500" dirty="0">
+                <a:latin typeface="楷体" pitchFamily="49" charset="-122"/>
+                <a:ea typeface="楷体" pitchFamily="49" charset="-122"/>
+              </a:rPr>
+              <a:t>官方的</a:t>
+            </a:r>
+            <a:r>
+              <a:rPr lang="zh-CN" altLang="en-US" sz="1500" dirty="0" smtClean="0">
+                <a:latin typeface="楷体" pitchFamily="49" charset="-122"/>
+                <a:ea typeface="楷体" pitchFamily="49" charset="-122"/>
+              </a:rPr>
+              <a:t>测试用例：</a:t>
+            </a:r>
+            <a:endParaRPr lang="zh-CN" altLang="en-US" sz="1500" dirty="0">
+              <a:latin typeface="楷体" pitchFamily="49" charset="-122"/>
+              <a:ea typeface="楷体" pitchFamily="49" charset="-122"/>
+            </a:endParaRPr>
+          </a:p>
+        </p:txBody>
+      </p:sp>
+      <p:cxnSp>
+        <p:nvCxnSpPr>
+          <p:cNvPr id="7" name="直接箭头连接符 6"/>
+          <p:cNvCxnSpPr>
+            <a:stCxn id="5" idx="3"/>
+          </p:cNvCxnSpPr>
+          <p:nvPr/>
+        </p:nvCxnSpPr>
+        <p:spPr>
+          <a:xfrm>
+            <a:off x="4907269" y="4727488"/>
+            <a:ext cx="1032883" cy="161582"/>
+          </a:xfrm>
+          <a:prstGeom prst="straightConnector1">
+            <a:avLst/>
+          </a:prstGeom>
+          <a:ln>
+            <a:tailEnd type="arrow"/>
+          </a:ln>
+        </p:spPr>
+        <p:style>
+          <a:lnRef idx="2">
+            <a:schemeClr val="accent6"/>
+          </a:lnRef>
+          <a:fillRef idx="0">
+            <a:schemeClr val="accent6"/>
+          </a:fillRef>
+          <a:effectRef idx="1">
+            <a:schemeClr val="accent6"/>
+          </a:effectRef>
+          <a:fontRef idx="minor">
+            <a:schemeClr val="tx1"/>
+          </a:fontRef>
+        </p:style>
+      </p:cxnSp>
+      <p:sp>
+        <p:nvSpPr>
+          <p:cNvPr id="8" name="TextBox 7"/>
+          <p:cNvSpPr txBox="1"/>
+          <p:nvPr/>
+        </p:nvSpPr>
+        <p:spPr>
+          <a:xfrm>
+            <a:off x="709590" y="5094828"/>
+            <a:ext cx="4092624" cy="461665"/>
+          </a:xfrm>
+          <a:prstGeom prst="rect">
+            <a:avLst/>
+          </a:prstGeom>
+        </p:spPr>
+        <p:style>
+          <a:lnRef idx="2">
+            <a:schemeClr val="accent1"/>
+          </a:lnRef>
+          <a:fillRef idx="1">
+            <a:schemeClr val="lt1"/>
+          </a:fillRef>
+          <a:effectRef idx="0">
+            <a:schemeClr val="accent1"/>
+          </a:effectRef>
+          <a:fontRef idx="minor">
+            <a:schemeClr val="dk1"/>
+          </a:fontRef>
+        </p:style>
+        <p:txBody>
+          <a:bodyPr wrap="square" rtlCol="0">
+            <a:spAutoFit/>
+          </a:bodyPr>
+          <a:lstStyle/>
+          <a:p>
+            <a:r>
+              <a:rPr lang="zh-CN" altLang="en-US" sz="1200" dirty="0">
+                <a:latin typeface="楷体" pitchFamily="49" charset="-122"/>
+                <a:ea typeface="楷体" pitchFamily="49" charset="-122"/>
+              </a:rPr>
+              <a:t>在</a:t>
+            </a:r>
+            <a:r>
+              <a:rPr lang="en-US" altLang="zh-CN" sz="1200" dirty="0">
+                <a:latin typeface="楷体" pitchFamily="49" charset="-122"/>
+                <a:ea typeface="楷体" pitchFamily="49" charset="-122"/>
+              </a:rPr>
+              <a:t>2019.10.5</a:t>
+            </a:r>
+            <a:r>
+              <a:rPr lang="zh-CN" altLang="en-US" sz="1200" dirty="0">
+                <a:latin typeface="楷体" pitchFamily="49" charset="-122"/>
+                <a:ea typeface="楷体" pitchFamily="49" charset="-122"/>
+              </a:rPr>
+              <a:t>日发布了</a:t>
+            </a:r>
+            <a:r>
+              <a:rPr lang="en-US" altLang="zh-CN" sz="1200" dirty="0">
+                <a:latin typeface="楷体" pitchFamily="49" charset="-122"/>
+                <a:ea typeface="楷体" pitchFamily="49" charset="-122"/>
+              </a:rPr>
+              <a:t>Vue3.0</a:t>
+            </a:r>
+            <a:r>
+              <a:rPr lang="zh-CN" altLang="en-US" sz="1200" dirty="0">
+                <a:latin typeface="楷体" pitchFamily="49" charset="-122"/>
+                <a:ea typeface="楷体" pitchFamily="49" charset="-122"/>
+              </a:rPr>
+              <a:t>预览版源码</a:t>
+            </a:r>
+            <a:r>
+              <a:rPr lang="zh-CN" altLang="en-US" sz="1200" dirty="0" smtClean="0">
+                <a:latin typeface="楷体" pitchFamily="49" charset="-122"/>
+                <a:ea typeface="楷体" pitchFamily="49" charset="-122"/>
+              </a:rPr>
+              <a:t>，预计</a:t>
+            </a:r>
+            <a:r>
+              <a:rPr lang="zh-CN" altLang="en-US" sz="1200" dirty="0">
+                <a:latin typeface="楷体" pitchFamily="49" charset="-122"/>
+                <a:ea typeface="楷体" pitchFamily="49" charset="-122"/>
+              </a:rPr>
+              <a:t>最早需要</a:t>
+            </a:r>
+            <a:r>
+              <a:rPr lang="zh-CN" altLang="en-US" sz="1200" dirty="0" smtClean="0">
+                <a:latin typeface="楷体" pitchFamily="49" charset="-122"/>
+                <a:ea typeface="楷体" pitchFamily="49" charset="-122"/>
+              </a:rPr>
+              <a:t>等到今年的第一季度</a:t>
+            </a:r>
+            <a:r>
+              <a:rPr lang="zh-CN" altLang="en-US" sz="1200" dirty="0">
+                <a:latin typeface="楷体" pitchFamily="49" charset="-122"/>
+                <a:ea typeface="楷体" pitchFamily="49" charset="-122"/>
+              </a:rPr>
+              <a:t>才有可能</a:t>
+            </a:r>
+            <a:r>
+              <a:rPr lang="zh-CN" altLang="en-US" sz="1200" dirty="0" smtClean="0">
+                <a:latin typeface="楷体" pitchFamily="49" charset="-122"/>
+                <a:ea typeface="楷体" pitchFamily="49" charset="-122"/>
+              </a:rPr>
+              <a:t>发布</a:t>
+            </a:r>
+            <a:r>
+              <a:rPr lang="en-US" altLang="zh-CN" sz="1200" dirty="0" smtClean="0">
+                <a:latin typeface="楷体" pitchFamily="49" charset="-122"/>
+                <a:ea typeface="楷体" pitchFamily="49" charset="-122"/>
+              </a:rPr>
+              <a:t>3.0</a:t>
+            </a:r>
+            <a:r>
+              <a:rPr lang="zh-CN" altLang="en-US" sz="1200" dirty="0" smtClean="0">
+                <a:latin typeface="楷体" pitchFamily="49" charset="-122"/>
+                <a:ea typeface="楷体" pitchFamily="49" charset="-122"/>
+              </a:rPr>
+              <a:t>正式</a:t>
+            </a:r>
+            <a:r>
+              <a:rPr lang="zh-CN" altLang="en-US" sz="1200" dirty="0">
+                <a:latin typeface="楷体" pitchFamily="49" charset="-122"/>
+                <a:ea typeface="楷体" pitchFamily="49" charset="-122"/>
+              </a:rPr>
+              <a:t>版。</a:t>
+            </a:r>
+          </a:p>
+        </p:txBody>
+      </p:sp>
+      <p:sp>
+        <p:nvSpPr>
+          <p:cNvPr id="17" name="左弧形箭头 16"/>
+          <p:cNvSpPr/>
+          <p:nvPr/>
+        </p:nvSpPr>
+        <p:spPr>
+          <a:xfrm>
+            <a:off x="277924" y="5325660"/>
+            <a:ext cx="432000" cy="612000"/>
+          </a:xfrm>
+          <a:prstGeom prst="curvedRightArrow">
+            <a:avLst/>
+          </a:prstGeom>
+        </p:spPr>
+        <p:style>
+          <a:lnRef idx="2">
+            <a:schemeClr val="accent1">
+              <a:shade val="50000"/>
+            </a:schemeClr>
+          </a:lnRef>
+          <a:fillRef idx="1">
+            <a:schemeClr val="accent1"/>
+          </a:fillRef>
+          <a:effectRef idx="0">
+            <a:schemeClr val="accent1"/>
+          </a:effectRef>
+          <a:fontRef idx="minor">
+            <a:schemeClr val="lt1"/>
+          </a:fontRef>
+        </p:style>
+        <p:txBody>
+          <a:bodyPr rtlCol="0" anchor="ctr"/>
+          <a:lstStyle/>
+          <a:p>
+            <a:pPr algn="ctr"/>
+            <a:endParaRPr lang="zh-CN" altLang="en-US">
+              <a:solidFill>
+                <a:schemeClr val="tx1"/>
+              </a:solidFill>
+            </a:endParaRPr>
+          </a:p>
+        </p:txBody>
+      </p:sp>
     </p:spTree>
     <p:extLst>
       <p:ext uri="{BB962C8B-B14F-4D97-AF65-F5344CB8AC3E}">
@@ -16259,13 +17807,13 @@
   <p:clrMapOvr>
     <a:masterClrMapping/>
   </p:clrMapOvr>
-  <mc:AlternateContent xmlns:mc="http://schemas.openxmlformats.org/markup-compatibility/2006">
-    <mc:Choice xmlns:p14="http://schemas.microsoft.com/office/powerpoint/2010/main" Requires="p14">
+  <mc:AlternateContent xmlns:mc="http://schemas.openxmlformats.org/markup-compatibility/2006" xmlns:p14="http://schemas.microsoft.com/office/powerpoint/2010/main">
+    <mc:Choice Requires="p14">
       <p:transition spd="slow" p14:dur="2000">
         <p14:ferris dir="l"/>
       </p:transition>
     </mc:Choice>
-    <mc:Fallback>
+    <mc:Fallback xmlns="">
       <p:transition spd="slow">
         <p:fade/>
       </p:transition>
@@ -16282,6 +17830,876 @@
 </file>
 
 <file path=ppt/slides/slide21.xml><?xml version="1.0" encoding="utf-8"?>
+<p:sld xmlns:a="http://schemas.openxmlformats.org/drawingml/2006/main" xmlns:r="http://schemas.openxmlformats.org/officeDocument/2006/relationships" xmlns:p="http://schemas.openxmlformats.org/presentationml/2006/main">
+  <p:cSld>
+    <p:spTree>
+      <p:nvGrpSpPr>
+        <p:cNvPr id="1" name=""/>
+        <p:cNvGrpSpPr/>
+        <p:nvPr/>
+      </p:nvGrpSpPr>
+      <p:grpSpPr>
+        <a:xfrm>
+          <a:off x="0" y="0"/>
+          <a:ext cx="0" cy="0"/>
+          <a:chOff x="0" y="0"/>
+          <a:chExt cx="0" cy="0"/>
+        </a:xfrm>
+      </p:grpSpPr>
+      <p:sp>
+        <p:nvSpPr>
+          <p:cNvPr id="4" name="TextBox 3"/>
+          <p:cNvSpPr txBox="1"/>
+          <p:nvPr/>
+        </p:nvSpPr>
+        <p:spPr>
+          <a:xfrm>
+            <a:off x="431921" y="345213"/>
+            <a:ext cx="3611252" cy="338554"/>
+          </a:xfrm>
+          <a:prstGeom prst="rect">
+            <a:avLst/>
+          </a:prstGeom>
+          <a:noFill/>
+        </p:spPr>
+        <p:txBody>
+          <a:bodyPr wrap="square" rtlCol="0">
+            <a:spAutoFit/>
+          </a:bodyPr>
+          <a:lstStyle/>
+          <a:p>
+            <a:r>
+              <a:rPr lang="zh-CN" altLang="en-US" sz="1600" dirty="0" smtClean="0">
+                <a:latin typeface="楷体" pitchFamily="49" charset="-122"/>
+                <a:ea typeface="楷体" pitchFamily="49" charset="-122"/>
+              </a:rPr>
+              <a:t>* 基于</a:t>
+            </a:r>
+            <a:r>
+              <a:rPr lang="en-US" altLang="zh-CN" sz="1600" dirty="0" smtClean="0">
+                <a:latin typeface="楷体" pitchFamily="49" charset="-122"/>
+                <a:ea typeface="楷体" pitchFamily="49" charset="-122"/>
+              </a:rPr>
+              <a:t>Proxy</a:t>
+            </a:r>
+            <a:r>
+              <a:rPr lang="zh-CN" altLang="en-US" sz="1600" dirty="0" smtClean="0">
+                <a:latin typeface="楷体" pitchFamily="49" charset="-122"/>
+                <a:ea typeface="楷体" pitchFamily="49" charset="-122"/>
+              </a:rPr>
+              <a:t>的</a:t>
+            </a:r>
+            <a:r>
+              <a:rPr lang="zh-CN" altLang="en-US" sz="1600" dirty="0">
+                <a:latin typeface="楷体" pitchFamily="49" charset="-122"/>
+                <a:ea typeface="楷体" pitchFamily="49" charset="-122"/>
+              </a:rPr>
+              <a:t>数据变更检测</a:t>
+            </a:r>
+          </a:p>
+        </p:txBody>
+      </p:sp>
+      <p:pic>
+        <p:nvPicPr>
+          <p:cNvPr id="3" name="图片 2"/>
+          <p:cNvPicPr>
+            <a:picLocks noChangeAspect="1"/>
+          </p:cNvPicPr>
+          <p:nvPr/>
+        </p:nvPicPr>
+        <p:blipFill>
+          <a:blip r:embed="rId2">
+            <a:extLst>
+              <a:ext uri="{28A0092B-C50C-407E-A947-70E740481C1C}">
+                <a14:useLocalDpi xmlns:a14="http://schemas.microsoft.com/office/drawing/2010/main" val="0"/>
+              </a:ext>
+            </a:extLst>
+          </a:blip>
+          <a:stretch>
+            <a:fillRect/>
+          </a:stretch>
+        </p:blipFill>
+        <p:spPr>
+          <a:xfrm>
+            <a:off x="1112585" y="871507"/>
+            <a:ext cx="4935071" cy="2688981"/>
+          </a:xfrm>
+          <a:prstGeom prst="rect">
+            <a:avLst/>
+          </a:prstGeom>
+        </p:spPr>
+      </p:pic>
+      <p:sp>
+        <p:nvSpPr>
+          <p:cNvPr id="5" name="TextBox 4"/>
+          <p:cNvSpPr txBox="1"/>
+          <p:nvPr/>
+        </p:nvSpPr>
+        <p:spPr>
+          <a:xfrm>
+            <a:off x="679249" y="3740582"/>
+            <a:ext cx="8460432" cy="830997"/>
+          </a:xfrm>
+          <a:prstGeom prst="rect">
+            <a:avLst/>
+          </a:prstGeom>
+          <a:noFill/>
+        </p:spPr>
+        <p:txBody>
+          <a:bodyPr wrap="square" rtlCol="0">
+            <a:spAutoFit/>
+          </a:bodyPr>
+          <a:lstStyle/>
+          <a:p>
+            <a:r>
+              <a:rPr lang="en-US" altLang="zh-CN" sz="1200" dirty="0">
+                <a:latin typeface="楷体" pitchFamily="49" charset="-122"/>
+                <a:ea typeface="楷体" pitchFamily="49" charset="-122"/>
+              </a:rPr>
+              <a:t>Proxy</a:t>
+            </a:r>
+            <a:r>
+              <a:rPr lang="zh-CN" altLang="en-US" sz="1200" dirty="0">
+                <a:latin typeface="楷体" pitchFamily="49" charset="-122"/>
+                <a:ea typeface="楷体" pitchFamily="49" charset="-122"/>
+              </a:rPr>
+              <a:t>是在目标对象之前架设一层“拦截”，外界对该对象的访问，都必须先通过这层</a:t>
+            </a:r>
+            <a:r>
+              <a:rPr lang="zh-CN" altLang="en-US" sz="1200" dirty="0" smtClean="0">
+                <a:latin typeface="楷体" pitchFamily="49" charset="-122"/>
+                <a:ea typeface="楷体" pitchFamily="49" charset="-122"/>
+              </a:rPr>
+              <a:t>拦截；</a:t>
+            </a:r>
+            <a:r>
+              <a:rPr lang="en-US" altLang="zh-CN" sz="1200" dirty="0" smtClean="0">
+                <a:latin typeface="楷体" pitchFamily="49" charset="-122"/>
+                <a:ea typeface="楷体" pitchFamily="49" charset="-122"/>
+              </a:rPr>
+              <a:t>Reflect</a:t>
+            </a:r>
+            <a:r>
+              <a:rPr lang="zh-CN" altLang="en-US" sz="1200" dirty="0">
+                <a:latin typeface="楷体" pitchFamily="49" charset="-122"/>
+                <a:ea typeface="楷体" pitchFamily="49" charset="-122"/>
+              </a:rPr>
+              <a:t>是</a:t>
+            </a:r>
+            <a:r>
+              <a:rPr lang="en-US" altLang="zh-CN" sz="1200" dirty="0">
+                <a:latin typeface="楷体" pitchFamily="49" charset="-122"/>
+                <a:ea typeface="楷体" pitchFamily="49" charset="-122"/>
+              </a:rPr>
+              <a:t>ES6</a:t>
+            </a:r>
+            <a:r>
+              <a:rPr lang="zh-CN" altLang="en-US" sz="1200" dirty="0">
+                <a:latin typeface="楷体" pitchFamily="49" charset="-122"/>
+                <a:ea typeface="楷体" pitchFamily="49" charset="-122"/>
+              </a:rPr>
+              <a:t>提供的一个内置的对象，提供拦截</a:t>
+            </a:r>
+            <a:r>
+              <a:rPr lang="en-US" altLang="zh-CN" sz="1200" dirty="0">
+                <a:latin typeface="楷体" pitchFamily="49" charset="-122"/>
+                <a:ea typeface="楷体" pitchFamily="49" charset="-122"/>
+              </a:rPr>
+              <a:t>JavaScript </a:t>
+            </a:r>
+            <a:r>
+              <a:rPr lang="zh-CN" altLang="en-US" sz="1200" dirty="0">
+                <a:latin typeface="楷体" pitchFamily="49" charset="-122"/>
+                <a:ea typeface="楷体" pitchFamily="49" charset="-122"/>
+              </a:rPr>
+              <a:t>操作的方法，被</a:t>
+            </a:r>
+            <a:r>
+              <a:rPr lang="en-US" altLang="zh-CN" sz="1200" dirty="0">
+                <a:latin typeface="楷体" pitchFamily="49" charset="-122"/>
+                <a:ea typeface="楷体" pitchFamily="49" charset="-122"/>
+              </a:rPr>
+              <a:t>Reflect</a:t>
+            </a:r>
+            <a:r>
+              <a:rPr lang="zh-CN" altLang="en-US" sz="1200" dirty="0">
+                <a:latin typeface="楷体" pitchFamily="49" charset="-122"/>
+                <a:ea typeface="楷体" pitchFamily="49" charset="-122"/>
+              </a:rPr>
+              <a:t>对象所代表的反射接口给底层操作提供默认行为的方法的集合</a:t>
+            </a:r>
+            <a:r>
+              <a:rPr lang="zh-CN" altLang="en-US" sz="1200" dirty="0" smtClean="0">
+                <a:latin typeface="楷体" pitchFamily="49" charset="-122"/>
+                <a:ea typeface="楷体" pitchFamily="49" charset="-122"/>
+              </a:rPr>
+              <a:t>。所以</a:t>
+            </a:r>
+            <a:r>
+              <a:rPr lang="en-US" altLang="zh-CN" sz="1200" dirty="0">
+                <a:latin typeface="楷体" pitchFamily="49" charset="-122"/>
+                <a:ea typeface="楷体" pitchFamily="49" charset="-122"/>
+              </a:rPr>
+              <a:t>Proxy</a:t>
+            </a:r>
+            <a:r>
+              <a:rPr lang="zh-CN" altLang="en-US" sz="1200" dirty="0">
+                <a:latin typeface="楷体" pitchFamily="49" charset="-122"/>
+                <a:ea typeface="楷体" pitchFamily="49" charset="-122"/>
+              </a:rPr>
+              <a:t>是拦截默认行为，</a:t>
+            </a:r>
+            <a:r>
+              <a:rPr lang="en-US" altLang="zh-CN" sz="1200" dirty="0">
+                <a:latin typeface="楷体" pitchFamily="49" charset="-122"/>
+                <a:ea typeface="楷体" pitchFamily="49" charset="-122"/>
+              </a:rPr>
+              <a:t>Reflect</a:t>
+            </a:r>
+            <a:r>
+              <a:rPr lang="zh-CN" altLang="en-US" sz="1200" dirty="0">
+                <a:latin typeface="楷体" pitchFamily="49" charset="-122"/>
+                <a:ea typeface="楷体" pitchFamily="49" charset="-122"/>
+              </a:rPr>
+              <a:t>是恢复默认行。被</a:t>
+            </a:r>
+            <a:r>
+              <a:rPr lang="en-US" altLang="zh-CN" sz="1200" dirty="0">
+                <a:latin typeface="楷体" pitchFamily="49" charset="-122"/>
+                <a:ea typeface="楷体" pitchFamily="49" charset="-122"/>
+              </a:rPr>
+              <a:t>Proxy</a:t>
+            </a:r>
+            <a:r>
+              <a:rPr lang="zh-CN" altLang="en-US" sz="1200" dirty="0">
+                <a:latin typeface="楷体" pitchFamily="49" charset="-122"/>
+                <a:ea typeface="楷体" pitchFamily="49" charset="-122"/>
+              </a:rPr>
+              <a:t>拦截、过滤了一些默认行为之后，可以使用 </a:t>
+            </a:r>
+            <a:r>
+              <a:rPr lang="en-US" altLang="zh-CN" sz="1200" dirty="0">
+                <a:latin typeface="楷体" pitchFamily="49" charset="-122"/>
+                <a:ea typeface="楷体" pitchFamily="49" charset="-122"/>
+              </a:rPr>
+              <a:t>Reflect </a:t>
+            </a:r>
+            <a:r>
+              <a:rPr lang="zh-CN" altLang="en-US" sz="1200" dirty="0">
+                <a:latin typeface="楷体" pitchFamily="49" charset="-122"/>
+                <a:ea typeface="楷体" pitchFamily="49" charset="-122"/>
+              </a:rPr>
+              <a:t>恢复未被拦截的默认行为。</a:t>
+            </a:r>
+          </a:p>
+        </p:txBody>
+      </p:sp>
+      <p:sp>
+        <p:nvSpPr>
+          <p:cNvPr id="7" name="TextBox 6"/>
+          <p:cNvSpPr txBox="1"/>
+          <p:nvPr/>
+        </p:nvSpPr>
+        <p:spPr>
+          <a:xfrm>
+            <a:off x="679249" y="4807151"/>
+            <a:ext cx="2232248" cy="1031051"/>
+          </a:xfrm>
+          <a:prstGeom prst="rect">
+            <a:avLst/>
+          </a:prstGeom>
+          <a:noFill/>
+        </p:spPr>
+        <p:txBody>
+          <a:bodyPr wrap="square" rtlCol="0">
+            <a:spAutoFit/>
+          </a:bodyPr>
+          <a:lstStyle/>
+          <a:p>
+            <a:r>
+              <a:rPr lang="zh-CN" altLang="en-US" sz="1300" dirty="0">
+                <a:latin typeface="楷体" pitchFamily="49" charset="-122"/>
+                <a:ea typeface="楷体" pitchFamily="49" charset="-122"/>
+              </a:rPr>
+              <a:t>创建响应式数据的方法</a:t>
+            </a:r>
+            <a:r>
+              <a:rPr lang="zh-CN" altLang="en-US" sz="1200" dirty="0">
+                <a:latin typeface="楷体" pitchFamily="49" charset="-122"/>
+                <a:ea typeface="楷体" pitchFamily="49" charset="-122"/>
+              </a:rPr>
+              <a:t>：</a:t>
+            </a:r>
+          </a:p>
+          <a:p>
+            <a:r>
+              <a:rPr lang="zh-CN" altLang="en-US" sz="1200" dirty="0" smtClean="0">
+                <a:latin typeface="楷体" pitchFamily="49" charset="-122"/>
+                <a:ea typeface="楷体" pitchFamily="49" charset="-122"/>
+              </a:rPr>
+              <a:t>    </a:t>
+            </a:r>
+            <a:r>
+              <a:rPr lang="en-US" altLang="zh-CN" sz="1200" dirty="0" smtClean="0">
+                <a:solidFill>
+                  <a:srgbClr val="FF0000"/>
+                </a:solidFill>
+                <a:latin typeface="楷体" pitchFamily="49" charset="-122"/>
+                <a:ea typeface="楷体" pitchFamily="49" charset="-122"/>
+              </a:rPr>
+              <a:t>1</a:t>
+            </a:r>
+            <a:r>
+              <a:rPr lang="en-US" altLang="zh-CN" sz="1200" dirty="0" smtClean="0">
+                <a:latin typeface="楷体" pitchFamily="49" charset="-122"/>
+                <a:ea typeface="楷体" pitchFamily="49" charset="-122"/>
+              </a:rPr>
+              <a:t>.data </a:t>
+            </a:r>
+            <a:r>
+              <a:rPr lang="zh-CN" altLang="en-US" sz="1200" dirty="0">
+                <a:latin typeface="楷体" pitchFamily="49" charset="-122"/>
+                <a:ea typeface="楷体" pitchFamily="49" charset="-122"/>
+              </a:rPr>
+              <a:t>选项。</a:t>
+            </a:r>
+          </a:p>
+          <a:p>
+            <a:r>
+              <a:rPr lang="zh-CN" altLang="en-US" sz="1200" dirty="0" smtClean="0">
+                <a:latin typeface="楷体" pitchFamily="49" charset="-122"/>
+                <a:ea typeface="楷体" pitchFamily="49" charset="-122"/>
+              </a:rPr>
+              <a:t>    </a:t>
+            </a:r>
+            <a:r>
+              <a:rPr lang="en-US" altLang="zh-CN" sz="1200" dirty="0" smtClean="0">
+                <a:solidFill>
+                  <a:srgbClr val="FF0000"/>
+                </a:solidFill>
+                <a:latin typeface="楷体" pitchFamily="49" charset="-122"/>
+                <a:ea typeface="楷体" pitchFamily="49" charset="-122"/>
+              </a:rPr>
+              <a:t>2</a:t>
+            </a:r>
+            <a:r>
+              <a:rPr lang="en-US" altLang="zh-CN" sz="1200" dirty="0" smtClean="0">
+                <a:latin typeface="楷体" pitchFamily="49" charset="-122"/>
+                <a:ea typeface="楷体" pitchFamily="49" charset="-122"/>
+              </a:rPr>
+              <a:t>.reactive </a:t>
+            </a:r>
+            <a:r>
+              <a:rPr lang="en-US" altLang="zh-CN" sz="1200" dirty="0">
+                <a:latin typeface="楷体" pitchFamily="49" charset="-122"/>
+                <a:ea typeface="楷体" pitchFamily="49" charset="-122"/>
+              </a:rPr>
+              <a:t>API</a:t>
+            </a:r>
+            <a:r>
+              <a:rPr lang="zh-CN" altLang="en-US" sz="1200" dirty="0" smtClean="0">
+                <a:latin typeface="楷体" pitchFamily="49" charset="-122"/>
+                <a:ea typeface="楷体" pitchFamily="49" charset="-122"/>
+              </a:rPr>
+              <a:t>。</a:t>
+            </a:r>
+            <a:endParaRPr lang="en-US" altLang="zh-CN" sz="1200" dirty="0" smtClean="0">
+              <a:latin typeface="楷体" pitchFamily="49" charset="-122"/>
+              <a:ea typeface="楷体" pitchFamily="49" charset="-122"/>
+            </a:endParaRPr>
+          </a:p>
+          <a:p>
+            <a:r>
+              <a:rPr lang="en-US" altLang="zh-CN" sz="1200" dirty="0">
+                <a:latin typeface="楷体" pitchFamily="49" charset="-122"/>
+                <a:ea typeface="楷体" pitchFamily="49" charset="-122"/>
+              </a:rPr>
+              <a:t> </a:t>
+            </a:r>
+            <a:r>
+              <a:rPr lang="en-US" altLang="zh-CN" sz="1200" dirty="0" smtClean="0">
+                <a:latin typeface="楷体" pitchFamily="49" charset="-122"/>
+                <a:ea typeface="楷体" pitchFamily="49" charset="-122"/>
+              </a:rPr>
+              <a:t>   </a:t>
+            </a:r>
+            <a:r>
+              <a:rPr lang="en-US" altLang="zh-CN" sz="1200" dirty="0" smtClean="0">
+                <a:solidFill>
+                  <a:srgbClr val="FF0000"/>
+                </a:solidFill>
+                <a:latin typeface="楷体" pitchFamily="49" charset="-122"/>
+                <a:ea typeface="楷体" pitchFamily="49" charset="-122"/>
+              </a:rPr>
+              <a:t>3</a:t>
+            </a:r>
+            <a:r>
+              <a:rPr lang="en-US" altLang="zh-CN" sz="1200" dirty="0" smtClean="0">
+                <a:latin typeface="楷体" pitchFamily="49" charset="-122"/>
+                <a:ea typeface="楷体" pitchFamily="49" charset="-122"/>
+              </a:rPr>
+              <a:t>.ref </a:t>
+            </a:r>
+            <a:r>
+              <a:rPr lang="en-US" altLang="zh-CN" sz="1200" dirty="0">
+                <a:latin typeface="楷体" pitchFamily="49" charset="-122"/>
+                <a:ea typeface="楷体" pitchFamily="49" charset="-122"/>
+              </a:rPr>
+              <a:t>API</a:t>
+            </a:r>
+            <a:r>
+              <a:rPr lang="zh-CN" altLang="en-US" sz="1200" dirty="0">
+                <a:latin typeface="楷体" pitchFamily="49" charset="-122"/>
+                <a:ea typeface="楷体" pitchFamily="49" charset="-122"/>
+              </a:rPr>
+              <a:t>。</a:t>
+            </a:r>
+          </a:p>
+          <a:p>
+            <a:r>
+              <a:rPr lang="zh-CN" altLang="en-US" sz="1200" dirty="0" smtClean="0">
+                <a:latin typeface="楷体" pitchFamily="49" charset="-122"/>
+                <a:ea typeface="楷体" pitchFamily="49" charset="-122"/>
+              </a:rPr>
+              <a:t>    </a:t>
+            </a:r>
+            <a:r>
+              <a:rPr lang="en-US" altLang="zh-CN" sz="1200" dirty="0" smtClean="0">
+                <a:solidFill>
+                  <a:srgbClr val="FF0000"/>
+                </a:solidFill>
+                <a:latin typeface="楷体" pitchFamily="49" charset="-122"/>
+                <a:ea typeface="楷体" pitchFamily="49" charset="-122"/>
+              </a:rPr>
+              <a:t>4</a:t>
+            </a:r>
+            <a:r>
+              <a:rPr lang="en-US" altLang="zh-CN" sz="1200" dirty="0" smtClean="0">
+                <a:latin typeface="楷体" pitchFamily="49" charset="-122"/>
+                <a:ea typeface="楷体" pitchFamily="49" charset="-122"/>
+              </a:rPr>
+              <a:t>.computed </a:t>
+            </a:r>
+            <a:r>
+              <a:rPr lang="zh-CN" altLang="en-US" sz="1200" dirty="0">
+                <a:latin typeface="楷体" pitchFamily="49" charset="-122"/>
+                <a:ea typeface="楷体" pitchFamily="49" charset="-122"/>
+              </a:rPr>
+              <a:t>属性</a:t>
+            </a:r>
+          </a:p>
+        </p:txBody>
+      </p:sp>
+      <p:sp>
+        <p:nvSpPr>
+          <p:cNvPr id="9" name="TextBox 8"/>
+          <p:cNvSpPr txBox="1"/>
+          <p:nvPr/>
+        </p:nvSpPr>
+        <p:spPr>
+          <a:xfrm>
+            <a:off x="3159605" y="4565065"/>
+            <a:ext cx="2384889" cy="2292935"/>
+          </a:xfrm>
+          <a:prstGeom prst="rect">
+            <a:avLst/>
+          </a:prstGeom>
+          <a:noFill/>
+        </p:spPr>
+        <p:txBody>
+          <a:bodyPr wrap="square" rtlCol="0">
+            <a:spAutoFit/>
+          </a:bodyPr>
+          <a:lstStyle/>
+          <a:p>
+            <a:r>
+              <a:rPr lang="en-US" altLang="zh-CN" sz="1100" dirty="0" smtClean="0"/>
+              <a:t>&lt;script&gt;</a:t>
+            </a:r>
+          </a:p>
+          <a:p>
+            <a:r>
+              <a:rPr lang="en-US" altLang="zh-CN" sz="1100" b="1" dirty="0"/>
+              <a:t>import</a:t>
+            </a:r>
+            <a:r>
+              <a:rPr lang="en-US" altLang="zh-CN" sz="1100" dirty="0"/>
+              <a:t> { </a:t>
+            </a:r>
+            <a:r>
+              <a:rPr lang="en-US" altLang="zh-CN" sz="1100" dirty="0" err="1"/>
+              <a:t>createApp</a:t>
+            </a:r>
+            <a:r>
+              <a:rPr lang="en-US" altLang="zh-CN" sz="1100" dirty="0"/>
+              <a:t> } </a:t>
+            </a:r>
+            <a:r>
+              <a:rPr lang="en-US" altLang="zh-CN" sz="1100" b="1" dirty="0"/>
+              <a:t>from</a:t>
+            </a:r>
+            <a:r>
+              <a:rPr lang="en-US" altLang="zh-CN" sz="1100" dirty="0"/>
+              <a:t> </a:t>
+            </a:r>
+            <a:r>
+              <a:rPr lang="en-US" altLang="zh-CN" sz="1100" dirty="0" err="1"/>
+              <a:t>Vue</a:t>
+            </a:r>
+            <a:r>
+              <a:rPr lang="en-US" altLang="zh-CN" sz="1100" dirty="0"/>
+              <a:t>; </a:t>
+            </a:r>
+          </a:p>
+          <a:p>
+            <a:r>
+              <a:rPr lang="en-US" altLang="zh-CN" sz="1100" dirty="0" smtClean="0"/>
+              <a:t>export </a:t>
+            </a:r>
+            <a:r>
+              <a:rPr lang="en-US" altLang="zh-CN" sz="1100" dirty="0"/>
+              <a:t>default {</a:t>
+            </a:r>
+          </a:p>
+          <a:p>
+            <a:r>
+              <a:rPr lang="en-US" altLang="zh-CN" sz="1100" dirty="0" smtClean="0"/>
+              <a:t> </a:t>
+            </a:r>
+            <a:r>
+              <a:rPr lang="en-US" altLang="zh-CN" sz="1100" dirty="0" err="1" smtClean="0"/>
+              <a:t>const</a:t>
+            </a:r>
+            <a:r>
+              <a:rPr lang="en-US" altLang="zh-CN" sz="1100" dirty="0" smtClean="0"/>
+              <a:t> </a:t>
+            </a:r>
+            <a:r>
+              <a:rPr lang="en-US" altLang="zh-CN" sz="1100" dirty="0"/>
+              <a:t>App = {</a:t>
+            </a:r>
+          </a:p>
+          <a:p>
+            <a:r>
+              <a:rPr lang="en-US" altLang="zh-CN" sz="1100" dirty="0" smtClean="0"/>
+              <a:t>    data</a:t>
+            </a:r>
+            <a:r>
+              <a:rPr lang="en-US" altLang="zh-CN" sz="1100" dirty="0"/>
+              <a:t>: {</a:t>
+            </a:r>
+          </a:p>
+          <a:p>
+            <a:r>
+              <a:rPr lang="en-US" altLang="zh-CN" sz="1100" dirty="0" smtClean="0"/>
+              <a:t>        name</a:t>
+            </a:r>
+            <a:r>
+              <a:rPr lang="en-US" altLang="zh-CN" sz="1100" dirty="0"/>
+              <a:t>: '</a:t>
+            </a:r>
+            <a:r>
+              <a:rPr lang="en-US" altLang="zh-CN" sz="1100" dirty="0" err="1"/>
+              <a:t>Vue</a:t>
+            </a:r>
+            <a:r>
+              <a:rPr lang="en-US" altLang="zh-CN" sz="1100" dirty="0"/>
+              <a:t> 3</a:t>
+            </a:r>
+            <a:r>
+              <a:rPr lang="en-US" altLang="zh-CN" sz="1100" dirty="0" smtClean="0"/>
+              <a:t>',</a:t>
+            </a:r>
+          </a:p>
+          <a:p>
+            <a:endParaRPr lang="en-US" altLang="zh-CN" sz="1100" dirty="0" smtClean="0"/>
+          </a:p>
+          <a:p>
+            <a:r>
+              <a:rPr lang="en-US" altLang="zh-CN" sz="1100" dirty="0"/>
+              <a:t> </a:t>
+            </a:r>
+            <a:r>
+              <a:rPr lang="en-US" altLang="zh-CN" sz="1100" dirty="0" smtClean="0"/>
+              <a:t>       count</a:t>
+            </a:r>
+            <a:r>
+              <a:rPr lang="en-US" altLang="zh-CN" sz="1100" dirty="0"/>
+              <a:t>: ref(0)</a:t>
+            </a:r>
+          </a:p>
+          <a:p>
+            <a:r>
+              <a:rPr lang="en-US" altLang="zh-CN" sz="1100" dirty="0" smtClean="0"/>
+              <a:t>     }</a:t>
+            </a:r>
+            <a:endParaRPr lang="en-US" altLang="zh-CN" sz="1100" dirty="0"/>
+          </a:p>
+          <a:p>
+            <a:r>
+              <a:rPr lang="en-US" altLang="zh-CN" sz="1100" dirty="0" smtClean="0"/>
+              <a:t> }</a:t>
+            </a:r>
+            <a:endParaRPr lang="en-US" altLang="zh-CN" sz="1100" dirty="0"/>
+          </a:p>
+          <a:p>
+            <a:r>
+              <a:rPr lang="en-US" altLang="zh-CN" sz="1100" dirty="0" smtClean="0"/>
+              <a:t> </a:t>
+            </a:r>
+            <a:r>
+              <a:rPr lang="en-US" altLang="zh-CN" sz="1100" dirty="0" err="1" smtClean="0"/>
+              <a:t>createApp</a:t>
+            </a:r>
+            <a:r>
+              <a:rPr lang="en-US" altLang="zh-CN" sz="1100" dirty="0"/>
+              <a:t>().mount(</a:t>
+            </a:r>
+            <a:r>
+              <a:rPr lang="en-US" altLang="zh-CN" sz="1100" i="1" dirty="0"/>
+              <a:t>App</a:t>
+            </a:r>
+            <a:r>
+              <a:rPr lang="en-US" altLang="zh-CN" sz="1100" dirty="0"/>
+              <a:t>, '#app</a:t>
+            </a:r>
+            <a:r>
+              <a:rPr lang="en-US" altLang="zh-CN" sz="1100" dirty="0" smtClean="0"/>
+              <a:t>');</a:t>
+            </a:r>
+          </a:p>
+          <a:p>
+            <a:r>
+              <a:rPr lang="en-US" altLang="zh-CN" sz="1100" dirty="0"/>
+              <a:t>}</a:t>
+            </a:r>
+            <a:br>
+              <a:rPr lang="en-US" altLang="zh-CN" sz="1100" dirty="0"/>
+            </a:br>
+            <a:r>
+              <a:rPr lang="en-US" altLang="zh-CN" sz="1100" dirty="0" smtClean="0"/>
+              <a:t>&lt;/</a:t>
+            </a:r>
+            <a:r>
+              <a:rPr lang="en-US" altLang="zh-CN" sz="1100" dirty="0"/>
+              <a:t>script</a:t>
+            </a:r>
+            <a:r>
+              <a:rPr lang="en-US" altLang="zh-CN" sz="1100" dirty="0" smtClean="0"/>
+              <a:t>&gt;</a:t>
+            </a:r>
+            <a:endParaRPr lang="en-US" altLang="zh-CN" sz="1100" dirty="0"/>
+          </a:p>
+        </p:txBody>
+      </p:sp>
+      <p:sp>
+        <p:nvSpPr>
+          <p:cNvPr id="10" name="TextBox 9"/>
+          <p:cNvSpPr txBox="1"/>
+          <p:nvPr/>
+        </p:nvSpPr>
+        <p:spPr>
+          <a:xfrm>
+            <a:off x="6047656" y="4565065"/>
+            <a:ext cx="3096344" cy="2292935"/>
+          </a:xfrm>
+          <a:prstGeom prst="rect">
+            <a:avLst/>
+          </a:prstGeom>
+          <a:noFill/>
+        </p:spPr>
+        <p:txBody>
+          <a:bodyPr wrap="square" rtlCol="0">
+            <a:spAutoFit/>
+          </a:bodyPr>
+          <a:lstStyle/>
+          <a:p>
+            <a:r>
+              <a:rPr lang="en-US" altLang="zh-CN" sz="1100" dirty="0"/>
+              <a:t>&lt;script&gt;</a:t>
+            </a:r>
+            <a:br>
+              <a:rPr lang="en-US" altLang="zh-CN" sz="1100" dirty="0"/>
+            </a:br>
+            <a:r>
+              <a:rPr lang="en-US" altLang="zh-CN" sz="1100" dirty="0"/>
+              <a:t>import { reactive } from </a:t>
+            </a:r>
+            <a:r>
+              <a:rPr lang="en-US" altLang="zh-CN" sz="1100" dirty="0" err="1"/>
+              <a:t>Vue</a:t>
+            </a:r>
+            <a:r>
+              <a:rPr lang="en-US" altLang="zh-CN" sz="1100" dirty="0"/>
+              <a:t>;</a:t>
+            </a:r>
+            <a:br>
+              <a:rPr lang="en-US" altLang="zh-CN" sz="1100" dirty="0"/>
+            </a:br>
+            <a:r>
+              <a:rPr lang="en-US" altLang="zh-CN" sz="1100" dirty="0"/>
+              <a:t>export default {</a:t>
+            </a:r>
+            <a:br>
+              <a:rPr lang="en-US" altLang="zh-CN" sz="1100" dirty="0"/>
+            </a:br>
+            <a:r>
+              <a:rPr lang="en-US" altLang="zh-CN" sz="1100" dirty="0"/>
+              <a:t>    setup() {</a:t>
+            </a:r>
+            <a:br>
+              <a:rPr lang="en-US" altLang="zh-CN" sz="1100" dirty="0"/>
+            </a:br>
+            <a:r>
+              <a:rPr lang="en-US" altLang="zh-CN" sz="1100" dirty="0"/>
+              <a:t>        </a:t>
+            </a:r>
+            <a:r>
+              <a:rPr lang="en-US" altLang="zh-CN" sz="1100" dirty="0" err="1"/>
+              <a:t>const</a:t>
+            </a:r>
+            <a:r>
+              <a:rPr lang="en-US" altLang="zh-CN" sz="1100" dirty="0"/>
+              <a:t> state = reactive({</a:t>
+            </a:r>
+            <a:br>
+              <a:rPr lang="en-US" altLang="zh-CN" sz="1100" dirty="0"/>
+            </a:br>
+            <a:r>
+              <a:rPr lang="en-US" altLang="zh-CN" sz="1100" dirty="0"/>
+              <a:t>            name: "</a:t>
+            </a:r>
+            <a:r>
+              <a:rPr lang="en-US" altLang="zh-CN" sz="1100" dirty="0" err="1"/>
+              <a:t>Vue</a:t>
+            </a:r>
+            <a:r>
+              <a:rPr lang="en-US" altLang="zh-CN" sz="1100" dirty="0"/>
+              <a:t> 3"</a:t>
+            </a:r>
+            <a:br>
+              <a:rPr lang="en-US" altLang="zh-CN" sz="1100" dirty="0"/>
+            </a:br>
+            <a:r>
+              <a:rPr lang="en-US" altLang="zh-CN" sz="1100" dirty="0"/>
+              <a:t>        })</a:t>
+            </a:r>
+            <a:br>
+              <a:rPr lang="en-US" altLang="zh-CN" sz="1100" dirty="0"/>
+            </a:br>
+            <a:r>
+              <a:rPr lang="en-US" altLang="zh-CN" sz="1100" dirty="0"/>
+              <a:t>        return {</a:t>
+            </a:r>
+            <a:br>
+              <a:rPr lang="en-US" altLang="zh-CN" sz="1100" dirty="0"/>
+            </a:br>
+            <a:r>
+              <a:rPr lang="en-US" altLang="zh-CN" sz="1100" dirty="0"/>
+              <a:t>            state</a:t>
+            </a:r>
+            <a:br>
+              <a:rPr lang="en-US" altLang="zh-CN" sz="1100" dirty="0"/>
+            </a:br>
+            <a:r>
+              <a:rPr lang="en-US" altLang="zh-CN" sz="1100" dirty="0"/>
+              <a:t>        }</a:t>
+            </a:r>
+            <a:br>
+              <a:rPr lang="en-US" altLang="zh-CN" sz="1100" dirty="0"/>
+            </a:br>
+            <a:r>
+              <a:rPr lang="en-US" altLang="zh-CN" sz="1100" dirty="0"/>
+              <a:t>    }</a:t>
+            </a:r>
+            <a:br>
+              <a:rPr lang="en-US" altLang="zh-CN" sz="1100" dirty="0"/>
+            </a:br>
+            <a:r>
+              <a:rPr lang="en-US" altLang="zh-CN" sz="1100" dirty="0"/>
+              <a:t>}</a:t>
+            </a:r>
+            <a:br>
+              <a:rPr lang="en-US" altLang="zh-CN" sz="1100" dirty="0"/>
+            </a:br>
+            <a:r>
+              <a:rPr lang="en-US" altLang="zh-CN" sz="1100" dirty="0"/>
+              <a:t>&lt;/script&gt;</a:t>
+            </a:r>
+            <a:endParaRPr lang="zh-CN" altLang="en-US" sz="1100" dirty="0"/>
+          </a:p>
+        </p:txBody>
+      </p:sp>
+      <p:sp>
+        <p:nvSpPr>
+          <p:cNvPr id="2" name="动作按钮: 声音 1">
+            <a:hlinkClick r:id="" action="ppaction://noaction" highlightClick="1">
+              <a:snd r:embed="rId3" name="applause.wav"/>
+            </a:hlinkClick>
+          </p:cNvPr>
+          <p:cNvSpPr/>
+          <p:nvPr/>
+        </p:nvSpPr>
+        <p:spPr>
+          <a:xfrm>
+            <a:off x="2874151" y="4596314"/>
+            <a:ext cx="248108" cy="288032"/>
+          </a:xfrm>
+          <a:prstGeom prst="actionButtonSound">
+            <a:avLst/>
+          </a:prstGeom>
+          <a:noFill/>
+          <a:ln>
+            <a:noFill/>
+          </a:ln>
+        </p:spPr>
+        <p:style>
+          <a:lnRef idx="2">
+            <a:schemeClr val="accent6"/>
+          </a:lnRef>
+          <a:fillRef idx="1">
+            <a:schemeClr val="lt1"/>
+          </a:fillRef>
+          <a:effectRef idx="0">
+            <a:schemeClr val="accent6"/>
+          </a:effectRef>
+          <a:fontRef idx="minor">
+            <a:schemeClr val="dk1"/>
+          </a:fontRef>
+        </p:style>
+        <p:txBody>
+          <a:bodyPr rtlCol="0" anchor="ctr"/>
+          <a:lstStyle/>
+          <a:p>
+            <a:pPr algn="ctr"/>
+            <a:endParaRPr lang="zh-CN" altLang="en-US"/>
+          </a:p>
+        </p:txBody>
+      </p:sp>
+    </p:spTree>
+    <p:extLst>
+      <p:ext uri="{BB962C8B-B14F-4D97-AF65-F5344CB8AC3E}">
+        <p14:creationId xmlns:p14="http://schemas.microsoft.com/office/powerpoint/2010/main" val="3822077852"/>
+      </p:ext>
+    </p:extLst>
+  </p:cSld>
+  <p:clrMapOvr>
+    <a:masterClrMapping/>
+  </p:clrMapOvr>
+  <p:transition spd="slow">
+    <p:wheel spokes="1"/>
+  </p:transition>
+  <p:timing>
+    <p:tnLst>
+      <p:par>
+        <p:cTn id="1" dur="indefinite" restart="never" nodeType="tmRoot"/>
+      </p:par>
+    </p:tnLst>
+  </p:timing>
+</p:sld>
+</file>
+
+<file path=ppt/slides/slide22.xml><?xml version="1.0" encoding="utf-8"?>
 <p:sld xmlns:a="http://schemas.openxmlformats.org/drawingml/2006/main" xmlns:r="http://schemas.openxmlformats.org/officeDocument/2006/relationships" xmlns:p="http://schemas.openxmlformats.org/presentationml/2006/main">
   <p:cSld>
     <p:spTree>
@@ -16476,68 +18894,6 @@
           </a:p>
         </p:txBody>
       </p:sp>
-      <p:sp>
-        <p:nvSpPr>
-          <p:cNvPr id="2" name="TextBox 1"/>
-          <p:cNvSpPr txBox="1"/>
-          <p:nvPr/>
-        </p:nvSpPr>
-        <p:spPr>
-          <a:xfrm>
-            <a:off x="3779912" y="5975928"/>
-            <a:ext cx="4752528" cy="323165"/>
-          </a:xfrm>
-          <a:prstGeom prst="rect">
-            <a:avLst/>
-          </a:prstGeom>
-          <a:noFill/>
-        </p:spPr>
-        <p:txBody>
-          <a:bodyPr wrap="square" rtlCol="0">
-            <a:spAutoFit/>
-          </a:bodyPr>
-          <a:lstStyle/>
-          <a:p>
-            <a:r>
-              <a:rPr lang="zh-CN" altLang="en-US" sz="1500" dirty="0" smtClean="0">
-                <a:solidFill>
-                  <a:srgbClr val="00B050"/>
-                </a:solidFill>
-                <a:latin typeface="华文楷体" pitchFamily="2" charset="-122"/>
-                <a:ea typeface="华文楷体" pitchFamily="2" charset="-122"/>
-              </a:rPr>
-              <a:t>广告</a:t>
-            </a:r>
-            <a:r>
-              <a:rPr lang="zh-CN" altLang="en-US" sz="1500" dirty="0">
-                <a:solidFill>
-                  <a:srgbClr val="00B050"/>
-                </a:solidFill>
-                <a:latin typeface="华文楷体" pitchFamily="2" charset="-122"/>
-                <a:ea typeface="华文楷体" pitchFamily="2" charset="-122"/>
-              </a:rPr>
-              <a:t>位：</a:t>
-            </a:r>
-            <a:r>
-              <a:rPr lang="en-US" altLang="zh-CN" sz="1500" dirty="0">
-                <a:solidFill>
-                  <a:srgbClr val="00B050"/>
-                </a:solidFill>
-                <a:latin typeface="华文楷体" pitchFamily="2" charset="-122"/>
-                <a:ea typeface="华文楷体" pitchFamily="2" charset="-122"/>
-              </a:rPr>
-              <a:t>https://github.com/ManBaAQiang/vueProject.git</a:t>
-            </a:r>
-            <a:endParaRPr lang="zh-CN" altLang="en-US" sz="1500" dirty="0">
-              <a:solidFill>
-                <a:srgbClr val="00B050"/>
-              </a:solidFill>
-              <a:latin typeface="华文楷体" pitchFamily="2" charset="-122"/>
-              <a:ea typeface="华文楷体" pitchFamily="2" charset="-122"/>
-            </a:endParaRPr>
-          </a:p>
-        </p:txBody>
-      </p:sp>
     </p:spTree>
     <p:extLst>
       <p:ext uri="{BB962C8B-B14F-4D97-AF65-F5344CB8AC3E}">
@@ -16561,7 +18917,7 @@
 </p:sld>
 </file>
 
-<file path=ppt/slides/slide22.xml><?xml version="1.0" encoding="utf-8"?>
+<file path=ppt/slides/slide23.xml><?xml version="1.0" encoding="utf-8"?>
 <p:sld xmlns:a="http://schemas.openxmlformats.org/drawingml/2006/main" xmlns:r="http://schemas.openxmlformats.org/officeDocument/2006/relationships" xmlns:p="http://schemas.openxmlformats.org/presentationml/2006/main">
   <p:cSld>
     <p:spTree>
@@ -17470,8 +19826,8 @@
         </p:nvSpPr>
         <p:spPr>
           <a:xfrm>
-            <a:off x="539552" y="660552"/>
-            <a:ext cx="8604448" cy="738664"/>
+            <a:off x="530782" y="650305"/>
+            <a:ext cx="8604448" cy="692497"/>
           </a:xfrm>
           <a:prstGeom prst="rect">
             <a:avLst/>
@@ -17485,139 +19841,139 @@
           <a:lstStyle/>
           <a:p>
             <a:r>
-              <a:rPr lang="zh-CN" altLang="en-US" sz="1400" dirty="0" smtClean="0">
+              <a:rPr lang="zh-CN" altLang="en-US" sz="1300" dirty="0" smtClean="0">
                 <a:latin typeface="楷体" pitchFamily="49" charset="-122"/>
                 <a:ea typeface="楷体" pitchFamily="49" charset="-122"/>
               </a:rPr>
               <a:t>    有时</a:t>
             </a:r>
             <a:r>
-              <a:rPr lang="zh-CN" altLang="en-US" sz="1400" dirty="0">
+              <a:rPr lang="zh-CN" altLang="en-US" sz="1300" dirty="0">
                 <a:latin typeface="楷体" pitchFamily="49" charset="-122"/>
                 <a:ea typeface="楷体" pitchFamily="49" charset="-122"/>
               </a:rPr>
               <a:t>涉及到页面交互部分的时候，</a:t>
             </a:r>
             <a:r>
-              <a:rPr lang="en-US" altLang="zh-CN" sz="1400" dirty="0" err="1">
+              <a:rPr lang="en-US" altLang="zh-CN" sz="1300" dirty="0" err="1">
                 <a:latin typeface="楷体" pitchFamily="49" charset="-122"/>
                 <a:ea typeface="楷体" pitchFamily="49" charset="-122"/>
               </a:rPr>
               <a:t>JQuery</a:t>
             </a:r>
             <a:r>
-              <a:rPr lang="zh-CN" altLang="en-US" sz="1400" dirty="0">
+              <a:rPr lang="zh-CN" altLang="en-US" sz="1300" dirty="0">
                 <a:latin typeface="楷体" pitchFamily="49" charset="-122"/>
                 <a:ea typeface="楷体" pitchFamily="49" charset="-122"/>
               </a:rPr>
               <a:t>就需要进行很多的</a:t>
             </a:r>
             <a:r>
-              <a:rPr lang="en-US" altLang="zh-CN" sz="1400" dirty="0" err="1">
+              <a:rPr lang="en-US" altLang="zh-CN" sz="1300" dirty="0" err="1">
                 <a:latin typeface="楷体" pitchFamily="49" charset="-122"/>
                 <a:ea typeface="楷体" pitchFamily="49" charset="-122"/>
               </a:rPr>
               <a:t>dom</a:t>
             </a:r>
             <a:r>
-              <a:rPr lang="zh-CN" altLang="en-US" sz="1400" dirty="0">
+              <a:rPr lang="zh-CN" altLang="en-US" sz="1300" dirty="0">
                 <a:latin typeface="楷体" pitchFamily="49" charset="-122"/>
                 <a:ea typeface="楷体" pitchFamily="49" charset="-122"/>
               </a:rPr>
               <a:t>操作，当数据和视图全部混杂在一起，使用</a:t>
             </a:r>
             <a:r>
-              <a:rPr lang="en-US" altLang="zh-CN" sz="1400" dirty="0" err="1">
+              <a:rPr lang="en-US" altLang="zh-CN" sz="1300" dirty="0" err="1">
                 <a:latin typeface="楷体" pitchFamily="49" charset="-122"/>
                 <a:ea typeface="楷体" pitchFamily="49" charset="-122"/>
               </a:rPr>
               <a:t>JQuery</a:t>
             </a:r>
             <a:r>
-              <a:rPr lang="zh-CN" altLang="en-US" sz="1400" dirty="0">
+              <a:rPr lang="zh-CN" altLang="en-US" sz="1300" dirty="0">
                 <a:latin typeface="楷体" pitchFamily="49" charset="-122"/>
                 <a:ea typeface="楷体" pitchFamily="49" charset="-122"/>
               </a:rPr>
               <a:t>就会变得非常的费劲</a:t>
             </a:r>
             <a:r>
-              <a:rPr lang="en-US" altLang="zh-CN" sz="1400" dirty="0" smtClean="0">
+              <a:rPr lang="en-US" altLang="zh-CN" sz="1300" dirty="0" smtClean="0">
                 <a:latin typeface="楷体" pitchFamily="49" charset="-122"/>
                 <a:ea typeface="楷体" pitchFamily="49" charset="-122"/>
               </a:rPr>
               <a:t>(OS:</a:t>
             </a:r>
             <a:r>
-              <a:rPr lang="zh-CN" altLang="en-US" sz="1400" dirty="0" smtClean="0">
+              <a:rPr lang="zh-CN" altLang="en-US" sz="1300" dirty="0" smtClean="0">
                 <a:latin typeface="楷体" pitchFamily="49" charset="-122"/>
                 <a:ea typeface="楷体" pitchFamily="49" charset="-122"/>
               </a:rPr>
               <a:t>前端</a:t>
             </a:r>
             <a:r>
-              <a:rPr lang="zh-CN" altLang="en-US" sz="1400" dirty="0">
+              <a:rPr lang="zh-CN" altLang="en-US" sz="1300" dirty="0">
                 <a:latin typeface="楷体" pitchFamily="49" charset="-122"/>
                 <a:ea typeface="楷体" pitchFamily="49" charset="-122"/>
               </a:rPr>
               <a:t>框架飞速发展的</a:t>
             </a:r>
             <a:r>
-              <a:rPr lang="zh-CN" altLang="en-US" sz="1400" dirty="0" smtClean="0">
+              <a:rPr lang="zh-CN" altLang="en-US" sz="1300" dirty="0" smtClean="0">
                 <a:latin typeface="楷体" pitchFamily="49" charset="-122"/>
                 <a:ea typeface="楷体" pitchFamily="49" charset="-122"/>
               </a:rPr>
               <a:t>原因</a:t>
             </a:r>
             <a:r>
-              <a:rPr lang="en-US" altLang="zh-CN" sz="1400" dirty="0" smtClean="0">
+              <a:rPr lang="en-US" altLang="zh-CN" sz="1300" dirty="0" smtClean="0">
                 <a:latin typeface="楷体" pitchFamily="49" charset="-122"/>
                 <a:ea typeface="楷体" pitchFamily="49" charset="-122"/>
               </a:rPr>
               <a:t>)</a:t>
             </a:r>
             <a:r>
-              <a:rPr lang="zh-CN" altLang="en-US" sz="1400" dirty="0">
+              <a:rPr lang="zh-CN" altLang="en-US" sz="1300" dirty="0">
                 <a:latin typeface="楷体" pitchFamily="49" charset="-122"/>
                 <a:ea typeface="楷体" pitchFamily="49" charset="-122"/>
               </a:rPr>
               <a:t>。随着需求的不断变更，页面结构发生变化，就会出现很多问题，难以维护。</a:t>
             </a:r>
             <a:r>
-              <a:rPr lang="en-US" altLang="zh-CN" sz="1400" dirty="0" err="1">
+              <a:rPr lang="en-US" altLang="zh-CN" sz="1300" dirty="0" err="1">
                 <a:latin typeface="楷体" pitchFamily="49" charset="-122"/>
                 <a:ea typeface="楷体" pitchFamily="49" charset="-122"/>
               </a:rPr>
               <a:t>JQuery</a:t>
             </a:r>
             <a:r>
-              <a:rPr lang="zh-CN" altLang="en-US" sz="1400" dirty="0">
+              <a:rPr lang="zh-CN" altLang="en-US" sz="1300" dirty="0">
                 <a:latin typeface="楷体" pitchFamily="49" charset="-122"/>
                 <a:ea typeface="楷体" pitchFamily="49" charset="-122"/>
               </a:rPr>
               <a:t>选择器查找页面元素以及</a:t>
             </a:r>
             <a:r>
-              <a:rPr lang="en-US" altLang="zh-CN" sz="1400" dirty="0">
+              <a:rPr lang="en-US" altLang="zh-CN" sz="1300" dirty="0">
                 <a:latin typeface="楷体" pitchFamily="49" charset="-122"/>
                 <a:ea typeface="楷体" pitchFamily="49" charset="-122"/>
               </a:rPr>
               <a:t>DOM</a:t>
             </a:r>
             <a:r>
-              <a:rPr lang="zh-CN" altLang="en-US" sz="1400" dirty="0">
+              <a:rPr lang="zh-CN" altLang="en-US" sz="1300" dirty="0">
                 <a:latin typeface="楷体" pitchFamily="49" charset="-122"/>
                 <a:ea typeface="楷体" pitchFamily="49" charset="-122"/>
               </a:rPr>
               <a:t>操作本身也是有性能损失</a:t>
             </a:r>
             <a:r>
-              <a:rPr lang="zh-CN" altLang="en-US" sz="1400" dirty="0" smtClean="0">
+              <a:rPr lang="zh-CN" altLang="en-US" sz="1300" dirty="0" smtClean="0">
                 <a:latin typeface="楷体" pitchFamily="49" charset="-122"/>
                 <a:ea typeface="楷体" pitchFamily="49" charset="-122"/>
               </a:rPr>
               <a:t>的。</a:t>
             </a:r>
-            <a:endParaRPr lang="en-US" altLang="zh-CN" sz="1400" dirty="0" smtClean="0">
+            <a:endParaRPr lang="en-US" altLang="zh-CN" sz="1300" dirty="0" smtClean="0">
               <a:latin typeface="楷体" pitchFamily="49" charset="-122"/>
               <a:ea typeface="楷体" pitchFamily="49" charset="-122"/>
             </a:endParaRPr>
@@ -21920,6 +24276,9 @@
           <a:p>
             <a:r>
               <a:rPr lang="zh-CN" altLang="en-US" sz="1300" dirty="0" smtClean="0">
+                <a:solidFill>
+                  <a:srgbClr val="00B050"/>
+                </a:solidFill>
                 <a:latin typeface="楷体" pitchFamily="49" charset="-122"/>
                 <a:ea typeface="楷体" pitchFamily="49" charset="-122"/>
               </a:rPr>
@@ -22027,14 +24386,21 @@
                 <a:latin typeface="楷体" pitchFamily="49" charset="-122"/>
                 <a:ea typeface="楷体" pitchFamily="49" charset="-122"/>
               </a:rPr>
-              <a:t>变量声明的关键字，在</a:t>
-            </a:r>
-            <a:r>
-              <a:rPr lang="en-US" altLang="zh-CN" sz="1200" dirty="0">
-                <a:latin typeface="楷体" pitchFamily="49" charset="-122"/>
-                <a:ea typeface="楷体" pitchFamily="49" charset="-122"/>
-              </a:rPr>
-              <a:t>es6</a:t>
+              <a:t>变量声明的关键字，</a:t>
+            </a:r>
+            <a:r>
+              <a:rPr lang="zh-CN" altLang="en-US" sz="1200" dirty="0" smtClean="0">
+                <a:latin typeface="楷体" pitchFamily="49" charset="-122"/>
+                <a:ea typeface="楷体" pitchFamily="49" charset="-122"/>
+              </a:rPr>
+              <a:t>在</a:t>
+            </a:r>
+            <a:r>
+              <a:rPr lang="en-US" altLang="zh-CN" sz="1200" dirty="0" smtClean="0">
+                <a:latin typeface="楷体" pitchFamily="49" charset="-122"/>
+                <a:ea typeface="楷体" pitchFamily="49" charset="-122"/>
+              </a:rPr>
+              <a:t>ES6</a:t>
             </a:r>
             <a:r>
               <a:rPr lang="zh-CN" altLang="en-US" sz="1200" dirty="0">

--- a/vue初探.pptx
+++ b/vue初探.pptx
@@ -19,9 +19,9 @@
     <p:sldId id="273" r:id="rId10"/>
     <p:sldId id="263" r:id="rId11"/>
     <p:sldId id="264" r:id="rId12"/>
-    <p:sldId id="271" r:id="rId13"/>
-    <p:sldId id="272" r:id="rId14"/>
-    <p:sldId id="269" r:id="rId15"/>
+    <p:sldId id="269" r:id="rId13"/>
+    <p:sldId id="271" r:id="rId14"/>
+    <p:sldId id="272" r:id="rId15"/>
     <p:sldId id="276" r:id="rId16"/>
     <p:sldId id="274" r:id="rId17"/>
     <p:sldId id="275" r:id="rId18"/>
@@ -214,7 +214,7 @@
           <a:p>
             <a:fld id="{140160B7-C42B-4AC9-86DA-E0EF3BA7FECE}" type="datetimeFigureOut">
               <a:rPr lang="zh-CN" altLang="en-US" smtClean="0"/>
-              <a:t>2020/1/11</a:t>
+              <a:t>2020/1/15</a:t>
             </a:fld>
             <a:endParaRPr lang="zh-CN" altLang="en-US"/>
           </a:p>
@@ -1072,7 +1072,7 @@
           <a:p>
             <a:fld id="{530820CF-B880-4189-942D-D702A7CBA730}" type="datetimeFigureOut">
               <a:rPr lang="zh-CN" altLang="en-US" smtClean="0"/>
-              <a:t>2020/1/11</a:t>
+              <a:t>2020/1/15</a:t>
             </a:fld>
             <a:endParaRPr lang="zh-CN" altLang="en-US"/>
           </a:p>
@@ -1284,7 +1284,7 @@
           <a:p>
             <a:fld id="{530820CF-B880-4189-942D-D702A7CBA730}" type="datetimeFigureOut">
               <a:rPr lang="zh-CN" altLang="en-US" smtClean="0"/>
-              <a:t>2020/1/11</a:t>
+              <a:t>2020/1/15</a:t>
             </a:fld>
             <a:endParaRPr lang="zh-CN" altLang="en-US"/>
           </a:p>
@@ -1471,7 +1471,7 @@
           <a:p>
             <a:fld id="{530820CF-B880-4189-942D-D702A7CBA730}" type="datetimeFigureOut">
               <a:rPr lang="zh-CN" altLang="en-US" smtClean="0"/>
-              <a:t>2020/1/11</a:t>
+              <a:t>2020/1/15</a:t>
             </a:fld>
             <a:endParaRPr lang="zh-CN" altLang="en-US"/>
           </a:p>
@@ -1568,7 +1568,7 @@
           <a:p>
             <a:fld id="{530820CF-B880-4189-942D-D702A7CBA730}" type="datetimeFigureOut">
               <a:rPr lang="zh-CN" altLang="en-US" smtClean="0"/>
-              <a:t>2020/1/11</a:t>
+              <a:t>2020/1/15</a:t>
             </a:fld>
             <a:endParaRPr lang="zh-CN" altLang="en-US"/>
           </a:p>
@@ -2164,7 +2164,7 @@
           <a:p>
             <a:fld id="{530820CF-B880-4189-942D-D702A7CBA730}" type="datetimeFigureOut">
               <a:rPr lang="zh-CN" altLang="en-US" smtClean="0"/>
-              <a:t>2020/1/11</a:t>
+              <a:t>2020/1/15</a:t>
             </a:fld>
             <a:endParaRPr lang="zh-CN" altLang="en-US"/>
           </a:p>
@@ -2261,7 +2261,7 @@
           <a:p>
             <a:fld id="{530820CF-B880-4189-942D-D702A7CBA730}" type="datetimeFigureOut">
               <a:rPr lang="zh-CN" altLang="en-US" smtClean="0"/>
-              <a:t>2020/1/11</a:t>
+              <a:t>2020/1/15</a:t>
             </a:fld>
             <a:endParaRPr lang="zh-CN" altLang="en-US"/>
           </a:p>
@@ -2866,7 +2866,7 @@
           <a:p>
             <a:fld id="{530820CF-B880-4189-942D-D702A7CBA730}" type="datetimeFigureOut">
               <a:rPr lang="zh-CN" altLang="en-US" smtClean="0"/>
-              <a:t>2020/1/11</a:t>
+              <a:t>2020/1/15</a:t>
             </a:fld>
             <a:endParaRPr lang="zh-CN" altLang="en-US"/>
           </a:p>
@@ -3009,7 +3009,7 @@
           <a:p>
             <a:fld id="{530820CF-B880-4189-942D-D702A7CBA730}" type="datetimeFigureOut">
               <a:rPr lang="zh-CN" altLang="en-US" smtClean="0"/>
-              <a:t>2020/1/11</a:t>
+              <a:t>2020/1/15</a:t>
             </a:fld>
             <a:endParaRPr lang="zh-CN" altLang="en-US"/>
           </a:p>
@@ -3106,7 +3106,7 @@
           <a:p>
             <a:fld id="{530820CF-B880-4189-942D-D702A7CBA730}" type="datetimeFigureOut">
               <a:rPr lang="zh-CN" altLang="en-US" smtClean="0"/>
-              <a:t>2020/1/11</a:t>
+              <a:t>2020/1/15</a:t>
             </a:fld>
             <a:endParaRPr lang="zh-CN" altLang="en-US"/>
           </a:p>
@@ -3390,7 +3390,7 @@
           <a:p>
             <a:fld id="{530820CF-B880-4189-942D-D702A7CBA730}" type="datetimeFigureOut">
               <a:rPr lang="zh-CN" altLang="en-US" smtClean="0"/>
-              <a:t>2020/1/11</a:t>
+              <a:t>2020/1/15</a:t>
             </a:fld>
             <a:endParaRPr lang="zh-CN" altLang="en-US"/>
           </a:p>
@@ -3912,7 +3912,7 @@
           <a:p>
             <a:fld id="{530820CF-B880-4189-942D-D702A7CBA730}" type="datetimeFigureOut">
               <a:rPr lang="zh-CN" altLang="en-US" smtClean="0"/>
-              <a:t>2020/1/11</a:t>
+              <a:t>2020/1/15</a:t>
             </a:fld>
             <a:endParaRPr lang="zh-CN" altLang="en-US"/>
           </a:p>
@@ -4432,7 +4432,7 @@
           <a:p>
             <a:fld id="{530820CF-B880-4189-942D-D702A7CBA730}" type="datetimeFigureOut">
               <a:rPr lang="zh-CN" altLang="en-US" smtClean="0"/>
-              <a:t>2020/1/11</a:t>
+              <a:t>2020/1/15</a:t>
             </a:fld>
             <a:endParaRPr lang="zh-CN" altLang="en-US"/>
           </a:p>
@@ -7956,6 +7956,365 @@
       </p:grpSpPr>
       <p:pic>
         <p:nvPicPr>
+          <p:cNvPr id="4" name="图片 3"/>
+          <p:cNvPicPr>
+            <a:picLocks noChangeAspect="1"/>
+          </p:cNvPicPr>
+          <p:nvPr/>
+        </p:nvPicPr>
+        <p:blipFill>
+          <a:blip r:embed="rId2">
+            <a:extLst>
+              <a:ext uri="{28A0092B-C50C-407E-A947-70E740481C1C}">
+                <a14:useLocalDpi xmlns:a14="http://schemas.microsoft.com/office/drawing/2010/main" val="0"/>
+              </a:ext>
+            </a:extLst>
+          </a:blip>
+          <a:stretch>
+            <a:fillRect/>
+          </a:stretch>
+        </p:blipFill>
+        <p:spPr>
+          <a:xfrm>
+            <a:off x="1403648" y="836712"/>
+            <a:ext cx="6191672" cy="4365761"/>
+          </a:xfrm>
+          <a:prstGeom prst="rect">
+            <a:avLst/>
+          </a:prstGeom>
+        </p:spPr>
+      </p:pic>
+      <p:sp>
+        <p:nvSpPr>
+          <p:cNvPr id="5" name="TextBox 4"/>
+          <p:cNvSpPr txBox="1"/>
+          <p:nvPr/>
+        </p:nvSpPr>
+        <p:spPr>
+          <a:xfrm>
+            <a:off x="521332" y="343837"/>
+            <a:ext cx="4175956" cy="400110"/>
+          </a:xfrm>
+          <a:prstGeom prst="rect">
+            <a:avLst/>
+          </a:prstGeom>
+          <a:noFill/>
+        </p:spPr>
+        <p:txBody>
+          <a:bodyPr wrap="square" rtlCol="0">
+            <a:spAutoFit/>
+          </a:bodyPr>
+          <a:lstStyle/>
+          <a:p>
+            <a:r>
+              <a:rPr lang="zh-CN" altLang="en-US" sz="2000" dirty="0" smtClean="0">
+                <a:latin typeface="楷体" pitchFamily="49" charset="-122"/>
+                <a:ea typeface="楷体" pitchFamily="49" charset="-122"/>
+              </a:rPr>
+              <a:t>* </a:t>
+            </a:r>
+            <a:r>
+              <a:rPr lang="zh-CN" altLang="en-US" sz="2000" dirty="0">
+                <a:latin typeface="楷体" pitchFamily="49" charset="-122"/>
+                <a:ea typeface="楷体" pitchFamily="49" charset="-122"/>
+              </a:rPr>
+              <a:t>响应式</a:t>
+            </a:r>
+            <a:r>
+              <a:rPr lang="zh-CN" altLang="en-US" sz="2000" dirty="0" smtClean="0">
+                <a:latin typeface="楷体" pitchFamily="49" charset="-122"/>
+                <a:ea typeface="楷体" pitchFamily="49" charset="-122"/>
+              </a:rPr>
+              <a:t>原理</a:t>
+            </a:r>
+            <a:endParaRPr lang="en-US" altLang="zh-CN" sz="2000" dirty="0">
+              <a:latin typeface="楷体" pitchFamily="49" charset="-122"/>
+              <a:ea typeface="楷体" pitchFamily="49" charset="-122"/>
+            </a:endParaRPr>
+          </a:p>
+        </p:txBody>
+      </p:sp>
+      <p:sp>
+        <p:nvSpPr>
+          <p:cNvPr id="3" name="TextBox 2"/>
+          <p:cNvSpPr txBox="1"/>
+          <p:nvPr/>
+        </p:nvSpPr>
+        <p:spPr>
+          <a:xfrm>
+            <a:off x="755576" y="5445224"/>
+            <a:ext cx="8388424" cy="1015663"/>
+          </a:xfrm>
+          <a:prstGeom prst="rect">
+            <a:avLst/>
+          </a:prstGeom>
+          <a:noFill/>
+        </p:spPr>
+        <p:txBody>
+          <a:bodyPr wrap="square" rtlCol="0">
+            <a:spAutoFit/>
+          </a:bodyPr>
+          <a:lstStyle/>
+          <a:p>
+            <a:r>
+              <a:rPr lang="en-US" altLang="zh-CN" sz="1200" dirty="0" err="1" smtClean="0">
+                <a:latin typeface="楷体" pitchFamily="49" charset="-122"/>
+                <a:ea typeface="楷体" pitchFamily="49" charset="-122"/>
+              </a:rPr>
+              <a:t>Vue</a:t>
+            </a:r>
+            <a:r>
+              <a:rPr lang="en-US" altLang="zh-CN" sz="1200" dirty="0" smtClean="0">
+                <a:latin typeface="楷体" pitchFamily="49" charset="-122"/>
+                <a:ea typeface="楷体" pitchFamily="49" charset="-122"/>
+              </a:rPr>
+              <a:t> </a:t>
+            </a:r>
+            <a:r>
+              <a:rPr lang="zh-CN" altLang="en-US" sz="1200" dirty="0" smtClean="0">
+                <a:latin typeface="楷体" pitchFamily="49" charset="-122"/>
+                <a:ea typeface="楷体" pitchFamily="49" charset="-122"/>
+              </a:rPr>
+              <a:t>的</a:t>
+            </a:r>
+            <a:r>
+              <a:rPr lang="zh-CN" altLang="en-US" sz="1200" dirty="0">
+                <a:latin typeface="楷体" pitchFamily="49" charset="-122"/>
+                <a:ea typeface="楷体" pitchFamily="49" charset="-122"/>
+              </a:rPr>
+              <a:t>双向数据绑定：是采用数据劫持结合发布订阅模式的方式，通过</a:t>
+            </a:r>
+            <a:r>
+              <a:rPr lang="en-US" altLang="zh-CN" sz="1200" dirty="0" err="1">
+                <a:latin typeface="楷体" pitchFamily="49" charset="-122"/>
+                <a:ea typeface="楷体" pitchFamily="49" charset="-122"/>
+              </a:rPr>
+              <a:t>Object.defineProperty</a:t>
+            </a:r>
+            <a:r>
+              <a:rPr lang="en-US" altLang="zh-CN" sz="1200" dirty="0">
+                <a:latin typeface="楷体" pitchFamily="49" charset="-122"/>
+                <a:ea typeface="楷体" pitchFamily="49" charset="-122"/>
+              </a:rPr>
+              <a:t>()</a:t>
+            </a:r>
+            <a:r>
+              <a:rPr lang="zh-CN" altLang="en-US" sz="1200" dirty="0">
+                <a:latin typeface="楷体" pitchFamily="49" charset="-122"/>
+                <a:ea typeface="楷体" pitchFamily="49" charset="-122"/>
+              </a:rPr>
+              <a:t>来劫持各个属性的</a:t>
+            </a:r>
+            <a:r>
+              <a:rPr lang="en-US" altLang="zh-CN" sz="1200" dirty="0">
+                <a:latin typeface="楷体" pitchFamily="49" charset="-122"/>
+                <a:ea typeface="楷体" pitchFamily="49" charset="-122"/>
+              </a:rPr>
+              <a:t>setter</a:t>
+            </a:r>
+            <a:r>
+              <a:rPr lang="zh-CN" altLang="en-US" sz="1200" dirty="0">
+                <a:latin typeface="楷体" pitchFamily="49" charset="-122"/>
+                <a:ea typeface="楷体" pitchFamily="49" charset="-122"/>
+              </a:rPr>
+              <a:t>、</a:t>
+            </a:r>
+            <a:r>
+              <a:rPr lang="en-US" altLang="zh-CN" sz="1200" dirty="0">
+                <a:latin typeface="楷体" pitchFamily="49" charset="-122"/>
+                <a:ea typeface="楷体" pitchFamily="49" charset="-122"/>
+              </a:rPr>
+              <a:t>getter</a:t>
+            </a:r>
+            <a:r>
+              <a:rPr lang="zh-CN" altLang="en-US" sz="1200" dirty="0">
+                <a:latin typeface="楷体" pitchFamily="49" charset="-122"/>
+                <a:ea typeface="楷体" pitchFamily="49" charset="-122"/>
+              </a:rPr>
+              <a:t>，在数据变动是发布消息给订阅者，触发响应的监听回</a:t>
+            </a:r>
+            <a:r>
+              <a:rPr lang="zh-CN" altLang="en-US" sz="1200" dirty="0" smtClean="0">
+                <a:latin typeface="楷体" pitchFamily="49" charset="-122"/>
+                <a:ea typeface="楷体" pitchFamily="49" charset="-122"/>
+              </a:rPr>
+              <a:t>调。</a:t>
+            </a:r>
+            <a:endParaRPr lang="en-US" altLang="zh-CN" sz="1200" dirty="0" smtClean="0">
+              <a:latin typeface="楷体" pitchFamily="49" charset="-122"/>
+              <a:ea typeface="楷体" pitchFamily="49" charset="-122"/>
+            </a:endParaRPr>
+          </a:p>
+          <a:p>
+            <a:endParaRPr lang="en-US" altLang="zh-CN" sz="1200" dirty="0">
+              <a:latin typeface="楷体" pitchFamily="49" charset="-122"/>
+              <a:ea typeface="楷体" pitchFamily="49" charset="-122"/>
+            </a:endParaRPr>
+          </a:p>
+          <a:p>
+            <a:r>
+              <a:rPr lang="en-US" altLang="zh-CN" sz="1200" dirty="0" smtClean="0">
+                <a:latin typeface="楷体" pitchFamily="49" charset="-122"/>
+                <a:ea typeface="楷体" pitchFamily="49" charset="-122"/>
+              </a:rPr>
+              <a:t>Angular </a:t>
+            </a:r>
+            <a:r>
+              <a:rPr lang="zh-CN" altLang="en-US" sz="1200" dirty="0" smtClean="0">
+                <a:latin typeface="楷体" pitchFamily="49" charset="-122"/>
+                <a:ea typeface="楷体" pitchFamily="49" charset="-122"/>
+              </a:rPr>
+              <a:t>的双向</a:t>
+            </a:r>
+            <a:r>
+              <a:rPr lang="zh-CN" altLang="en-US" sz="1200" dirty="0">
+                <a:latin typeface="楷体" pitchFamily="49" charset="-122"/>
+                <a:ea typeface="楷体" pitchFamily="49" charset="-122"/>
+              </a:rPr>
+              <a:t>数据使用脏检查</a:t>
+            </a:r>
+            <a:r>
+              <a:rPr lang="en-US" altLang="zh-CN" sz="1200" dirty="0">
+                <a:latin typeface="楷体" pitchFamily="49" charset="-122"/>
+                <a:ea typeface="楷体" pitchFamily="49" charset="-122"/>
+              </a:rPr>
+              <a:t>,</a:t>
+            </a:r>
+            <a:r>
+              <a:rPr lang="zh-CN" altLang="en-US" sz="1200" dirty="0">
+                <a:latin typeface="楷体" pitchFamily="49" charset="-122"/>
+                <a:ea typeface="楷体" pitchFamily="49" charset="-122"/>
+              </a:rPr>
+              <a:t>检测绑定的</a:t>
+            </a:r>
+            <a:r>
+              <a:rPr lang="en-US" altLang="zh-CN" sz="1200" dirty="0">
+                <a:latin typeface="楷体" pitchFamily="49" charset="-122"/>
+                <a:ea typeface="楷体" pitchFamily="49" charset="-122"/>
+              </a:rPr>
+              <a:t>scope</a:t>
+            </a:r>
+            <a:r>
+              <a:rPr lang="zh-CN" altLang="en-US" sz="1200" dirty="0">
+                <a:latin typeface="楷体" pitchFamily="49" charset="-122"/>
+                <a:ea typeface="楷体" pitchFamily="49" charset="-122"/>
+              </a:rPr>
+              <a:t>中对象状态</a:t>
+            </a:r>
+            <a:r>
+              <a:rPr lang="en-US" altLang="zh-CN" sz="1200" dirty="0">
+                <a:latin typeface="楷体" pitchFamily="49" charset="-122"/>
+                <a:ea typeface="楷体" pitchFamily="49" charset="-122"/>
+              </a:rPr>
+              <a:t>$</a:t>
+            </a:r>
+            <a:r>
+              <a:rPr lang="en-US" altLang="zh-CN" sz="1200" dirty="0" err="1">
+                <a:latin typeface="楷体" pitchFamily="49" charset="-122"/>
+                <a:ea typeface="楷体" pitchFamily="49" charset="-122"/>
+              </a:rPr>
+              <a:t>scope.$watch</a:t>
+            </a:r>
+            <a:r>
+              <a:rPr lang="en-US" altLang="zh-CN" sz="1200" dirty="0">
+                <a:latin typeface="楷体" pitchFamily="49" charset="-122"/>
+                <a:ea typeface="楷体" pitchFamily="49" charset="-122"/>
+              </a:rPr>
+              <a:t>()</a:t>
+            </a:r>
+            <a:r>
+              <a:rPr lang="zh-CN" altLang="en-US" sz="1200" dirty="0">
+                <a:latin typeface="楷体" pitchFamily="49" charset="-122"/>
+                <a:ea typeface="楷体" pitchFamily="49" charset="-122"/>
+              </a:rPr>
+              <a:t>，通过循环遍历来检测是否改变</a:t>
+            </a:r>
+            <a:r>
+              <a:rPr lang="en-US" altLang="zh-CN" sz="1200" dirty="0">
+                <a:latin typeface="楷体" pitchFamily="49" charset="-122"/>
+                <a:ea typeface="楷体" pitchFamily="49" charset="-122"/>
+              </a:rPr>
+              <a:t>(</a:t>
+            </a:r>
+            <a:r>
+              <a:rPr lang="zh-CN" altLang="en-US" sz="1200" dirty="0">
+                <a:latin typeface="楷体" pitchFamily="49" charset="-122"/>
+                <a:ea typeface="楷体" pitchFamily="49" charset="-122"/>
+              </a:rPr>
+              <a:t>通过复制保存一份数据，进行快照对比，来监测变化</a:t>
+            </a:r>
+            <a:r>
+              <a:rPr lang="en-US" altLang="zh-CN" sz="1200" dirty="0">
+                <a:latin typeface="楷体" pitchFamily="49" charset="-122"/>
+                <a:ea typeface="楷体" pitchFamily="49" charset="-122"/>
+              </a:rPr>
+              <a:t>)</a:t>
+            </a:r>
+            <a:r>
+              <a:rPr lang="zh-CN" altLang="en-US" sz="1200" dirty="0" smtClean="0">
+                <a:latin typeface="楷体" pitchFamily="49" charset="-122"/>
+                <a:ea typeface="楷体" pitchFamily="49" charset="-122"/>
+              </a:rPr>
+              <a:t>。</a:t>
+            </a:r>
+            <a:endParaRPr lang="zh-CN" altLang="en-US" sz="1200" dirty="0">
+              <a:latin typeface="楷体" pitchFamily="49" charset="-122"/>
+              <a:ea typeface="楷体" pitchFamily="49" charset="-122"/>
+            </a:endParaRPr>
+          </a:p>
+        </p:txBody>
+      </p:sp>
+    </p:spTree>
+    <p:extLst>
+      <p:ext uri="{BB962C8B-B14F-4D97-AF65-F5344CB8AC3E}">
+        <p14:creationId xmlns:p14="http://schemas.microsoft.com/office/powerpoint/2010/main" val="1824647708"/>
+      </p:ext>
+    </p:extLst>
+  </p:cSld>
+  <p:clrMapOvr>
+    <a:masterClrMapping/>
+  </p:clrMapOvr>
+  <mc:AlternateContent xmlns:mc="http://schemas.openxmlformats.org/markup-compatibility/2006" xmlns:p14="http://schemas.microsoft.com/office/powerpoint/2010/main">
+    <mc:Choice Requires="p14">
+      <p:transition spd="med" p14:dur="700">
+        <p:fade/>
+      </p:transition>
+    </mc:Choice>
+    <mc:Fallback xmlns="">
+      <p:transition spd="med">
+        <p:fade/>
+      </p:transition>
+    </mc:Fallback>
+  </mc:AlternateContent>
+  <p:timing>
+    <p:tnLst>
+      <p:par>
+        <p:cTn id="1" dur="indefinite" restart="never" nodeType="tmRoot"/>
+      </p:par>
+    </p:tnLst>
+  </p:timing>
+</p:sld>
+</file>
+
+<file path=ppt/slides/slide13.xml><?xml version="1.0" encoding="utf-8"?>
+<p:sld xmlns:a="http://schemas.openxmlformats.org/drawingml/2006/main" xmlns:r="http://schemas.openxmlformats.org/officeDocument/2006/relationships" xmlns:p="http://schemas.openxmlformats.org/presentationml/2006/main">
+  <p:cSld>
+    <p:spTree>
+      <p:nvGrpSpPr>
+        <p:cNvPr id="1" name=""/>
+        <p:cNvGrpSpPr/>
+        <p:nvPr/>
+      </p:nvGrpSpPr>
+      <p:grpSpPr>
+        <a:xfrm>
+          <a:off x="0" y="0"/>
+          <a:ext cx="0" cy="0"/>
+          <a:chOff x="0" y="0"/>
+          <a:chExt cx="0" cy="0"/>
+        </a:xfrm>
+      </p:grpSpPr>
+      <p:pic>
+        <p:nvPicPr>
           <p:cNvPr id="1027" name="Picture 3"/>
           <p:cNvPicPr>
             <a:picLocks noChangeAspect="1" noChangeArrowheads="1"/>
@@ -8679,7 +9038,7 @@
 </p:sld>
 </file>
 
-<file path=ppt/slides/slide13.xml><?xml version="1.0" encoding="utf-8"?>
+<file path=ppt/slides/slide14.xml><?xml version="1.0" encoding="utf-8"?>
 <p:sld xmlns:a="http://schemas.openxmlformats.org/drawingml/2006/main" xmlns:r="http://schemas.openxmlformats.org/officeDocument/2006/relationships" xmlns:p="http://schemas.openxmlformats.org/presentationml/2006/main">
   <p:cSld>
     <p:spTree>
@@ -10566,365 +10925,6 @@
 </p:sld>
 </file>
 
-<file path=ppt/slides/slide14.xml><?xml version="1.0" encoding="utf-8"?>
-<p:sld xmlns:a="http://schemas.openxmlformats.org/drawingml/2006/main" xmlns:r="http://schemas.openxmlformats.org/officeDocument/2006/relationships" xmlns:p="http://schemas.openxmlformats.org/presentationml/2006/main">
-  <p:cSld>
-    <p:spTree>
-      <p:nvGrpSpPr>
-        <p:cNvPr id="1" name=""/>
-        <p:cNvGrpSpPr/>
-        <p:nvPr/>
-      </p:nvGrpSpPr>
-      <p:grpSpPr>
-        <a:xfrm>
-          <a:off x="0" y="0"/>
-          <a:ext cx="0" cy="0"/>
-          <a:chOff x="0" y="0"/>
-          <a:chExt cx="0" cy="0"/>
-        </a:xfrm>
-      </p:grpSpPr>
-      <p:pic>
-        <p:nvPicPr>
-          <p:cNvPr id="4" name="图片 3"/>
-          <p:cNvPicPr>
-            <a:picLocks noChangeAspect="1"/>
-          </p:cNvPicPr>
-          <p:nvPr/>
-        </p:nvPicPr>
-        <p:blipFill>
-          <a:blip r:embed="rId2">
-            <a:extLst>
-              <a:ext uri="{28A0092B-C50C-407E-A947-70E740481C1C}">
-                <a14:useLocalDpi xmlns:a14="http://schemas.microsoft.com/office/drawing/2010/main" val="0"/>
-              </a:ext>
-            </a:extLst>
-          </a:blip>
-          <a:stretch>
-            <a:fillRect/>
-          </a:stretch>
-        </p:blipFill>
-        <p:spPr>
-          <a:xfrm>
-            <a:off x="1403648" y="836712"/>
-            <a:ext cx="6191672" cy="4365761"/>
-          </a:xfrm>
-          <a:prstGeom prst="rect">
-            <a:avLst/>
-          </a:prstGeom>
-        </p:spPr>
-      </p:pic>
-      <p:sp>
-        <p:nvSpPr>
-          <p:cNvPr id="5" name="TextBox 4"/>
-          <p:cNvSpPr txBox="1"/>
-          <p:nvPr/>
-        </p:nvSpPr>
-        <p:spPr>
-          <a:xfrm>
-            <a:off x="521332" y="343837"/>
-            <a:ext cx="4175956" cy="400110"/>
-          </a:xfrm>
-          <a:prstGeom prst="rect">
-            <a:avLst/>
-          </a:prstGeom>
-          <a:noFill/>
-        </p:spPr>
-        <p:txBody>
-          <a:bodyPr wrap="square" rtlCol="0">
-            <a:spAutoFit/>
-          </a:bodyPr>
-          <a:lstStyle/>
-          <a:p>
-            <a:r>
-              <a:rPr lang="zh-CN" altLang="en-US" sz="2000" dirty="0" smtClean="0">
-                <a:latin typeface="楷体" pitchFamily="49" charset="-122"/>
-                <a:ea typeface="楷体" pitchFamily="49" charset="-122"/>
-              </a:rPr>
-              <a:t>* </a:t>
-            </a:r>
-            <a:r>
-              <a:rPr lang="zh-CN" altLang="en-US" sz="2000" dirty="0">
-                <a:latin typeface="楷体" pitchFamily="49" charset="-122"/>
-                <a:ea typeface="楷体" pitchFamily="49" charset="-122"/>
-              </a:rPr>
-              <a:t>响应式</a:t>
-            </a:r>
-            <a:r>
-              <a:rPr lang="zh-CN" altLang="en-US" sz="2000" dirty="0" smtClean="0">
-                <a:latin typeface="楷体" pitchFamily="49" charset="-122"/>
-                <a:ea typeface="楷体" pitchFamily="49" charset="-122"/>
-              </a:rPr>
-              <a:t>原理</a:t>
-            </a:r>
-            <a:endParaRPr lang="en-US" altLang="zh-CN" sz="2000" dirty="0">
-              <a:latin typeface="楷体" pitchFamily="49" charset="-122"/>
-              <a:ea typeface="楷体" pitchFamily="49" charset="-122"/>
-            </a:endParaRPr>
-          </a:p>
-        </p:txBody>
-      </p:sp>
-      <p:sp>
-        <p:nvSpPr>
-          <p:cNvPr id="3" name="TextBox 2"/>
-          <p:cNvSpPr txBox="1"/>
-          <p:nvPr/>
-        </p:nvSpPr>
-        <p:spPr>
-          <a:xfrm>
-            <a:off x="755576" y="5445224"/>
-            <a:ext cx="8388424" cy="1015663"/>
-          </a:xfrm>
-          <a:prstGeom prst="rect">
-            <a:avLst/>
-          </a:prstGeom>
-          <a:noFill/>
-        </p:spPr>
-        <p:txBody>
-          <a:bodyPr wrap="square" rtlCol="0">
-            <a:spAutoFit/>
-          </a:bodyPr>
-          <a:lstStyle/>
-          <a:p>
-            <a:r>
-              <a:rPr lang="en-US" altLang="zh-CN" sz="1200" dirty="0" err="1" smtClean="0">
-                <a:latin typeface="楷体" pitchFamily="49" charset="-122"/>
-                <a:ea typeface="楷体" pitchFamily="49" charset="-122"/>
-              </a:rPr>
-              <a:t>Vue</a:t>
-            </a:r>
-            <a:r>
-              <a:rPr lang="en-US" altLang="zh-CN" sz="1200" dirty="0" smtClean="0">
-                <a:latin typeface="楷体" pitchFamily="49" charset="-122"/>
-                <a:ea typeface="楷体" pitchFamily="49" charset="-122"/>
-              </a:rPr>
-              <a:t> </a:t>
-            </a:r>
-            <a:r>
-              <a:rPr lang="zh-CN" altLang="en-US" sz="1200" dirty="0" smtClean="0">
-                <a:latin typeface="楷体" pitchFamily="49" charset="-122"/>
-                <a:ea typeface="楷体" pitchFamily="49" charset="-122"/>
-              </a:rPr>
-              <a:t>的</a:t>
-            </a:r>
-            <a:r>
-              <a:rPr lang="zh-CN" altLang="en-US" sz="1200" dirty="0">
-                <a:latin typeface="楷体" pitchFamily="49" charset="-122"/>
-                <a:ea typeface="楷体" pitchFamily="49" charset="-122"/>
-              </a:rPr>
-              <a:t>双向数据绑定：是采用数据劫持结合发布订阅模式的方式，通过</a:t>
-            </a:r>
-            <a:r>
-              <a:rPr lang="en-US" altLang="zh-CN" sz="1200" dirty="0" err="1">
-                <a:latin typeface="楷体" pitchFamily="49" charset="-122"/>
-                <a:ea typeface="楷体" pitchFamily="49" charset="-122"/>
-              </a:rPr>
-              <a:t>Object.defineProperty</a:t>
-            </a:r>
-            <a:r>
-              <a:rPr lang="en-US" altLang="zh-CN" sz="1200" dirty="0">
-                <a:latin typeface="楷体" pitchFamily="49" charset="-122"/>
-                <a:ea typeface="楷体" pitchFamily="49" charset="-122"/>
-              </a:rPr>
-              <a:t>()</a:t>
-            </a:r>
-            <a:r>
-              <a:rPr lang="zh-CN" altLang="en-US" sz="1200" dirty="0">
-                <a:latin typeface="楷体" pitchFamily="49" charset="-122"/>
-                <a:ea typeface="楷体" pitchFamily="49" charset="-122"/>
-              </a:rPr>
-              <a:t>来劫持各个属性的</a:t>
-            </a:r>
-            <a:r>
-              <a:rPr lang="en-US" altLang="zh-CN" sz="1200" dirty="0">
-                <a:latin typeface="楷体" pitchFamily="49" charset="-122"/>
-                <a:ea typeface="楷体" pitchFamily="49" charset="-122"/>
-              </a:rPr>
-              <a:t>setter</a:t>
-            </a:r>
-            <a:r>
-              <a:rPr lang="zh-CN" altLang="en-US" sz="1200" dirty="0">
-                <a:latin typeface="楷体" pitchFamily="49" charset="-122"/>
-                <a:ea typeface="楷体" pitchFamily="49" charset="-122"/>
-              </a:rPr>
-              <a:t>、</a:t>
-            </a:r>
-            <a:r>
-              <a:rPr lang="en-US" altLang="zh-CN" sz="1200" dirty="0">
-                <a:latin typeface="楷体" pitchFamily="49" charset="-122"/>
-                <a:ea typeface="楷体" pitchFamily="49" charset="-122"/>
-              </a:rPr>
-              <a:t>getter</a:t>
-            </a:r>
-            <a:r>
-              <a:rPr lang="zh-CN" altLang="en-US" sz="1200" dirty="0">
-                <a:latin typeface="楷体" pitchFamily="49" charset="-122"/>
-                <a:ea typeface="楷体" pitchFamily="49" charset="-122"/>
-              </a:rPr>
-              <a:t>，在数据变动是发布消息给订阅者，触发响应的监听回</a:t>
-            </a:r>
-            <a:r>
-              <a:rPr lang="zh-CN" altLang="en-US" sz="1200" dirty="0" smtClean="0">
-                <a:latin typeface="楷体" pitchFamily="49" charset="-122"/>
-                <a:ea typeface="楷体" pitchFamily="49" charset="-122"/>
-              </a:rPr>
-              <a:t>调。</a:t>
-            </a:r>
-            <a:endParaRPr lang="en-US" altLang="zh-CN" sz="1200" dirty="0" smtClean="0">
-              <a:latin typeface="楷体" pitchFamily="49" charset="-122"/>
-              <a:ea typeface="楷体" pitchFamily="49" charset="-122"/>
-            </a:endParaRPr>
-          </a:p>
-          <a:p>
-            <a:endParaRPr lang="en-US" altLang="zh-CN" sz="1200" dirty="0">
-              <a:latin typeface="楷体" pitchFamily="49" charset="-122"/>
-              <a:ea typeface="楷体" pitchFamily="49" charset="-122"/>
-            </a:endParaRPr>
-          </a:p>
-          <a:p>
-            <a:r>
-              <a:rPr lang="en-US" altLang="zh-CN" sz="1200" dirty="0" smtClean="0">
-                <a:latin typeface="楷体" pitchFamily="49" charset="-122"/>
-                <a:ea typeface="楷体" pitchFamily="49" charset="-122"/>
-              </a:rPr>
-              <a:t>Angular </a:t>
-            </a:r>
-            <a:r>
-              <a:rPr lang="zh-CN" altLang="en-US" sz="1200" dirty="0" smtClean="0">
-                <a:latin typeface="楷体" pitchFamily="49" charset="-122"/>
-                <a:ea typeface="楷体" pitchFamily="49" charset="-122"/>
-              </a:rPr>
-              <a:t>的双向</a:t>
-            </a:r>
-            <a:r>
-              <a:rPr lang="zh-CN" altLang="en-US" sz="1200" dirty="0">
-                <a:latin typeface="楷体" pitchFamily="49" charset="-122"/>
-                <a:ea typeface="楷体" pitchFamily="49" charset="-122"/>
-              </a:rPr>
-              <a:t>数据使用脏检查</a:t>
-            </a:r>
-            <a:r>
-              <a:rPr lang="en-US" altLang="zh-CN" sz="1200" dirty="0">
-                <a:latin typeface="楷体" pitchFamily="49" charset="-122"/>
-                <a:ea typeface="楷体" pitchFamily="49" charset="-122"/>
-              </a:rPr>
-              <a:t>,</a:t>
-            </a:r>
-            <a:r>
-              <a:rPr lang="zh-CN" altLang="en-US" sz="1200" dirty="0">
-                <a:latin typeface="楷体" pitchFamily="49" charset="-122"/>
-                <a:ea typeface="楷体" pitchFamily="49" charset="-122"/>
-              </a:rPr>
-              <a:t>检测绑定的</a:t>
-            </a:r>
-            <a:r>
-              <a:rPr lang="en-US" altLang="zh-CN" sz="1200" dirty="0">
-                <a:latin typeface="楷体" pitchFamily="49" charset="-122"/>
-                <a:ea typeface="楷体" pitchFamily="49" charset="-122"/>
-              </a:rPr>
-              <a:t>scope</a:t>
-            </a:r>
-            <a:r>
-              <a:rPr lang="zh-CN" altLang="en-US" sz="1200" dirty="0">
-                <a:latin typeface="楷体" pitchFamily="49" charset="-122"/>
-                <a:ea typeface="楷体" pitchFamily="49" charset="-122"/>
-              </a:rPr>
-              <a:t>中对象状态</a:t>
-            </a:r>
-            <a:r>
-              <a:rPr lang="en-US" altLang="zh-CN" sz="1200" dirty="0">
-                <a:latin typeface="楷体" pitchFamily="49" charset="-122"/>
-                <a:ea typeface="楷体" pitchFamily="49" charset="-122"/>
-              </a:rPr>
-              <a:t>$</a:t>
-            </a:r>
-            <a:r>
-              <a:rPr lang="en-US" altLang="zh-CN" sz="1200" dirty="0" err="1">
-                <a:latin typeface="楷体" pitchFamily="49" charset="-122"/>
-                <a:ea typeface="楷体" pitchFamily="49" charset="-122"/>
-              </a:rPr>
-              <a:t>scope.$watch</a:t>
-            </a:r>
-            <a:r>
-              <a:rPr lang="en-US" altLang="zh-CN" sz="1200" dirty="0">
-                <a:latin typeface="楷体" pitchFamily="49" charset="-122"/>
-                <a:ea typeface="楷体" pitchFamily="49" charset="-122"/>
-              </a:rPr>
-              <a:t>()</a:t>
-            </a:r>
-            <a:r>
-              <a:rPr lang="zh-CN" altLang="en-US" sz="1200" dirty="0">
-                <a:latin typeface="楷体" pitchFamily="49" charset="-122"/>
-                <a:ea typeface="楷体" pitchFamily="49" charset="-122"/>
-              </a:rPr>
-              <a:t>，通过循环遍历来检测是否改变</a:t>
-            </a:r>
-            <a:r>
-              <a:rPr lang="en-US" altLang="zh-CN" sz="1200" dirty="0">
-                <a:latin typeface="楷体" pitchFamily="49" charset="-122"/>
-                <a:ea typeface="楷体" pitchFamily="49" charset="-122"/>
-              </a:rPr>
-              <a:t>(</a:t>
-            </a:r>
-            <a:r>
-              <a:rPr lang="zh-CN" altLang="en-US" sz="1200" dirty="0">
-                <a:latin typeface="楷体" pitchFamily="49" charset="-122"/>
-                <a:ea typeface="楷体" pitchFamily="49" charset="-122"/>
-              </a:rPr>
-              <a:t>通过复制保存一份数据，进行快照对比，来监测变化</a:t>
-            </a:r>
-            <a:r>
-              <a:rPr lang="en-US" altLang="zh-CN" sz="1200" dirty="0">
-                <a:latin typeface="楷体" pitchFamily="49" charset="-122"/>
-                <a:ea typeface="楷体" pitchFamily="49" charset="-122"/>
-              </a:rPr>
-              <a:t>)</a:t>
-            </a:r>
-            <a:r>
-              <a:rPr lang="zh-CN" altLang="en-US" sz="1200" dirty="0" smtClean="0">
-                <a:latin typeface="楷体" pitchFamily="49" charset="-122"/>
-                <a:ea typeface="楷体" pitchFamily="49" charset="-122"/>
-              </a:rPr>
-              <a:t>。</a:t>
-            </a:r>
-            <a:endParaRPr lang="zh-CN" altLang="en-US" sz="1200" dirty="0">
-              <a:latin typeface="楷体" pitchFamily="49" charset="-122"/>
-              <a:ea typeface="楷体" pitchFamily="49" charset="-122"/>
-            </a:endParaRPr>
-          </a:p>
-        </p:txBody>
-      </p:sp>
-    </p:spTree>
-    <p:extLst>
-      <p:ext uri="{BB962C8B-B14F-4D97-AF65-F5344CB8AC3E}">
-        <p14:creationId xmlns:p14="http://schemas.microsoft.com/office/powerpoint/2010/main" val="1824647708"/>
-      </p:ext>
-    </p:extLst>
-  </p:cSld>
-  <p:clrMapOvr>
-    <a:masterClrMapping/>
-  </p:clrMapOvr>
-  <mc:AlternateContent xmlns:mc="http://schemas.openxmlformats.org/markup-compatibility/2006" xmlns:p14="http://schemas.microsoft.com/office/powerpoint/2010/main">
-    <mc:Choice Requires="p14">
-      <p:transition spd="med" p14:dur="700">
-        <p:fade/>
-      </p:transition>
-    </mc:Choice>
-    <mc:Fallback xmlns="">
-      <p:transition spd="med">
-        <p:fade/>
-      </p:transition>
-    </mc:Fallback>
-  </mc:AlternateContent>
-  <p:timing>
-    <p:tnLst>
-      <p:par>
-        <p:cTn id="1" dur="indefinite" restart="never" nodeType="tmRoot"/>
-      </p:par>
-    </p:tnLst>
-  </p:timing>
-</p:sld>
-</file>
-
 <file path=ppt/slides/slide15.xml><?xml version="1.0" encoding="utf-8"?>
 <p:sld xmlns:a="http://schemas.openxmlformats.org/drawingml/2006/main" xmlns:r="http://schemas.openxmlformats.org/officeDocument/2006/relationships" xmlns:p="http://schemas.openxmlformats.org/presentationml/2006/main">
   <p:cSld>
@@ -16551,21 +16551,7 @@
                 <a:latin typeface="楷体" pitchFamily="49" charset="-122"/>
                 <a:ea typeface="楷体" pitchFamily="49" charset="-122"/>
               </a:rPr>
-              <a:t>强大</a:t>
-            </a:r>
-            <a:r>
-              <a:rPr lang="zh-CN" altLang="en-US" sz="1200" dirty="0" smtClean="0">
-                <a:latin typeface="楷体" pitchFamily="49" charset="-122"/>
-                <a:ea typeface="楷体" pitchFamily="49" charset="-122"/>
-              </a:rPr>
-              <a:t>、更加精准</a:t>
-            </a:r>
-            <a:r>
-              <a:rPr lang="zh-CN" altLang="en-US" sz="1200" dirty="0" smtClean="0">
-                <a:latin typeface="楷体" pitchFamily="49" charset="-122"/>
-                <a:ea typeface="楷体" pitchFamily="49" charset="-122"/>
-              </a:rPr>
-              <a:t>：</a:t>
+              <a:t>强大、更加精准：</a:t>
             </a:r>
             <a:endParaRPr lang="zh-CN" altLang="en-US" sz="1200" dirty="0">
               <a:latin typeface="楷体" pitchFamily="49" charset="-122"/>
@@ -21439,18 +21425,25 @@
               <a:t>更新，</a:t>
             </a:r>
             <a:r>
-              <a:rPr lang="en-US" altLang="zh-CN" sz="1050" dirty="0" err="1">
-                <a:latin typeface="楷体" pitchFamily="49" charset="-122"/>
-                <a:ea typeface="楷体" pitchFamily="49" charset="-122"/>
-              </a:rPr>
-              <a:t>viewg</a:t>
+              <a:rPr lang="en-US" altLang="zh-CN" sz="1050" smtClean="0">
+                <a:latin typeface="楷体" pitchFamily="49" charset="-122"/>
+                <a:ea typeface="楷体" pitchFamily="49" charset="-122"/>
+              </a:rPr>
+              <a:t>view</a:t>
+            </a:r>
+            <a:r>
+              <a:rPr lang="zh-CN" altLang="en-US" sz="1050" smtClean="0">
+                <a:latin typeface="楷体" pitchFamily="49" charset="-122"/>
+                <a:ea typeface="楷体" pitchFamily="49" charset="-122"/>
+              </a:rPr>
+              <a:t>更新</a:t>
             </a:r>
             <a:r>
               <a:rPr lang="zh-CN" altLang="en-US" sz="1050" dirty="0">
                 <a:latin typeface="楷体" pitchFamily="49" charset="-122"/>
                 <a:ea typeface="楷体" pitchFamily="49" charset="-122"/>
               </a:rPr>
-              <a:t>更新变化数据是用户得到反馈。</a:t>
+              <a:t>变化数据是用户得到反馈。</a:t>
             </a:r>
             <a:endParaRPr lang="en-US" altLang="zh-CN" sz="1050" dirty="0" smtClean="0">
               <a:latin typeface="楷体" pitchFamily="49" charset="-122"/>

--- a/vue初探.pptx
+++ b/vue初探.pptx
@@ -214,7 +214,7 @@
           <a:p>
             <a:fld id="{140160B7-C42B-4AC9-86DA-E0EF3BA7FECE}" type="datetimeFigureOut">
               <a:rPr lang="zh-CN" altLang="en-US" smtClean="0"/>
-              <a:t>2020/1/15</a:t>
+              <a:t>2020/10/13</a:t>
             </a:fld>
             <a:endParaRPr lang="zh-CN" altLang="en-US"/>
           </a:p>
@@ -1072,7 +1072,7 @@
           <a:p>
             <a:fld id="{530820CF-B880-4189-942D-D702A7CBA730}" type="datetimeFigureOut">
               <a:rPr lang="zh-CN" altLang="en-US" smtClean="0"/>
-              <a:t>2020/1/15</a:t>
+              <a:t>2020/10/13</a:t>
             </a:fld>
             <a:endParaRPr lang="zh-CN" altLang="en-US"/>
           </a:p>
@@ -1284,7 +1284,7 @@
           <a:p>
             <a:fld id="{530820CF-B880-4189-942D-D702A7CBA730}" type="datetimeFigureOut">
               <a:rPr lang="zh-CN" altLang="en-US" smtClean="0"/>
-              <a:t>2020/1/15</a:t>
+              <a:t>2020/10/13</a:t>
             </a:fld>
             <a:endParaRPr lang="zh-CN" altLang="en-US"/>
           </a:p>
@@ -1471,7 +1471,7 @@
           <a:p>
             <a:fld id="{530820CF-B880-4189-942D-D702A7CBA730}" type="datetimeFigureOut">
               <a:rPr lang="zh-CN" altLang="en-US" smtClean="0"/>
-              <a:t>2020/1/15</a:t>
+              <a:t>2020/10/13</a:t>
             </a:fld>
             <a:endParaRPr lang="zh-CN" altLang="en-US"/>
           </a:p>
@@ -1568,7 +1568,7 @@
           <a:p>
             <a:fld id="{530820CF-B880-4189-942D-D702A7CBA730}" type="datetimeFigureOut">
               <a:rPr lang="zh-CN" altLang="en-US" smtClean="0"/>
-              <a:t>2020/1/15</a:t>
+              <a:t>2020/10/13</a:t>
             </a:fld>
             <a:endParaRPr lang="zh-CN" altLang="en-US"/>
           </a:p>
@@ -2164,7 +2164,7 @@
           <a:p>
             <a:fld id="{530820CF-B880-4189-942D-D702A7CBA730}" type="datetimeFigureOut">
               <a:rPr lang="zh-CN" altLang="en-US" smtClean="0"/>
-              <a:t>2020/1/15</a:t>
+              <a:t>2020/10/13</a:t>
             </a:fld>
             <a:endParaRPr lang="zh-CN" altLang="en-US"/>
           </a:p>
@@ -2261,7 +2261,7 @@
           <a:p>
             <a:fld id="{530820CF-B880-4189-942D-D702A7CBA730}" type="datetimeFigureOut">
               <a:rPr lang="zh-CN" altLang="en-US" smtClean="0"/>
-              <a:t>2020/1/15</a:t>
+              <a:t>2020/10/13</a:t>
             </a:fld>
             <a:endParaRPr lang="zh-CN" altLang="en-US"/>
           </a:p>
@@ -2866,7 +2866,7 @@
           <a:p>
             <a:fld id="{530820CF-B880-4189-942D-D702A7CBA730}" type="datetimeFigureOut">
               <a:rPr lang="zh-CN" altLang="en-US" smtClean="0"/>
-              <a:t>2020/1/15</a:t>
+              <a:t>2020/10/13</a:t>
             </a:fld>
             <a:endParaRPr lang="zh-CN" altLang="en-US"/>
           </a:p>
@@ -3009,7 +3009,7 @@
           <a:p>
             <a:fld id="{530820CF-B880-4189-942D-D702A7CBA730}" type="datetimeFigureOut">
               <a:rPr lang="zh-CN" altLang="en-US" smtClean="0"/>
-              <a:t>2020/1/15</a:t>
+              <a:t>2020/10/13</a:t>
             </a:fld>
             <a:endParaRPr lang="zh-CN" altLang="en-US"/>
           </a:p>
@@ -3106,7 +3106,7 @@
           <a:p>
             <a:fld id="{530820CF-B880-4189-942D-D702A7CBA730}" type="datetimeFigureOut">
               <a:rPr lang="zh-CN" altLang="en-US" smtClean="0"/>
-              <a:t>2020/1/15</a:t>
+              <a:t>2020/10/13</a:t>
             </a:fld>
             <a:endParaRPr lang="zh-CN" altLang="en-US"/>
           </a:p>
@@ -3390,7 +3390,7 @@
           <a:p>
             <a:fld id="{530820CF-B880-4189-942D-D702A7CBA730}" type="datetimeFigureOut">
               <a:rPr lang="zh-CN" altLang="en-US" smtClean="0"/>
-              <a:t>2020/1/15</a:t>
+              <a:t>2020/10/13</a:t>
             </a:fld>
             <a:endParaRPr lang="zh-CN" altLang="en-US"/>
           </a:p>
@@ -3912,7 +3912,7 @@
           <a:p>
             <a:fld id="{530820CF-B880-4189-942D-D702A7CBA730}" type="datetimeFigureOut">
               <a:rPr lang="zh-CN" altLang="en-US" smtClean="0"/>
-              <a:t>2020/1/15</a:t>
+              <a:t>2020/10/13</a:t>
             </a:fld>
             <a:endParaRPr lang="zh-CN" altLang="en-US"/>
           </a:p>
@@ -4432,7 +4432,7 @@
           <a:p>
             <a:fld id="{530820CF-B880-4189-942D-D702A7CBA730}" type="datetimeFigureOut">
               <a:rPr lang="zh-CN" altLang="en-US" smtClean="0"/>
-              <a:t>2020/1/15</a:t>
+              <a:t>2020/10/13</a:t>
             </a:fld>
             <a:endParaRPr lang="zh-CN" altLang="en-US"/>
           </a:p>
@@ -5101,7 +5101,28 @@
                 <a:latin typeface="宋体" pitchFamily="2" charset="-122"/>
                 <a:ea typeface="宋体" pitchFamily="2" charset="-122"/>
               </a:rPr>
-              <a:t>撰讲人：姚阿强</a:t>
+              <a:t>撰讲人</a:t>
+            </a:r>
+            <a:r>
+              <a:rPr lang="zh-CN" altLang="en-US" sz="2000" dirty="0" smtClean="0">
+                <a:latin typeface="宋体" pitchFamily="2" charset="-122"/>
+                <a:ea typeface="宋体" pitchFamily="2" charset="-122"/>
+              </a:rPr>
+              <a:t>：</a:t>
+            </a:r>
+            <a:r>
+              <a:rPr lang="en-US" altLang="zh-CN" sz="2000" dirty="0" smtClean="0">
+                <a:latin typeface="宋体" pitchFamily="2" charset="-122"/>
+                <a:ea typeface="宋体" pitchFamily="2" charset="-122"/>
+              </a:rPr>
+              <a:t>X</a:t>
+            </a:r>
+            <a:r>
+              <a:rPr lang="en-US" altLang="zh-CN" sz="2000" smtClean="0">
+                <a:latin typeface="宋体" pitchFamily="2" charset="-122"/>
+                <a:ea typeface="宋体" pitchFamily="2" charset="-122"/>
+              </a:rPr>
+              <a:t>XX</a:t>
             </a:r>
             <a:endParaRPr lang="zh-CN" altLang="en-US" sz="2000" dirty="0">
               <a:latin typeface="宋体" pitchFamily="2" charset="-122"/>
